--- a/IOTProjreview ppt.pptx
+++ b/IOTProjreview ppt.pptx
@@ -5,7 +5,7 @@
     <p:sldMasterId id="2147483648" r:id="rId1"/>
   </p:sldMasterIdLst>
   <p:notesMasterIdLst>
-    <p:notesMasterId r:id="rId14"/>
+    <p:notesMasterId r:id="rId17"/>
   </p:notesMasterIdLst>
   <p:sldIdLst>
     <p:sldId id="256" r:id="rId2"/>
@@ -14,12 +14,15 @@
     <p:sldId id="268" r:id="rId5"/>
     <p:sldId id="269" r:id="rId6"/>
     <p:sldId id="264" r:id="rId7"/>
-    <p:sldId id="270" r:id="rId8"/>
-    <p:sldId id="275" r:id="rId9"/>
-    <p:sldId id="271" r:id="rId10"/>
+    <p:sldId id="277" r:id="rId8"/>
+    <p:sldId id="271" r:id="rId9"/>
+    <p:sldId id="278" r:id="rId10"/>
     <p:sldId id="272" r:id="rId11"/>
-    <p:sldId id="266" r:id="rId12"/>
-    <p:sldId id="276" r:id="rId13"/>
+    <p:sldId id="279" r:id="rId12"/>
+    <p:sldId id="270" r:id="rId13"/>
+    <p:sldId id="275" r:id="rId14"/>
+    <p:sldId id="266" r:id="rId15"/>
+    <p:sldId id="276" r:id="rId16"/>
   </p:sldIdLst>
   <p:sldSz cx="9144000" cy="6858000" type="screen4x3"/>
   <p:notesSz cx="6858000" cy="9144000"/>
@@ -220,7 +223,7 @@
             <a:fld id="{780274FC-FEBD-4950-902E-2813466A1D59}" type="datetimeFigureOut">
               <a:rPr lang="en-US" smtClean="0"/>
               <a:pPr/>
-              <a:t>5/6/2024</a:t>
+              <a:t>5/9/2024</a:t>
             </a:fld>
             <a:endParaRPr lang="en-US" dirty="0"/>
           </a:p>
@@ -665,7 +668,7 @@
             <a:fld id="{A46BCCEB-6DF4-403B-9D84-C520D9ECFBA0}" type="datetimeFigureOut">
               <a:rPr lang="en-US" smtClean="0"/>
               <a:pPr/>
-              <a:t>5/6/2024</a:t>
+              <a:t>5/9/2024</a:t>
             </a:fld>
             <a:endParaRPr lang="en-US" dirty="0"/>
           </a:p>
@@ -830,7 +833,7 @@
             <a:fld id="{A46BCCEB-6DF4-403B-9D84-C520D9ECFBA0}" type="datetimeFigureOut">
               <a:rPr lang="en-US" smtClean="0"/>
               <a:pPr/>
-              <a:t>5/6/2024</a:t>
+              <a:t>5/9/2024</a:t>
             </a:fld>
             <a:endParaRPr lang="en-US" dirty="0"/>
           </a:p>
@@ -1005,7 +1008,7 @@
             <a:fld id="{A46BCCEB-6DF4-403B-9D84-C520D9ECFBA0}" type="datetimeFigureOut">
               <a:rPr lang="en-US" smtClean="0"/>
               <a:pPr/>
-              <a:t>5/6/2024</a:t>
+              <a:t>5/9/2024</a:t>
             </a:fld>
             <a:endParaRPr lang="en-US" dirty="0"/>
           </a:p>
@@ -1170,7 +1173,7 @@
             <a:fld id="{A46BCCEB-6DF4-403B-9D84-C520D9ECFBA0}" type="datetimeFigureOut">
               <a:rPr lang="en-US" smtClean="0"/>
               <a:pPr/>
-              <a:t>5/6/2024</a:t>
+              <a:t>5/9/2024</a:t>
             </a:fld>
             <a:endParaRPr lang="en-US" dirty="0"/>
           </a:p>
@@ -1412,7 +1415,7 @@
             <a:fld id="{A46BCCEB-6DF4-403B-9D84-C520D9ECFBA0}" type="datetimeFigureOut">
               <a:rPr lang="en-US" smtClean="0"/>
               <a:pPr/>
-              <a:t>5/6/2024</a:t>
+              <a:t>5/9/2024</a:t>
             </a:fld>
             <a:endParaRPr lang="en-US" dirty="0"/>
           </a:p>
@@ -1694,7 +1697,7 @@
             <a:fld id="{A46BCCEB-6DF4-403B-9D84-C520D9ECFBA0}" type="datetimeFigureOut">
               <a:rPr lang="en-US" smtClean="0"/>
               <a:pPr/>
-              <a:t>5/6/2024</a:t>
+              <a:t>5/9/2024</a:t>
             </a:fld>
             <a:endParaRPr lang="en-US" dirty="0"/>
           </a:p>
@@ -2110,7 +2113,7 @@
             <a:fld id="{A46BCCEB-6DF4-403B-9D84-C520D9ECFBA0}" type="datetimeFigureOut">
               <a:rPr lang="en-US" smtClean="0"/>
               <a:pPr/>
-              <a:t>5/6/2024</a:t>
+              <a:t>5/9/2024</a:t>
             </a:fld>
             <a:endParaRPr lang="en-US" dirty="0"/>
           </a:p>
@@ -2224,7 +2227,7 @@
             <a:fld id="{A46BCCEB-6DF4-403B-9D84-C520D9ECFBA0}" type="datetimeFigureOut">
               <a:rPr lang="en-US" smtClean="0"/>
               <a:pPr/>
-              <a:t>5/6/2024</a:t>
+              <a:t>5/9/2024</a:t>
             </a:fld>
             <a:endParaRPr lang="en-US" dirty="0"/>
           </a:p>
@@ -2316,7 +2319,7 @@
             <a:fld id="{A46BCCEB-6DF4-403B-9D84-C520D9ECFBA0}" type="datetimeFigureOut">
               <a:rPr lang="en-US" smtClean="0"/>
               <a:pPr/>
-              <a:t>5/6/2024</a:t>
+              <a:t>5/9/2024</a:t>
             </a:fld>
             <a:endParaRPr lang="en-US" dirty="0"/>
           </a:p>
@@ -2588,7 +2591,7 @@
             <a:fld id="{A46BCCEB-6DF4-403B-9D84-C520D9ECFBA0}" type="datetimeFigureOut">
               <a:rPr lang="en-US" smtClean="0"/>
               <a:pPr/>
-              <a:t>5/6/2024</a:t>
+              <a:t>5/9/2024</a:t>
             </a:fld>
             <a:endParaRPr lang="en-US" dirty="0"/>
           </a:p>
@@ -2837,7 +2840,7 @@
             <a:fld id="{A46BCCEB-6DF4-403B-9D84-C520D9ECFBA0}" type="datetimeFigureOut">
               <a:rPr lang="en-US" smtClean="0"/>
               <a:pPr/>
-              <a:t>5/6/2024</a:t>
+              <a:t>5/9/2024</a:t>
             </a:fld>
             <a:endParaRPr lang="en-US" dirty="0"/>
           </a:p>
@@ -3045,7 +3048,7 @@
             <a:fld id="{A46BCCEB-6DF4-403B-9D84-C520D9ECFBA0}" type="datetimeFigureOut">
               <a:rPr lang="en-US" smtClean="0"/>
               <a:pPr/>
-              <a:t>5/6/2024</a:t>
+              <a:t>5/9/2024</a:t>
             </a:fld>
             <a:endParaRPr lang="en-US" dirty="0"/>
           </a:p>
@@ -4117,6 +4120,137 @@
       </p:grpSpPr>
       <p:sp>
         <p:nvSpPr>
+          <p:cNvPr id="3" name="TextBox 2">
+            <a:extLst>
+              <a:ext uri="{FF2B5EF4-FFF2-40B4-BE49-F238E27FC236}">
+                <a16:creationId xmlns:a16="http://schemas.microsoft.com/office/drawing/2014/main" id="{3E30EB78-9680-0D48-49B5-F1672AD94929}"/>
+              </a:ext>
+            </a:extLst>
+          </p:cNvPr>
+          <p:cNvSpPr txBox="1"/>
+          <p:nvPr/>
+        </p:nvSpPr>
+        <p:spPr>
+          <a:xfrm>
+            <a:off x="304800" y="505122"/>
+            <a:ext cx="8763000" cy="5601533"/>
+          </a:xfrm>
+          <a:prstGeom prst="rect">
+            <a:avLst/>
+          </a:prstGeom>
+          <a:noFill/>
+        </p:spPr>
+        <p:txBody>
+          <a:bodyPr wrap="square">
+            <a:spAutoFit/>
+          </a:bodyPr>
+          <a:lstStyle/>
+          <a:p>
+            <a:endParaRPr lang="en-US" dirty="0"/>
+          </a:p>
+          <a:p>
+            <a:r>
+              <a:rPr lang="en-US" sz="1600" dirty="0"/>
+              <a:t>Advantages:</a:t>
+            </a:r>
+          </a:p>
+          <a:p>
+            <a:endParaRPr lang="en-US" sz="1600" dirty="0"/>
+          </a:p>
+          <a:p>
+            <a:r>
+              <a:rPr lang="en-US" sz="1600" dirty="0"/>
+              <a:t>Enhanced Security: Implementing security measures for low-power IoT devices on 5G and beyond networks can significantly improve data protection</a:t>
+            </a:r>
+          </a:p>
+          <a:p>
+            <a:endParaRPr lang="en-US" sz="1600" dirty="0"/>
+          </a:p>
+          <a:p>
+            <a:r>
+              <a:rPr lang="en-US" sz="1600" dirty="0"/>
+              <a:t>Scalability: Developing security and privacy solutions that are scalable to accommodate the increasing number of IoT devices connected to 5G networks</a:t>
+            </a:r>
+          </a:p>
+          <a:p>
+            <a:endParaRPr lang="en-US" sz="1600" dirty="0"/>
+          </a:p>
+          <a:p>
+            <a:r>
+              <a:rPr lang="en-US" sz="1600" dirty="0"/>
+              <a:t>Regulatory Compliance: Meeting regulatory requirements for data protection and privacy, such as GDPR in Europe.</a:t>
+            </a:r>
+          </a:p>
+          <a:p>
+            <a:endParaRPr lang="en-US" sz="2000" dirty="0"/>
+          </a:p>
+          <a:p>
+            <a:r>
+              <a:rPr lang="en-US" sz="1600" dirty="0"/>
+              <a:t>Disadvantages:</a:t>
+            </a:r>
+          </a:p>
+          <a:p>
+            <a:endParaRPr lang="en-US" sz="1600" dirty="0"/>
+          </a:p>
+          <a:p>
+            <a:r>
+              <a:rPr lang="en-US" sz="1600" dirty="0"/>
+              <a:t>Compatibility Issues: Ensuring compatibility between security protocols and IoT devices from different manufacturers may be challenging</a:t>
+            </a:r>
+          </a:p>
+          <a:p>
+            <a:endParaRPr lang="en-US" sz="1600" dirty="0"/>
+          </a:p>
+          <a:p>
+            <a:r>
+              <a:rPr lang="en-US" sz="1600" dirty="0"/>
+              <a:t>Cost: Implementing robust security and privacy measures may increase the cost of IoT devices, potentially limiting their affordability and adoption</a:t>
+            </a:r>
+          </a:p>
+          <a:p>
+            <a:endParaRPr lang="en-US" sz="1600" dirty="0"/>
+          </a:p>
+          <a:p>
+            <a:r>
+              <a:rPr lang="en-US" sz="1600" dirty="0"/>
+              <a:t>Overhead: Security and privacy protocols impose additional overhead on network bandwidth and device resources</a:t>
+            </a:r>
+          </a:p>
+        </p:txBody>
+      </p:sp>
+    </p:spTree>
+    <p:extLst>
+      <p:ext uri="{BB962C8B-B14F-4D97-AF65-F5344CB8AC3E}">
+        <p14:creationId xmlns:p14="http://schemas.microsoft.com/office/powerpoint/2010/main" val="2293878988"/>
+      </p:ext>
+    </p:extLst>
+  </p:cSld>
+  <p:clrMapOvr>
+    <a:masterClrMapping/>
+  </p:clrMapOvr>
+</p:sld>
+</file>
+
+<file path=ppt/slides/slide12.xml><?xml version="1.0" encoding="utf-8"?>
+<p:sld xmlns:a="http://schemas.openxmlformats.org/drawingml/2006/main" xmlns:r="http://schemas.openxmlformats.org/officeDocument/2006/relationships" xmlns:p="http://schemas.openxmlformats.org/presentationml/2006/main">
+  <p:cSld>
+    <p:spTree>
+      <p:nvGrpSpPr>
+        <p:cNvPr id="1" name=""/>
+        <p:cNvGrpSpPr/>
+        <p:nvPr/>
+      </p:nvGrpSpPr>
+      <p:grpSpPr>
+        <a:xfrm>
+          <a:off x="0" y="0"/>
+          <a:ext cx="0" cy="0"/>
+          <a:chOff x="0" y="0"/>
+          <a:chExt cx="0" cy="0"/>
+        </a:xfrm>
+      </p:grpSpPr>
+      <p:sp>
+        <p:nvSpPr>
           <p:cNvPr id="2" name="Title 1"/>
           <p:cNvSpPr>
             <a:spLocks noGrp="1"/>
@@ -4133,12 +4267,13 @@
           <a:lstStyle/>
           <a:p>
             <a:r>
-              <a:rPr lang="en-US" sz="4000" dirty="0">
+              <a:rPr lang="en-US" dirty="0">
                 <a:latin typeface="Times New Roman" pitchFamily="18" charset="0"/>
                 <a:cs typeface="Times New Roman" pitchFamily="18" charset="0"/>
               </a:rPr>
-              <a:t>Conclusion</a:t>
-            </a:r>
+              <a:t>H/W REQUIREMENTS</a:t>
+            </a:r>
+            <a:endParaRPr lang="en-US" dirty="0"/>
           </a:p>
         </p:txBody>
       </p:sp>
@@ -4154,41 +4289,117 @@
         </p:nvSpPr>
         <p:spPr>
           <a:xfrm>
-            <a:off x="457200" y="2057400"/>
-            <a:ext cx="8229600" cy="3352800"/>
+            <a:off x="457200" y="1447800"/>
+            <a:ext cx="8229600" cy="5135562"/>
           </a:xfrm>
         </p:spPr>
         <p:txBody>
           <a:bodyPr>
-            <a:normAutofit/>
+            <a:normAutofit lnSpcReduction="10000"/>
           </a:bodyPr>
           <a:lstStyle/>
           <a:p>
-            <a:pPr>
+            <a:pPr algn="just">
               <a:lnSpc>
                 <a:spcPct val="150000"/>
               </a:lnSpc>
             </a:pPr>
             <a:r>
-              <a:rPr lang="en-US" sz="2800" dirty="0">
-                <a:latin typeface="Times New Roman" pitchFamily="18" charset="0"/>
-                <a:cs typeface="Times New Roman" pitchFamily="18" charset="0"/>
-              </a:rPr>
-              <a:t>Thus the proposed system can detect anomalies proactively and predict the type of anomalies that can appear in the different IOT systems</a:t>
-            </a:r>
-          </a:p>
-          <a:p>
-            <a:pPr>
+              <a:rPr lang="en-US" sz="1600" dirty="0"/>
+              <a:t>CPU: Intel Core i7 or AMD Ryzen 7 processor with multiple cores and high clock speeds.</a:t>
+            </a:r>
+          </a:p>
+          <a:p>
+            <a:pPr algn="just">
               <a:lnSpc>
                 <a:spcPct val="150000"/>
               </a:lnSpc>
             </a:pPr>
             <a:r>
-              <a:rPr lang="en-US" sz="2800" dirty="0">
-                <a:latin typeface="Times New Roman" pitchFamily="18" charset="0"/>
-                <a:cs typeface="Times New Roman" pitchFamily="18" charset="0"/>
-              </a:rPr>
-              <a:t>This can save clients a lot of investments by avoiding a attack or vulnerability altogether</a:t>
+              <a:rPr lang="en-US" sz="1600" dirty="0"/>
+              <a:t>RAM: Minimum 16GB DDR4 RAM for handling large datasets and model training.</a:t>
+            </a:r>
+          </a:p>
+          <a:p>
+            <a:pPr algn="just">
+              <a:lnSpc>
+                <a:spcPct val="150000"/>
+              </a:lnSpc>
+            </a:pPr>
+            <a:r>
+              <a:rPr lang="en-US" sz="1600" dirty="0"/>
+              <a:t>Storage: SSD with at least 500GB capacity for storing datasets, model checkpoints, and software installations.</a:t>
+            </a:r>
+          </a:p>
+          <a:p>
+            <a:pPr algn="just">
+              <a:lnSpc>
+                <a:spcPct val="150000"/>
+              </a:lnSpc>
+            </a:pPr>
+            <a:r>
+              <a:rPr lang="en-US" sz="1600" dirty="0"/>
+              <a:t>Ethernet: Gigabit Ethernet adapter for fast and reliable network connectivity.</a:t>
+            </a:r>
+          </a:p>
+          <a:p>
+            <a:pPr algn="just">
+              <a:lnSpc>
+                <a:spcPct val="150000"/>
+              </a:lnSpc>
+            </a:pPr>
+            <a:r>
+              <a:rPr lang="en-US" sz="1600" dirty="0"/>
+              <a:t>Wi-Fi: Dual-band Wi-Fi adapter for wireless communication with IoT devices and edge servers.</a:t>
+            </a:r>
+          </a:p>
+          <a:p>
+            <a:pPr algn="just">
+              <a:lnSpc>
+                <a:spcPct val="150000"/>
+              </a:lnSpc>
+            </a:pPr>
+            <a:r>
+              <a:rPr lang="en-US" sz="1600" dirty="0"/>
+              <a:t>Edge Computing </a:t>
+            </a:r>
+            <a:r>
+              <a:rPr lang="en-US" sz="1600" dirty="0" err="1"/>
+              <a:t>Devices:Industrial-grade</a:t>
+            </a:r>
+            <a:r>
+              <a:rPr lang="en-US" sz="1600" dirty="0"/>
+              <a:t> edge servers or gateways with Intel Xeon or AMD EPYC processors for real-time inference and decision-making at the edge</a:t>
+            </a:r>
+          </a:p>
+          <a:p>
+            <a:pPr algn="just">
+              <a:lnSpc>
+                <a:spcPct val="150000"/>
+              </a:lnSpc>
+            </a:pPr>
+            <a:r>
+              <a:rPr lang="en-US" sz="1600" dirty="0"/>
+              <a:t>Security </a:t>
+            </a:r>
+            <a:r>
+              <a:rPr lang="en-US" sz="1600" dirty="0" err="1"/>
+              <a:t>Hardware:Trusted</a:t>
+            </a:r>
+            <a:r>
+              <a:rPr lang="en-US" sz="1600" dirty="0"/>
+              <a:t> Platform Module (TPM) for hardware-based security features and secure boot capabilities.</a:t>
+            </a:r>
+          </a:p>
+          <a:p>
+            <a:pPr algn="just">
+              <a:lnSpc>
+                <a:spcPct val="150000"/>
+              </a:lnSpc>
+            </a:pPr>
+            <a:r>
+              <a:rPr lang="en-US" sz="1600" dirty="0"/>
+              <a:t>Hardware Security Module (HSM) for cryptographic key management and secure storage of sensitive data.</a:t>
             </a:r>
           </a:p>
         </p:txBody>
@@ -4201,7 +4412,278 @@
 </p:sld>
 </file>
 
-<file path=ppt/slides/slide12.xml><?xml version="1.0" encoding="utf-8"?>
+<file path=ppt/slides/slide13.xml><?xml version="1.0" encoding="utf-8"?>
+<p:sld xmlns:a="http://schemas.openxmlformats.org/drawingml/2006/main" xmlns:r="http://schemas.openxmlformats.org/officeDocument/2006/relationships" xmlns:p="http://schemas.openxmlformats.org/presentationml/2006/main">
+  <p:cSld>
+    <p:spTree>
+      <p:nvGrpSpPr>
+        <p:cNvPr id="1" name="">
+          <a:extLst>
+            <a:ext uri="{FF2B5EF4-FFF2-40B4-BE49-F238E27FC236}">
+              <a16:creationId xmlns:a16="http://schemas.microsoft.com/office/drawing/2014/main" id="{2EDF2FAF-1B10-D0FB-F7EA-A5ADC0591BAB}"/>
+            </a:ext>
+          </a:extLst>
+        </p:cNvPr>
+        <p:cNvGrpSpPr/>
+        <p:nvPr/>
+      </p:nvGrpSpPr>
+      <p:grpSpPr>
+        <a:xfrm>
+          <a:off x="0" y="0"/>
+          <a:ext cx="0" cy="0"/>
+          <a:chOff x="0" y="0"/>
+          <a:chExt cx="0" cy="0"/>
+        </a:xfrm>
+      </p:grpSpPr>
+      <p:sp>
+        <p:nvSpPr>
+          <p:cNvPr id="2" name="Title 1">
+            <a:extLst>
+              <a:ext uri="{FF2B5EF4-FFF2-40B4-BE49-F238E27FC236}">
+                <a16:creationId xmlns:a16="http://schemas.microsoft.com/office/drawing/2014/main" id="{D45BF76E-73AB-9FA0-7880-89AF17E7F578}"/>
+              </a:ext>
+            </a:extLst>
+          </p:cNvPr>
+          <p:cNvSpPr>
+            <a:spLocks noGrp="1"/>
+          </p:cNvSpPr>
+          <p:nvPr>
+            <p:ph type="title"/>
+          </p:nvPr>
+        </p:nvSpPr>
+        <p:spPr/>
+        <p:txBody>
+          <a:bodyPr>
+            <a:normAutofit/>
+          </a:bodyPr>
+          <a:lstStyle/>
+          <a:p>
+            <a:r>
+              <a:rPr lang="en-US" dirty="0">
+                <a:latin typeface="Times New Roman" pitchFamily="18" charset="0"/>
+                <a:cs typeface="Times New Roman" pitchFamily="18" charset="0"/>
+              </a:rPr>
+              <a:t>S/W REQUIREMENTS</a:t>
+            </a:r>
+            <a:endParaRPr lang="en-US" dirty="0"/>
+          </a:p>
+        </p:txBody>
+      </p:sp>
+      <p:sp>
+        <p:nvSpPr>
+          <p:cNvPr id="3" name="Content Placeholder 2">
+            <a:extLst>
+              <a:ext uri="{FF2B5EF4-FFF2-40B4-BE49-F238E27FC236}">
+                <a16:creationId xmlns:a16="http://schemas.microsoft.com/office/drawing/2014/main" id="{DF3F516A-D44F-01DA-D949-C54C449849AE}"/>
+              </a:ext>
+            </a:extLst>
+          </p:cNvPr>
+          <p:cNvSpPr>
+            <a:spLocks noGrp="1"/>
+          </p:cNvSpPr>
+          <p:nvPr>
+            <p:ph idx="1"/>
+          </p:nvPr>
+        </p:nvSpPr>
+        <p:spPr>
+          <a:xfrm>
+            <a:off x="457200" y="1447800"/>
+            <a:ext cx="8229600" cy="5135562"/>
+          </a:xfrm>
+        </p:spPr>
+        <p:txBody>
+          <a:bodyPr>
+            <a:normAutofit/>
+          </a:bodyPr>
+          <a:lstStyle/>
+          <a:p>
+            <a:pPr algn="just">
+              <a:lnSpc>
+                <a:spcPct val="150000"/>
+              </a:lnSpc>
+            </a:pPr>
+            <a:r>
+              <a:rPr lang="en-US" sz="2000" dirty="0"/>
+              <a:t>AI Frameworks and Libraries: TensorFlow for building and training machine learning models.</a:t>
+            </a:r>
+          </a:p>
+          <a:p>
+            <a:pPr algn="just">
+              <a:lnSpc>
+                <a:spcPct val="150000"/>
+              </a:lnSpc>
+            </a:pPr>
+            <a:r>
+              <a:rPr lang="en-US" sz="2000" dirty="0"/>
+              <a:t>Scikit-learn for implementing anomaly detection algorithms and feature engineering.</a:t>
+            </a:r>
+          </a:p>
+          <a:p>
+            <a:pPr algn="just">
+              <a:lnSpc>
+                <a:spcPct val="150000"/>
+              </a:lnSpc>
+            </a:pPr>
+            <a:endParaRPr lang="en-US" sz="2000" dirty="0"/>
+          </a:p>
+          <a:p>
+            <a:pPr algn="just">
+              <a:lnSpc>
+                <a:spcPct val="150000"/>
+              </a:lnSpc>
+            </a:pPr>
+            <a:r>
+              <a:rPr lang="en-US" sz="2000" dirty="0"/>
+              <a:t>Development Tools: Google </a:t>
+            </a:r>
+            <a:r>
+              <a:rPr lang="en-US" sz="2000" dirty="0" err="1"/>
+              <a:t>Colab</a:t>
+            </a:r>
+            <a:r>
+              <a:rPr lang="en-US" sz="2000" dirty="0"/>
+              <a:t> for interactive development and experimentation.</a:t>
+            </a:r>
+          </a:p>
+          <a:p>
+            <a:pPr algn="just">
+              <a:lnSpc>
+                <a:spcPct val="150000"/>
+              </a:lnSpc>
+            </a:pPr>
+            <a:r>
+              <a:rPr lang="en-US" sz="2000" dirty="0"/>
+              <a:t>Git for version control and collaboration among team members.</a:t>
+            </a:r>
+          </a:p>
+          <a:p>
+            <a:pPr marL="0" indent="0" algn="just">
+              <a:lnSpc>
+                <a:spcPct val="150000"/>
+              </a:lnSpc>
+              <a:buNone/>
+            </a:pPr>
+            <a:endParaRPr lang="en-US" sz="1400" dirty="0"/>
+          </a:p>
+        </p:txBody>
+      </p:sp>
+    </p:spTree>
+    <p:extLst>
+      <p:ext uri="{BB962C8B-B14F-4D97-AF65-F5344CB8AC3E}">
+        <p14:creationId xmlns:p14="http://schemas.microsoft.com/office/powerpoint/2010/main" val="3224657767"/>
+      </p:ext>
+    </p:extLst>
+  </p:cSld>
+  <p:clrMapOvr>
+    <a:masterClrMapping/>
+  </p:clrMapOvr>
+</p:sld>
+</file>
+
+<file path=ppt/slides/slide14.xml><?xml version="1.0" encoding="utf-8"?>
+<p:sld xmlns:a="http://schemas.openxmlformats.org/drawingml/2006/main" xmlns:r="http://schemas.openxmlformats.org/officeDocument/2006/relationships" xmlns:p="http://schemas.openxmlformats.org/presentationml/2006/main">
+  <p:cSld>
+    <p:spTree>
+      <p:nvGrpSpPr>
+        <p:cNvPr id="1" name=""/>
+        <p:cNvGrpSpPr/>
+        <p:nvPr/>
+      </p:nvGrpSpPr>
+      <p:grpSpPr>
+        <a:xfrm>
+          <a:off x="0" y="0"/>
+          <a:ext cx="0" cy="0"/>
+          <a:chOff x="0" y="0"/>
+          <a:chExt cx="0" cy="0"/>
+        </a:xfrm>
+      </p:grpSpPr>
+      <p:sp>
+        <p:nvSpPr>
+          <p:cNvPr id="2" name="Title 1"/>
+          <p:cNvSpPr>
+            <a:spLocks noGrp="1"/>
+          </p:cNvSpPr>
+          <p:nvPr>
+            <p:ph type="title"/>
+          </p:nvPr>
+        </p:nvSpPr>
+        <p:spPr/>
+        <p:txBody>
+          <a:bodyPr>
+            <a:normAutofit/>
+          </a:bodyPr>
+          <a:lstStyle/>
+          <a:p>
+            <a:r>
+              <a:rPr lang="en-US" sz="4000" dirty="0">
+                <a:latin typeface="Times New Roman" pitchFamily="18" charset="0"/>
+                <a:cs typeface="Times New Roman" pitchFamily="18" charset="0"/>
+              </a:rPr>
+              <a:t>Conclusion</a:t>
+            </a:r>
+          </a:p>
+        </p:txBody>
+      </p:sp>
+      <p:sp>
+        <p:nvSpPr>
+          <p:cNvPr id="3" name="Content Placeholder 2"/>
+          <p:cNvSpPr>
+            <a:spLocks noGrp="1"/>
+          </p:cNvSpPr>
+          <p:nvPr>
+            <p:ph idx="1"/>
+          </p:nvPr>
+        </p:nvSpPr>
+        <p:spPr>
+          <a:xfrm>
+            <a:off x="457200" y="2057400"/>
+            <a:ext cx="8229600" cy="3352800"/>
+          </a:xfrm>
+        </p:spPr>
+        <p:txBody>
+          <a:bodyPr>
+            <a:normAutofit/>
+          </a:bodyPr>
+          <a:lstStyle/>
+          <a:p>
+            <a:pPr>
+              <a:lnSpc>
+                <a:spcPct val="150000"/>
+              </a:lnSpc>
+            </a:pPr>
+            <a:r>
+              <a:rPr lang="en-US" sz="2800" dirty="0">
+                <a:latin typeface="Times New Roman" pitchFamily="18" charset="0"/>
+                <a:cs typeface="Times New Roman" pitchFamily="18" charset="0"/>
+              </a:rPr>
+              <a:t>Thus the proposed system can detect anomalies proactively and predict the type of anomalies that can appear in the different IOT systems</a:t>
+            </a:r>
+          </a:p>
+          <a:p>
+            <a:pPr>
+              <a:lnSpc>
+                <a:spcPct val="150000"/>
+              </a:lnSpc>
+            </a:pPr>
+            <a:r>
+              <a:rPr lang="en-US" sz="2800" dirty="0">
+                <a:latin typeface="Times New Roman" pitchFamily="18" charset="0"/>
+                <a:cs typeface="Times New Roman" pitchFamily="18" charset="0"/>
+              </a:rPr>
+              <a:t>This can save clients a lot of investments by avoiding a attack or vulnerability altogether</a:t>
+            </a:r>
+          </a:p>
+        </p:txBody>
+      </p:sp>
+    </p:spTree>
+  </p:cSld>
+  <p:clrMapOvr>
+    <a:masterClrMapping/>
+  </p:clrMapOvr>
+</p:sld>
+</file>
+
+<file path=ppt/slides/slide15.xml><?xml version="1.0" encoding="utf-8"?>
 <p:sld xmlns:a="http://schemas.openxmlformats.org/drawingml/2006/main" xmlns:r="http://schemas.openxmlformats.org/officeDocument/2006/relationships" xmlns:p="http://schemas.openxmlformats.org/presentationml/2006/main">
   <p:cSld>
     <p:spTree>
@@ -4906,160 +5388,94 @@
       </p:grpSpPr>
       <p:sp>
         <p:nvSpPr>
-          <p:cNvPr id="2" name="Title 1"/>
-          <p:cNvSpPr>
-            <a:spLocks noGrp="1"/>
-          </p:cNvSpPr>
-          <p:nvPr>
-            <p:ph type="title"/>
-          </p:nvPr>
-        </p:nvSpPr>
-        <p:spPr/>
-        <p:txBody>
-          <a:bodyPr>
-            <a:normAutofit/>
-          </a:bodyPr>
-          <a:lstStyle/>
-          <a:p>
-            <a:r>
-              <a:rPr lang="en-US" dirty="0">
-                <a:latin typeface="Times New Roman" pitchFamily="18" charset="0"/>
-                <a:cs typeface="Times New Roman" pitchFamily="18" charset="0"/>
-              </a:rPr>
-              <a:t>H/W REQUIREMENTS</a:t>
-            </a:r>
-            <a:endParaRPr lang="en-US" dirty="0"/>
-          </a:p>
-        </p:txBody>
-      </p:sp>
-      <p:sp>
-        <p:nvSpPr>
-          <p:cNvPr id="3" name="Content Placeholder 2"/>
-          <p:cNvSpPr>
-            <a:spLocks noGrp="1"/>
-          </p:cNvSpPr>
-          <p:nvPr>
-            <p:ph idx="1"/>
-          </p:nvPr>
+          <p:cNvPr id="4" name="Rectangle 3">
+            <a:extLst>
+              <a:ext uri="{FF2B5EF4-FFF2-40B4-BE49-F238E27FC236}">
+                <a16:creationId xmlns:a16="http://schemas.microsoft.com/office/drawing/2014/main" id="{3F605706-7DCD-8AAB-FB26-EAFC22440CEC}"/>
+              </a:ext>
+            </a:extLst>
+          </p:cNvPr>
+          <p:cNvSpPr/>
+          <p:nvPr/>
         </p:nvSpPr>
         <p:spPr>
           <a:xfrm>
-            <a:off x="457200" y="1447800"/>
-            <a:ext cx="8229600" cy="5135562"/>
+            <a:off x="152400" y="152400"/>
+            <a:ext cx="8839200" cy="6553200"/>
           </a:xfrm>
+          <a:prstGeom prst="rect">
+            <a:avLst/>
+          </a:prstGeom>
+          <a:noFill/>
         </p:spPr>
-        <p:txBody>
-          <a:bodyPr>
-            <a:normAutofit lnSpcReduction="10000"/>
+        <p:style>
+          <a:lnRef idx="2">
+            <a:schemeClr val="dk1"/>
+          </a:lnRef>
+          <a:fillRef idx="1">
+            <a:schemeClr val="lt1"/>
+          </a:fillRef>
+          <a:effectRef idx="0">
+            <a:schemeClr val="dk1"/>
+          </a:effectRef>
+          <a:fontRef idx="minor">
+            <a:schemeClr val="dk1"/>
+          </a:fontRef>
+        </p:style>
+        <p:txBody>
+          <a:bodyPr rtlCol="0" anchor="ctr"/>
+          <a:lstStyle/>
+          <a:p>
+            <a:pPr algn="ctr"/>
+            <a:endParaRPr lang="en-US" dirty="0"/>
+          </a:p>
+        </p:txBody>
+      </p:sp>
+      <p:sp>
+        <p:nvSpPr>
+          <p:cNvPr id="5" name="TextBox 4">
+            <a:extLst>
+              <a:ext uri="{FF2B5EF4-FFF2-40B4-BE49-F238E27FC236}">
+                <a16:creationId xmlns:a16="http://schemas.microsoft.com/office/drawing/2014/main" id="{6ECB9CA7-6395-A8E8-0391-AAD34D108087}"/>
+              </a:ext>
+            </a:extLst>
+          </p:cNvPr>
+          <p:cNvSpPr txBox="1"/>
+          <p:nvPr/>
+        </p:nvSpPr>
+        <p:spPr>
+          <a:xfrm>
+            <a:off x="1295400" y="2743200"/>
+            <a:ext cx="6781800" cy="830997"/>
+          </a:xfrm>
+          <a:prstGeom prst="rect">
+            <a:avLst/>
+          </a:prstGeom>
+          <a:noFill/>
+        </p:spPr>
+        <p:txBody>
+          <a:bodyPr wrap="square" rtlCol="0">
+            <a:spAutoFit/>
           </a:bodyPr>
           <a:lstStyle/>
           <a:p>
-            <a:pPr algn="just">
-              <a:lnSpc>
-                <a:spcPct val="150000"/>
-              </a:lnSpc>
-            </a:pPr>
-            <a:r>
-              <a:rPr lang="en-US" sz="1600" dirty="0"/>
-              <a:t>CPU: Intel Core i7 or AMD Ryzen 7 processor with multiple cores and high clock speeds.</a:t>
-            </a:r>
-          </a:p>
-          <a:p>
-            <a:pPr algn="just">
-              <a:lnSpc>
-                <a:spcPct val="150000"/>
-              </a:lnSpc>
-            </a:pPr>
-            <a:r>
-              <a:rPr lang="en-US" sz="1600" dirty="0"/>
-              <a:t>RAM: Minimum 16GB DDR4 RAM for handling large datasets and model training.</a:t>
-            </a:r>
-          </a:p>
-          <a:p>
-            <a:pPr algn="just">
-              <a:lnSpc>
-                <a:spcPct val="150000"/>
-              </a:lnSpc>
-            </a:pPr>
-            <a:r>
-              <a:rPr lang="en-US" sz="1600" dirty="0"/>
-              <a:t>Storage: SSD with at least 500GB capacity for storing datasets, model checkpoints, and software installations.</a:t>
-            </a:r>
-          </a:p>
-          <a:p>
-            <a:pPr algn="just">
-              <a:lnSpc>
-                <a:spcPct val="150000"/>
-              </a:lnSpc>
-            </a:pPr>
-            <a:r>
-              <a:rPr lang="en-US" sz="1600" dirty="0"/>
-              <a:t>Ethernet: Gigabit Ethernet adapter for fast and reliable network connectivity.</a:t>
-            </a:r>
-          </a:p>
-          <a:p>
-            <a:pPr algn="just">
-              <a:lnSpc>
-                <a:spcPct val="150000"/>
-              </a:lnSpc>
-            </a:pPr>
-            <a:r>
-              <a:rPr lang="en-US" sz="1600" dirty="0"/>
-              <a:t>Wi-Fi: Dual-band Wi-Fi adapter for wireless communication with IoT devices and edge servers.</a:t>
-            </a:r>
-          </a:p>
-          <a:p>
-            <a:pPr algn="just">
-              <a:lnSpc>
-                <a:spcPct val="150000"/>
-              </a:lnSpc>
-            </a:pPr>
-            <a:r>
-              <a:rPr lang="en-US" sz="1600" dirty="0"/>
-              <a:t>Edge Computing </a:t>
-            </a:r>
-            <a:r>
-              <a:rPr lang="en-US" sz="1600" dirty="0" err="1"/>
-              <a:t>Devices:Industrial-grade</a:t>
-            </a:r>
-            <a:r>
-              <a:rPr lang="en-US" sz="1600" dirty="0"/>
-              <a:t> edge servers or gateways with Intel Xeon or AMD EPYC processors for real-time inference and decision-making at the edge</a:t>
-            </a:r>
-          </a:p>
-          <a:p>
-            <a:pPr algn="just">
-              <a:lnSpc>
-                <a:spcPct val="150000"/>
-              </a:lnSpc>
-            </a:pPr>
-            <a:r>
-              <a:rPr lang="en-US" sz="1600" dirty="0"/>
-              <a:t>Security </a:t>
-            </a:r>
-            <a:r>
-              <a:rPr lang="en-US" sz="1600" dirty="0" err="1"/>
-              <a:t>Hardware:Trusted</a:t>
-            </a:r>
-            <a:r>
-              <a:rPr lang="en-US" sz="1600" dirty="0"/>
-              <a:t> Platform Module (TPM) for hardware-based security features and secure boot capabilities.</a:t>
-            </a:r>
-          </a:p>
-          <a:p>
-            <a:pPr algn="just">
-              <a:lnSpc>
-                <a:spcPct val="150000"/>
-              </a:lnSpc>
-            </a:pPr>
-            <a:r>
-              <a:rPr lang="en-US" sz="1600" dirty="0"/>
-              <a:t>Hardware Security Module (HSM) for cryptographic key management and secure storage of sensitive data.</a:t>
+            <a:pPr algn="ctr"/>
+            <a:r>
+              <a:rPr lang="en-IN" sz="4800" dirty="0">
+                <a:latin typeface="Times New Roman" panose="02020603050405020304" pitchFamily="18" charset="0"/>
+                <a:cs typeface="Times New Roman" panose="02020603050405020304" pitchFamily="18" charset="0"/>
+              </a:rPr>
+              <a:t>LITERATURE  SURVEY </a:t>
             </a:r>
           </a:p>
         </p:txBody>
       </p:sp>
     </p:spTree>
+    <p:extLst>
+      <p:ext uri="{BB962C8B-B14F-4D97-AF65-F5344CB8AC3E}">
+        <p14:creationId xmlns:p14="http://schemas.microsoft.com/office/powerpoint/2010/main" val="2668210658"/>
+      </p:ext>
+    </p:extLst>
   </p:cSld>
   <p:clrMapOvr>
     <a:masterClrMapping/>
@@ -5072,13 +5488,7 @@
   <p:cSld>
     <p:spTree>
       <p:nvGrpSpPr>
-        <p:cNvPr id="1" name="">
-          <a:extLst>
-            <a:ext uri="{FF2B5EF4-FFF2-40B4-BE49-F238E27FC236}">
-              <a16:creationId xmlns:a16="http://schemas.microsoft.com/office/drawing/2014/main" id="{2EDF2FAF-1B10-D0FB-F7EA-A5ADC0591BAB}"/>
-            </a:ext>
-          </a:extLst>
-        </p:cNvPr>
+        <p:cNvPr id="1" name=""/>
         <p:cNvGrpSpPr/>
         <p:nvPr/>
       </p:nvGrpSpPr>
@@ -5092,13 +5502,7 @@
       </p:grpSpPr>
       <p:sp>
         <p:nvSpPr>
-          <p:cNvPr id="2" name="Title 1">
-            <a:extLst>
-              <a:ext uri="{FF2B5EF4-FFF2-40B4-BE49-F238E27FC236}">
-                <a16:creationId xmlns:a16="http://schemas.microsoft.com/office/drawing/2014/main" id="{D45BF76E-73AB-9FA0-7880-89AF17E7F578}"/>
-              </a:ext>
-            </a:extLst>
-          </p:cNvPr>
+          <p:cNvPr id="2" name="Title 1"/>
           <p:cNvSpPr>
             <a:spLocks noGrp="1"/>
           </p:cNvSpPr>
@@ -5108,31 +5512,19 @@
         </p:nvSpPr>
         <p:spPr/>
         <p:txBody>
-          <a:bodyPr>
-            <a:normAutofit/>
-          </a:bodyPr>
-          <a:lstStyle/>
-          <a:p>
-            <a:r>
-              <a:rPr lang="en-US" dirty="0">
-                <a:latin typeface="Times New Roman" pitchFamily="18" charset="0"/>
-                <a:cs typeface="Times New Roman" pitchFamily="18" charset="0"/>
-              </a:rPr>
-              <a:t>S/W REQUIREMENTS</a:t>
-            </a:r>
-            <a:endParaRPr lang="en-US" dirty="0"/>
-          </a:p>
-        </p:txBody>
-      </p:sp>
-      <p:sp>
-        <p:nvSpPr>
-          <p:cNvPr id="3" name="Content Placeholder 2">
-            <a:extLst>
-              <a:ext uri="{FF2B5EF4-FFF2-40B4-BE49-F238E27FC236}">
-                <a16:creationId xmlns:a16="http://schemas.microsoft.com/office/drawing/2014/main" id="{DF3F516A-D44F-01DA-D949-C54C449849AE}"/>
-              </a:ext>
-            </a:extLst>
-          </p:cNvPr>
+          <a:bodyPr/>
+          <a:lstStyle/>
+          <a:p>
+            <a:r>
+              <a:rPr lang="en-US" dirty="0"/>
+              <a:t>SURVEY PAPER 1</a:t>
+            </a:r>
+          </a:p>
+        </p:txBody>
+      </p:sp>
+      <p:sp>
+        <p:nvSpPr>
+          <p:cNvPr id="3" name="Content Placeholder 2"/>
           <p:cNvSpPr>
             <a:spLocks noGrp="1"/>
           </p:cNvSpPr>
@@ -5140,94 +5532,49 @@
             <p:ph idx="1"/>
           </p:nvPr>
         </p:nvSpPr>
-        <p:spPr>
-          <a:xfrm>
-            <a:off x="457200" y="1447800"/>
-            <a:ext cx="8229600" cy="5135562"/>
-          </a:xfrm>
-        </p:spPr>
-        <p:txBody>
-          <a:bodyPr>
-            <a:normAutofit/>
-          </a:bodyPr>
-          <a:lstStyle/>
-          <a:p>
-            <a:pPr algn="just">
-              <a:lnSpc>
-                <a:spcPct val="150000"/>
-              </a:lnSpc>
+        <p:spPr/>
+        <p:txBody>
+          <a:bodyPr/>
+          <a:lstStyle/>
+          <a:p>
+            <a:pPr marL="0" indent="0" algn="ctr">
+              <a:buNone/>
             </a:pPr>
             <a:r>
-              <a:rPr lang="en-US" sz="2000" dirty="0"/>
-              <a:t>AI Frameworks and Libraries: TensorFlow for building and training machine learning models.</a:t>
-            </a:r>
-          </a:p>
-          <a:p>
-            <a:pPr algn="just">
-              <a:lnSpc>
-                <a:spcPct val="150000"/>
-              </a:lnSpc>
+              <a:rPr lang="en-US" dirty="0"/>
+              <a:t>IoT-Enabled Sensors in Automation Systems and Their Security Challenges</a:t>
+            </a:r>
+          </a:p>
+          <a:p>
+            <a:pPr marL="0" indent="0" algn="ctr">
+              <a:buNone/>
             </a:pPr>
             <a:r>
-              <a:rPr lang="en-US" sz="2000" dirty="0"/>
-              <a:t>Scikit-learn for implementing anomaly detection algorithms and feature engineering.</a:t>
-            </a:r>
-          </a:p>
-          <a:p>
-            <a:pPr algn="just">
-              <a:lnSpc>
-                <a:spcPct val="150000"/>
-              </a:lnSpc>
+              <a:rPr lang="en-US" dirty="0"/>
+              <a:t>(2023)</a:t>
+            </a:r>
+          </a:p>
+          <a:p>
+            <a:pPr marL="0" indent="0" algn="ctr">
+              <a:buNone/>
             </a:pPr>
-            <a:endParaRPr lang="en-US" sz="2000" dirty="0"/>
-          </a:p>
-          <a:p>
-            <a:pPr algn="just">
-              <a:lnSpc>
-                <a:spcPct val="150000"/>
-              </a:lnSpc>
+            <a:r>
+              <a:rPr lang="en-US" u="sng" dirty="0"/>
+              <a:t>Abstract</a:t>
+            </a:r>
+          </a:p>
+          <a:p>
+            <a:pPr marL="0" indent="0">
+              <a:buNone/>
             </a:pPr>
             <a:r>
-              <a:rPr lang="en-US" sz="2000" dirty="0"/>
-              <a:t>Development Tools: Google </a:t>
-            </a:r>
-            <a:r>
-              <a:rPr lang="en-US" sz="2000" dirty="0" err="1"/>
-              <a:t>Colab</a:t>
-            </a:r>
-            <a:r>
-              <a:rPr lang="en-US" sz="2000" dirty="0"/>
-              <a:t> for interactive development and experimentation.</a:t>
-            </a:r>
-          </a:p>
-          <a:p>
-            <a:pPr algn="just">
-              <a:lnSpc>
-                <a:spcPct val="150000"/>
-              </a:lnSpc>
-            </a:pPr>
-            <a:r>
-              <a:rPr lang="en-US" sz="2000" dirty="0"/>
-              <a:t>Git for version control and collaboration among team members.</a:t>
-            </a:r>
-          </a:p>
-          <a:p>
-            <a:pPr marL="0" indent="0" algn="just">
-              <a:lnSpc>
-                <a:spcPct val="150000"/>
-              </a:lnSpc>
-              <a:buNone/>
-            </a:pPr>
-            <a:endParaRPr lang="en-US" sz="1400" dirty="0"/>
+              <a:rPr lang="en-US" dirty="0"/>
+              <a:t>Today IoT based sensor devices are ubiquitous, being cost effective and easy to deploy. These have some security challenges by bypassing established security architectures.</a:t>
+            </a:r>
           </a:p>
         </p:txBody>
       </p:sp>
     </p:spTree>
-    <p:extLst>
-      <p:ext uri="{BB962C8B-B14F-4D97-AF65-F5344CB8AC3E}">
-        <p14:creationId xmlns:p14="http://schemas.microsoft.com/office/powerpoint/2010/main" val="3224657767"/>
-      </p:ext>
-    </p:extLst>
   </p:cSld>
   <p:clrMapOvr>
     <a:masterClrMapping/>
@@ -5252,81 +5599,12 @@
           <a:chExt cx="0" cy="0"/>
         </a:xfrm>
       </p:grpSpPr>
-      <p:sp>
-        <p:nvSpPr>
-          <p:cNvPr id="2" name="Title 1"/>
-          <p:cNvSpPr>
-            <a:spLocks noGrp="1"/>
-          </p:cNvSpPr>
-          <p:nvPr>
-            <p:ph type="title"/>
-          </p:nvPr>
-        </p:nvSpPr>
-        <p:spPr/>
-        <p:txBody>
-          <a:bodyPr/>
-          <a:lstStyle/>
-          <a:p>
-            <a:r>
-              <a:rPr lang="en-US" dirty="0"/>
-              <a:t>SURVEY PAPER 1</a:t>
-            </a:r>
-          </a:p>
-        </p:txBody>
-      </p:sp>
-      <p:sp>
-        <p:nvSpPr>
-          <p:cNvPr id="3" name="Content Placeholder 2"/>
-          <p:cNvSpPr>
-            <a:spLocks noGrp="1"/>
-          </p:cNvSpPr>
-          <p:nvPr>
-            <p:ph idx="1"/>
-          </p:nvPr>
-        </p:nvSpPr>
-        <p:spPr/>
-        <p:txBody>
-          <a:bodyPr/>
-          <a:lstStyle/>
-          <a:p>
-            <a:pPr marL="0" indent="0" algn="ctr">
-              <a:buNone/>
-            </a:pPr>
-            <a:r>
-              <a:rPr lang="en-US" dirty="0"/>
-              <a:t>IoT-Enabled Sensors in Automation Systems and Their Security Challenges</a:t>
-            </a:r>
-          </a:p>
-          <a:p>
-            <a:pPr marL="0" indent="0" algn="ctr">
-              <a:buNone/>
-            </a:pPr>
-            <a:r>
-              <a:rPr lang="en-US" dirty="0"/>
-              <a:t>(2023)</a:t>
-            </a:r>
-          </a:p>
-          <a:p>
-            <a:pPr marL="0" indent="0" algn="ctr">
-              <a:buNone/>
-            </a:pPr>
-            <a:r>
-              <a:rPr lang="en-US" u="sng" dirty="0"/>
-              <a:t>Abstract</a:t>
-            </a:r>
-          </a:p>
-          <a:p>
-            <a:pPr marL="0" indent="0">
-              <a:buNone/>
-            </a:pPr>
-            <a:r>
-              <a:rPr lang="en-US" dirty="0"/>
-              <a:t>Today IoT based sensor devices are ubiquitous, being cost effective and easy to deploy. These have some security challenges by bypassing established security architectures.</a:t>
-            </a:r>
-          </a:p>
-        </p:txBody>
-      </p:sp>
     </p:spTree>
+    <p:extLst>
+      <p:ext uri="{BB962C8B-B14F-4D97-AF65-F5344CB8AC3E}">
+        <p14:creationId xmlns:p14="http://schemas.microsoft.com/office/powerpoint/2010/main" val="430135586"/>
+      </p:ext>
+    </p:extLst>
   </p:cSld>
   <p:clrMapOvr>
     <a:masterClrMapping/>

--- a/IOTProjreview ppt.pptx
+++ b/IOTProjreview ppt.pptx
@@ -5,7 +5,7 @@
     <p:sldMasterId id="2147483648" r:id="rId1"/>
   </p:sldMasterIdLst>
   <p:notesMasterIdLst>
-    <p:notesMasterId r:id="rId17"/>
+    <p:notesMasterId r:id="rId23"/>
   </p:notesMasterIdLst>
   <p:sldIdLst>
     <p:sldId id="256" r:id="rId2"/>
@@ -21,8 +21,14 @@
     <p:sldId id="279" r:id="rId12"/>
     <p:sldId id="270" r:id="rId13"/>
     <p:sldId id="275" r:id="rId14"/>
-    <p:sldId id="266" r:id="rId15"/>
-    <p:sldId id="276" r:id="rId16"/>
+    <p:sldId id="280" r:id="rId15"/>
+    <p:sldId id="281" r:id="rId16"/>
+    <p:sldId id="282" r:id="rId17"/>
+    <p:sldId id="283" r:id="rId18"/>
+    <p:sldId id="285" r:id="rId19"/>
+    <p:sldId id="286" r:id="rId20"/>
+    <p:sldId id="266" r:id="rId21"/>
+    <p:sldId id="276" r:id="rId22"/>
   </p:sldIdLst>
   <p:sldSz cx="9144000" cy="6858000" type="screen4x3"/>
   <p:notesSz cx="6858000" cy="9144000"/>
@@ -138,6 +144,5851 @@
     </p:ext>
   </p:extLst>
 </p:presentation>
+</file>
+
+<file path=ppt/diagrams/colors1.xml><?xml version="1.0" encoding="utf-8"?>
+<dgm:colorsDef xmlns:dgm="http://schemas.openxmlformats.org/drawingml/2006/diagram" xmlns:a="http://schemas.openxmlformats.org/drawingml/2006/main" uniqueId="urn:microsoft.com/office/officeart/2005/8/colors/accent1_2">
+  <dgm:title val=""/>
+  <dgm:desc val=""/>
+  <dgm:catLst>
+    <dgm:cat type="accent1" pri="11200"/>
+  </dgm:catLst>
+  <dgm:styleLbl name="node0">
+    <dgm:fillClrLst meth="repeat">
+      <a:schemeClr val="accent1"/>
+    </dgm:fillClrLst>
+    <dgm:linClrLst meth="repeat">
+      <a:schemeClr val="lt1"/>
+    </dgm:linClrLst>
+    <dgm:effectClrLst/>
+    <dgm:txLinClrLst/>
+    <dgm:txFillClrLst/>
+    <dgm:txEffectClrLst/>
+  </dgm:styleLbl>
+  <dgm:styleLbl name="alignNode1">
+    <dgm:fillClrLst meth="repeat">
+      <a:schemeClr val="accent1"/>
+    </dgm:fillClrLst>
+    <dgm:linClrLst meth="repeat">
+      <a:schemeClr val="accent1"/>
+    </dgm:linClrLst>
+    <dgm:effectClrLst/>
+    <dgm:txLinClrLst/>
+    <dgm:txFillClrLst/>
+    <dgm:txEffectClrLst/>
+  </dgm:styleLbl>
+  <dgm:styleLbl name="node1">
+    <dgm:fillClrLst meth="repeat">
+      <a:schemeClr val="accent1"/>
+    </dgm:fillClrLst>
+    <dgm:linClrLst meth="repeat">
+      <a:schemeClr val="lt1"/>
+    </dgm:linClrLst>
+    <dgm:effectClrLst/>
+    <dgm:txLinClrLst/>
+    <dgm:txFillClrLst/>
+    <dgm:txEffectClrLst/>
+  </dgm:styleLbl>
+  <dgm:styleLbl name="lnNode1">
+    <dgm:fillClrLst meth="repeat">
+      <a:schemeClr val="accent1"/>
+    </dgm:fillClrLst>
+    <dgm:linClrLst meth="repeat">
+      <a:schemeClr val="lt1"/>
+    </dgm:linClrLst>
+    <dgm:effectClrLst/>
+    <dgm:txLinClrLst/>
+    <dgm:txFillClrLst/>
+    <dgm:txEffectClrLst/>
+  </dgm:styleLbl>
+  <dgm:styleLbl name="vennNode1">
+    <dgm:fillClrLst meth="repeat">
+      <a:schemeClr val="accent1">
+        <a:alpha val="50000"/>
+      </a:schemeClr>
+    </dgm:fillClrLst>
+    <dgm:linClrLst meth="repeat">
+      <a:schemeClr val="lt1"/>
+    </dgm:linClrLst>
+    <dgm:effectClrLst/>
+    <dgm:txLinClrLst/>
+    <dgm:txFillClrLst/>
+    <dgm:txEffectClrLst/>
+  </dgm:styleLbl>
+  <dgm:styleLbl name="node2">
+    <dgm:fillClrLst meth="repeat">
+      <a:schemeClr val="accent1"/>
+    </dgm:fillClrLst>
+    <dgm:linClrLst meth="repeat">
+      <a:schemeClr val="lt1"/>
+    </dgm:linClrLst>
+    <dgm:effectClrLst/>
+    <dgm:txLinClrLst/>
+    <dgm:txFillClrLst/>
+    <dgm:txEffectClrLst/>
+  </dgm:styleLbl>
+  <dgm:styleLbl name="node3">
+    <dgm:fillClrLst meth="repeat">
+      <a:schemeClr val="accent1"/>
+    </dgm:fillClrLst>
+    <dgm:linClrLst meth="repeat">
+      <a:schemeClr val="lt1"/>
+    </dgm:linClrLst>
+    <dgm:effectClrLst/>
+    <dgm:txLinClrLst/>
+    <dgm:txFillClrLst/>
+    <dgm:txEffectClrLst/>
+  </dgm:styleLbl>
+  <dgm:styleLbl name="node4">
+    <dgm:fillClrLst meth="repeat">
+      <a:schemeClr val="accent1"/>
+    </dgm:fillClrLst>
+    <dgm:linClrLst meth="repeat">
+      <a:schemeClr val="lt1"/>
+    </dgm:linClrLst>
+    <dgm:effectClrLst/>
+    <dgm:txLinClrLst/>
+    <dgm:txFillClrLst/>
+    <dgm:txEffectClrLst/>
+  </dgm:styleLbl>
+  <dgm:styleLbl name="fgImgPlace1">
+    <dgm:fillClrLst meth="repeat">
+      <a:schemeClr val="accent1">
+        <a:tint val="50000"/>
+      </a:schemeClr>
+    </dgm:fillClrLst>
+    <dgm:linClrLst meth="repeat">
+      <a:schemeClr val="lt1"/>
+    </dgm:linClrLst>
+    <dgm:effectClrLst/>
+    <dgm:txLinClrLst/>
+    <dgm:txFillClrLst meth="repeat">
+      <a:schemeClr val="lt1"/>
+    </dgm:txFillClrLst>
+    <dgm:txEffectClrLst/>
+  </dgm:styleLbl>
+  <dgm:styleLbl name="alignImgPlace1">
+    <dgm:fillClrLst meth="repeat">
+      <a:schemeClr val="accent1">
+        <a:tint val="50000"/>
+      </a:schemeClr>
+    </dgm:fillClrLst>
+    <dgm:linClrLst meth="repeat">
+      <a:schemeClr val="lt1"/>
+    </dgm:linClrLst>
+    <dgm:effectClrLst/>
+    <dgm:txLinClrLst/>
+    <dgm:txFillClrLst meth="repeat">
+      <a:schemeClr val="lt1"/>
+    </dgm:txFillClrLst>
+    <dgm:txEffectClrLst/>
+  </dgm:styleLbl>
+  <dgm:styleLbl name="bgImgPlace1">
+    <dgm:fillClrLst meth="repeat">
+      <a:schemeClr val="accent1">
+        <a:tint val="50000"/>
+      </a:schemeClr>
+    </dgm:fillClrLst>
+    <dgm:linClrLst meth="repeat">
+      <a:schemeClr val="lt1"/>
+    </dgm:linClrLst>
+    <dgm:effectClrLst/>
+    <dgm:txLinClrLst/>
+    <dgm:txFillClrLst meth="repeat">
+      <a:schemeClr val="lt1"/>
+    </dgm:txFillClrLst>
+    <dgm:txEffectClrLst/>
+  </dgm:styleLbl>
+  <dgm:styleLbl name="sibTrans2D1">
+    <dgm:fillClrLst meth="repeat">
+      <a:schemeClr val="accent1">
+        <a:tint val="60000"/>
+      </a:schemeClr>
+    </dgm:fillClrLst>
+    <dgm:linClrLst meth="repeat">
+      <a:schemeClr val="accent1">
+        <a:tint val="60000"/>
+      </a:schemeClr>
+    </dgm:linClrLst>
+    <dgm:effectClrLst/>
+    <dgm:txLinClrLst/>
+    <dgm:txFillClrLst/>
+    <dgm:txEffectClrLst/>
+  </dgm:styleLbl>
+  <dgm:styleLbl name="fgSibTrans2D1">
+    <dgm:fillClrLst meth="repeat">
+      <a:schemeClr val="accent1">
+        <a:tint val="60000"/>
+      </a:schemeClr>
+    </dgm:fillClrLst>
+    <dgm:linClrLst meth="repeat">
+      <a:schemeClr val="accent1">
+        <a:tint val="60000"/>
+      </a:schemeClr>
+    </dgm:linClrLst>
+    <dgm:effectClrLst/>
+    <dgm:txLinClrLst/>
+    <dgm:txFillClrLst/>
+    <dgm:txEffectClrLst/>
+  </dgm:styleLbl>
+  <dgm:styleLbl name="bgSibTrans2D1">
+    <dgm:fillClrLst meth="repeat">
+      <a:schemeClr val="accent1">
+        <a:tint val="60000"/>
+      </a:schemeClr>
+    </dgm:fillClrLst>
+    <dgm:linClrLst meth="repeat">
+      <a:schemeClr val="accent1">
+        <a:tint val="60000"/>
+      </a:schemeClr>
+    </dgm:linClrLst>
+    <dgm:effectClrLst/>
+    <dgm:txLinClrLst/>
+    <dgm:txFillClrLst/>
+    <dgm:txEffectClrLst/>
+  </dgm:styleLbl>
+  <dgm:styleLbl name="sibTrans1D1">
+    <dgm:fillClrLst meth="repeat">
+      <a:schemeClr val="accent1"/>
+    </dgm:fillClrLst>
+    <dgm:linClrLst meth="repeat">
+      <a:schemeClr val="accent1"/>
+    </dgm:linClrLst>
+    <dgm:effectClrLst/>
+    <dgm:txLinClrLst/>
+    <dgm:txFillClrLst meth="repeat">
+      <a:schemeClr val="tx1"/>
+    </dgm:txFillClrLst>
+    <dgm:txEffectClrLst/>
+  </dgm:styleLbl>
+  <dgm:styleLbl name="callout">
+    <dgm:fillClrLst meth="repeat">
+      <a:schemeClr val="accent1"/>
+    </dgm:fillClrLst>
+    <dgm:linClrLst meth="repeat">
+      <a:schemeClr val="accent1">
+        <a:tint val="50000"/>
+      </a:schemeClr>
+    </dgm:linClrLst>
+    <dgm:effectClrLst/>
+    <dgm:txLinClrLst/>
+    <dgm:txFillClrLst meth="repeat">
+      <a:schemeClr val="tx1"/>
+    </dgm:txFillClrLst>
+    <dgm:txEffectClrLst/>
+  </dgm:styleLbl>
+  <dgm:styleLbl name="asst0">
+    <dgm:fillClrLst meth="repeat">
+      <a:schemeClr val="accent1"/>
+    </dgm:fillClrLst>
+    <dgm:linClrLst meth="repeat">
+      <a:schemeClr val="lt1"/>
+    </dgm:linClrLst>
+    <dgm:effectClrLst/>
+    <dgm:txLinClrLst/>
+    <dgm:txFillClrLst/>
+    <dgm:txEffectClrLst/>
+  </dgm:styleLbl>
+  <dgm:styleLbl name="asst1">
+    <dgm:fillClrLst meth="repeat">
+      <a:schemeClr val="accent1"/>
+    </dgm:fillClrLst>
+    <dgm:linClrLst meth="repeat">
+      <a:schemeClr val="lt1"/>
+    </dgm:linClrLst>
+    <dgm:effectClrLst/>
+    <dgm:txLinClrLst/>
+    <dgm:txFillClrLst/>
+    <dgm:txEffectClrLst/>
+  </dgm:styleLbl>
+  <dgm:styleLbl name="asst2">
+    <dgm:fillClrLst meth="repeat">
+      <a:schemeClr val="accent1"/>
+    </dgm:fillClrLst>
+    <dgm:linClrLst meth="repeat">
+      <a:schemeClr val="lt1"/>
+    </dgm:linClrLst>
+    <dgm:effectClrLst/>
+    <dgm:txLinClrLst/>
+    <dgm:txFillClrLst/>
+    <dgm:txEffectClrLst/>
+  </dgm:styleLbl>
+  <dgm:styleLbl name="asst3">
+    <dgm:fillClrLst meth="repeat">
+      <a:schemeClr val="accent1"/>
+    </dgm:fillClrLst>
+    <dgm:linClrLst meth="repeat">
+      <a:schemeClr val="lt1"/>
+    </dgm:linClrLst>
+    <dgm:effectClrLst/>
+    <dgm:txLinClrLst/>
+    <dgm:txFillClrLst/>
+    <dgm:txEffectClrLst/>
+  </dgm:styleLbl>
+  <dgm:styleLbl name="asst4">
+    <dgm:fillClrLst meth="repeat">
+      <a:schemeClr val="accent1"/>
+    </dgm:fillClrLst>
+    <dgm:linClrLst meth="repeat">
+      <a:schemeClr val="lt1"/>
+    </dgm:linClrLst>
+    <dgm:effectClrLst/>
+    <dgm:txLinClrLst/>
+    <dgm:txFillClrLst/>
+    <dgm:txEffectClrLst/>
+  </dgm:styleLbl>
+  <dgm:styleLbl name="parChTrans2D1">
+    <dgm:fillClrLst meth="repeat">
+      <a:schemeClr val="accent1">
+        <a:tint val="60000"/>
+      </a:schemeClr>
+    </dgm:fillClrLst>
+    <dgm:linClrLst meth="repeat">
+      <a:schemeClr val="accent1">
+        <a:tint val="60000"/>
+      </a:schemeClr>
+    </dgm:linClrLst>
+    <dgm:effectClrLst/>
+    <dgm:txLinClrLst/>
+    <dgm:txFillClrLst meth="repeat">
+      <a:schemeClr val="lt1"/>
+    </dgm:txFillClrLst>
+    <dgm:txEffectClrLst/>
+  </dgm:styleLbl>
+  <dgm:styleLbl name="parChTrans2D2">
+    <dgm:fillClrLst meth="repeat">
+      <a:schemeClr val="accent1"/>
+    </dgm:fillClrLst>
+    <dgm:linClrLst meth="repeat">
+      <a:schemeClr val="accent1"/>
+    </dgm:linClrLst>
+    <dgm:effectClrLst/>
+    <dgm:txLinClrLst/>
+    <dgm:txFillClrLst meth="repeat">
+      <a:schemeClr val="lt1"/>
+    </dgm:txFillClrLst>
+    <dgm:txEffectClrLst/>
+  </dgm:styleLbl>
+  <dgm:styleLbl name="parChTrans2D3">
+    <dgm:fillClrLst meth="repeat">
+      <a:schemeClr val="accent1"/>
+    </dgm:fillClrLst>
+    <dgm:linClrLst meth="repeat">
+      <a:schemeClr val="accent1"/>
+    </dgm:linClrLst>
+    <dgm:effectClrLst/>
+    <dgm:txLinClrLst/>
+    <dgm:txFillClrLst meth="repeat">
+      <a:schemeClr val="lt1"/>
+    </dgm:txFillClrLst>
+    <dgm:txEffectClrLst/>
+  </dgm:styleLbl>
+  <dgm:styleLbl name="parChTrans2D4">
+    <dgm:fillClrLst meth="repeat">
+      <a:schemeClr val="accent1"/>
+    </dgm:fillClrLst>
+    <dgm:linClrLst meth="repeat">
+      <a:schemeClr val="accent1"/>
+    </dgm:linClrLst>
+    <dgm:effectClrLst/>
+    <dgm:txLinClrLst/>
+    <dgm:txFillClrLst meth="repeat">
+      <a:schemeClr val="lt1"/>
+    </dgm:txFillClrLst>
+    <dgm:txEffectClrLst/>
+  </dgm:styleLbl>
+  <dgm:styleLbl name="parChTrans1D1">
+    <dgm:fillClrLst meth="repeat">
+      <a:schemeClr val="accent1"/>
+    </dgm:fillClrLst>
+    <dgm:linClrLst meth="repeat">
+      <a:schemeClr val="accent1">
+        <a:shade val="60000"/>
+      </a:schemeClr>
+    </dgm:linClrLst>
+    <dgm:effectClrLst/>
+    <dgm:txLinClrLst/>
+    <dgm:txFillClrLst meth="repeat">
+      <a:schemeClr val="tx1"/>
+    </dgm:txFillClrLst>
+    <dgm:txEffectClrLst/>
+  </dgm:styleLbl>
+  <dgm:styleLbl name="parChTrans1D2">
+    <dgm:fillClrLst meth="repeat">
+      <a:schemeClr val="accent1"/>
+    </dgm:fillClrLst>
+    <dgm:linClrLst meth="repeat">
+      <a:schemeClr val="accent1">
+        <a:shade val="60000"/>
+      </a:schemeClr>
+    </dgm:linClrLst>
+    <dgm:effectClrLst/>
+    <dgm:txLinClrLst/>
+    <dgm:txFillClrLst meth="repeat">
+      <a:schemeClr val="tx1"/>
+    </dgm:txFillClrLst>
+    <dgm:txEffectClrLst/>
+  </dgm:styleLbl>
+  <dgm:styleLbl name="parChTrans1D3">
+    <dgm:fillClrLst meth="repeat">
+      <a:schemeClr val="accent1"/>
+    </dgm:fillClrLst>
+    <dgm:linClrLst meth="repeat">
+      <a:schemeClr val="accent1">
+        <a:shade val="80000"/>
+      </a:schemeClr>
+    </dgm:linClrLst>
+    <dgm:effectClrLst/>
+    <dgm:txLinClrLst/>
+    <dgm:txFillClrLst meth="repeat">
+      <a:schemeClr val="tx1"/>
+    </dgm:txFillClrLst>
+    <dgm:txEffectClrLst/>
+  </dgm:styleLbl>
+  <dgm:styleLbl name="parChTrans1D4">
+    <dgm:fillClrLst meth="repeat">
+      <a:schemeClr val="accent1"/>
+    </dgm:fillClrLst>
+    <dgm:linClrLst meth="repeat">
+      <a:schemeClr val="accent1">
+        <a:shade val="80000"/>
+      </a:schemeClr>
+    </dgm:linClrLst>
+    <dgm:effectClrLst/>
+    <dgm:txLinClrLst/>
+    <dgm:txFillClrLst meth="repeat">
+      <a:schemeClr val="tx1"/>
+    </dgm:txFillClrLst>
+    <dgm:txEffectClrLst/>
+  </dgm:styleLbl>
+  <dgm:styleLbl name="fgAcc1">
+    <dgm:fillClrLst meth="repeat">
+      <a:schemeClr val="lt1">
+        <a:alpha val="90000"/>
+      </a:schemeClr>
+    </dgm:fillClrLst>
+    <dgm:linClrLst meth="repeat">
+      <a:schemeClr val="accent1"/>
+    </dgm:linClrLst>
+    <dgm:effectClrLst/>
+    <dgm:txLinClrLst/>
+    <dgm:txFillClrLst meth="repeat">
+      <a:schemeClr val="dk1"/>
+    </dgm:txFillClrLst>
+    <dgm:txEffectClrLst/>
+  </dgm:styleLbl>
+  <dgm:styleLbl name="conFgAcc1">
+    <dgm:fillClrLst meth="repeat">
+      <a:schemeClr val="lt1">
+        <a:alpha val="90000"/>
+      </a:schemeClr>
+    </dgm:fillClrLst>
+    <dgm:linClrLst meth="repeat">
+      <a:schemeClr val="accent1"/>
+    </dgm:linClrLst>
+    <dgm:effectClrLst/>
+    <dgm:txLinClrLst/>
+    <dgm:txFillClrLst meth="repeat">
+      <a:schemeClr val="dk1"/>
+    </dgm:txFillClrLst>
+    <dgm:txEffectClrLst/>
+  </dgm:styleLbl>
+  <dgm:styleLbl name="alignAcc1">
+    <dgm:fillClrLst meth="repeat">
+      <a:schemeClr val="lt1">
+        <a:alpha val="90000"/>
+      </a:schemeClr>
+    </dgm:fillClrLst>
+    <dgm:linClrLst meth="repeat">
+      <a:schemeClr val="accent1"/>
+    </dgm:linClrLst>
+    <dgm:effectClrLst/>
+    <dgm:txLinClrLst/>
+    <dgm:txFillClrLst meth="repeat">
+      <a:schemeClr val="dk1"/>
+    </dgm:txFillClrLst>
+    <dgm:txEffectClrLst/>
+  </dgm:styleLbl>
+  <dgm:styleLbl name="trAlignAcc1">
+    <dgm:fillClrLst meth="repeat">
+      <a:schemeClr val="lt1">
+        <a:alpha val="40000"/>
+      </a:schemeClr>
+    </dgm:fillClrLst>
+    <dgm:linClrLst meth="repeat">
+      <a:schemeClr val="accent1"/>
+    </dgm:linClrLst>
+    <dgm:effectClrLst/>
+    <dgm:txLinClrLst/>
+    <dgm:txFillClrLst meth="repeat">
+      <a:schemeClr val="dk1"/>
+    </dgm:txFillClrLst>
+    <dgm:txEffectClrLst/>
+  </dgm:styleLbl>
+  <dgm:styleLbl name="bgAcc1">
+    <dgm:fillClrLst meth="repeat">
+      <a:schemeClr val="lt1">
+        <a:alpha val="90000"/>
+      </a:schemeClr>
+    </dgm:fillClrLst>
+    <dgm:linClrLst meth="repeat">
+      <a:schemeClr val="accent1"/>
+    </dgm:linClrLst>
+    <dgm:effectClrLst/>
+    <dgm:txLinClrLst/>
+    <dgm:txFillClrLst meth="repeat">
+      <a:schemeClr val="dk1"/>
+    </dgm:txFillClrLst>
+    <dgm:txEffectClrLst/>
+  </dgm:styleLbl>
+  <dgm:styleLbl name="solidFgAcc1">
+    <dgm:fillClrLst meth="repeat">
+      <a:schemeClr val="lt1"/>
+    </dgm:fillClrLst>
+    <dgm:linClrLst meth="repeat">
+      <a:schemeClr val="accent1"/>
+    </dgm:linClrLst>
+    <dgm:effectClrLst/>
+    <dgm:txLinClrLst/>
+    <dgm:txFillClrLst meth="repeat">
+      <a:schemeClr val="dk1"/>
+    </dgm:txFillClrLst>
+    <dgm:txEffectClrLst/>
+  </dgm:styleLbl>
+  <dgm:styleLbl name="solidAlignAcc1">
+    <dgm:fillClrLst meth="repeat">
+      <a:schemeClr val="lt1"/>
+    </dgm:fillClrLst>
+    <dgm:linClrLst meth="repeat">
+      <a:schemeClr val="accent1"/>
+    </dgm:linClrLst>
+    <dgm:effectClrLst/>
+    <dgm:txLinClrLst/>
+    <dgm:txFillClrLst meth="repeat">
+      <a:schemeClr val="dk1"/>
+    </dgm:txFillClrLst>
+    <dgm:txEffectClrLst/>
+  </dgm:styleLbl>
+  <dgm:styleLbl name="solidBgAcc1">
+    <dgm:fillClrLst meth="repeat">
+      <a:schemeClr val="lt1"/>
+    </dgm:fillClrLst>
+    <dgm:linClrLst meth="repeat">
+      <a:schemeClr val="accent1"/>
+    </dgm:linClrLst>
+    <dgm:effectClrLst/>
+    <dgm:txLinClrLst/>
+    <dgm:txFillClrLst meth="repeat">
+      <a:schemeClr val="dk1"/>
+    </dgm:txFillClrLst>
+    <dgm:txEffectClrLst/>
+  </dgm:styleLbl>
+  <dgm:styleLbl name="fgAccFollowNode1">
+    <dgm:fillClrLst meth="repeat">
+      <a:schemeClr val="accent1">
+        <a:alpha val="90000"/>
+        <a:tint val="40000"/>
+      </a:schemeClr>
+    </dgm:fillClrLst>
+    <dgm:linClrLst meth="repeat">
+      <a:schemeClr val="accent1">
+        <a:alpha val="90000"/>
+        <a:tint val="40000"/>
+      </a:schemeClr>
+    </dgm:linClrLst>
+    <dgm:effectClrLst/>
+    <dgm:txLinClrLst/>
+    <dgm:txFillClrLst meth="repeat">
+      <a:schemeClr val="dk1"/>
+    </dgm:txFillClrLst>
+    <dgm:txEffectClrLst/>
+  </dgm:styleLbl>
+  <dgm:styleLbl name="alignAccFollowNode1">
+    <dgm:fillClrLst meth="repeat">
+      <a:schemeClr val="accent1">
+        <a:alpha val="90000"/>
+        <a:tint val="40000"/>
+      </a:schemeClr>
+    </dgm:fillClrLst>
+    <dgm:linClrLst meth="repeat">
+      <a:schemeClr val="accent1">
+        <a:alpha val="90000"/>
+        <a:tint val="40000"/>
+      </a:schemeClr>
+    </dgm:linClrLst>
+    <dgm:effectClrLst/>
+    <dgm:txLinClrLst/>
+    <dgm:txFillClrLst meth="repeat">
+      <a:schemeClr val="dk1"/>
+    </dgm:txFillClrLst>
+    <dgm:txEffectClrLst/>
+  </dgm:styleLbl>
+  <dgm:styleLbl name="bgAccFollowNode1">
+    <dgm:fillClrLst meth="repeat">
+      <a:schemeClr val="accent1">
+        <a:alpha val="90000"/>
+        <a:tint val="40000"/>
+      </a:schemeClr>
+    </dgm:fillClrLst>
+    <dgm:linClrLst meth="repeat">
+      <a:schemeClr val="accent1">
+        <a:alpha val="90000"/>
+        <a:tint val="40000"/>
+      </a:schemeClr>
+    </dgm:linClrLst>
+    <dgm:effectClrLst/>
+    <dgm:txLinClrLst/>
+    <dgm:txFillClrLst meth="repeat">
+      <a:schemeClr val="dk1"/>
+    </dgm:txFillClrLst>
+    <dgm:txEffectClrLst/>
+  </dgm:styleLbl>
+  <dgm:styleLbl name="fgAcc0">
+    <dgm:fillClrLst meth="repeat">
+      <a:schemeClr val="lt1">
+        <a:alpha val="90000"/>
+      </a:schemeClr>
+    </dgm:fillClrLst>
+    <dgm:linClrLst meth="repeat">
+      <a:schemeClr val="accent1"/>
+    </dgm:linClrLst>
+    <dgm:effectClrLst/>
+    <dgm:txLinClrLst/>
+    <dgm:txFillClrLst meth="repeat">
+      <a:schemeClr val="dk1"/>
+    </dgm:txFillClrLst>
+    <dgm:txEffectClrLst/>
+  </dgm:styleLbl>
+  <dgm:styleLbl name="fgAcc2">
+    <dgm:fillClrLst meth="repeat">
+      <a:schemeClr val="lt1">
+        <a:alpha val="90000"/>
+      </a:schemeClr>
+    </dgm:fillClrLst>
+    <dgm:linClrLst meth="repeat">
+      <a:schemeClr val="accent1"/>
+    </dgm:linClrLst>
+    <dgm:effectClrLst/>
+    <dgm:txLinClrLst/>
+    <dgm:txFillClrLst meth="repeat">
+      <a:schemeClr val="dk1"/>
+    </dgm:txFillClrLst>
+    <dgm:txEffectClrLst/>
+  </dgm:styleLbl>
+  <dgm:styleLbl name="fgAcc3">
+    <dgm:fillClrLst meth="repeat">
+      <a:schemeClr val="lt1">
+        <a:alpha val="90000"/>
+      </a:schemeClr>
+    </dgm:fillClrLst>
+    <dgm:linClrLst meth="repeat">
+      <a:schemeClr val="accent1"/>
+    </dgm:linClrLst>
+    <dgm:effectClrLst/>
+    <dgm:txLinClrLst/>
+    <dgm:txFillClrLst meth="repeat">
+      <a:schemeClr val="dk1"/>
+    </dgm:txFillClrLst>
+    <dgm:txEffectClrLst/>
+  </dgm:styleLbl>
+  <dgm:styleLbl name="fgAcc4">
+    <dgm:fillClrLst meth="repeat">
+      <a:schemeClr val="lt1">
+        <a:alpha val="90000"/>
+      </a:schemeClr>
+    </dgm:fillClrLst>
+    <dgm:linClrLst meth="repeat">
+      <a:schemeClr val="accent1"/>
+    </dgm:linClrLst>
+    <dgm:effectClrLst/>
+    <dgm:txLinClrLst/>
+    <dgm:txFillClrLst meth="repeat">
+      <a:schemeClr val="dk1"/>
+    </dgm:txFillClrLst>
+    <dgm:txEffectClrLst/>
+  </dgm:styleLbl>
+  <dgm:styleLbl name="bgShp">
+    <dgm:fillClrLst meth="repeat">
+      <a:schemeClr val="accent1">
+        <a:tint val="40000"/>
+      </a:schemeClr>
+    </dgm:fillClrLst>
+    <dgm:linClrLst meth="repeat">
+      <a:schemeClr val="accent1"/>
+    </dgm:linClrLst>
+    <dgm:effectClrLst/>
+    <dgm:txLinClrLst/>
+    <dgm:txFillClrLst meth="repeat">
+      <a:schemeClr val="dk1"/>
+    </dgm:txFillClrLst>
+    <dgm:txEffectClrLst/>
+  </dgm:styleLbl>
+  <dgm:styleLbl name="dkBgShp">
+    <dgm:fillClrLst meth="repeat">
+      <a:schemeClr val="accent1">
+        <a:shade val="80000"/>
+      </a:schemeClr>
+    </dgm:fillClrLst>
+    <dgm:linClrLst meth="repeat">
+      <a:schemeClr val="accent1"/>
+    </dgm:linClrLst>
+    <dgm:effectClrLst/>
+    <dgm:txLinClrLst/>
+    <dgm:txFillClrLst meth="repeat">
+      <a:schemeClr val="lt1"/>
+    </dgm:txFillClrLst>
+    <dgm:txEffectClrLst/>
+  </dgm:styleLbl>
+  <dgm:styleLbl name="trBgShp">
+    <dgm:fillClrLst meth="repeat">
+      <a:schemeClr val="accent1">
+        <a:tint val="50000"/>
+        <a:alpha val="40000"/>
+      </a:schemeClr>
+    </dgm:fillClrLst>
+    <dgm:linClrLst meth="repeat">
+      <a:schemeClr val="accent1"/>
+    </dgm:linClrLst>
+    <dgm:effectClrLst/>
+    <dgm:txLinClrLst/>
+    <dgm:txFillClrLst meth="repeat">
+      <a:schemeClr val="lt1"/>
+    </dgm:txFillClrLst>
+    <dgm:txEffectClrLst/>
+  </dgm:styleLbl>
+  <dgm:styleLbl name="fgShp">
+    <dgm:fillClrLst meth="repeat">
+      <a:schemeClr val="accent1">
+        <a:tint val="60000"/>
+      </a:schemeClr>
+    </dgm:fillClrLst>
+    <dgm:linClrLst meth="repeat">
+      <a:schemeClr val="lt1"/>
+    </dgm:linClrLst>
+    <dgm:effectClrLst/>
+    <dgm:txLinClrLst/>
+    <dgm:txFillClrLst meth="repeat">
+      <a:schemeClr val="dk1"/>
+    </dgm:txFillClrLst>
+    <dgm:txEffectClrLst/>
+  </dgm:styleLbl>
+  <dgm:styleLbl name="revTx">
+    <dgm:fillClrLst meth="repeat">
+      <a:schemeClr val="lt1">
+        <a:alpha val="0"/>
+      </a:schemeClr>
+    </dgm:fillClrLst>
+    <dgm:linClrLst meth="repeat">
+      <a:schemeClr val="dk1">
+        <a:alpha val="0"/>
+      </a:schemeClr>
+    </dgm:linClrLst>
+    <dgm:effectClrLst/>
+    <dgm:txLinClrLst/>
+    <dgm:txFillClrLst meth="repeat">
+      <a:schemeClr val="tx1"/>
+    </dgm:txFillClrLst>
+    <dgm:txEffectClrLst/>
+  </dgm:styleLbl>
+</dgm:colorsDef>
+</file>
+
+<file path=ppt/diagrams/colors2.xml><?xml version="1.0" encoding="utf-8"?>
+<dgm:colorsDef xmlns:dgm="http://schemas.openxmlformats.org/drawingml/2006/diagram" xmlns:a="http://schemas.openxmlformats.org/drawingml/2006/main" uniqueId="urn:microsoft.com/office/officeart/2005/8/colors/accent1_2">
+  <dgm:title val=""/>
+  <dgm:desc val=""/>
+  <dgm:catLst>
+    <dgm:cat type="accent1" pri="11200"/>
+  </dgm:catLst>
+  <dgm:styleLbl name="node0">
+    <dgm:fillClrLst meth="repeat">
+      <a:schemeClr val="accent1"/>
+    </dgm:fillClrLst>
+    <dgm:linClrLst meth="repeat">
+      <a:schemeClr val="lt1"/>
+    </dgm:linClrLst>
+    <dgm:effectClrLst/>
+    <dgm:txLinClrLst/>
+    <dgm:txFillClrLst/>
+    <dgm:txEffectClrLst/>
+  </dgm:styleLbl>
+  <dgm:styleLbl name="alignNode1">
+    <dgm:fillClrLst meth="repeat">
+      <a:schemeClr val="accent1"/>
+    </dgm:fillClrLst>
+    <dgm:linClrLst meth="repeat">
+      <a:schemeClr val="accent1"/>
+    </dgm:linClrLst>
+    <dgm:effectClrLst/>
+    <dgm:txLinClrLst/>
+    <dgm:txFillClrLst/>
+    <dgm:txEffectClrLst/>
+  </dgm:styleLbl>
+  <dgm:styleLbl name="node1">
+    <dgm:fillClrLst meth="repeat">
+      <a:schemeClr val="accent1"/>
+    </dgm:fillClrLst>
+    <dgm:linClrLst meth="repeat">
+      <a:schemeClr val="lt1"/>
+    </dgm:linClrLst>
+    <dgm:effectClrLst/>
+    <dgm:txLinClrLst/>
+    <dgm:txFillClrLst/>
+    <dgm:txEffectClrLst/>
+  </dgm:styleLbl>
+  <dgm:styleLbl name="lnNode1">
+    <dgm:fillClrLst meth="repeat">
+      <a:schemeClr val="accent1"/>
+    </dgm:fillClrLst>
+    <dgm:linClrLst meth="repeat">
+      <a:schemeClr val="lt1"/>
+    </dgm:linClrLst>
+    <dgm:effectClrLst/>
+    <dgm:txLinClrLst/>
+    <dgm:txFillClrLst/>
+    <dgm:txEffectClrLst/>
+  </dgm:styleLbl>
+  <dgm:styleLbl name="vennNode1">
+    <dgm:fillClrLst meth="repeat">
+      <a:schemeClr val="accent1">
+        <a:alpha val="50000"/>
+      </a:schemeClr>
+    </dgm:fillClrLst>
+    <dgm:linClrLst meth="repeat">
+      <a:schemeClr val="lt1"/>
+    </dgm:linClrLst>
+    <dgm:effectClrLst/>
+    <dgm:txLinClrLst/>
+    <dgm:txFillClrLst/>
+    <dgm:txEffectClrLst/>
+  </dgm:styleLbl>
+  <dgm:styleLbl name="node2">
+    <dgm:fillClrLst meth="repeat">
+      <a:schemeClr val="accent1"/>
+    </dgm:fillClrLst>
+    <dgm:linClrLst meth="repeat">
+      <a:schemeClr val="lt1"/>
+    </dgm:linClrLst>
+    <dgm:effectClrLst/>
+    <dgm:txLinClrLst/>
+    <dgm:txFillClrLst/>
+    <dgm:txEffectClrLst/>
+  </dgm:styleLbl>
+  <dgm:styleLbl name="node3">
+    <dgm:fillClrLst meth="repeat">
+      <a:schemeClr val="accent1"/>
+    </dgm:fillClrLst>
+    <dgm:linClrLst meth="repeat">
+      <a:schemeClr val="lt1"/>
+    </dgm:linClrLst>
+    <dgm:effectClrLst/>
+    <dgm:txLinClrLst/>
+    <dgm:txFillClrLst/>
+    <dgm:txEffectClrLst/>
+  </dgm:styleLbl>
+  <dgm:styleLbl name="node4">
+    <dgm:fillClrLst meth="repeat">
+      <a:schemeClr val="accent1"/>
+    </dgm:fillClrLst>
+    <dgm:linClrLst meth="repeat">
+      <a:schemeClr val="lt1"/>
+    </dgm:linClrLst>
+    <dgm:effectClrLst/>
+    <dgm:txLinClrLst/>
+    <dgm:txFillClrLst/>
+    <dgm:txEffectClrLst/>
+  </dgm:styleLbl>
+  <dgm:styleLbl name="fgImgPlace1">
+    <dgm:fillClrLst meth="repeat">
+      <a:schemeClr val="accent1">
+        <a:tint val="50000"/>
+      </a:schemeClr>
+    </dgm:fillClrLst>
+    <dgm:linClrLst meth="repeat">
+      <a:schemeClr val="lt1"/>
+    </dgm:linClrLst>
+    <dgm:effectClrLst/>
+    <dgm:txLinClrLst/>
+    <dgm:txFillClrLst meth="repeat">
+      <a:schemeClr val="lt1"/>
+    </dgm:txFillClrLst>
+    <dgm:txEffectClrLst/>
+  </dgm:styleLbl>
+  <dgm:styleLbl name="alignImgPlace1">
+    <dgm:fillClrLst meth="repeat">
+      <a:schemeClr val="accent1">
+        <a:tint val="50000"/>
+      </a:schemeClr>
+    </dgm:fillClrLst>
+    <dgm:linClrLst meth="repeat">
+      <a:schemeClr val="lt1"/>
+    </dgm:linClrLst>
+    <dgm:effectClrLst/>
+    <dgm:txLinClrLst/>
+    <dgm:txFillClrLst meth="repeat">
+      <a:schemeClr val="lt1"/>
+    </dgm:txFillClrLst>
+    <dgm:txEffectClrLst/>
+  </dgm:styleLbl>
+  <dgm:styleLbl name="bgImgPlace1">
+    <dgm:fillClrLst meth="repeat">
+      <a:schemeClr val="accent1">
+        <a:tint val="50000"/>
+      </a:schemeClr>
+    </dgm:fillClrLst>
+    <dgm:linClrLst meth="repeat">
+      <a:schemeClr val="lt1"/>
+    </dgm:linClrLst>
+    <dgm:effectClrLst/>
+    <dgm:txLinClrLst/>
+    <dgm:txFillClrLst meth="repeat">
+      <a:schemeClr val="lt1"/>
+    </dgm:txFillClrLst>
+    <dgm:txEffectClrLst/>
+  </dgm:styleLbl>
+  <dgm:styleLbl name="sibTrans2D1">
+    <dgm:fillClrLst meth="repeat">
+      <a:schemeClr val="accent1">
+        <a:tint val="60000"/>
+      </a:schemeClr>
+    </dgm:fillClrLst>
+    <dgm:linClrLst meth="repeat">
+      <a:schemeClr val="accent1">
+        <a:tint val="60000"/>
+      </a:schemeClr>
+    </dgm:linClrLst>
+    <dgm:effectClrLst/>
+    <dgm:txLinClrLst/>
+    <dgm:txFillClrLst/>
+    <dgm:txEffectClrLst/>
+  </dgm:styleLbl>
+  <dgm:styleLbl name="fgSibTrans2D1">
+    <dgm:fillClrLst meth="repeat">
+      <a:schemeClr val="accent1">
+        <a:tint val="60000"/>
+      </a:schemeClr>
+    </dgm:fillClrLst>
+    <dgm:linClrLst meth="repeat">
+      <a:schemeClr val="accent1">
+        <a:tint val="60000"/>
+      </a:schemeClr>
+    </dgm:linClrLst>
+    <dgm:effectClrLst/>
+    <dgm:txLinClrLst/>
+    <dgm:txFillClrLst/>
+    <dgm:txEffectClrLst/>
+  </dgm:styleLbl>
+  <dgm:styleLbl name="bgSibTrans2D1">
+    <dgm:fillClrLst meth="repeat">
+      <a:schemeClr val="accent1">
+        <a:tint val="60000"/>
+      </a:schemeClr>
+    </dgm:fillClrLst>
+    <dgm:linClrLst meth="repeat">
+      <a:schemeClr val="accent1">
+        <a:tint val="60000"/>
+      </a:schemeClr>
+    </dgm:linClrLst>
+    <dgm:effectClrLst/>
+    <dgm:txLinClrLst/>
+    <dgm:txFillClrLst/>
+    <dgm:txEffectClrLst/>
+  </dgm:styleLbl>
+  <dgm:styleLbl name="sibTrans1D1">
+    <dgm:fillClrLst meth="repeat">
+      <a:schemeClr val="accent1"/>
+    </dgm:fillClrLst>
+    <dgm:linClrLst meth="repeat">
+      <a:schemeClr val="accent1"/>
+    </dgm:linClrLst>
+    <dgm:effectClrLst/>
+    <dgm:txLinClrLst/>
+    <dgm:txFillClrLst meth="repeat">
+      <a:schemeClr val="tx1"/>
+    </dgm:txFillClrLst>
+    <dgm:txEffectClrLst/>
+  </dgm:styleLbl>
+  <dgm:styleLbl name="callout">
+    <dgm:fillClrLst meth="repeat">
+      <a:schemeClr val="accent1"/>
+    </dgm:fillClrLst>
+    <dgm:linClrLst meth="repeat">
+      <a:schemeClr val="accent1">
+        <a:tint val="50000"/>
+      </a:schemeClr>
+    </dgm:linClrLst>
+    <dgm:effectClrLst/>
+    <dgm:txLinClrLst/>
+    <dgm:txFillClrLst meth="repeat">
+      <a:schemeClr val="tx1"/>
+    </dgm:txFillClrLst>
+    <dgm:txEffectClrLst/>
+  </dgm:styleLbl>
+  <dgm:styleLbl name="asst0">
+    <dgm:fillClrLst meth="repeat">
+      <a:schemeClr val="accent1"/>
+    </dgm:fillClrLst>
+    <dgm:linClrLst meth="repeat">
+      <a:schemeClr val="lt1"/>
+    </dgm:linClrLst>
+    <dgm:effectClrLst/>
+    <dgm:txLinClrLst/>
+    <dgm:txFillClrLst/>
+    <dgm:txEffectClrLst/>
+  </dgm:styleLbl>
+  <dgm:styleLbl name="asst1">
+    <dgm:fillClrLst meth="repeat">
+      <a:schemeClr val="accent1"/>
+    </dgm:fillClrLst>
+    <dgm:linClrLst meth="repeat">
+      <a:schemeClr val="lt1"/>
+    </dgm:linClrLst>
+    <dgm:effectClrLst/>
+    <dgm:txLinClrLst/>
+    <dgm:txFillClrLst/>
+    <dgm:txEffectClrLst/>
+  </dgm:styleLbl>
+  <dgm:styleLbl name="asst2">
+    <dgm:fillClrLst meth="repeat">
+      <a:schemeClr val="accent1"/>
+    </dgm:fillClrLst>
+    <dgm:linClrLst meth="repeat">
+      <a:schemeClr val="lt1"/>
+    </dgm:linClrLst>
+    <dgm:effectClrLst/>
+    <dgm:txLinClrLst/>
+    <dgm:txFillClrLst/>
+    <dgm:txEffectClrLst/>
+  </dgm:styleLbl>
+  <dgm:styleLbl name="asst3">
+    <dgm:fillClrLst meth="repeat">
+      <a:schemeClr val="accent1"/>
+    </dgm:fillClrLst>
+    <dgm:linClrLst meth="repeat">
+      <a:schemeClr val="lt1"/>
+    </dgm:linClrLst>
+    <dgm:effectClrLst/>
+    <dgm:txLinClrLst/>
+    <dgm:txFillClrLst/>
+    <dgm:txEffectClrLst/>
+  </dgm:styleLbl>
+  <dgm:styleLbl name="asst4">
+    <dgm:fillClrLst meth="repeat">
+      <a:schemeClr val="accent1"/>
+    </dgm:fillClrLst>
+    <dgm:linClrLst meth="repeat">
+      <a:schemeClr val="lt1"/>
+    </dgm:linClrLst>
+    <dgm:effectClrLst/>
+    <dgm:txLinClrLst/>
+    <dgm:txFillClrLst/>
+    <dgm:txEffectClrLst/>
+  </dgm:styleLbl>
+  <dgm:styleLbl name="parChTrans2D1">
+    <dgm:fillClrLst meth="repeat">
+      <a:schemeClr val="accent1">
+        <a:tint val="60000"/>
+      </a:schemeClr>
+    </dgm:fillClrLst>
+    <dgm:linClrLst meth="repeat">
+      <a:schemeClr val="accent1">
+        <a:tint val="60000"/>
+      </a:schemeClr>
+    </dgm:linClrLst>
+    <dgm:effectClrLst/>
+    <dgm:txLinClrLst/>
+    <dgm:txFillClrLst meth="repeat">
+      <a:schemeClr val="lt1"/>
+    </dgm:txFillClrLst>
+    <dgm:txEffectClrLst/>
+  </dgm:styleLbl>
+  <dgm:styleLbl name="parChTrans2D2">
+    <dgm:fillClrLst meth="repeat">
+      <a:schemeClr val="accent1"/>
+    </dgm:fillClrLst>
+    <dgm:linClrLst meth="repeat">
+      <a:schemeClr val="accent1"/>
+    </dgm:linClrLst>
+    <dgm:effectClrLst/>
+    <dgm:txLinClrLst/>
+    <dgm:txFillClrLst meth="repeat">
+      <a:schemeClr val="lt1"/>
+    </dgm:txFillClrLst>
+    <dgm:txEffectClrLst/>
+  </dgm:styleLbl>
+  <dgm:styleLbl name="parChTrans2D3">
+    <dgm:fillClrLst meth="repeat">
+      <a:schemeClr val="accent1"/>
+    </dgm:fillClrLst>
+    <dgm:linClrLst meth="repeat">
+      <a:schemeClr val="accent1"/>
+    </dgm:linClrLst>
+    <dgm:effectClrLst/>
+    <dgm:txLinClrLst/>
+    <dgm:txFillClrLst meth="repeat">
+      <a:schemeClr val="lt1"/>
+    </dgm:txFillClrLst>
+    <dgm:txEffectClrLst/>
+  </dgm:styleLbl>
+  <dgm:styleLbl name="parChTrans2D4">
+    <dgm:fillClrLst meth="repeat">
+      <a:schemeClr val="accent1"/>
+    </dgm:fillClrLst>
+    <dgm:linClrLst meth="repeat">
+      <a:schemeClr val="accent1"/>
+    </dgm:linClrLst>
+    <dgm:effectClrLst/>
+    <dgm:txLinClrLst/>
+    <dgm:txFillClrLst meth="repeat">
+      <a:schemeClr val="lt1"/>
+    </dgm:txFillClrLst>
+    <dgm:txEffectClrLst/>
+  </dgm:styleLbl>
+  <dgm:styleLbl name="parChTrans1D1">
+    <dgm:fillClrLst meth="repeat">
+      <a:schemeClr val="accent1"/>
+    </dgm:fillClrLst>
+    <dgm:linClrLst meth="repeat">
+      <a:schemeClr val="accent1">
+        <a:shade val="60000"/>
+      </a:schemeClr>
+    </dgm:linClrLst>
+    <dgm:effectClrLst/>
+    <dgm:txLinClrLst/>
+    <dgm:txFillClrLst meth="repeat">
+      <a:schemeClr val="tx1"/>
+    </dgm:txFillClrLst>
+    <dgm:txEffectClrLst/>
+  </dgm:styleLbl>
+  <dgm:styleLbl name="parChTrans1D2">
+    <dgm:fillClrLst meth="repeat">
+      <a:schemeClr val="accent1"/>
+    </dgm:fillClrLst>
+    <dgm:linClrLst meth="repeat">
+      <a:schemeClr val="accent1">
+        <a:shade val="60000"/>
+      </a:schemeClr>
+    </dgm:linClrLst>
+    <dgm:effectClrLst/>
+    <dgm:txLinClrLst/>
+    <dgm:txFillClrLst meth="repeat">
+      <a:schemeClr val="tx1"/>
+    </dgm:txFillClrLst>
+    <dgm:txEffectClrLst/>
+  </dgm:styleLbl>
+  <dgm:styleLbl name="parChTrans1D3">
+    <dgm:fillClrLst meth="repeat">
+      <a:schemeClr val="accent1"/>
+    </dgm:fillClrLst>
+    <dgm:linClrLst meth="repeat">
+      <a:schemeClr val="accent1">
+        <a:shade val="80000"/>
+      </a:schemeClr>
+    </dgm:linClrLst>
+    <dgm:effectClrLst/>
+    <dgm:txLinClrLst/>
+    <dgm:txFillClrLst meth="repeat">
+      <a:schemeClr val="tx1"/>
+    </dgm:txFillClrLst>
+    <dgm:txEffectClrLst/>
+  </dgm:styleLbl>
+  <dgm:styleLbl name="parChTrans1D4">
+    <dgm:fillClrLst meth="repeat">
+      <a:schemeClr val="accent1"/>
+    </dgm:fillClrLst>
+    <dgm:linClrLst meth="repeat">
+      <a:schemeClr val="accent1">
+        <a:shade val="80000"/>
+      </a:schemeClr>
+    </dgm:linClrLst>
+    <dgm:effectClrLst/>
+    <dgm:txLinClrLst/>
+    <dgm:txFillClrLst meth="repeat">
+      <a:schemeClr val="tx1"/>
+    </dgm:txFillClrLst>
+    <dgm:txEffectClrLst/>
+  </dgm:styleLbl>
+  <dgm:styleLbl name="fgAcc1">
+    <dgm:fillClrLst meth="repeat">
+      <a:schemeClr val="lt1">
+        <a:alpha val="90000"/>
+      </a:schemeClr>
+    </dgm:fillClrLst>
+    <dgm:linClrLst meth="repeat">
+      <a:schemeClr val="accent1"/>
+    </dgm:linClrLst>
+    <dgm:effectClrLst/>
+    <dgm:txLinClrLst/>
+    <dgm:txFillClrLst meth="repeat">
+      <a:schemeClr val="dk1"/>
+    </dgm:txFillClrLst>
+    <dgm:txEffectClrLst/>
+  </dgm:styleLbl>
+  <dgm:styleLbl name="conFgAcc1">
+    <dgm:fillClrLst meth="repeat">
+      <a:schemeClr val="lt1">
+        <a:alpha val="90000"/>
+      </a:schemeClr>
+    </dgm:fillClrLst>
+    <dgm:linClrLst meth="repeat">
+      <a:schemeClr val="accent1"/>
+    </dgm:linClrLst>
+    <dgm:effectClrLst/>
+    <dgm:txLinClrLst/>
+    <dgm:txFillClrLst meth="repeat">
+      <a:schemeClr val="dk1"/>
+    </dgm:txFillClrLst>
+    <dgm:txEffectClrLst/>
+  </dgm:styleLbl>
+  <dgm:styleLbl name="alignAcc1">
+    <dgm:fillClrLst meth="repeat">
+      <a:schemeClr val="lt1">
+        <a:alpha val="90000"/>
+      </a:schemeClr>
+    </dgm:fillClrLst>
+    <dgm:linClrLst meth="repeat">
+      <a:schemeClr val="accent1"/>
+    </dgm:linClrLst>
+    <dgm:effectClrLst/>
+    <dgm:txLinClrLst/>
+    <dgm:txFillClrLst meth="repeat">
+      <a:schemeClr val="dk1"/>
+    </dgm:txFillClrLst>
+    <dgm:txEffectClrLst/>
+  </dgm:styleLbl>
+  <dgm:styleLbl name="trAlignAcc1">
+    <dgm:fillClrLst meth="repeat">
+      <a:schemeClr val="lt1">
+        <a:alpha val="40000"/>
+      </a:schemeClr>
+    </dgm:fillClrLst>
+    <dgm:linClrLst meth="repeat">
+      <a:schemeClr val="accent1"/>
+    </dgm:linClrLst>
+    <dgm:effectClrLst/>
+    <dgm:txLinClrLst/>
+    <dgm:txFillClrLst meth="repeat">
+      <a:schemeClr val="dk1"/>
+    </dgm:txFillClrLst>
+    <dgm:txEffectClrLst/>
+  </dgm:styleLbl>
+  <dgm:styleLbl name="bgAcc1">
+    <dgm:fillClrLst meth="repeat">
+      <a:schemeClr val="lt1">
+        <a:alpha val="90000"/>
+      </a:schemeClr>
+    </dgm:fillClrLst>
+    <dgm:linClrLst meth="repeat">
+      <a:schemeClr val="accent1"/>
+    </dgm:linClrLst>
+    <dgm:effectClrLst/>
+    <dgm:txLinClrLst/>
+    <dgm:txFillClrLst meth="repeat">
+      <a:schemeClr val="dk1"/>
+    </dgm:txFillClrLst>
+    <dgm:txEffectClrLst/>
+  </dgm:styleLbl>
+  <dgm:styleLbl name="solidFgAcc1">
+    <dgm:fillClrLst meth="repeat">
+      <a:schemeClr val="lt1"/>
+    </dgm:fillClrLst>
+    <dgm:linClrLst meth="repeat">
+      <a:schemeClr val="accent1"/>
+    </dgm:linClrLst>
+    <dgm:effectClrLst/>
+    <dgm:txLinClrLst/>
+    <dgm:txFillClrLst meth="repeat">
+      <a:schemeClr val="dk1"/>
+    </dgm:txFillClrLst>
+    <dgm:txEffectClrLst/>
+  </dgm:styleLbl>
+  <dgm:styleLbl name="solidAlignAcc1">
+    <dgm:fillClrLst meth="repeat">
+      <a:schemeClr val="lt1"/>
+    </dgm:fillClrLst>
+    <dgm:linClrLst meth="repeat">
+      <a:schemeClr val="accent1"/>
+    </dgm:linClrLst>
+    <dgm:effectClrLst/>
+    <dgm:txLinClrLst/>
+    <dgm:txFillClrLst meth="repeat">
+      <a:schemeClr val="dk1"/>
+    </dgm:txFillClrLst>
+    <dgm:txEffectClrLst/>
+  </dgm:styleLbl>
+  <dgm:styleLbl name="solidBgAcc1">
+    <dgm:fillClrLst meth="repeat">
+      <a:schemeClr val="lt1"/>
+    </dgm:fillClrLst>
+    <dgm:linClrLst meth="repeat">
+      <a:schemeClr val="accent1"/>
+    </dgm:linClrLst>
+    <dgm:effectClrLst/>
+    <dgm:txLinClrLst/>
+    <dgm:txFillClrLst meth="repeat">
+      <a:schemeClr val="dk1"/>
+    </dgm:txFillClrLst>
+    <dgm:txEffectClrLst/>
+  </dgm:styleLbl>
+  <dgm:styleLbl name="fgAccFollowNode1">
+    <dgm:fillClrLst meth="repeat">
+      <a:schemeClr val="accent1">
+        <a:alpha val="90000"/>
+        <a:tint val="40000"/>
+      </a:schemeClr>
+    </dgm:fillClrLst>
+    <dgm:linClrLst meth="repeat">
+      <a:schemeClr val="accent1">
+        <a:alpha val="90000"/>
+        <a:tint val="40000"/>
+      </a:schemeClr>
+    </dgm:linClrLst>
+    <dgm:effectClrLst/>
+    <dgm:txLinClrLst/>
+    <dgm:txFillClrLst meth="repeat">
+      <a:schemeClr val="dk1"/>
+    </dgm:txFillClrLst>
+    <dgm:txEffectClrLst/>
+  </dgm:styleLbl>
+  <dgm:styleLbl name="alignAccFollowNode1">
+    <dgm:fillClrLst meth="repeat">
+      <a:schemeClr val="accent1">
+        <a:alpha val="90000"/>
+        <a:tint val="40000"/>
+      </a:schemeClr>
+    </dgm:fillClrLst>
+    <dgm:linClrLst meth="repeat">
+      <a:schemeClr val="accent1">
+        <a:alpha val="90000"/>
+        <a:tint val="40000"/>
+      </a:schemeClr>
+    </dgm:linClrLst>
+    <dgm:effectClrLst/>
+    <dgm:txLinClrLst/>
+    <dgm:txFillClrLst meth="repeat">
+      <a:schemeClr val="dk1"/>
+    </dgm:txFillClrLst>
+    <dgm:txEffectClrLst/>
+  </dgm:styleLbl>
+  <dgm:styleLbl name="bgAccFollowNode1">
+    <dgm:fillClrLst meth="repeat">
+      <a:schemeClr val="accent1">
+        <a:alpha val="90000"/>
+        <a:tint val="40000"/>
+      </a:schemeClr>
+    </dgm:fillClrLst>
+    <dgm:linClrLst meth="repeat">
+      <a:schemeClr val="accent1">
+        <a:alpha val="90000"/>
+        <a:tint val="40000"/>
+      </a:schemeClr>
+    </dgm:linClrLst>
+    <dgm:effectClrLst/>
+    <dgm:txLinClrLst/>
+    <dgm:txFillClrLst meth="repeat">
+      <a:schemeClr val="dk1"/>
+    </dgm:txFillClrLst>
+    <dgm:txEffectClrLst/>
+  </dgm:styleLbl>
+  <dgm:styleLbl name="fgAcc0">
+    <dgm:fillClrLst meth="repeat">
+      <a:schemeClr val="lt1">
+        <a:alpha val="90000"/>
+      </a:schemeClr>
+    </dgm:fillClrLst>
+    <dgm:linClrLst meth="repeat">
+      <a:schemeClr val="accent1"/>
+    </dgm:linClrLst>
+    <dgm:effectClrLst/>
+    <dgm:txLinClrLst/>
+    <dgm:txFillClrLst meth="repeat">
+      <a:schemeClr val="dk1"/>
+    </dgm:txFillClrLst>
+    <dgm:txEffectClrLst/>
+  </dgm:styleLbl>
+  <dgm:styleLbl name="fgAcc2">
+    <dgm:fillClrLst meth="repeat">
+      <a:schemeClr val="lt1">
+        <a:alpha val="90000"/>
+      </a:schemeClr>
+    </dgm:fillClrLst>
+    <dgm:linClrLst meth="repeat">
+      <a:schemeClr val="accent1"/>
+    </dgm:linClrLst>
+    <dgm:effectClrLst/>
+    <dgm:txLinClrLst/>
+    <dgm:txFillClrLst meth="repeat">
+      <a:schemeClr val="dk1"/>
+    </dgm:txFillClrLst>
+    <dgm:txEffectClrLst/>
+  </dgm:styleLbl>
+  <dgm:styleLbl name="fgAcc3">
+    <dgm:fillClrLst meth="repeat">
+      <a:schemeClr val="lt1">
+        <a:alpha val="90000"/>
+      </a:schemeClr>
+    </dgm:fillClrLst>
+    <dgm:linClrLst meth="repeat">
+      <a:schemeClr val="accent1"/>
+    </dgm:linClrLst>
+    <dgm:effectClrLst/>
+    <dgm:txLinClrLst/>
+    <dgm:txFillClrLst meth="repeat">
+      <a:schemeClr val="dk1"/>
+    </dgm:txFillClrLst>
+    <dgm:txEffectClrLst/>
+  </dgm:styleLbl>
+  <dgm:styleLbl name="fgAcc4">
+    <dgm:fillClrLst meth="repeat">
+      <a:schemeClr val="lt1">
+        <a:alpha val="90000"/>
+      </a:schemeClr>
+    </dgm:fillClrLst>
+    <dgm:linClrLst meth="repeat">
+      <a:schemeClr val="accent1"/>
+    </dgm:linClrLst>
+    <dgm:effectClrLst/>
+    <dgm:txLinClrLst/>
+    <dgm:txFillClrLst meth="repeat">
+      <a:schemeClr val="dk1"/>
+    </dgm:txFillClrLst>
+    <dgm:txEffectClrLst/>
+  </dgm:styleLbl>
+  <dgm:styleLbl name="bgShp">
+    <dgm:fillClrLst meth="repeat">
+      <a:schemeClr val="accent1">
+        <a:tint val="40000"/>
+      </a:schemeClr>
+    </dgm:fillClrLst>
+    <dgm:linClrLst meth="repeat">
+      <a:schemeClr val="accent1"/>
+    </dgm:linClrLst>
+    <dgm:effectClrLst/>
+    <dgm:txLinClrLst/>
+    <dgm:txFillClrLst meth="repeat">
+      <a:schemeClr val="dk1"/>
+    </dgm:txFillClrLst>
+    <dgm:txEffectClrLst/>
+  </dgm:styleLbl>
+  <dgm:styleLbl name="dkBgShp">
+    <dgm:fillClrLst meth="repeat">
+      <a:schemeClr val="accent1">
+        <a:shade val="80000"/>
+      </a:schemeClr>
+    </dgm:fillClrLst>
+    <dgm:linClrLst meth="repeat">
+      <a:schemeClr val="accent1"/>
+    </dgm:linClrLst>
+    <dgm:effectClrLst/>
+    <dgm:txLinClrLst/>
+    <dgm:txFillClrLst meth="repeat">
+      <a:schemeClr val="lt1"/>
+    </dgm:txFillClrLst>
+    <dgm:txEffectClrLst/>
+  </dgm:styleLbl>
+  <dgm:styleLbl name="trBgShp">
+    <dgm:fillClrLst meth="repeat">
+      <a:schemeClr val="accent1">
+        <a:tint val="50000"/>
+        <a:alpha val="40000"/>
+      </a:schemeClr>
+    </dgm:fillClrLst>
+    <dgm:linClrLst meth="repeat">
+      <a:schemeClr val="accent1"/>
+    </dgm:linClrLst>
+    <dgm:effectClrLst/>
+    <dgm:txLinClrLst/>
+    <dgm:txFillClrLst meth="repeat">
+      <a:schemeClr val="lt1"/>
+    </dgm:txFillClrLst>
+    <dgm:txEffectClrLst/>
+  </dgm:styleLbl>
+  <dgm:styleLbl name="fgShp">
+    <dgm:fillClrLst meth="repeat">
+      <a:schemeClr val="accent1">
+        <a:tint val="60000"/>
+      </a:schemeClr>
+    </dgm:fillClrLst>
+    <dgm:linClrLst meth="repeat">
+      <a:schemeClr val="lt1"/>
+    </dgm:linClrLst>
+    <dgm:effectClrLst/>
+    <dgm:txLinClrLst/>
+    <dgm:txFillClrLst meth="repeat">
+      <a:schemeClr val="dk1"/>
+    </dgm:txFillClrLst>
+    <dgm:txEffectClrLst/>
+  </dgm:styleLbl>
+  <dgm:styleLbl name="revTx">
+    <dgm:fillClrLst meth="repeat">
+      <a:schemeClr val="lt1">
+        <a:alpha val="0"/>
+      </a:schemeClr>
+    </dgm:fillClrLst>
+    <dgm:linClrLst meth="repeat">
+      <a:schemeClr val="dk1">
+        <a:alpha val="0"/>
+      </a:schemeClr>
+    </dgm:linClrLst>
+    <dgm:effectClrLst/>
+    <dgm:txLinClrLst/>
+    <dgm:txFillClrLst meth="repeat">
+      <a:schemeClr val="tx1"/>
+    </dgm:txFillClrLst>
+    <dgm:txEffectClrLst/>
+  </dgm:styleLbl>
+</dgm:colorsDef>
+</file>
+
+<file path=ppt/diagrams/data1.xml><?xml version="1.0" encoding="utf-8"?>
+<dgm:dataModel xmlns:dgm="http://schemas.openxmlformats.org/drawingml/2006/diagram" xmlns:a="http://schemas.openxmlformats.org/drawingml/2006/main">
+  <dgm:ptLst>
+    <dgm:pt modelId="{25904C2E-643F-4398-BD5B-F6E7EA87A432}" type="doc">
+      <dgm:prSet loTypeId="urn:microsoft.com/office/officeart/2005/8/layout/bProcess3" loCatId="process" qsTypeId="urn:microsoft.com/office/officeart/2005/8/quickstyle/simple1" qsCatId="simple" csTypeId="urn:microsoft.com/office/officeart/2005/8/colors/accent1_2" csCatId="accent1" phldr="1"/>
+      <dgm:spPr/>
+      <dgm:t>
+        <a:bodyPr/>
+        <a:lstStyle/>
+        <a:p>
+          <a:endParaRPr lang="en-US"/>
+        </a:p>
+      </dgm:t>
+    </dgm:pt>
+    <dgm:pt modelId="{C2453633-1FD2-4275-9C4B-17EFBEBD1DCC}">
+      <dgm:prSet phldrT="[Text]"/>
+      <dgm:spPr>
+        <a:solidFill>
+          <a:schemeClr val="accent1">
+            <a:lumMod val="50000"/>
+          </a:schemeClr>
+        </a:solidFill>
+      </dgm:spPr>
+      <dgm:t>
+        <a:bodyPr/>
+        <a:lstStyle/>
+        <a:p>
+          <a:r>
+            <a:rPr lang="en-US" dirty="0"/>
+            <a:t>Dataset from file</a:t>
+          </a:r>
+        </a:p>
+      </dgm:t>
+    </dgm:pt>
+    <dgm:pt modelId="{AB4C1FD5-17DA-417D-AA15-5877DE4699B6}" type="parTrans" cxnId="{543DF4CA-CADA-48E5-BBDB-BE96C835C785}">
+      <dgm:prSet/>
+      <dgm:spPr/>
+      <dgm:t>
+        <a:bodyPr/>
+        <a:lstStyle/>
+        <a:p>
+          <a:endParaRPr lang="en-US"/>
+        </a:p>
+      </dgm:t>
+    </dgm:pt>
+    <dgm:pt modelId="{768DE95A-79FC-4E7F-8CBA-39CA0E59FD5C}" type="sibTrans" cxnId="{543DF4CA-CADA-48E5-BBDB-BE96C835C785}">
+      <dgm:prSet/>
+      <dgm:spPr/>
+      <dgm:t>
+        <a:bodyPr/>
+        <a:lstStyle/>
+        <a:p>
+          <a:endParaRPr lang="en-US"/>
+        </a:p>
+      </dgm:t>
+    </dgm:pt>
+    <dgm:pt modelId="{187E8EF0-7F11-4A46-85C4-2671DEDB92E4}">
+      <dgm:prSet phldrT="[Text]"/>
+      <dgm:spPr>
+        <a:solidFill>
+          <a:schemeClr val="accent1">
+            <a:lumMod val="75000"/>
+          </a:schemeClr>
+        </a:solidFill>
+      </dgm:spPr>
+      <dgm:t>
+        <a:bodyPr/>
+        <a:lstStyle/>
+        <a:p>
+          <a:r>
+            <a:rPr lang="en-US" dirty="0"/>
+            <a:t>Create model file</a:t>
+          </a:r>
+        </a:p>
+      </dgm:t>
+    </dgm:pt>
+    <dgm:pt modelId="{0EA0FD10-9675-4378-A6B6-69E0F73B9F12}" type="parTrans" cxnId="{1F293FC9-91EC-4862-9CE8-D6C17997A2CA}">
+      <dgm:prSet/>
+      <dgm:spPr/>
+      <dgm:t>
+        <a:bodyPr/>
+        <a:lstStyle/>
+        <a:p>
+          <a:endParaRPr lang="en-US"/>
+        </a:p>
+      </dgm:t>
+    </dgm:pt>
+    <dgm:pt modelId="{FB368271-5633-416F-B38B-F67992B7290E}" type="sibTrans" cxnId="{1F293FC9-91EC-4862-9CE8-D6C17997A2CA}">
+      <dgm:prSet/>
+      <dgm:spPr/>
+      <dgm:t>
+        <a:bodyPr/>
+        <a:lstStyle/>
+        <a:p>
+          <a:endParaRPr lang="en-US"/>
+        </a:p>
+      </dgm:t>
+    </dgm:pt>
+    <dgm:pt modelId="{58C72F37-9D40-4A69-AF92-70A40F6D43AC}">
+      <dgm:prSet phldrT="[Text]"/>
+      <dgm:spPr/>
+      <dgm:t>
+        <a:bodyPr/>
+        <a:lstStyle/>
+        <a:p>
+          <a:r>
+            <a:rPr lang="en-US" dirty="0"/>
+            <a:t>Create deep layers</a:t>
+          </a:r>
+        </a:p>
+      </dgm:t>
+    </dgm:pt>
+    <dgm:pt modelId="{67ADB24B-A98B-4671-8B7F-2CD2085DC09A}" type="parTrans" cxnId="{264CA29E-50DC-4045-B9A6-EB2182C7CEDE}">
+      <dgm:prSet/>
+      <dgm:spPr/>
+      <dgm:t>
+        <a:bodyPr/>
+        <a:lstStyle/>
+        <a:p>
+          <a:endParaRPr lang="en-US"/>
+        </a:p>
+      </dgm:t>
+    </dgm:pt>
+    <dgm:pt modelId="{B68F4951-45EF-4D07-BCF1-B9EC200891E2}" type="sibTrans" cxnId="{264CA29E-50DC-4045-B9A6-EB2182C7CEDE}">
+      <dgm:prSet/>
+      <dgm:spPr/>
+      <dgm:t>
+        <a:bodyPr/>
+        <a:lstStyle/>
+        <a:p>
+          <a:endParaRPr lang="en-US"/>
+        </a:p>
+      </dgm:t>
+    </dgm:pt>
+    <dgm:pt modelId="{6F92AF8E-4CF9-4670-BF8B-A970A7432C5F}">
+      <dgm:prSet phldrT="[Text]"/>
+      <dgm:spPr>
+        <a:solidFill>
+          <a:schemeClr val="accent1">
+            <a:lumMod val="60000"/>
+            <a:lumOff val="40000"/>
+          </a:schemeClr>
+        </a:solidFill>
+      </dgm:spPr>
+      <dgm:t>
+        <a:bodyPr/>
+        <a:lstStyle/>
+        <a:p>
+          <a:r>
+            <a:rPr lang="en-US" dirty="0"/>
+            <a:t>Output layer</a:t>
+          </a:r>
+        </a:p>
+      </dgm:t>
+    </dgm:pt>
+    <dgm:pt modelId="{AE4654F5-B3AF-4EFA-8B57-AC8196261C32}" type="parTrans" cxnId="{9B37DAAB-7DF7-4D51-B7F3-6019C9B04EA0}">
+      <dgm:prSet/>
+      <dgm:spPr/>
+      <dgm:t>
+        <a:bodyPr/>
+        <a:lstStyle/>
+        <a:p>
+          <a:endParaRPr lang="en-US"/>
+        </a:p>
+      </dgm:t>
+    </dgm:pt>
+    <dgm:pt modelId="{31DDD8AD-A194-4F8E-8A18-F42DF3930524}" type="sibTrans" cxnId="{9B37DAAB-7DF7-4D51-B7F3-6019C9B04EA0}">
+      <dgm:prSet/>
+      <dgm:spPr/>
+      <dgm:t>
+        <a:bodyPr/>
+        <a:lstStyle/>
+        <a:p>
+          <a:endParaRPr lang="en-US"/>
+        </a:p>
+      </dgm:t>
+    </dgm:pt>
+    <dgm:pt modelId="{B4F39853-3F19-4E2D-B75B-081A7D450A76}" type="pres">
+      <dgm:prSet presAssocID="{25904C2E-643F-4398-BD5B-F6E7EA87A432}" presName="Name0" presStyleCnt="0">
+        <dgm:presLayoutVars>
+          <dgm:dir/>
+          <dgm:resizeHandles val="exact"/>
+        </dgm:presLayoutVars>
+      </dgm:prSet>
+      <dgm:spPr/>
+    </dgm:pt>
+    <dgm:pt modelId="{901E2212-985C-49C2-8960-7B30C2C2E9A5}" type="pres">
+      <dgm:prSet presAssocID="{C2453633-1FD2-4275-9C4B-17EFBEBD1DCC}" presName="node" presStyleLbl="node1" presStyleIdx="0" presStyleCnt="4" custLinFactNeighborX="-5624" custLinFactNeighborY="-1676">
+        <dgm:presLayoutVars>
+          <dgm:bulletEnabled val="1"/>
+        </dgm:presLayoutVars>
+      </dgm:prSet>
+      <dgm:spPr/>
+    </dgm:pt>
+    <dgm:pt modelId="{F3141598-C0DF-4E7B-86FE-AF478A11F4FA}" type="pres">
+      <dgm:prSet presAssocID="{768DE95A-79FC-4E7F-8CBA-39CA0E59FD5C}" presName="sibTrans" presStyleLbl="sibTrans1D1" presStyleIdx="0" presStyleCnt="3"/>
+      <dgm:spPr/>
+    </dgm:pt>
+    <dgm:pt modelId="{7DAA99E8-AD2F-4BEC-97CF-D4B976BA82AB}" type="pres">
+      <dgm:prSet presAssocID="{768DE95A-79FC-4E7F-8CBA-39CA0E59FD5C}" presName="connectorText" presStyleLbl="sibTrans1D1" presStyleIdx="0" presStyleCnt="3"/>
+      <dgm:spPr/>
+    </dgm:pt>
+    <dgm:pt modelId="{6141C656-1DD0-4603-A067-2381EF70E9A9}" type="pres">
+      <dgm:prSet presAssocID="{187E8EF0-7F11-4A46-85C4-2671DEDB92E4}" presName="node" presStyleLbl="node1" presStyleIdx="1" presStyleCnt="4" custLinFactNeighborX="-3134" custLinFactNeighborY="19167">
+        <dgm:presLayoutVars>
+          <dgm:bulletEnabled val="1"/>
+        </dgm:presLayoutVars>
+      </dgm:prSet>
+      <dgm:spPr/>
+    </dgm:pt>
+    <dgm:pt modelId="{06FCD7F1-B0E5-46D3-9A1B-15B7E2637C96}" type="pres">
+      <dgm:prSet presAssocID="{FB368271-5633-416F-B38B-F67992B7290E}" presName="sibTrans" presStyleLbl="sibTrans1D1" presStyleIdx="1" presStyleCnt="3"/>
+      <dgm:spPr/>
+    </dgm:pt>
+    <dgm:pt modelId="{B7002A0D-8009-4AC9-A058-8718D381450C}" type="pres">
+      <dgm:prSet presAssocID="{FB368271-5633-416F-B38B-F67992B7290E}" presName="connectorText" presStyleLbl="sibTrans1D1" presStyleIdx="1" presStyleCnt="3"/>
+      <dgm:spPr/>
+    </dgm:pt>
+    <dgm:pt modelId="{47FF055C-3933-40E0-B2E6-17B609A50004}" type="pres">
+      <dgm:prSet presAssocID="{58C72F37-9D40-4A69-AF92-70A40F6D43AC}" presName="node" presStyleLbl="node1" presStyleIdx="2" presStyleCnt="4">
+        <dgm:presLayoutVars>
+          <dgm:bulletEnabled val="1"/>
+        </dgm:presLayoutVars>
+      </dgm:prSet>
+      <dgm:spPr/>
+    </dgm:pt>
+    <dgm:pt modelId="{54E86C1F-4A1F-4F6A-B424-BE521EE14E6C}" type="pres">
+      <dgm:prSet presAssocID="{B68F4951-45EF-4D07-BCF1-B9EC200891E2}" presName="sibTrans" presStyleLbl="sibTrans1D1" presStyleIdx="2" presStyleCnt="3"/>
+      <dgm:spPr/>
+    </dgm:pt>
+    <dgm:pt modelId="{143FA060-FDB5-427A-A1D5-1CC3889A0A25}" type="pres">
+      <dgm:prSet presAssocID="{B68F4951-45EF-4D07-BCF1-B9EC200891E2}" presName="connectorText" presStyleLbl="sibTrans1D1" presStyleIdx="2" presStyleCnt="3"/>
+      <dgm:spPr/>
+    </dgm:pt>
+    <dgm:pt modelId="{670FB805-BD39-42B3-B068-7F592074E35F}" type="pres">
+      <dgm:prSet presAssocID="{6F92AF8E-4CF9-4670-BF8B-A970A7432C5F}" presName="node" presStyleLbl="node1" presStyleIdx="3" presStyleCnt="4" custLinFactNeighborX="-345" custLinFactNeighborY="55198">
+        <dgm:presLayoutVars>
+          <dgm:bulletEnabled val="1"/>
+        </dgm:presLayoutVars>
+      </dgm:prSet>
+      <dgm:spPr/>
+    </dgm:pt>
+  </dgm:ptLst>
+  <dgm:cxnLst>
+    <dgm:cxn modelId="{882F7E0C-1FFE-40CD-B5EB-9FD5340AD3FB}" type="presOf" srcId="{FB368271-5633-416F-B38B-F67992B7290E}" destId="{06FCD7F1-B0E5-46D3-9A1B-15B7E2637C96}" srcOrd="0" destOrd="0" presId="urn:microsoft.com/office/officeart/2005/8/layout/bProcess3"/>
+    <dgm:cxn modelId="{601E011A-08C2-473A-A19B-90ED0941A262}" type="presOf" srcId="{FB368271-5633-416F-B38B-F67992B7290E}" destId="{B7002A0D-8009-4AC9-A058-8718D381450C}" srcOrd="1" destOrd="0" presId="urn:microsoft.com/office/officeart/2005/8/layout/bProcess3"/>
+    <dgm:cxn modelId="{1E0CFD27-FD9F-4988-8A54-0879D1C2A456}" type="presOf" srcId="{58C72F37-9D40-4A69-AF92-70A40F6D43AC}" destId="{47FF055C-3933-40E0-B2E6-17B609A50004}" srcOrd="0" destOrd="0" presId="urn:microsoft.com/office/officeart/2005/8/layout/bProcess3"/>
+    <dgm:cxn modelId="{88FDEB33-4C03-4FA4-9C82-FFA202CC5977}" type="presOf" srcId="{C2453633-1FD2-4275-9C4B-17EFBEBD1DCC}" destId="{901E2212-985C-49C2-8960-7B30C2C2E9A5}" srcOrd="0" destOrd="0" presId="urn:microsoft.com/office/officeart/2005/8/layout/bProcess3"/>
+    <dgm:cxn modelId="{7E4C5C3E-2EB0-4007-BD4A-B9214C775930}" type="presOf" srcId="{6F92AF8E-4CF9-4670-BF8B-A970A7432C5F}" destId="{670FB805-BD39-42B3-B068-7F592074E35F}" srcOrd="0" destOrd="0" presId="urn:microsoft.com/office/officeart/2005/8/layout/bProcess3"/>
+    <dgm:cxn modelId="{4013B85F-D82E-43C1-B846-BFB282ECC366}" type="presOf" srcId="{768DE95A-79FC-4E7F-8CBA-39CA0E59FD5C}" destId="{7DAA99E8-AD2F-4BEC-97CF-D4B976BA82AB}" srcOrd="1" destOrd="0" presId="urn:microsoft.com/office/officeart/2005/8/layout/bProcess3"/>
+    <dgm:cxn modelId="{E2A37F4B-8D97-40E8-98C0-FF50ED9FEB3D}" type="presOf" srcId="{187E8EF0-7F11-4A46-85C4-2671DEDB92E4}" destId="{6141C656-1DD0-4603-A067-2381EF70E9A9}" srcOrd="0" destOrd="0" presId="urn:microsoft.com/office/officeart/2005/8/layout/bProcess3"/>
+    <dgm:cxn modelId="{E840D871-4712-450D-B876-1520028A779A}" type="presOf" srcId="{25904C2E-643F-4398-BD5B-F6E7EA87A432}" destId="{B4F39853-3F19-4E2D-B75B-081A7D450A76}" srcOrd="0" destOrd="0" presId="urn:microsoft.com/office/officeart/2005/8/layout/bProcess3"/>
+    <dgm:cxn modelId="{EDB5C972-2B10-4B32-BBE4-0D3991C4DD77}" type="presOf" srcId="{B68F4951-45EF-4D07-BCF1-B9EC200891E2}" destId="{143FA060-FDB5-427A-A1D5-1CC3889A0A25}" srcOrd="1" destOrd="0" presId="urn:microsoft.com/office/officeart/2005/8/layout/bProcess3"/>
+    <dgm:cxn modelId="{264CA29E-50DC-4045-B9A6-EB2182C7CEDE}" srcId="{25904C2E-643F-4398-BD5B-F6E7EA87A432}" destId="{58C72F37-9D40-4A69-AF92-70A40F6D43AC}" srcOrd="2" destOrd="0" parTransId="{67ADB24B-A98B-4671-8B7F-2CD2085DC09A}" sibTransId="{B68F4951-45EF-4D07-BCF1-B9EC200891E2}"/>
+    <dgm:cxn modelId="{31FE4D9F-6424-4BEE-93AA-463DB709C573}" type="presOf" srcId="{B68F4951-45EF-4D07-BCF1-B9EC200891E2}" destId="{54E86C1F-4A1F-4F6A-B424-BE521EE14E6C}" srcOrd="0" destOrd="0" presId="urn:microsoft.com/office/officeart/2005/8/layout/bProcess3"/>
+    <dgm:cxn modelId="{9B37DAAB-7DF7-4D51-B7F3-6019C9B04EA0}" srcId="{25904C2E-643F-4398-BD5B-F6E7EA87A432}" destId="{6F92AF8E-4CF9-4670-BF8B-A970A7432C5F}" srcOrd="3" destOrd="0" parTransId="{AE4654F5-B3AF-4EFA-8B57-AC8196261C32}" sibTransId="{31DDD8AD-A194-4F8E-8A18-F42DF3930524}"/>
+    <dgm:cxn modelId="{1F293FC9-91EC-4862-9CE8-D6C17997A2CA}" srcId="{25904C2E-643F-4398-BD5B-F6E7EA87A432}" destId="{187E8EF0-7F11-4A46-85C4-2671DEDB92E4}" srcOrd="1" destOrd="0" parTransId="{0EA0FD10-9675-4378-A6B6-69E0F73B9F12}" sibTransId="{FB368271-5633-416F-B38B-F67992B7290E}"/>
+    <dgm:cxn modelId="{66BAE8CA-8CF8-4087-A7CB-80215C640027}" type="presOf" srcId="{768DE95A-79FC-4E7F-8CBA-39CA0E59FD5C}" destId="{F3141598-C0DF-4E7B-86FE-AF478A11F4FA}" srcOrd="0" destOrd="0" presId="urn:microsoft.com/office/officeart/2005/8/layout/bProcess3"/>
+    <dgm:cxn modelId="{543DF4CA-CADA-48E5-BBDB-BE96C835C785}" srcId="{25904C2E-643F-4398-BD5B-F6E7EA87A432}" destId="{C2453633-1FD2-4275-9C4B-17EFBEBD1DCC}" srcOrd="0" destOrd="0" parTransId="{AB4C1FD5-17DA-417D-AA15-5877DE4699B6}" sibTransId="{768DE95A-79FC-4E7F-8CBA-39CA0E59FD5C}"/>
+    <dgm:cxn modelId="{D33FEF95-26F1-4E1C-9F27-2B9D08497EF6}" type="presParOf" srcId="{B4F39853-3F19-4E2D-B75B-081A7D450A76}" destId="{901E2212-985C-49C2-8960-7B30C2C2E9A5}" srcOrd="0" destOrd="0" presId="urn:microsoft.com/office/officeart/2005/8/layout/bProcess3"/>
+    <dgm:cxn modelId="{4BFAD955-6373-486B-B48A-3747262068A0}" type="presParOf" srcId="{B4F39853-3F19-4E2D-B75B-081A7D450A76}" destId="{F3141598-C0DF-4E7B-86FE-AF478A11F4FA}" srcOrd="1" destOrd="0" presId="urn:microsoft.com/office/officeart/2005/8/layout/bProcess3"/>
+    <dgm:cxn modelId="{86D32556-C5E9-406A-9302-5C827A82CC0A}" type="presParOf" srcId="{F3141598-C0DF-4E7B-86FE-AF478A11F4FA}" destId="{7DAA99E8-AD2F-4BEC-97CF-D4B976BA82AB}" srcOrd="0" destOrd="0" presId="urn:microsoft.com/office/officeart/2005/8/layout/bProcess3"/>
+    <dgm:cxn modelId="{C5F8E792-7B0E-4524-B8DF-E301DD9EBCE1}" type="presParOf" srcId="{B4F39853-3F19-4E2D-B75B-081A7D450A76}" destId="{6141C656-1DD0-4603-A067-2381EF70E9A9}" srcOrd="2" destOrd="0" presId="urn:microsoft.com/office/officeart/2005/8/layout/bProcess3"/>
+    <dgm:cxn modelId="{81CB23CA-93AC-4B56-8B2C-B091784F22D7}" type="presParOf" srcId="{B4F39853-3F19-4E2D-B75B-081A7D450A76}" destId="{06FCD7F1-B0E5-46D3-9A1B-15B7E2637C96}" srcOrd="3" destOrd="0" presId="urn:microsoft.com/office/officeart/2005/8/layout/bProcess3"/>
+    <dgm:cxn modelId="{6CA5EBE8-4270-4A5D-B12A-5233B05CD810}" type="presParOf" srcId="{06FCD7F1-B0E5-46D3-9A1B-15B7E2637C96}" destId="{B7002A0D-8009-4AC9-A058-8718D381450C}" srcOrd="0" destOrd="0" presId="urn:microsoft.com/office/officeart/2005/8/layout/bProcess3"/>
+    <dgm:cxn modelId="{90E94FDD-12F7-4549-8C26-A7ED0605FF66}" type="presParOf" srcId="{B4F39853-3F19-4E2D-B75B-081A7D450A76}" destId="{47FF055C-3933-40E0-B2E6-17B609A50004}" srcOrd="4" destOrd="0" presId="urn:microsoft.com/office/officeart/2005/8/layout/bProcess3"/>
+    <dgm:cxn modelId="{8B09B34C-C12B-4043-AEAC-015833BD7C09}" type="presParOf" srcId="{B4F39853-3F19-4E2D-B75B-081A7D450A76}" destId="{54E86C1F-4A1F-4F6A-B424-BE521EE14E6C}" srcOrd="5" destOrd="0" presId="urn:microsoft.com/office/officeart/2005/8/layout/bProcess3"/>
+    <dgm:cxn modelId="{5743368A-2E8B-4D34-9DA3-5DAEC1AF0A3D}" type="presParOf" srcId="{54E86C1F-4A1F-4F6A-B424-BE521EE14E6C}" destId="{143FA060-FDB5-427A-A1D5-1CC3889A0A25}" srcOrd="0" destOrd="0" presId="urn:microsoft.com/office/officeart/2005/8/layout/bProcess3"/>
+    <dgm:cxn modelId="{F6A71211-0603-4C08-BCED-762C5F63D438}" type="presParOf" srcId="{B4F39853-3F19-4E2D-B75B-081A7D450A76}" destId="{670FB805-BD39-42B3-B068-7F592074E35F}" srcOrd="6" destOrd="0" presId="urn:microsoft.com/office/officeart/2005/8/layout/bProcess3"/>
+  </dgm:cxnLst>
+  <dgm:bg/>
+  <dgm:whole/>
+  <dgm:extLst>
+    <a:ext uri="http://schemas.microsoft.com/office/drawing/2008/diagram">
+      <dsp:dataModelExt xmlns:dsp="http://schemas.microsoft.com/office/drawing/2008/diagram" relId="rId6" minVer="http://schemas.openxmlformats.org/drawingml/2006/diagram"/>
+    </a:ext>
+  </dgm:extLst>
+</dgm:dataModel>
+</file>
+
+<file path=ppt/diagrams/data2.xml><?xml version="1.0" encoding="utf-8"?>
+<dgm:dataModel xmlns:dgm="http://schemas.openxmlformats.org/drawingml/2006/diagram" xmlns:a="http://schemas.openxmlformats.org/drawingml/2006/main">
+  <dgm:ptLst>
+    <dgm:pt modelId="{F958D0BA-6B70-45DD-92CB-A13192300EB4}" type="doc">
+      <dgm:prSet loTypeId="urn:microsoft.com/office/officeart/2005/8/layout/bProcess3" loCatId="process" qsTypeId="urn:microsoft.com/office/officeart/2005/8/quickstyle/simple1" qsCatId="simple" csTypeId="urn:microsoft.com/office/officeart/2005/8/colors/accent1_2" csCatId="accent1" phldr="1"/>
+      <dgm:spPr/>
+      <dgm:t>
+        <a:bodyPr/>
+        <a:lstStyle/>
+        <a:p>
+          <a:endParaRPr lang="en-US"/>
+        </a:p>
+      </dgm:t>
+    </dgm:pt>
+    <dgm:pt modelId="{9B6D5DEE-5623-4FD7-8918-339630D4961C}">
+      <dgm:prSet phldrT="[Text]"/>
+      <dgm:spPr>
+        <a:solidFill>
+          <a:schemeClr val="accent2">
+            <a:lumMod val="75000"/>
+          </a:schemeClr>
+        </a:solidFill>
+      </dgm:spPr>
+      <dgm:t>
+        <a:bodyPr/>
+        <a:lstStyle/>
+        <a:p>
+          <a:r>
+            <a:rPr lang="en-US" dirty="0"/>
+            <a:t>Input</a:t>
+          </a:r>
+        </a:p>
+      </dgm:t>
+    </dgm:pt>
+    <dgm:pt modelId="{5DA4CAF9-614C-461E-9EBA-26A719B41A54}" type="parTrans" cxnId="{21A44A4E-348C-4E04-9B5D-C8D162AA8367}">
+      <dgm:prSet/>
+      <dgm:spPr/>
+      <dgm:t>
+        <a:bodyPr/>
+        <a:lstStyle/>
+        <a:p>
+          <a:endParaRPr lang="en-US"/>
+        </a:p>
+      </dgm:t>
+    </dgm:pt>
+    <dgm:pt modelId="{D35DE369-2144-4333-9C43-CADCA0B144A9}" type="sibTrans" cxnId="{21A44A4E-348C-4E04-9B5D-C8D162AA8367}">
+      <dgm:prSet/>
+      <dgm:spPr/>
+      <dgm:t>
+        <a:bodyPr/>
+        <a:lstStyle/>
+        <a:p>
+          <a:endParaRPr lang="en-US"/>
+        </a:p>
+      </dgm:t>
+    </dgm:pt>
+    <dgm:pt modelId="{FE748628-053E-41D6-A215-1FFF17D5ACB0}">
+      <dgm:prSet phldrT="[Text]"/>
+      <dgm:spPr>
+        <a:solidFill>
+          <a:srgbClr val="FFC000"/>
+        </a:solidFill>
+      </dgm:spPr>
+      <dgm:t>
+        <a:bodyPr/>
+        <a:lstStyle/>
+        <a:p>
+          <a:r>
+            <a:rPr lang="en-US" dirty="0"/>
+            <a:t>Model</a:t>
+          </a:r>
+        </a:p>
+      </dgm:t>
+    </dgm:pt>
+    <dgm:pt modelId="{A63464EC-3CC7-45F8-81BD-7D30847629C9}" type="parTrans" cxnId="{0ADBDF0A-B71D-46B6-BD3C-D5F0C3A1E751}">
+      <dgm:prSet/>
+      <dgm:spPr/>
+      <dgm:t>
+        <a:bodyPr/>
+        <a:lstStyle/>
+        <a:p>
+          <a:endParaRPr lang="en-US"/>
+        </a:p>
+      </dgm:t>
+    </dgm:pt>
+    <dgm:pt modelId="{06C4071F-A6C9-4729-8565-FA7BD09C2448}" type="sibTrans" cxnId="{0ADBDF0A-B71D-46B6-BD3C-D5F0C3A1E751}">
+      <dgm:prSet/>
+      <dgm:spPr/>
+      <dgm:t>
+        <a:bodyPr/>
+        <a:lstStyle/>
+        <a:p>
+          <a:endParaRPr lang="en-US"/>
+        </a:p>
+      </dgm:t>
+    </dgm:pt>
+    <dgm:pt modelId="{4FA06973-3CB8-4DA1-AED4-D44F1FA7AD84}">
+      <dgm:prSet phldrT="[Text]"/>
+      <dgm:spPr>
+        <a:solidFill>
+          <a:schemeClr val="accent5">
+            <a:lumMod val="75000"/>
+          </a:schemeClr>
+        </a:solidFill>
+      </dgm:spPr>
+      <dgm:t>
+        <a:bodyPr/>
+        <a:lstStyle/>
+        <a:p>
+          <a:r>
+            <a:rPr lang="en-US" dirty="0"/>
+            <a:t>Bias and variance</a:t>
+          </a:r>
+        </a:p>
+      </dgm:t>
+    </dgm:pt>
+    <dgm:pt modelId="{851B183A-C6AA-4B8A-9C4E-0F8B04440860}" type="parTrans" cxnId="{54F70366-6987-4648-9423-46F00AC6E4EE}">
+      <dgm:prSet/>
+      <dgm:spPr/>
+      <dgm:t>
+        <a:bodyPr/>
+        <a:lstStyle/>
+        <a:p>
+          <a:endParaRPr lang="en-US"/>
+        </a:p>
+      </dgm:t>
+    </dgm:pt>
+    <dgm:pt modelId="{803F4E07-E7DF-48A2-B0FE-87ED90F69F48}" type="sibTrans" cxnId="{54F70366-6987-4648-9423-46F00AC6E4EE}">
+      <dgm:prSet/>
+      <dgm:spPr/>
+      <dgm:t>
+        <a:bodyPr/>
+        <a:lstStyle/>
+        <a:p>
+          <a:endParaRPr lang="en-US"/>
+        </a:p>
+      </dgm:t>
+    </dgm:pt>
+    <dgm:pt modelId="{97F1292C-F90A-4925-B0F9-C1AF724C9CDA}">
+      <dgm:prSet phldrT="[Text]"/>
+      <dgm:spPr/>
+      <dgm:t>
+        <a:bodyPr/>
+        <a:lstStyle/>
+        <a:p>
+          <a:r>
+            <a:rPr lang="en-US" dirty="0"/>
+            <a:t>Plotting </a:t>
+          </a:r>
+        </a:p>
+      </dgm:t>
+    </dgm:pt>
+    <dgm:pt modelId="{7CC40C3C-5E5E-4BDB-A483-7E2733A360DE}" type="parTrans" cxnId="{75AA8866-2C58-4304-BBF3-6EA01BD26477}">
+      <dgm:prSet/>
+      <dgm:spPr/>
+      <dgm:t>
+        <a:bodyPr/>
+        <a:lstStyle/>
+        <a:p>
+          <a:endParaRPr lang="en-US"/>
+        </a:p>
+      </dgm:t>
+    </dgm:pt>
+    <dgm:pt modelId="{0BCE8EBB-F572-480B-8F0C-47E0310B1B76}" type="sibTrans" cxnId="{75AA8866-2C58-4304-BBF3-6EA01BD26477}">
+      <dgm:prSet/>
+      <dgm:spPr/>
+      <dgm:t>
+        <a:bodyPr/>
+        <a:lstStyle/>
+        <a:p>
+          <a:endParaRPr lang="en-US"/>
+        </a:p>
+      </dgm:t>
+    </dgm:pt>
+    <dgm:pt modelId="{D4AF787C-7A60-4831-AA5E-4DE3F43BDF9D}">
+      <dgm:prSet phldrT="[Text]"/>
+      <dgm:spPr>
+        <a:solidFill>
+          <a:schemeClr val="accent6">
+            <a:lumMod val="50000"/>
+          </a:schemeClr>
+        </a:solidFill>
+      </dgm:spPr>
+      <dgm:t>
+        <a:bodyPr/>
+        <a:lstStyle/>
+        <a:p>
+          <a:r>
+            <a:rPr lang="en-US" dirty="0"/>
+            <a:t>Visual representation</a:t>
+          </a:r>
+        </a:p>
+      </dgm:t>
+    </dgm:pt>
+    <dgm:pt modelId="{EDC87F1D-2B6F-4AE0-BEBD-34A7D1CD26CC}" type="parTrans" cxnId="{F635BA5B-1019-4C63-B8B7-EC5F4DE0793E}">
+      <dgm:prSet/>
+      <dgm:spPr/>
+      <dgm:t>
+        <a:bodyPr/>
+        <a:lstStyle/>
+        <a:p>
+          <a:endParaRPr lang="en-US"/>
+        </a:p>
+      </dgm:t>
+    </dgm:pt>
+    <dgm:pt modelId="{53C6E064-4BBD-42A8-ABB6-66DC60E9ABF4}" type="sibTrans" cxnId="{F635BA5B-1019-4C63-B8B7-EC5F4DE0793E}">
+      <dgm:prSet/>
+      <dgm:spPr/>
+      <dgm:t>
+        <a:bodyPr/>
+        <a:lstStyle/>
+        <a:p>
+          <a:endParaRPr lang="en-US"/>
+        </a:p>
+      </dgm:t>
+    </dgm:pt>
+    <dgm:pt modelId="{0B2629A4-8894-4884-AC0F-2EA7E2AB5806}" type="pres">
+      <dgm:prSet presAssocID="{F958D0BA-6B70-45DD-92CB-A13192300EB4}" presName="Name0" presStyleCnt="0">
+        <dgm:presLayoutVars>
+          <dgm:dir/>
+          <dgm:resizeHandles val="exact"/>
+        </dgm:presLayoutVars>
+      </dgm:prSet>
+      <dgm:spPr/>
+    </dgm:pt>
+    <dgm:pt modelId="{95DE04C2-D7CA-4130-89E1-FF0A469C4BF6}" type="pres">
+      <dgm:prSet presAssocID="{9B6D5DEE-5623-4FD7-8918-339630D4961C}" presName="node" presStyleLbl="node1" presStyleIdx="0" presStyleCnt="5" custLinFactNeighborX="-4468" custLinFactNeighborY="19213">
+        <dgm:presLayoutVars>
+          <dgm:bulletEnabled val="1"/>
+        </dgm:presLayoutVars>
+      </dgm:prSet>
+      <dgm:spPr/>
+    </dgm:pt>
+    <dgm:pt modelId="{09131F19-98EE-4154-990B-3B3E373C3512}" type="pres">
+      <dgm:prSet presAssocID="{D35DE369-2144-4333-9C43-CADCA0B144A9}" presName="sibTrans" presStyleLbl="sibTrans1D1" presStyleIdx="0" presStyleCnt="4"/>
+      <dgm:spPr/>
+    </dgm:pt>
+    <dgm:pt modelId="{07C6ADE8-D832-42F8-B079-0371305F8B38}" type="pres">
+      <dgm:prSet presAssocID="{D35DE369-2144-4333-9C43-CADCA0B144A9}" presName="connectorText" presStyleLbl="sibTrans1D1" presStyleIdx="0" presStyleCnt="4"/>
+      <dgm:spPr/>
+    </dgm:pt>
+    <dgm:pt modelId="{92D34D4E-68FA-4F4A-8B99-BA5D0AA79BF7}" type="pres">
+      <dgm:prSet presAssocID="{FE748628-053E-41D6-A215-1FFF17D5ACB0}" presName="node" presStyleLbl="node1" presStyleIdx="1" presStyleCnt="5" custLinFactNeighborX="97" custLinFactNeighborY="19213">
+        <dgm:presLayoutVars>
+          <dgm:bulletEnabled val="1"/>
+        </dgm:presLayoutVars>
+      </dgm:prSet>
+      <dgm:spPr/>
+    </dgm:pt>
+    <dgm:pt modelId="{AE9AFA20-96E1-4DBC-86BF-35E63A3A8BC5}" type="pres">
+      <dgm:prSet presAssocID="{06C4071F-A6C9-4729-8565-FA7BD09C2448}" presName="sibTrans" presStyleLbl="sibTrans1D1" presStyleIdx="1" presStyleCnt="4"/>
+      <dgm:spPr/>
+    </dgm:pt>
+    <dgm:pt modelId="{5BF94CED-8FAE-485B-93E4-A368950291E2}" type="pres">
+      <dgm:prSet presAssocID="{06C4071F-A6C9-4729-8565-FA7BD09C2448}" presName="connectorText" presStyleLbl="sibTrans1D1" presStyleIdx="1" presStyleCnt="4"/>
+      <dgm:spPr/>
+    </dgm:pt>
+    <dgm:pt modelId="{6D73EF02-AB6B-4E07-A9FA-58EE6678DCC8}" type="pres">
+      <dgm:prSet presAssocID="{4FA06973-3CB8-4DA1-AED4-D44F1FA7AD84}" presName="node" presStyleLbl="node1" presStyleIdx="2" presStyleCnt="5">
+        <dgm:presLayoutVars>
+          <dgm:bulletEnabled val="1"/>
+        </dgm:presLayoutVars>
+      </dgm:prSet>
+      <dgm:spPr/>
+    </dgm:pt>
+    <dgm:pt modelId="{C2D00726-48F2-4765-8F3B-882F62285A4C}" type="pres">
+      <dgm:prSet presAssocID="{803F4E07-E7DF-48A2-B0FE-87ED90F69F48}" presName="sibTrans" presStyleLbl="sibTrans1D1" presStyleIdx="2" presStyleCnt="4"/>
+      <dgm:spPr/>
+    </dgm:pt>
+    <dgm:pt modelId="{5D327834-5FE0-4D72-9853-864A608F6EAF}" type="pres">
+      <dgm:prSet presAssocID="{803F4E07-E7DF-48A2-B0FE-87ED90F69F48}" presName="connectorText" presStyleLbl="sibTrans1D1" presStyleIdx="2" presStyleCnt="4"/>
+      <dgm:spPr/>
+    </dgm:pt>
+    <dgm:pt modelId="{95E3146D-A90B-46D2-B17C-7220AF9123A1}" type="pres">
+      <dgm:prSet presAssocID="{97F1292C-F90A-4925-B0F9-C1AF724C9CDA}" presName="node" presStyleLbl="node1" presStyleIdx="3" presStyleCnt="5">
+        <dgm:presLayoutVars>
+          <dgm:bulletEnabled val="1"/>
+        </dgm:presLayoutVars>
+      </dgm:prSet>
+      <dgm:spPr/>
+    </dgm:pt>
+    <dgm:pt modelId="{7632DEAB-41BD-45EF-852A-7ED6352FD1D7}" type="pres">
+      <dgm:prSet presAssocID="{0BCE8EBB-F572-480B-8F0C-47E0310B1B76}" presName="sibTrans" presStyleLbl="sibTrans1D1" presStyleIdx="3" presStyleCnt="4"/>
+      <dgm:spPr/>
+    </dgm:pt>
+    <dgm:pt modelId="{DB64412A-183D-4D91-8758-4C4D70ECEFD5}" type="pres">
+      <dgm:prSet presAssocID="{0BCE8EBB-F572-480B-8F0C-47E0310B1B76}" presName="connectorText" presStyleLbl="sibTrans1D1" presStyleIdx="3" presStyleCnt="4"/>
+      <dgm:spPr/>
+    </dgm:pt>
+    <dgm:pt modelId="{3728127F-61FB-428D-9661-FB2002AD3627}" type="pres">
+      <dgm:prSet presAssocID="{D4AF787C-7A60-4831-AA5E-4DE3F43BDF9D}" presName="node" presStyleLbl="node1" presStyleIdx="4" presStyleCnt="5">
+        <dgm:presLayoutVars>
+          <dgm:bulletEnabled val="1"/>
+        </dgm:presLayoutVars>
+      </dgm:prSet>
+      <dgm:spPr/>
+    </dgm:pt>
+  </dgm:ptLst>
+  <dgm:cxnLst>
+    <dgm:cxn modelId="{0ADBDF0A-B71D-46B6-BD3C-D5F0C3A1E751}" srcId="{F958D0BA-6B70-45DD-92CB-A13192300EB4}" destId="{FE748628-053E-41D6-A215-1FFF17D5ACB0}" srcOrd="1" destOrd="0" parTransId="{A63464EC-3CC7-45F8-81BD-7D30847629C9}" sibTransId="{06C4071F-A6C9-4729-8565-FA7BD09C2448}"/>
+    <dgm:cxn modelId="{D2E8490C-8C0D-4ACB-AE52-7FBF5C0CB784}" type="presOf" srcId="{4FA06973-3CB8-4DA1-AED4-D44F1FA7AD84}" destId="{6D73EF02-AB6B-4E07-A9FA-58EE6678DCC8}" srcOrd="0" destOrd="0" presId="urn:microsoft.com/office/officeart/2005/8/layout/bProcess3"/>
+    <dgm:cxn modelId="{E1EFCB0D-F487-45BF-9DE6-9DC05642403C}" type="presOf" srcId="{803F4E07-E7DF-48A2-B0FE-87ED90F69F48}" destId="{C2D00726-48F2-4765-8F3B-882F62285A4C}" srcOrd="0" destOrd="0" presId="urn:microsoft.com/office/officeart/2005/8/layout/bProcess3"/>
+    <dgm:cxn modelId="{246FAE25-ADAF-4ABB-8D19-39C047687739}" type="presOf" srcId="{FE748628-053E-41D6-A215-1FFF17D5ACB0}" destId="{92D34D4E-68FA-4F4A-8B99-BA5D0AA79BF7}" srcOrd="0" destOrd="0" presId="urn:microsoft.com/office/officeart/2005/8/layout/bProcess3"/>
+    <dgm:cxn modelId="{4DF6222B-0EAE-4D02-B1C1-26E8A07E5252}" type="presOf" srcId="{0BCE8EBB-F572-480B-8F0C-47E0310B1B76}" destId="{7632DEAB-41BD-45EF-852A-7ED6352FD1D7}" srcOrd="0" destOrd="0" presId="urn:microsoft.com/office/officeart/2005/8/layout/bProcess3"/>
+    <dgm:cxn modelId="{4085CF39-BD1D-467F-B80A-B3AF799AD520}" type="presOf" srcId="{06C4071F-A6C9-4729-8565-FA7BD09C2448}" destId="{AE9AFA20-96E1-4DBC-86BF-35E63A3A8BC5}" srcOrd="0" destOrd="0" presId="urn:microsoft.com/office/officeart/2005/8/layout/bProcess3"/>
+    <dgm:cxn modelId="{F635BA5B-1019-4C63-B8B7-EC5F4DE0793E}" srcId="{F958D0BA-6B70-45DD-92CB-A13192300EB4}" destId="{D4AF787C-7A60-4831-AA5E-4DE3F43BDF9D}" srcOrd="4" destOrd="0" parTransId="{EDC87F1D-2B6F-4AE0-BEBD-34A7D1CD26CC}" sibTransId="{53C6E064-4BBD-42A8-ABB6-66DC60E9ABF4}"/>
+    <dgm:cxn modelId="{54F70366-6987-4648-9423-46F00AC6E4EE}" srcId="{F958D0BA-6B70-45DD-92CB-A13192300EB4}" destId="{4FA06973-3CB8-4DA1-AED4-D44F1FA7AD84}" srcOrd="2" destOrd="0" parTransId="{851B183A-C6AA-4B8A-9C4E-0F8B04440860}" sibTransId="{803F4E07-E7DF-48A2-B0FE-87ED90F69F48}"/>
+    <dgm:cxn modelId="{75AA8866-2C58-4304-BBF3-6EA01BD26477}" srcId="{F958D0BA-6B70-45DD-92CB-A13192300EB4}" destId="{97F1292C-F90A-4925-B0F9-C1AF724C9CDA}" srcOrd="3" destOrd="0" parTransId="{7CC40C3C-5E5E-4BDB-A483-7E2733A360DE}" sibTransId="{0BCE8EBB-F572-480B-8F0C-47E0310B1B76}"/>
+    <dgm:cxn modelId="{21A44A4E-348C-4E04-9B5D-C8D162AA8367}" srcId="{F958D0BA-6B70-45DD-92CB-A13192300EB4}" destId="{9B6D5DEE-5623-4FD7-8918-339630D4961C}" srcOrd="0" destOrd="0" parTransId="{5DA4CAF9-614C-461E-9EBA-26A719B41A54}" sibTransId="{D35DE369-2144-4333-9C43-CADCA0B144A9}"/>
+    <dgm:cxn modelId="{7C9BD251-AD94-4E4F-B318-84AC5FCAF4AF}" type="presOf" srcId="{D35DE369-2144-4333-9C43-CADCA0B144A9}" destId="{07C6ADE8-D832-42F8-B079-0371305F8B38}" srcOrd="1" destOrd="0" presId="urn:microsoft.com/office/officeart/2005/8/layout/bProcess3"/>
+    <dgm:cxn modelId="{BA97A772-471C-440C-BF25-088A4BA0C1DA}" type="presOf" srcId="{9B6D5DEE-5623-4FD7-8918-339630D4961C}" destId="{95DE04C2-D7CA-4130-89E1-FF0A469C4BF6}" srcOrd="0" destOrd="0" presId="urn:microsoft.com/office/officeart/2005/8/layout/bProcess3"/>
+    <dgm:cxn modelId="{2FEE7E7B-693E-42A2-A829-0D3A849EC071}" type="presOf" srcId="{D4AF787C-7A60-4831-AA5E-4DE3F43BDF9D}" destId="{3728127F-61FB-428D-9661-FB2002AD3627}" srcOrd="0" destOrd="0" presId="urn:microsoft.com/office/officeart/2005/8/layout/bProcess3"/>
+    <dgm:cxn modelId="{F6877285-6611-4804-BA16-086265C0BBDC}" type="presOf" srcId="{0BCE8EBB-F572-480B-8F0C-47E0310B1B76}" destId="{DB64412A-183D-4D91-8758-4C4D70ECEFD5}" srcOrd="1" destOrd="0" presId="urn:microsoft.com/office/officeart/2005/8/layout/bProcess3"/>
+    <dgm:cxn modelId="{94BE9497-5E86-4CA2-A4C0-733A244BDE0D}" type="presOf" srcId="{97F1292C-F90A-4925-B0F9-C1AF724C9CDA}" destId="{95E3146D-A90B-46D2-B17C-7220AF9123A1}" srcOrd="0" destOrd="0" presId="urn:microsoft.com/office/officeart/2005/8/layout/bProcess3"/>
+    <dgm:cxn modelId="{420D949F-6913-4528-812D-F6BED2EE878E}" type="presOf" srcId="{D35DE369-2144-4333-9C43-CADCA0B144A9}" destId="{09131F19-98EE-4154-990B-3B3E373C3512}" srcOrd="0" destOrd="0" presId="urn:microsoft.com/office/officeart/2005/8/layout/bProcess3"/>
+    <dgm:cxn modelId="{209BFEB5-29BB-4EAE-9907-62A7DAD405A9}" type="presOf" srcId="{803F4E07-E7DF-48A2-B0FE-87ED90F69F48}" destId="{5D327834-5FE0-4D72-9853-864A608F6EAF}" srcOrd="1" destOrd="0" presId="urn:microsoft.com/office/officeart/2005/8/layout/bProcess3"/>
+    <dgm:cxn modelId="{BD30ECBC-8F00-4640-8AA3-317C8A0A90F6}" type="presOf" srcId="{06C4071F-A6C9-4729-8565-FA7BD09C2448}" destId="{5BF94CED-8FAE-485B-93E4-A368950291E2}" srcOrd="1" destOrd="0" presId="urn:microsoft.com/office/officeart/2005/8/layout/bProcess3"/>
+    <dgm:cxn modelId="{C034F7F4-0EAD-4621-BC95-F7F457FA49F2}" type="presOf" srcId="{F958D0BA-6B70-45DD-92CB-A13192300EB4}" destId="{0B2629A4-8894-4884-AC0F-2EA7E2AB5806}" srcOrd="0" destOrd="0" presId="urn:microsoft.com/office/officeart/2005/8/layout/bProcess3"/>
+    <dgm:cxn modelId="{D603B603-11D3-49A9-ABC2-FB0B0443F9F7}" type="presParOf" srcId="{0B2629A4-8894-4884-AC0F-2EA7E2AB5806}" destId="{95DE04C2-D7CA-4130-89E1-FF0A469C4BF6}" srcOrd="0" destOrd="0" presId="urn:microsoft.com/office/officeart/2005/8/layout/bProcess3"/>
+    <dgm:cxn modelId="{F4566DC4-64BA-4828-A542-F9DDAE2DFBCE}" type="presParOf" srcId="{0B2629A4-8894-4884-AC0F-2EA7E2AB5806}" destId="{09131F19-98EE-4154-990B-3B3E373C3512}" srcOrd="1" destOrd="0" presId="urn:microsoft.com/office/officeart/2005/8/layout/bProcess3"/>
+    <dgm:cxn modelId="{23DFFF0F-7A36-4C7E-BC36-FD6186695380}" type="presParOf" srcId="{09131F19-98EE-4154-990B-3B3E373C3512}" destId="{07C6ADE8-D832-42F8-B079-0371305F8B38}" srcOrd="0" destOrd="0" presId="urn:microsoft.com/office/officeart/2005/8/layout/bProcess3"/>
+    <dgm:cxn modelId="{1D20E4F0-FFED-4536-AF0B-02DBB33086E2}" type="presParOf" srcId="{0B2629A4-8894-4884-AC0F-2EA7E2AB5806}" destId="{92D34D4E-68FA-4F4A-8B99-BA5D0AA79BF7}" srcOrd="2" destOrd="0" presId="urn:microsoft.com/office/officeart/2005/8/layout/bProcess3"/>
+    <dgm:cxn modelId="{D15DB140-6D08-4D8A-9CF6-BC48793FD116}" type="presParOf" srcId="{0B2629A4-8894-4884-AC0F-2EA7E2AB5806}" destId="{AE9AFA20-96E1-4DBC-86BF-35E63A3A8BC5}" srcOrd="3" destOrd="0" presId="urn:microsoft.com/office/officeart/2005/8/layout/bProcess3"/>
+    <dgm:cxn modelId="{69B71894-C218-467B-96C9-D08FE06AD270}" type="presParOf" srcId="{AE9AFA20-96E1-4DBC-86BF-35E63A3A8BC5}" destId="{5BF94CED-8FAE-485B-93E4-A368950291E2}" srcOrd="0" destOrd="0" presId="urn:microsoft.com/office/officeart/2005/8/layout/bProcess3"/>
+    <dgm:cxn modelId="{C65C2E73-32FB-4FAE-9641-480C67F97803}" type="presParOf" srcId="{0B2629A4-8894-4884-AC0F-2EA7E2AB5806}" destId="{6D73EF02-AB6B-4E07-A9FA-58EE6678DCC8}" srcOrd="4" destOrd="0" presId="urn:microsoft.com/office/officeart/2005/8/layout/bProcess3"/>
+    <dgm:cxn modelId="{10690B73-51CA-49B9-BB3D-1974BD06093B}" type="presParOf" srcId="{0B2629A4-8894-4884-AC0F-2EA7E2AB5806}" destId="{C2D00726-48F2-4765-8F3B-882F62285A4C}" srcOrd="5" destOrd="0" presId="urn:microsoft.com/office/officeart/2005/8/layout/bProcess3"/>
+    <dgm:cxn modelId="{CF63D2C4-9610-44E3-B627-1BCD2BC26D78}" type="presParOf" srcId="{C2D00726-48F2-4765-8F3B-882F62285A4C}" destId="{5D327834-5FE0-4D72-9853-864A608F6EAF}" srcOrd="0" destOrd="0" presId="urn:microsoft.com/office/officeart/2005/8/layout/bProcess3"/>
+    <dgm:cxn modelId="{272A3DE5-8E16-49DF-84A3-6FBCC74BD891}" type="presParOf" srcId="{0B2629A4-8894-4884-AC0F-2EA7E2AB5806}" destId="{95E3146D-A90B-46D2-B17C-7220AF9123A1}" srcOrd="6" destOrd="0" presId="urn:microsoft.com/office/officeart/2005/8/layout/bProcess3"/>
+    <dgm:cxn modelId="{47AD6B9A-5726-4AC6-A2A3-5F8B20C6C5F5}" type="presParOf" srcId="{0B2629A4-8894-4884-AC0F-2EA7E2AB5806}" destId="{7632DEAB-41BD-45EF-852A-7ED6352FD1D7}" srcOrd="7" destOrd="0" presId="urn:microsoft.com/office/officeart/2005/8/layout/bProcess3"/>
+    <dgm:cxn modelId="{4A27C922-F2C5-4BDA-AEB8-C8200173D46C}" type="presParOf" srcId="{7632DEAB-41BD-45EF-852A-7ED6352FD1D7}" destId="{DB64412A-183D-4D91-8758-4C4D70ECEFD5}" srcOrd="0" destOrd="0" presId="urn:microsoft.com/office/officeart/2005/8/layout/bProcess3"/>
+    <dgm:cxn modelId="{4671A4A8-FB84-4315-82BD-9998B0D5C4E3}" type="presParOf" srcId="{0B2629A4-8894-4884-AC0F-2EA7E2AB5806}" destId="{3728127F-61FB-428D-9661-FB2002AD3627}" srcOrd="8" destOrd="0" presId="urn:microsoft.com/office/officeart/2005/8/layout/bProcess3"/>
+  </dgm:cxnLst>
+  <dgm:bg/>
+  <dgm:whole/>
+  <dgm:extLst>
+    <a:ext uri="http://schemas.microsoft.com/office/drawing/2008/diagram">
+      <dsp:dataModelExt xmlns:dsp="http://schemas.microsoft.com/office/drawing/2008/diagram" relId="rId6" minVer="http://schemas.openxmlformats.org/drawingml/2006/diagram"/>
+    </a:ext>
+  </dgm:extLst>
+</dgm:dataModel>
+</file>
+
+<file path=ppt/diagrams/drawing1.xml><?xml version="1.0" encoding="utf-8"?>
+<dsp:drawing xmlns:dgm="http://schemas.openxmlformats.org/drawingml/2006/diagram" xmlns:dsp="http://schemas.microsoft.com/office/drawing/2008/diagram" xmlns:a="http://schemas.openxmlformats.org/drawingml/2006/main">
+  <dsp:spTree>
+    <dsp:nvGrpSpPr>
+      <dsp:cNvPr id="0" name=""/>
+      <dsp:cNvGrpSpPr/>
+    </dsp:nvGrpSpPr>
+    <dsp:grpSpPr/>
+    <dsp:sp modelId="{F3141598-C0DF-4E7B-86FE-AF478A11F4FA}">
+      <dsp:nvSpPr>
+        <dsp:cNvPr id="0" name=""/>
+        <dsp:cNvSpPr/>
+      </dsp:nvSpPr>
+      <dsp:spPr>
+        <a:xfrm>
+          <a:off x="2730684" y="1391241"/>
+          <a:ext cx="513515" cy="341719"/>
+        </a:xfrm>
+        <a:custGeom>
+          <a:avLst/>
+          <a:gdLst/>
+          <a:ahLst/>
+          <a:cxnLst/>
+          <a:rect l="0" t="0" r="0" b="0"/>
+          <a:pathLst>
+            <a:path>
+              <a:moveTo>
+                <a:pt x="0" y="0"/>
+              </a:moveTo>
+              <a:lnTo>
+                <a:pt x="273857" y="0"/>
+              </a:lnTo>
+              <a:lnTo>
+                <a:pt x="273857" y="341719"/>
+              </a:lnTo>
+              <a:lnTo>
+                <a:pt x="513515" y="341719"/>
+              </a:lnTo>
+            </a:path>
+          </a:pathLst>
+        </a:custGeom>
+        <a:noFill/>
+        <a:ln w="9525" cap="flat" cmpd="sng" algn="ctr">
+          <a:solidFill>
+            <a:schemeClr val="accent1">
+              <a:hueOff val="0"/>
+              <a:satOff val="0"/>
+              <a:lumOff val="0"/>
+              <a:alphaOff val="0"/>
+            </a:schemeClr>
+          </a:solidFill>
+          <a:prstDash val="solid"/>
+          <a:tailEnd type="arrow"/>
+        </a:ln>
+        <a:effectLst/>
+      </dsp:spPr>
+      <dsp:style>
+        <a:lnRef idx="1">
+          <a:scrgbClr r="0" g="0" b="0"/>
+        </a:lnRef>
+        <a:fillRef idx="0">
+          <a:scrgbClr r="0" g="0" b="0"/>
+        </a:fillRef>
+        <a:effectRef idx="0">
+          <a:scrgbClr r="0" g="0" b="0"/>
+        </a:effectRef>
+        <a:fontRef idx="minor"/>
+      </dsp:style>
+      <dsp:txBody>
+        <a:bodyPr spcFirstLastPara="0" vert="horz" wrap="square" lIns="12700" tIns="0" rIns="12700" bIns="0" numCol="1" spcCol="1270" anchor="ctr" anchorCtr="0">
+          <a:noAutofit/>
+        </a:bodyPr>
+        <a:lstStyle/>
+        <a:p>
+          <a:pPr marL="0" lvl="0" indent="0" algn="ctr" defTabSz="222250">
+            <a:lnSpc>
+              <a:spcPct val="90000"/>
+            </a:lnSpc>
+            <a:spcBef>
+              <a:spcPct val="0"/>
+            </a:spcBef>
+            <a:spcAft>
+              <a:spcPct val="35000"/>
+            </a:spcAft>
+            <a:buNone/>
+          </a:pPr>
+          <a:endParaRPr lang="en-US" sz="500" kern="1200"/>
+        </a:p>
+      </dsp:txBody>
+      <dsp:txXfrm>
+        <a:off x="2971378" y="1558958"/>
+        <a:ext cx="32126" cy="6284"/>
+      </dsp:txXfrm>
+    </dsp:sp>
+    <dsp:sp modelId="{901E2212-985C-49C2-8960-7B30C2C2E9A5}">
+      <dsp:nvSpPr>
+        <dsp:cNvPr id="0" name=""/>
+        <dsp:cNvSpPr/>
+      </dsp:nvSpPr>
+      <dsp:spPr>
+        <a:xfrm>
+          <a:off x="0" y="571495"/>
+          <a:ext cx="2732484" cy="1639490"/>
+        </a:xfrm>
+        <a:prstGeom prst="rect">
+          <a:avLst/>
+        </a:prstGeom>
+        <a:solidFill>
+          <a:schemeClr val="accent1">
+            <a:lumMod val="50000"/>
+          </a:schemeClr>
+        </a:solidFill>
+        <a:ln w="25400" cap="flat" cmpd="sng" algn="ctr">
+          <a:solidFill>
+            <a:schemeClr val="lt1">
+              <a:hueOff val="0"/>
+              <a:satOff val="0"/>
+              <a:lumOff val="0"/>
+              <a:alphaOff val="0"/>
+            </a:schemeClr>
+          </a:solidFill>
+          <a:prstDash val="solid"/>
+        </a:ln>
+        <a:effectLst/>
+      </dsp:spPr>
+      <dsp:style>
+        <a:lnRef idx="2">
+          <a:scrgbClr r="0" g="0" b="0"/>
+        </a:lnRef>
+        <a:fillRef idx="1">
+          <a:scrgbClr r="0" g="0" b="0"/>
+        </a:fillRef>
+        <a:effectRef idx="0">
+          <a:scrgbClr r="0" g="0" b="0"/>
+        </a:effectRef>
+        <a:fontRef idx="minor">
+          <a:schemeClr val="lt1"/>
+        </a:fontRef>
+      </dsp:style>
+      <dsp:txBody>
+        <a:bodyPr spcFirstLastPara="0" vert="horz" wrap="square" lIns="263144" tIns="263144" rIns="263144" bIns="263144" numCol="1" spcCol="1270" anchor="ctr" anchorCtr="0">
+          <a:noAutofit/>
+        </a:bodyPr>
+        <a:lstStyle/>
+        <a:p>
+          <a:pPr marL="0" lvl="0" indent="0" algn="ctr" defTabSz="1644650">
+            <a:lnSpc>
+              <a:spcPct val="90000"/>
+            </a:lnSpc>
+            <a:spcBef>
+              <a:spcPct val="0"/>
+            </a:spcBef>
+            <a:spcAft>
+              <a:spcPct val="35000"/>
+            </a:spcAft>
+            <a:buNone/>
+          </a:pPr>
+          <a:r>
+            <a:rPr lang="en-US" sz="3700" kern="1200" dirty="0"/>
+            <a:t>Dataset from file</a:t>
+          </a:r>
+        </a:p>
+      </dsp:txBody>
+      <dsp:txXfrm>
+        <a:off x="0" y="571495"/>
+        <a:ext cx="2732484" cy="1639490"/>
+      </dsp:txXfrm>
+    </dsp:sp>
+    <dsp:sp modelId="{06FCD7F1-B0E5-46D3-9A1B-15B7E2637C96}">
+      <dsp:nvSpPr>
+        <dsp:cNvPr id="0" name=""/>
+        <dsp:cNvSpPr/>
+      </dsp:nvSpPr>
+      <dsp:spPr>
+        <a:xfrm>
+          <a:off x="1367522" y="2550905"/>
+          <a:ext cx="3275319" cy="283630"/>
+        </a:xfrm>
+        <a:custGeom>
+          <a:avLst/>
+          <a:gdLst/>
+          <a:ahLst/>
+          <a:cxnLst/>
+          <a:rect l="0" t="0" r="0" b="0"/>
+          <a:pathLst>
+            <a:path>
+              <a:moveTo>
+                <a:pt x="3275319" y="0"/>
+              </a:moveTo>
+              <a:lnTo>
+                <a:pt x="3275319" y="158915"/>
+              </a:lnTo>
+              <a:lnTo>
+                <a:pt x="0" y="158915"/>
+              </a:lnTo>
+              <a:lnTo>
+                <a:pt x="0" y="283630"/>
+              </a:lnTo>
+            </a:path>
+          </a:pathLst>
+        </a:custGeom>
+        <a:noFill/>
+        <a:ln w="9525" cap="flat" cmpd="sng" algn="ctr">
+          <a:solidFill>
+            <a:schemeClr val="accent1">
+              <a:hueOff val="0"/>
+              <a:satOff val="0"/>
+              <a:lumOff val="0"/>
+              <a:alphaOff val="0"/>
+            </a:schemeClr>
+          </a:solidFill>
+          <a:prstDash val="solid"/>
+          <a:tailEnd type="arrow"/>
+        </a:ln>
+        <a:effectLst/>
+      </dsp:spPr>
+      <dsp:style>
+        <a:lnRef idx="1">
+          <a:scrgbClr r="0" g="0" b="0"/>
+        </a:lnRef>
+        <a:fillRef idx="0">
+          <a:scrgbClr r="0" g="0" b="0"/>
+        </a:fillRef>
+        <a:effectRef idx="0">
+          <a:scrgbClr r="0" g="0" b="0"/>
+        </a:effectRef>
+        <a:fontRef idx="minor"/>
+      </dsp:style>
+      <dsp:txBody>
+        <a:bodyPr spcFirstLastPara="0" vert="horz" wrap="square" lIns="12700" tIns="0" rIns="12700" bIns="0" numCol="1" spcCol="1270" anchor="ctr" anchorCtr="0">
+          <a:noAutofit/>
+        </a:bodyPr>
+        <a:lstStyle/>
+        <a:p>
+          <a:pPr marL="0" lvl="0" indent="0" algn="ctr" defTabSz="222250">
+            <a:lnSpc>
+              <a:spcPct val="90000"/>
+            </a:lnSpc>
+            <a:spcBef>
+              <a:spcPct val="0"/>
+            </a:spcBef>
+            <a:spcAft>
+              <a:spcPct val="35000"/>
+            </a:spcAft>
+            <a:buNone/>
+          </a:pPr>
+          <a:endParaRPr lang="en-US" sz="500" kern="1200"/>
+        </a:p>
+      </dsp:txBody>
+      <dsp:txXfrm>
+        <a:off x="2922923" y="2689578"/>
+        <a:ext cx="164517" cy="6284"/>
+      </dsp:txXfrm>
+    </dsp:sp>
+    <dsp:sp modelId="{6141C656-1DD0-4603-A067-2381EF70E9A9}">
+      <dsp:nvSpPr>
+        <dsp:cNvPr id="0" name=""/>
+        <dsp:cNvSpPr/>
+      </dsp:nvSpPr>
+      <dsp:spPr>
+        <a:xfrm>
+          <a:off x="3276599" y="913214"/>
+          <a:ext cx="2732484" cy="1639490"/>
+        </a:xfrm>
+        <a:prstGeom prst="rect">
+          <a:avLst/>
+        </a:prstGeom>
+        <a:solidFill>
+          <a:schemeClr val="accent1">
+            <a:lumMod val="75000"/>
+          </a:schemeClr>
+        </a:solidFill>
+        <a:ln w="25400" cap="flat" cmpd="sng" algn="ctr">
+          <a:solidFill>
+            <a:schemeClr val="lt1">
+              <a:hueOff val="0"/>
+              <a:satOff val="0"/>
+              <a:lumOff val="0"/>
+              <a:alphaOff val="0"/>
+            </a:schemeClr>
+          </a:solidFill>
+          <a:prstDash val="solid"/>
+        </a:ln>
+        <a:effectLst/>
+      </dsp:spPr>
+      <dsp:style>
+        <a:lnRef idx="2">
+          <a:scrgbClr r="0" g="0" b="0"/>
+        </a:lnRef>
+        <a:fillRef idx="1">
+          <a:scrgbClr r="0" g="0" b="0"/>
+        </a:fillRef>
+        <a:effectRef idx="0">
+          <a:scrgbClr r="0" g="0" b="0"/>
+        </a:effectRef>
+        <a:fontRef idx="minor">
+          <a:schemeClr val="lt1"/>
+        </a:fontRef>
+      </dsp:style>
+      <dsp:txBody>
+        <a:bodyPr spcFirstLastPara="0" vert="horz" wrap="square" lIns="263144" tIns="263144" rIns="263144" bIns="263144" numCol="1" spcCol="1270" anchor="ctr" anchorCtr="0">
+          <a:noAutofit/>
+        </a:bodyPr>
+        <a:lstStyle/>
+        <a:p>
+          <a:pPr marL="0" lvl="0" indent="0" algn="ctr" defTabSz="1644650">
+            <a:lnSpc>
+              <a:spcPct val="90000"/>
+            </a:lnSpc>
+            <a:spcBef>
+              <a:spcPct val="0"/>
+            </a:spcBef>
+            <a:spcAft>
+              <a:spcPct val="35000"/>
+            </a:spcAft>
+            <a:buNone/>
+          </a:pPr>
+          <a:r>
+            <a:rPr lang="en-US" sz="3700" kern="1200" dirty="0"/>
+            <a:t>Create model file</a:t>
+          </a:r>
+        </a:p>
+      </dsp:txBody>
+      <dsp:txXfrm>
+        <a:off x="3276599" y="913214"/>
+        <a:ext cx="2732484" cy="1639490"/>
+      </dsp:txXfrm>
+    </dsp:sp>
+    <dsp:sp modelId="{54E86C1F-4A1F-4F6A-B424-BE521EE14E6C}">
+      <dsp:nvSpPr>
+        <dsp:cNvPr id="0" name=""/>
+        <dsp:cNvSpPr/>
+      </dsp:nvSpPr>
+      <dsp:spPr>
+        <a:xfrm>
+          <a:off x="2731964" y="3686681"/>
+          <a:ext cx="588444" cy="598973"/>
+        </a:xfrm>
+        <a:custGeom>
+          <a:avLst/>
+          <a:gdLst/>
+          <a:ahLst/>
+          <a:cxnLst/>
+          <a:rect l="0" t="0" r="0" b="0"/>
+          <a:pathLst>
+            <a:path>
+              <a:moveTo>
+                <a:pt x="0" y="0"/>
+              </a:moveTo>
+              <a:lnTo>
+                <a:pt x="311322" y="0"/>
+              </a:lnTo>
+              <a:lnTo>
+                <a:pt x="311322" y="598973"/>
+              </a:lnTo>
+              <a:lnTo>
+                <a:pt x="588444" y="598973"/>
+              </a:lnTo>
+            </a:path>
+          </a:pathLst>
+        </a:custGeom>
+        <a:noFill/>
+        <a:ln w="9525" cap="flat" cmpd="sng" algn="ctr">
+          <a:solidFill>
+            <a:schemeClr val="accent1">
+              <a:hueOff val="0"/>
+              <a:satOff val="0"/>
+              <a:lumOff val="0"/>
+              <a:alphaOff val="0"/>
+            </a:schemeClr>
+          </a:solidFill>
+          <a:prstDash val="solid"/>
+          <a:tailEnd type="arrow"/>
+        </a:ln>
+        <a:effectLst/>
+      </dsp:spPr>
+      <dsp:style>
+        <a:lnRef idx="1">
+          <a:scrgbClr r="0" g="0" b="0"/>
+        </a:lnRef>
+        <a:fillRef idx="0">
+          <a:scrgbClr r="0" g="0" b="0"/>
+        </a:fillRef>
+        <a:effectRef idx="0">
+          <a:scrgbClr r="0" g="0" b="0"/>
+        </a:effectRef>
+        <a:fontRef idx="minor"/>
+      </dsp:style>
+      <dsp:txBody>
+        <a:bodyPr spcFirstLastPara="0" vert="horz" wrap="square" lIns="12700" tIns="0" rIns="12700" bIns="0" numCol="1" spcCol="1270" anchor="ctr" anchorCtr="0">
+          <a:noAutofit/>
+        </a:bodyPr>
+        <a:lstStyle/>
+        <a:p>
+          <a:pPr marL="0" lvl="0" indent="0" algn="ctr" defTabSz="222250">
+            <a:lnSpc>
+              <a:spcPct val="90000"/>
+            </a:lnSpc>
+            <a:spcBef>
+              <a:spcPct val="0"/>
+            </a:spcBef>
+            <a:spcAft>
+              <a:spcPct val="35000"/>
+            </a:spcAft>
+            <a:buNone/>
+          </a:pPr>
+          <a:endParaRPr lang="en-US" sz="500" kern="1200"/>
+        </a:p>
+      </dsp:txBody>
+      <dsp:txXfrm>
+        <a:off x="3004651" y="3983025"/>
+        <a:ext cx="43069" cy="6284"/>
+      </dsp:txXfrm>
+    </dsp:sp>
+    <dsp:sp modelId="{47FF055C-3933-40E0-B2E6-17B609A50004}">
+      <dsp:nvSpPr>
+        <dsp:cNvPr id="0" name=""/>
+        <dsp:cNvSpPr/>
+      </dsp:nvSpPr>
+      <dsp:spPr>
+        <a:xfrm>
+          <a:off x="1279" y="2866935"/>
+          <a:ext cx="2732484" cy="1639490"/>
+        </a:xfrm>
+        <a:prstGeom prst="rect">
+          <a:avLst/>
+        </a:prstGeom>
+        <a:solidFill>
+          <a:schemeClr val="accent1">
+            <a:hueOff val="0"/>
+            <a:satOff val="0"/>
+            <a:lumOff val="0"/>
+            <a:alphaOff val="0"/>
+          </a:schemeClr>
+        </a:solidFill>
+        <a:ln w="25400" cap="flat" cmpd="sng" algn="ctr">
+          <a:solidFill>
+            <a:schemeClr val="lt1">
+              <a:hueOff val="0"/>
+              <a:satOff val="0"/>
+              <a:lumOff val="0"/>
+              <a:alphaOff val="0"/>
+            </a:schemeClr>
+          </a:solidFill>
+          <a:prstDash val="solid"/>
+        </a:ln>
+        <a:effectLst/>
+      </dsp:spPr>
+      <dsp:style>
+        <a:lnRef idx="2">
+          <a:scrgbClr r="0" g="0" b="0"/>
+        </a:lnRef>
+        <a:fillRef idx="1">
+          <a:scrgbClr r="0" g="0" b="0"/>
+        </a:fillRef>
+        <a:effectRef idx="0">
+          <a:scrgbClr r="0" g="0" b="0"/>
+        </a:effectRef>
+        <a:fontRef idx="minor">
+          <a:schemeClr val="lt1"/>
+        </a:fontRef>
+      </dsp:style>
+      <dsp:txBody>
+        <a:bodyPr spcFirstLastPara="0" vert="horz" wrap="square" lIns="263144" tIns="263144" rIns="263144" bIns="263144" numCol="1" spcCol="1270" anchor="ctr" anchorCtr="0">
+          <a:noAutofit/>
+        </a:bodyPr>
+        <a:lstStyle/>
+        <a:p>
+          <a:pPr marL="0" lvl="0" indent="0" algn="ctr" defTabSz="1644650">
+            <a:lnSpc>
+              <a:spcPct val="90000"/>
+            </a:lnSpc>
+            <a:spcBef>
+              <a:spcPct val="0"/>
+            </a:spcBef>
+            <a:spcAft>
+              <a:spcPct val="35000"/>
+            </a:spcAft>
+            <a:buNone/>
+          </a:pPr>
+          <a:r>
+            <a:rPr lang="en-US" sz="3700" kern="1200" dirty="0"/>
+            <a:t>Create deep layers</a:t>
+          </a:r>
+        </a:p>
+      </dsp:txBody>
+      <dsp:txXfrm>
+        <a:off x="1279" y="2866935"/>
+        <a:ext cx="2732484" cy="1639490"/>
+      </dsp:txXfrm>
+    </dsp:sp>
+    <dsp:sp modelId="{670FB805-BD39-42B3-B068-7F592074E35F}">
+      <dsp:nvSpPr>
+        <dsp:cNvPr id="0" name=""/>
+        <dsp:cNvSpPr/>
+      </dsp:nvSpPr>
+      <dsp:spPr>
+        <a:xfrm>
+          <a:off x="3352808" y="3465909"/>
+          <a:ext cx="2732484" cy="1639490"/>
+        </a:xfrm>
+        <a:prstGeom prst="rect">
+          <a:avLst/>
+        </a:prstGeom>
+        <a:solidFill>
+          <a:schemeClr val="accent1">
+            <a:lumMod val="60000"/>
+            <a:lumOff val="40000"/>
+          </a:schemeClr>
+        </a:solidFill>
+        <a:ln w="25400" cap="flat" cmpd="sng" algn="ctr">
+          <a:solidFill>
+            <a:schemeClr val="lt1">
+              <a:hueOff val="0"/>
+              <a:satOff val="0"/>
+              <a:lumOff val="0"/>
+              <a:alphaOff val="0"/>
+            </a:schemeClr>
+          </a:solidFill>
+          <a:prstDash val="solid"/>
+        </a:ln>
+        <a:effectLst/>
+      </dsp:spPr>
+      <dsp:style>
+        <a:lnRef idx="2">
+          <a:scrgbClr r="0" g="0" b="0"/>
+        </a:lnRef>
+        <a:fillRef idx="1">
+          <a:scrgbClr r="0" g="0" b="0"/>
+        </a:fillRef>
+        <a:effectRef idx="0">
+          <a:scrgbClr r="0" g="0" b="0"/>
+        </a:effectRef>
+        <a:fontRef idx="minor">
+          <a:schemeClr val="lt1"/>
+        </a:fontRef>
+      </dsp:style>
+      <dsp:txBody>
+        <a:bodyPr spcFirstLastPara="0" vert="horz" wrap="square" lIns="263144" tIns="263144" rIns="263144" bIns="263144" numCol="1" spcCol="1270" anchor="ctr" anchorCtr="0">
+          <a:noAutofit/>
+        </a:bodyPr>
+        <a:lstStyle/>
+        <a:p>
+          <a:pPr marL="0" lvl="0" indent="0" algn="ctr" defTabSz="1644650">
+            <a:lnSpc>
+              <a:spcPct val="90000"/>
+            </a:lnSpc>
+            <a:spcBef>
+              <a:spcPct val="0"/>
+            </a:spcBef>
+            <a:spcAft>
+              <a:spcPct val="35000"/>
+            </a:spcAft>
+            <a:buNone/>
+          </a:pPr>
+          <a:r>
+            <a:rPr lang="en-US" sz="3700" kern="1200" dirty="0"/>
+            <a:t>Output layer</a:t>
+          </a:r>
+        </a:p>
+      </dsp:txBody>
+      <dsp:txXfrm>
+        <a:off x="3352808" y="3465909"/>
+        <a:ext cx="2732484" cy="1639490"/>
+      </dsp:txXfrm>
+    </dsp:sp>
+  </dsp:spTree>
+</dsp:drawing>
+</file>
+
+<file path=ppt/diagrams/drawing2.xml><?xml version="1.0" encoding="utf-8"?>
+<dsp:drawing xmlns:dgm="http://schemas.openxmlformats.org/drawingml/2006/diagram" xmlns:dsp="http://schemas.microsoft.com/office/drawing/2008/diagram" xmlns:a="http://schemas.openxmlformats.org/drawingml/2006/main">
+  <dsp:spTree>
+    <dsp:nvGrpSpPr>
+      <dsp:cNvPr id="0" name=""/>
+      <dsp:cNvGrpSpPr/>
+    </dsp:nvGrpSpPr>
+    <dsp:grpSpPr/>
+    <dsp:sp modelId="{09131F19-98EE-4154-990B-3B3E373C3512}">
+      <dsp:nvSpPr>
+        <dsp:cNvPr id="0" name=""/>
+        <dsp:cNvSpPr/>
+      </dsp:nvSpPr>
+      <dsp:spPr>
+        <a:xfrm>
+          <a:off x="2718244" y="810463"/>
+          <a:ext cx="535537" cy="91440"/>
+        </a:xfrm>
+        <a:custGeom>
+          <a:avLst/>
+          <a:gdLst/>
+          <a:ahLst/>
+          <a:cxnLst/>
+          <a:rect l="0" t="0" r="0" b="0"/>
+          <a:pathLst>
+            <a:path>
+              <a:moveTo>
+                <a:pt x="0" y="45720"/>
+              </a:moveTo>
+              <a:lnTo>
+                <a:pt x="535537" y="45720"/>
+              </a:lnTo>
+            </a:path>
+          </a:pathLst>
+        </a:custGeom>
+        <a:noFill/>
+        <a:ln w="9525" cap="flat" cmpd="sng" algn="ctr">
+          <a:solidFill>
+            <a:schemeClr val="accent1">
+              <a:hueOff val="0"/>
+              <a:satOff val="0"/>
+              <a:lumOff val="0"/>
+              <a:alphaOff val="0"/>
+            </a:schemeClr>
+          </a:solidFill>
+          <a:prstDash val="solid"/>
+          <a:tailEnd type="arrow"/>
+        </a:ln>
+        <a:effectLst/>
+      </dsp:spPr>
+      <dsp:style>
+        <a:lnRef idx="1">
+          <a:scrgbClr r="0" g="0" b="0"/>
+        </a:lnRef>
+        <a:fillRef idx="0">
+          <a:scrgbClr r="0" g="0" b="0"/>
+        </a:fillRef>
+        <a:effectRef idx="0">
+          <a:scrgbClr r="0" g="0" b="0"/>
+        </a:effectRef>
+        <a:fontRef idx="minor"/>
+      </dsp:style>
+      <dsp:txBody>
+        <a:bodyPr spcFirstLastPara="0" vert="horz" wrap="square" lIns="12700" tIns="0" rIns="12700" bIns="0" numCol="1" spcCol="1270" anchor="ctr" anchorCtr="0">
+          <a:noAutofit/>
+        </a:bodyPr>
+        <a:lstStyle/>
+        <a:p>
+          <a:pPr marL="0" lvl="0" indent="0" algn="ctr" defTabSz="222250">
+            <a:lnSpc>
+              <a:spcPct val="90000"/>
+            </a:lnSpc>
+            <a:spcBef>
+              <a:spcPct val="0"/>
+            </a:spcBef>
+            <a:spcAft>
+              <a:spcPct val="35000"/>
+            </a:spcAft>
+            <a:buNone/>
+          </a:pPr>
+          <a:endParaRPr lang="en-US" sz="500" kern="1200"/>
+        </a:p>
+      </dsp:txBody>
+      <dsp:txXfrm>
+        <a:off x="2971860" y="853821"/>
+        <a:ext cx="28306" cy="4723"/>
+      </dsp:txXfrm>
+    </dsp:sp>
+    <dsp:sp modelId="{95DE04C2-D7CA-4130-89E1-FF0A469C4BF6}">
+      <dsp:nvSpPr>
+        <dsp:cNvPr id="0" name=""/>
+        <dsp:cNvSpPr/>
+      </dsp:nvSpPr>
+      <dsp:spPr>
+        <a:xfrm>
+          <a:off x="666216" y="240035"/>
+          <a:ext cx="2053828" cy="1232296"/>
+        </a:xfrm>
+        <a:prstGeom prst="rect">
+          <a:avLst/>
+        </a:prstGeom>
+        <a:solidFill>
+          <a:schemeClr val="accent2">
+            <a:lumMod val="75000"/>
+          </a:schemeClr>
+        </a:solidFill>
+        <a:ln w="25400" cap="flat" cmpd="sng" algn="ctr">
+          <a:solidFill>
+            <a:schemeClr val="lt1">
+              <a:hueOff val="0"/>
+              <a:satOff val="0"/>
+              <a:lumOff val="0"/>
+              <a:alphaOff val="0"/>
+            </a:schemeClr>
+          </a:solidFill>
+          <a:prstDash val="solid"/>
+        </a:ln>
+        <a:effectLst/>
+      </dsp:spPr>
+      <dsp:style>
+        <a:lnRef idx="2">
+          <a:scrgbClr r="0" g="0" b="0"/>
+        </a:lnRef>
+        <a:fillRef idx="1">
+          <a:scrgbClr r="0" g="0" b="0"/>
+        </a:fillRef>
+        <a:effectRef idx="0">
+          <a:scrgbClr r="0" g="0" b="0"/>
+        </a:effectRef>
+        <a:fontRef idx="minor">
+          <a:schemeClr val="lt1"/>
+        </a:fontRef>
+      </dsp:style>
+      <dsp:txBody>
+        <a:bodyPr spcFirstLastPara="0" vert="horz" wrap="square" lIns="156464" tIns="156464" rIns="156464" bIns="156464" numCol="1" spcCol="1270" anchor="ctr" anchorCtr="0">
+          <a:noAutofit/>
+        </a:bodyPr>
+        <a:lstStyle/>
+        <a:p>
+          <a:pPr marL="0" lvl="0" indent="0" algn="ctr" defTabSz="977900">
+            <a:lnSpc>
+              <a:spcPct val="90000"/>
+            </a:lnSpc>
+            <a:spcBef>
+              <a:spcPct val="0"/>
+            </a:spcBef>
+            <a:spcAft>
+              <a:spcPct val="35000"/>
+            </a:spcAft>
+            <a:buNone/>
+          </a:pPr>
+          <a:r>
+            <a:rPr lang="en-US" sz="2200" kern="1200" dirty="0"/>
+            <a:t>Input</a:t>
+          </a:r>
+        </a:p>
+      </dsp:txBody>
+      <dsp:txXfrm>
+        <a:off x="666216" y="240035"/>
+        <a:ext cx="2053828" cy="1232296"/>
+      </dsp:txXfrm>
+    </dsp:sp>
+    <dsp:sp modelId="{AE9AFA20-96E1-4DBC-86BF-35E63A3A8BC5}">
+      <dsp:nvSpPr>
+        <dsp:cNvPr id="0" name=""/>
+        <dsp:cNvSpPr/>
+      </dsp:nvSpPr>
+      <dsp:spPr>
+        <a:xfrm>
+          <a:off x="1784895" y="1470532"/>
+          <a:ext cx="2528200" cy="205019"/>
+        </a:xfrm>
+        <a:custGeom>
+          <a:avLst/>
+          <a:gdLst/>
+          <a:ahLst/>
+          <a:cxnLst/>
+          <a:rect l="0" t="0" r="0" b="0"/>
+          <a:pathLst>
+            <a:path>
+              <a:moveTo>
+                <a:pt x="2528200" y="0"/>
+              </a:moveTo>
+              <a:lnTo>
+                <a:pt x="2528200" y="119609"/>
+              </a:lnTo>
+              <a:lnTo>
+                <a:pt x="0" y="119609"/>
+              </a:lnTo>
+              <a:lnTo>
+                <a:pt x="0" y="205019"/>
+              </a:lnTo>
+            </a:path>
+          </a:pathLst>
+        </a:custGeom>
+        <a:noFill/>
+        <a:ln w="9525" cap="flat" cmpd="sng" algn="ctr">
+          <a:solidFill>
+            <a:schemeClr val="accent1">
+              <a:hueOff val="0"/>
+              <a:satOff val="0"/>
+              <a:lumOff val="0"/>
+              <a:alphaOff val="0"/>
+            </a:schemeClr>
+          </a:solidFill>
+          <a:prstDash val="solid"/>
+          <a:tailEnd type="arrow"/>
+        </a:ln>
+        <a:effectLst/>
+      </dsp:spPr>
+      <dsp:style>
+        <a:lnRef idx="1">
+          <a:scrgbClr r="0" g="0" b="0"/>
+        </a:lnRef>
+        <a:fillRef idx="0">
+          <a:scrgbClr r="0" g="0" b="0"/>
+        </a:fillRef>
+        <a:effectRef idx="0">
+          <a:scrgbClr r="0" g="0" b="0"/>
+        </a:effectRef>
+        <a:fontRef idx="minor"/>
+      </dsp:style>
+      <dsp:txBody>
+        <a:bodyPr spcFirstLastPara="0" vert="horz" wrap="square" lIns="12700" tIns="0" rIns="12700" bIns="0" numCol="1" spcCol="1270" anchor="ctr" anchorCtr="0">
+          <a:noAutofit/>
+        </a:bodyPr>
+        <a:lstStyle/>
+        <a:p>
+          <a:pPr marL="0" lvl="0" indent="0" algn="ctr" defTabSz="222250">
+            <a:lnSpc>
+              <a:spcPct val="90000"/>
+            </a:lnSpc>
+            <a:spcBef>
+              <a:spcPct val="0"/>
+            </a:spcBef>
+            <a:spcAft>
+              <a:spcPct val="35000"/>
+            </a:spcAft>
+            <a:buNone/>
+          </a:pPr>
+          <a:endParaRPr lang="en-US" sz="500" kern="1200"/>
+        </a:p>
+      </dsp:txBody>
+      <dsp:txXfrm>
+        <a:off x="2985517" y="1570680"/>
+        <a:ext cx="126957" cy="4723"/>
+      </dsp:txXfrm>
+    </dsp:sp>
+    <dsp:sp modelId="{92D34D4E-68FA-4F4A-8B99-BA5D0AA79BF7}">
+      <dsp:nvSpPr>
+        <dsp:cNvPr id="0" name=""/>
+        <dsp:cNvSpPr/>
+      </dsp:nvSpPr>
+      <dsp:spPr>
+        <a:xfrm>
+          <a:off x="3286182" y="240035"/>
+          <a:ext cx="2053828" cy="1232296"/>
+        </a:xfrm>
+        <a:prstGeom prst="rect">
+          <a:avLst/>
+        </a:prstGeom>
+        <a:solidFill>
+          <a:srgbClr val="FFC000"/>
+        </a:solidFill>
+        <a:ln w="25400" cap="flat" cmpd="sng" algn="ctr">
+          <a:solidFill>
+            <a:schemeClr val="lt1">
+              <a:hueOff val="0"/>
+              <a:satOff val="0"/>
+              <a:lumOff val="0"/>
+              <a:alphaOff val="0"/>
+            </a:schemeClr>
+          </a:solidFill>
+          <a:prstDash val="solid"/>
+        </a:ln>
+        <a:effectLst/>
+      </dsp:spPr>
+      <dsp:style>
+        <a:lnRef idx="2">
+          <a:scrgbClr r="0" g="0" b="0"/>
+        </a:lnRef>
+        <a:fillRef idx="1">
+          <a:scrgbClr r="0" g="0" b="0"/>
+        </a:fillRef>
+        <a:effectRef idx="0">
+          <a:scrgbClr r="0" g="0" b="0"/>
+        </a:effectRef>
+        <a:fontRef idx="minor">
+          <a:schemeClr val="lt1"/>
+        </a:fontRef>
+      </dsp:style>
+      <dsp:txBody>
+        <a:bodyPr spcFirstLastPara="0" vert="horz" wrap="square" lIns="156464" tIns="156464" rIns="156464" bIns="156464" numCol="1" spcCol="1270" anchor="ctr" anchorCtr="0">
+          <a:noAutofit/>
+        </a:bodyPr>
+        <a:lstStyle/>
+        <a:p>
+          <a:pPr marL="0" lvl="0" indent="0" algn="ctr" defTabSz="977900">
+            <a:lnSpc>
+              <a:spcPct val="90000"/>
+            </a:lnSpc>
+            <a:spcBef>
+              <a:spcPct val="0"/>
+            </a:spcBef>
+            <a:spcAft>
+              <a:spcPct val="35000"/>
+            </a:spcAft>
+            <a:buNone/>
+          </a:pPr>
+          <a:r>
+            <a:rPr lang="en-US" sz="2200" kern="1200" dirty="0"/>
+            <a:t>Model</a:t>
+          </a:r>
+        </a:p>
+      </dsp:txBody>
+      <dsp:txXfrm>
+        <a:off x="3286182" y="240035"/>
+        <a:ext cx="2053828" cy="1232296"/>
+      </dsp:txXfrm>
+    </dsp:sp>
+    <dsp:sp modelId="{C2D00726-48F2-4765-8F3B-882F62285A4C}">
+      <dsp:nvSpPr>
+        <dsp:cNvPr id="0" name=""/>
+        <dsp:cNvSpPr/>
+      </dsp:nvSpPr>
+      <dsp:spPr>
+        <a:xfrm>
+          <a:off x="2810009" y="2278380"/>
+          <a:ext cx="441780" cy="91440"/>
+        </a:xfrm>
+        <a:custGeom>
+          <a:avLst/>
+          <a:gdLst/>
+          <a:ahLst/>
+          <a:cxnLst/>
+          <a:rect l="0" t="0" r="0" b="0"/>
+          <a:pathLst>
+            <a:path>
+              <a:moveTo>
+                <a:pt x="0" y="45720"/>
+              </a:moveTo>
+              <a:lnTo>
+                <a:pt x="441780" y="45720"/>
+              </a:lnTo>
+            </a:path>
+          </a:pathLst>
+        </a:custGeom>
+        <a:noFill/>
+        <a:ln w="9525" cap="flat" cmpd="sng" algn="ctr">
+          <a:solidFill>
+            <a:schemeClr val="accent1">
+              <a:hueOff val="0"/>
+              <a:satOff val="0"/>
+              <a:lumOff val="0"/>
+              <a:alphaOff val="0"/>
+            </a:schemeClr>
+          </a:solidFill>
+          <a:prstDash val="solid"/>
+          <a:tailEnd type="arrow"/>
+        </a:ln>
+        <a:effectLst/>
+      </dsp:spPr>
+      <dsp:style>
+        <a:lnRef idx="1">
+          <a:scrgbClr r="0" g="0" b="0"/>
+        </a:lnRef>
+        <a:fillRef idx="0">
+          <a:scrgbClr r="0" g="0" b="0"/>
+        </a:fillRef>
+        <a:effectRef idx="0">
+          <a:scrgbClr r="0" g="0" b="0"/>
+        </a:effectRef>
+        <a:fontRef idx="minor"/>
+      </dsp:style>
+      <dsp:txBody>
+        <a:bodyPr spcFirstLastPara="0" vert="horz" wrap="square" lIns="12700" tIns="0" rIns="12700" bIns="0" numCol="1" spcCol="1270" anchor="ctr" anchorCtr="0">
+          <a:noAutofit/>
+        </a:bodyPr>
+        <a:lstStyle/>
+        <a:p>
+          <a:pPr marL="0" lvl="0" indent="0" algn="ctr" defTabSz="222250">
+            <a:lnSpc>
+              <a:spcPct val="90000"/>
+            </a:lnSpc>
+            <a:spcBef>
+              <a:spcPct val="0"/>
+            </a:spcBef>
+            <a:spcAft>
+              <a:spcPct val="35000"/>
+            </a:spcAft>
+            <a:buNone/>
+          </a:pPr>
+          <a:endParaRPr lang="en-US" sz="500" kern="1200"/>
+        </a:p>
+      </dsp:txBody>
+      <dsp:txXfrm>
+        <a:off x="3019090" y="2321738"/>
+        <a:ext cx="23619" cy="4723"/>
+      </dsp:txXfrm>
+    </dsp:sp>
+    <dsp:sp modelId="{6D73EF02-AB6B-4E07-A9FA-58EE6678DCC8}">
+      <dsp:nvSpPr>
+        <dsp:cNvPr id="0" name=""/>
+        <dsp:cNvSpPr/>
+      </dsp:nvSpPr>
+      <dsp:spPr>
+        <a:xfrm>
+          <a:off x="757981" y="1707951"/>
+          <a:ext cx="2053828" cy="1232296"/>
+        </a:xfrm>
+        <a:prstGeom prst="rect">
+          <a:avLst/>
+        </a:prstGeom>
+        <a:solidFill>
+          <a:schemeClr val="accent5">
+            <a:lumMod val="75000"/>
+          </a:schemeClr>
+        </a:solidFill>
+        <a:ln w="25400" cap="flat" cmpd="sng" algn="ctr">
+          <a:solidFill>
+            <a:schemeClr val="lt1">
+              <a:hueOff val="0"/>
+              <a:satOff val="0"/>
+              <a:lumOff val="0"/>
+              <a:alphaOff val="0"/>
+            </a:schemeClr>
+          </a:solidFill>
+          <a:prstDash val="solid"/>
+        </a:ln>
+        <a:effectLst/>
+      </dsp:spPr>
+      <dsp:style>
+        <a:lnRef idx="2">
+          <a:scrgbClr r="0" g="0" b="0"/>
+        </a:lnRef>
+        <a:fillRef idx="1">
+          <a:scrgbClr r="0" g="0" b="0"/>
+        </a:fillRef>
+        <a:effectRef idx="0">
+          <a:scrgbClr r="0" g="0" b="0"/>
+        </a:effectRef>
+        <a:fontRef idx="minor">
+          <a:schemeClr val="lt1"/>
+        </a:fontRef>
+      </dsp:style>
+      <dsp:txBody>
+        <a:bodyPr spcFirstLastPara="0" vert="horz" wrap="square" lIns="156464" tIns="156464" rIns="156464" bIns="156464" numCol="1" spcCol="1270" anchor="ctr" anchorCtr="0">
+          <a:noAutofit/>
+        </a:bodyPr>
+        <a:lstStyle/>
+        <a:p>
+          <a:pPr marL="0" lvl="0" indent="0" algn="ctr" defTabSz="977900">
+            <a:lnSpc>
+              <a:spcPct val="90000"/>
+            </a:lnSpc>
+            <a:spcBef>
+              <a:spcPct val="0"/>
+            </a:spcBef>
+            <a:spcAft>
+              <a:spcPct val="35000"/>
+            </a:spcAft>
+            <a:buNone/>
+          </a:pPr>
+          <a:r>
+            <a:rPr lang="en-US" sz="2200" kern="1200" dirty="0"/>
+            <a:t>Bias and variance</a:t>
+          </a:r>
+        </a:p>
+      </dsp:txBody>
+      <dsp:txXfrm>
+        <a:off x="757981" y="1707951"/>
+        <a:ext cx="2053828" cy="1232296"/>
+      </dsp:txXfrm>
+    </dsp:sp>
+    <dsp:sp modelId="{7632DEAB-41BD-45EF-852A-7ED6352FD1D7}">
+      <dsp:nvSpPr>
+        <dsp:cNvPr id="0" name=""/>
+        <dsp:cNvSpPr/>
+      </dsp:nvSpPr>
+      <dsp:spPr>
+        <a:xfrm>
+          <a:off x="1784895" y="2938448"/>
+          <a:ext cx="2526208" cy="441780"/>
+        </a:xfrm>
+        <a:custGeom>
+          <a:avLst/>
+          <a:gdLst/>
+          <a:ahLst/>
+          <a:cxnLst/>
+          <a:rect l="0" t="0" r="0" b="0"/>
+          <a:pathLst>
+            <a:path>
+              <a:moveTo>
+                <a:pt x="2526208" y="0"/>
+              </a:moveTo>
+              <a:lnTo>
+                <a:pt x="2526208" y="237990"/>
+              </a:lnTo>
+              <a:lnTo>
+                <a:pt x="0" y="237990"/>
+              </a:lnTo>
+              <a:lnTo>
+                <a:pt x="0" y="441780"/>
+              </a:lnTo>
+            </a:path>
+          </a:pathLst>
+        </a:custGeom>
+        <a:noFill/>
+        <a:ln w="9525" cap="flat" cmpd="sng" algn="ctr">
+          <a:solidFill>
+            <a:schemeClr val="accent1">
+              <a:hueOff val="0"/>
+              <a:satOff val="0"/>
+              <a:lumOff val="0"/>
+              <a:alphaOff val="0"/>
+            </a:schemeClr>
+          </a:solidFill>
+          <a:prstDash val="solid"/>
+          <a:tailEnd type="arrow"/>
+        </a:ln>
+        <a:effectLst/>
+      </dsp:spPr>
+      <dsp:style>
+        <a:lnRef idx="1">
+          <a:scrgbClr r="0" g="0" b="0"/>
+        </a:lnRef>
+        <a:fillRef idx="0">
+          <a:scrgbClr r="0" g="0" b="0"/>
+        </a:fillRef>
+        <a:effectRef idx="0">
+          <a:scrgbClr r="0" g="0" b="0"/>
+        </a:effectRef>
+        <a:fontRef idx="minor"/>
+      </dsp:style>
+      <dsp:txBody>
+        <a:bodyPr spcFirstLastPara="0" vert="horz" wrap="square" lIns="12700" tIns="0" rIns="12700" bIns="0" numCol="1" spcCol="1270" anchor="ctr" anchorCtr="0">
+          <a:noAutofit/>
+        </a:bodyPr>
+        <a:lstStyle/>
+        <a:p>
+          <a:pPr marL="0" lvl="0" indent="0" algn="ctr" defTabSz="222250">
+            <a:lnSpc>
+              <a:spcPct val="90000"/>
+            </a:lnSpc>
+            <a:spcBef>
+              <a:spcPct val="0"/>
+            </a:spcBef>
+            <a:spcAft>
+              <a:spcPct val="35000"/>
+            </a:spcAft>
+            <a:buNone/>
+          </a:pPr>
+          <a:endParaRPr lang="en-US" sz="500" kern="1200"/>
+        </a:p>
+      </dsp:txBody>
+      <dsp:txXfrm>
+        <a:off x="2983750" y="3156976"/>
+        <a:ext cx="128499" cy="4723"/>
+      </dsp:txXfrm>
+    </dsp:sp>
+    <dsp:sp modelId="{95E3146D-A90B-46D2-B17C-7220AF9123A1}">
+      <dsp:nvSpPr>
+        <dsp:cNvPr id="0" name=""/>
+        <dsp:cNvSpPr/>
+      </dsp:nvSpPr>
+      <dsp:spPr>
+        <a:xfrm>
+          <a:off x="3284190" y="1707951"/>
+          <a:ext cx="2053828" cy="1232296"/>
+        </a:xfrm>
+        <a:prstGeom prst="rect">
+          <a:avLst/>
+        </a:prstGeom>
+        <a:solidFill>
+          <a:schemeClr val="accent1">
+            <a:hueOff val="0"/>
+            <a:satOff val="0"/>
+            <a:lumOff val="0"/>
+            <a:alphaOff val="0"/>
+          </a:schemeClr>
+        </a:solidFill>
+        <a:ln w="25400" cap="flat" cmpd="sng" algn="ctr">
+          <a:solidFill>
+            <a:schemeClr val="lt1">
+              <a:hueOff val="0"/>
+              <a:satOff val="0"/>
+              <a:lumOff val="0"/>
+              <a:alphaOff val="0"/>
+            </a:schemeClr>
+          </a:solidFill>
+          <a:prstDash val="solid"/>
+        </a:ln>
+        <a:effectLst/>
+      </dsp:spPr>
+      <dsp:style>
+        <a:lnRef idx="2">
+          <a:scrgbClr r="0" g="0" b="0"/>
+        </a:lnRef>
+        <a:fillRef idx="1">
+          <a:scrgbClr r="0" g="0" b="0"/>
+        </a:fillRef>
+        <a:effectRef idx="0">
+          <a:scrgbClr r="0" g="0" b="0"/>
+        </a:effectRef>
+        <a:fontRef idx="minor">
+          <a:schemeClr val="lt1"/>
+        </a:fontRef>
+      </dsp:style>
+      <dsp:txBody>
+        <a:bodyPr spcFirstLastPara="0" vert="horz" wrap="square" lIns="156464" tIns="156464" rIns="156464" bIns="156464" numCol="1" spcCol="1270" anchor="ctr" anchorCtr="0">
+          <a:noAutofit/>
+        </a:bodyPr>
+        <a:lstStyle/>
+        <a:p>
+          <a:pPr marL="0" lvl="0" indent="0" algn="ctr" defTabSz="977900">
+            <a:lnSpc>
+              <a:spcPct val="90000"/>
+            </a:lnSpc>
+            <a:spcBef>
+              <a:spcPct val="0"/>
+            </a:spcBef>
+            <a:spcAft>
+              <a:spcPct val="35000"/>
+            </a:spcAft>
+            <a:buNone/>
+          </a:pPr>
+          <a:r>
+            <a:rPr lang="en-US" sz="2200" kern="1200" dirty="0"/>
+            <a:t>Plotting </a:t>
+          </a:r>
+        </a:p>
+      </dsp:txBody>
+      <dsp:txXfrm>
+        <a:off x="3284190" y="1707951"/>
+        <a:ext cx="2053828" cy="1232296"/>
+      </dsp:txXfrm>
+    </dsp:sp>
+    <dsp:sp modelId="{3728127F-61FB-428D-9661-FB2002AD3627}">
+      <dsp:nvSpPr>
+        <dsp:cNvPr id="0" name=""/>
+        <dsp:cNvSpPr/>
+      </dsp:nvSpPr>
+      <dsp:spPr>
+        <a:xfrm>
+          <a:off x="757981" y="3412628"/>
+          <a:ext cx="2053828" cy="1232296"/>
+        </a:xfrm>
+        <a:prstGeom prst="rect">
+          <a:avLst/>
+        </a:prstGeom>
+        <a:solidFill>
+          <a:schemeClr val="accent6">
+            <a:lumMod val="50000"/>
+          </a:schemeClr>
+        </a:solidFill>
+        <a:ln w="25400" cap="flat" cmpd="sng" algn="ctr">
+          <a:solidFill>
+            <a:schemeClr val="lt1">
+              <a:hueOff val="0"/>
+              <a:satOff val="0"/>
+              <a:lumOff val="0"/>
+              <a:alphaOff val="0"/>
+            </a:schemeClr>
+          </a:solidFill>
+          <a:prstDash val="solid"/>
+        </a:ln>
+        <a:effectLst/>
+      </dsp:spPr>
+      <dsp:style>
+        <a:lnRef idx="2">
+          <a:scrgbClr r="0" g="0" b="0"/>
+        </a:lnRef>
+        <a:fillRef idx="1">
+          <a:scrgbClr r="0" g="0" b="0"/>
+        </a:fillRef>
+        <a:effectRef idx="0">
+          <a:scrgbClr r="0" g="0" b="0"/>
+        </a:effectRef>
+        <a:fontRef idx="minor">
+          <a:schemeClr val="lt1"/>
+        </a:fontRef>
+      </dsp:style>
+      <dsp:txBody>
+        <a:bodyPr spcFirstLastPara="0" vert="horz" wrap="square" lIns="156464" tIns="156464" rIns="156464" bIns="156464" numCol="1" spcCol="1270" anchor="ctr" anchorCtr="0">
+          <a:noAutofit/>
+        </a:bodyPr>
+        <a:lstStyle/>
+        <a:p>
+          <a:pPr marL="0" lvl="0" indent="0" algn="ctr" defTabSz="977900">
+            <a:lnSpc>
+              <a:spcPct val="90000"/>
+            </a:lnSpc>
+            <a:spcBef>
+              <a:spcPct val="0"/>
+            </a:spcBef>
+            <a:spcAft>
+              <a:spcPct val="35000"/>
+            </a:spcAft>
+            <a:buNone/>
+          </a:pPr>
+          <a:r>
+            <a:rPr lang="en-US" sz="2200" kern="1200" dirty="0"/>
+            <a:t>Visual representation</a:t>
+          </a:r>
+        </a:p>
+      </dsp:txBody>
+      <dsp:txXfrm>
+        <a:off x="757981" y="3412628"/>
+        <a:ext cx="2053828" cy="1232296"/>
+      </dsp:txXfrm>
+    </dsp:sp>
+  </dsp:spTree>
+</dsp:drawing>
+</file>
+
+<file path=ppt/diagrams/layout1.xml><?xml version="1.0" encoding="utf-8"?>
+<dgm:layoutDef xmlns:dgm="http://schemas.openxmlformats.org/drawingml/2006/diagram" xmlns:a="http://schemas.openxmlformats.org/drawingml/2006/main" uniqueId="urn:microsoft.com/office/officeart/2005/8/layout/bProcess3">
+  <dgm:title val=""/>
+  <dgm:desc val=""/>
+  <dgm:catLst>
+    <dgm:cat type="process" pri="18000"/>
+  </dgm:catLst>
+  <dgm:sampData>
+    <dgm:dataModel>
+      <dgm:ptLst>
+        <dgm:pt modelId="0" type="doc"/>
+        <dgm:pt modelId="1">
+          <dgm:prSet phldr="1"/>
+        </dgm:pt>
+        <dgm:pt modelId="2">
+          <dgm:prSet phldr="1"/>
+        </dgm:pt>
+        <dgm:pt modelId="3">
+          <dgm:prSet phldr="1"/>
+        </dgm:pt>
+        <dgm:pt modelId="4">
+          <dgm:prSet phldr="1"/>
+        </dgm:pt>
+        <dgm:pt modelId="5">
+          <dgm:prSet phldr="1"/>
+        </dgm:pt>
+      </dgm:ptLst>
+      <dgm:cxnLst>
+        <dgm:cxn modelId="7" srcId="0" destId="1" srcOrd="0" destOrd="0"/>
+        <dgm:cxn modelId="8" srcId="0" destId="2" srcOrd="1" destOrd="0"/>
+        <dgm:cxn modelId="9" srcId="0" destId="3" srcOrd="2" destOrd="0"/>
+        <dgm:cxn modelId="10" srcId="0" destId="4" srcOrd="3" destOrd="0"/>
+        <dgm:cxn modelId="11" srcId="0" destId="5" srcOrd="4" destOrd="0"/>
+      </dgm:cxnLst>
+      <dgm:bg/>
+      <dgm:whole/>
+    </dgm:dataModel>
+  </dgm:sampData>
+  <dgm:styleData>
+    <dgm:dataModel>
+      <dgm:ptLst>
+        <dgm:pt modelId="0" type="doc"/>
+        <dgm:pt modelId="1"/>
+        <dgm:pt modelId="2"/>
+      </dgm:ptLst>
+      <dgm:cxnLst>
+        <dgm:cxn modelId="3" srcId="0" destId="1" srcOrd="0" destOrd="0"/>
+        <dgm:cxn modelId="4" srcId="0" destId="2" srcOrd="1" destOrd="0"/>
+      </dgm:cxnLst>
+      <dgm:bg/>
+      <dgm:whole/>
+    </dgm:dataModel>
+  </dgm:styleData>
+  <dgm:clrData>
+    <dgm:dataModel>
+      <dgm:ptLst>
+        <dgm:pt modelId="0" type="doc"/>
+        <dgm:pt modelId="1"/>
+        <dgm:pt modelId="2"/>
+        <dgm:pt modelId="3"/>
+        <dgm:pt modelId="4"/>
+      </dgm:ptLst>
+      <dgm:cxnLst>
+        <dgm:cxn modelId="5" srcId="0" destId="1" srcOrd="0" destOrd="0"/>
+        <dgm:cxn modelId="6" srcId="0" destId="2" srcOrd="1" destOrd="0"/>
+        <dgm:cxn modelId="7" srcId="0" destId="3" srcOrd="2" destOrd="0"/>
+        <dgm:cxn modelId="8" srcId="0" destId="4" srcOrd="3" destOrd="0"/>
+      </dgm:cxnLst>
+      <dgm:bg/>
+      <dgm:whole/>
+    </dgm:dataModel>
+  </dgm:clrData>
+  <dgm:layoutNode name="Name0">
+    <dgm:varLst>
+      <dgm:dir/>
+      <dgm:resizeHandles val="exact"/>
+    </dgm:varLst>
+    <dgm:choose name="Name1">
+      <dgm:if name="Name2" axis="self" func="var" arg="dir" op="equ" val="norm">
+        <dgm:alg type="snake">
+          <dgm:param type="grDir" val="tL"/>
+          <dgm:param type="flowDir" val="row"/>
+          <dgm:param type="contDir" val="sameDir"/>
+          <dgm:param type="bkpt" val="endCnv"/>
+        </dgm:alg>
+      </dgm:if>
+      <dgm:else name="Name3">
+        <dgm:alg type="snake">
+          <dgm:param type="grDir" val="tR"/>
+          <dgm:param type="flowDir" val="row"/>
+          <dgm:param type="contDir" val="sameDir"/>
+          <dgm:param type="bkpt" val="endCnv"/>
+        </dgm:alg>
+      </dgm:else>
+    </dgm:choose>
+    <dgm:shape xmlns:r="http://schemas.openxmlformats.org/officeDocument/2006/relationships" r:blip="">
+      <dgm:adjLst/>
+    </dgm:shape>
+    <dgm:presOf/>
+    <dgm:constrLst>
+      <dgm:constr type="w" for="ch" ptType="node" refType="w"/>
+      <dgm:constr type="w" for="ch" forName="sibTrans" refType="w" refFor="ch" refPtType="node" op="equ" fact="0.23"/>
+      <dgm:constr type="sp" refType="w" refFor="ch" refForName="sibTrans" op="equ"/>
+      <dgm:constr type="userB" for="des" forName="connectorText" refType="sp"/>
+      <dgm:constr type="primFontSz" for="ch" ptType="node" op="equ" val="65"/>
+      <dgm:constr type="h" for="ch" ptType="sibTrans" op="equ"/>
+      <dgm:constr type="primFontSz" for="des" forName="connectorText" op="equ" val="55"/>
+      <dgm:constr type="primFontSz" for="des" forName="connectorText" refType="primFontSz" refFor="ch" refPtType="node" op="lte" fact="0.8"/>
+    </dgm:constrLst>
+    <dgm:ruleLst/>
+    <dgm:forEach name="nodesForEach" axis="ch" ptType="node">
+      <dgm:layoutNode name="node">
+        <dgm:varLst>
+          <dgm:bulletEnabled val="1"/>
+        </dgm:varLst>
+        <dgm:alg type="tx"/>
+        <dgm:shape xmlns:r="http://schemas.openxmlformats.org/officeDocument/2006/relationships" type="rect" r:blip="">
+          <dgm:adjLst/>
+        </dgm:shape>
+        <dgm:presOf axis="desOrSelf" ptType="node"/>
+        <dgm:constrLst>
+          <dgm:constr type="h" refType="w" fact="0.6"/>
+        </dgm:constrLst>
+        <dgm:ruleLst>
+          <dgm:rule type="primFontSz" val="5" fact="NaN" max="NaN"/>
+        </dgm:ruleLst>
+      </dgm:layoutNode>
+      <dgm:forEach name="sibTransForEach" axis="followSib" ptType="sibTrans" cnt="1">
+        <dgm:layoutNode name="sibTrans">
+          <dgm:choose name="Name4">
+            <dgm:if name="Name5" axis="self" func="var" arg="dir" op="equ" val="norm">
+              <dgm:alg type="conn">
+                <dgm:param type="connRout" val="bend"/>
+                <dgm:param type="dim" val="1D"/>
+                <dgm:param type="begPts" val="midR bCtr"/>
+                <dgm:param type="endPts" val="midL tCtr"/>
+              </dgm:alg>
+            </dgm:if>
+            <dgm:else name="Name6">
+              <dgm:alg type="conn">
+                <dgm:param type="connRout" val="bend"/>
+                <dgm:param type="dim" val="1D"/>
+                <dgm:param type="begPts" val="midL bCtr"/>
+                <dgm:param type="endPts" val="midR tCtr"/>
+              </dgm:alg>
+            </dgm:else>
+          </dgm:choose>
+          <dgm:shape xmlns:r="http://schemas.openxmlformats.org/officeDocument/2006/relationships" type="conn" r:blip="" zOrderOff="-2">
+            <dgm:adjLst/>
+          </dgm:shape>
+          <dgm:presOf axis="self"/>
+          <dgm:constrLst>
+            <dgm:constr type="begPad" val="-0.05"/>
+            <dgm:constr type="endPad" val="0.9"/>
+            <dgm:constr type="userA" for="ch" refType="connDist"/>
+          </dgm:constrLst>
+          <dgm:ruleLst/>
+          <dgm:layoutNode name="connectorText">
+            <dgm:alg type="tx">
+              <dgm:param type="autoTxRot" val="upr"/>
+            </dgm:alg>
+            <dgm:shape xmlns:r="http://schemas.openxmlformats.org/officeDocument/2006/relationships" type="rect" r:blip="" hideGeom="1">
+              <dgm:adjLst/>
+            </dgm:shape>
+            <dgm:presOf axis="self"/>
+            <dgm:constrLst>
+              <dgm:constr type="userA"/>
+              <dgm:constr type="userB"/>
+              <dgm:constr type="w" refType="userA" fact="0.05"/>
+              <dgm:constr type="h" refType="userB" fact="0.01"/>
+              <dgm:constr type="lMarg" val="1"/>
+              <dgm:constr type="rMarg" val="1"/>
+              <dgm:constr type="tMarg"/>
+              <dgm:constr type="bMarg"/>
+            </dgm:constrLst>
+            <dgm:ruleLst>
+              <dgm:rule type="w" val="NaN" fact="0.6" max="NaN"/>
+              <dgm:rule type="h" val="NaN" fact="0.6" max="NaN"/>
+              <dgm:rule type="primFontSz" val="5" fact="NaN" max="NaN"/>
+            </dgm:ruleLst>
+          </dgm:layoutNode>
+        </dgm:layoutNode>
+      </dgm:forEach>
+    </dgm:forEach>
+  </dgm:layoutNode>
+</dgm:layoutDef>
+</file>
+
+<file path=ppt/diagrams/layout2.xml><?xml version="1.0" encoding="utf-8"?>
+<dgm:layoutDef xmlns:dgm="http://schemas.openxmlformats.org/drawingml/2006/diagram" xmlns:a="http://schemas.openxmlformats.org/drawingml/2006/main" uniqueId="urn:microsoft.com/office/officeart/2005/8/layout/bProcess3">
+  <dgm:title val=""/>
+  <dgm:desc val=""/>
+  <dgm:catLst>
+    <dgm:cat type="process" pri="18000"/>
+  </dgm:catLst>
+  <dgm:sampData>
+    <dgm:dataModel>
+      <dgm:ptLst>
+        <dgm:pt modelId="0" type="doc"/>
+        <dgm:pt modelId="1">
+          <dgm:prSet phldr="1"/>
+        </dgm:pt>
+        <dgm:pt modelId="2">
+          <dgm:prSet phldr="1"/>
+        </dgm:pt>
+        <dgm:pt modelId="3">
+          <dgm:prSet phldr="1"/>
+        </dgm:pt>
+        <dgm:pt modelId="4">
+          <dgm:prSet phldr="1"/>
+        </dgm:pt>
+        <dgm:pt modelId="5">
+          <dgm:prSet phldr="1"/>
+        </dgm:pt>
+      </dgm:ptLst>
+      <dgm:cxnLst>
+        <dgm:cxn modelId="7" srcId="0" destId="1" srcOrd="0" destOrd="0"/>
+        <dgm:cxn modelId="8" srcId="0" destId="2" srcOrd="1" destOrd="0"/>
+        <dgm:cxn modelId="9" srcId="0" destId="3" srcOrd="2" destOrd="0"/>
+        <dgm:cxn modelId="10" srcId="0" destId="4" srcOrd="3" destOrd="0"/>
+        <dgm:cxn modelId="11" srcId="0" destId="5" srcOrd="4" destOrd="0"/>
+      </dgm:cxnLst>
+      <dgm:bg/>
+      <dgm:whole/>
+    </dgm:dataModel>
+  </dgm:sampData>
+  <dgm:styleData>
+    <dgm:dataModel>
+      <dgm:ptLst>
+        <dgm:pt modelId="0" type="doc"/>
+        <dgm:pt modelId="1"/>
+        <dgm:pt modelId="2"/>
+      </dgm:ptLst>
+      <dgm:cxnLst>
+        <dgm:cxn modelId="3" srcId="0" destId="1" srcOrd="0" destOrd="0"/>
+        <dgm:cxn modelId="4" srcId="0" destId="2" srcOrd="1" destOrd="0"/>
+      </dgm:cxnLst>
+      <dgm:bg/>
+      <dgm:whole/>
+    </dgm:dataModel>
+  </dgm:styleData>
+  <dgm:clrData>
+    <dgm:dataModel>
+      <dgm:ptLst>
+        <dgm:pt modelId="0" type="doc"/>
+        <dgm:pt modelId="1"/>
+        <dgm:pt modelId="2"/>
+        <dgm:pt modelId="3"/>
+        <dgm:pt modelId="4"/>
+      </dgm:ptLst>
+      <dgm:cxnLst>
+        <dgm:cxn modelId="5" srcId="0" destId="1" srcOrd="0" destOrd="0"/>
+        <dgm:cxn modelId="6" srcId="0" destId="2" srcOrd="1" destOrd="0"/>
+        <dgm:cxn modelId="7" srcId="0" destId="3" srcOrd="2" destOrd="0"/>
+        <dgm:cxn modelId="8" srcId="0" destId="4" srcOrd="3" destOrd="0"/>
+      </dgm:cxnLst>
+      <dgm:bg/>
+      <dgm:whole/>
+    </dgm:dataModel>
+  </dgm:clrData>
+  <dgm:layoutNode name="Name0">
+    <dgm:varLst>
+      <dgm:dir/>
+      <dgm:resizeHandles val="exact"/>
+    </dgm:varLst>
+    <dgm:choose name="Name1">
+      <dgm:if name="Name2" axis="self" func="var" arg="dir" op="equ" val="norm">
+        <dgm:alg type="snake">
+          <dgm:param type="grDir" val="tL"/>
+          <dgm:param type="flowDir" val="row"/>
+          <dgm:param type="contDir" val="sameDir"/>
+          <dgm:param type="bkpt" val="endCnv"/>
+        </dgm:alg>
+      </dgm:if>
+      <dgm:else name="Name3">
+        <dgm:alg type="snake">
+          <dgm:param type="grDir" val="tR"/>
+          <dgm:param type="flowDir" val="row"/>
+          <dgm:param type="contDir" val="sameDir"/>
+          <dgm:param type="bkpt" val="endCnv"/>
+        </dgm:alg>
+      </dgm:else>
+    </dgm:choose>
+    <dgm:shape xmlns:r="http://schemas.openxmlformats.org/officeDocument/2006/relationships" r:blip="">
+      <dgm:adjLst/>
+    </dgm:shape>
+    <dgm:presOf/>
+    <dgm:constrLst>
+      <dgm:constr type="w" for="ch" ptType="node" refType="w"/>
+      <dgm:constr type="w" for="ch" forName="sibTrans" refType="w" refFor="ch" refPtType="node" op="equ" fact="0.23"/>
+      <dgm:constr type="sp" refType="w" refFor="ch" refForName="sibTrans" op="equ"/>
+      <dgm:constr type="userB" for="des" forName="connectorText" refType="sp"/>
+      <dgm:constr type="primFontSz" for="ch" ptType="node" op="equ" val="65"/>
+      <dgm:constr type="h" for="ch" ptType="sibTrans" op="equ"/>
+      <dgm:constr type="primFontSz" for="des" forName="connectorText" op="equ" val="55"/>
+      <dgm:constr type="primFontSz" for="des" forName="connectorText" refType="primFontSz" refFor="ch" refPtType="node" op="lte" fact="0.8"/>
+    </dgm:constrLst>
+    <dgm:ruleLst/>
+    <dgm:forEach name="nodesForEach" axis="ch" ptType="node">
+      <dgm:layoutNode name="node">
+        <dgm:varLst>
+          <dgm:bulletEnabled val="1"/>
+        </dgm:varLst>
+        <dgm:alg type="tx"/>
+        <dgm:shape xmlns:r="http://schemas.openxmlformats.org/officeDocument/2006/relationships" type="rect" r:blip="">
+          <dgm:adjLst/>
+        </dgm:shape>
+        <dgm:presOf axis="desOrSelf" ptType="node"/>
+        <dgm:constrLst>
+          <dgm:constr type="h" refType="w" fact="0.6"/>
+        </dgm:constrLst>
+        <dgm:ruleLst>
+          <dgm:rule type="primFontSz" val="5" fact="NaN" max="NaN"/>
+        </dgm:ruleLst>
+      </dgm:layoutNode>
+      <dgm:forEach name="sibTransForEach" axis="followSib" ptType="sibTrans" cnt="1">
+        <dgm:layoutNode name="sibTrans">
+          <dgm:choose name="Name4">
+            <dgm:if name="Name5" axis="self" func="var" arg="dir" op="equ" val="norm">
+              <dgm:alg type="conn">
+                <dgm:param type="connRout" val="bend"/>
+                <dgm:param type="dim" val="1D"/>
+                <dgm:param type="begPts" val="midR bCtr"/>
+                <dgm:param type="endPts" val="midL tCtr"/>
+              </dgm:alg>
+            </dgm:if>
+            <dgm:else name="Name6">
+              <dgm:alg type="conn">
+                <dgm:param type="connRout" val="bend"/>
+                <dgm:param type="dim" val="1D"/>
+                <dgm:param type="begPts" val="midL bCtr"/>
+                <dgm:param type="endPts" val="midR tCtr"/>
+              </dgm:alg>
+            </dgm:else>
+          </dgm:choose>
+          <dgm:shape xmlns:r="http://schemas.openxmlformats.org/officeDocument/2006/relationships" type="conn" r:blip="" zOrderOff="-2">
+            <dgm:adjLst/>
+          </dgm:shape>
+          <dgm:presOf axis="self"/>
+          <dgm:constrLst>
+            <dgm:constr type="begPad" val="-0.05"/>
+            <dgm:constr type="endPad" val="0.9"/>
+            <dgm:constr type="userA" for="ch" refType="connDist"/>
+          </dgm:constrLst>
+          <dgm:ruleLst/>
+          <dgm:layoutNode name="connectorText">
+            <dgm:alg type="tx">
+              <dgm:param type="autoTxRot" val="upr"/>
+            </dgm:alg>
+            <dgm:shape xmlns:r="http://schemas.openxmlformats.org/officeDocument/2006/relationships" type="rect" r:blip="" hideGeom="1">
+              <dgm:adjLst/>
+            </dgm:shape>
+            <dgm:presOf axis="self"/>
+            <dgm:constrLst>
+              <dgm:constr type="userA"/>
+              <dgm:constr type="userB"/>
+              <dgm:constr type="w" refType="userA" fact="0.05"/>
+              <dgm:constr type="h" refType="userB" fact="0.01"/>
+              <dgm:constr type="lMarg" val="1"/>
+              <dgm:constr type="rMarg" val="1"/>
+              <dgm:constr type="tMarg"/>
+              <dgm:constr type="bMarg"/>
+            </dgm:constrLst>
+            <dgm:ruleLst>
+              <dgm:rule type="w" val="NaN" fact="0.6" max="NaN"/>
+              <dgm:rule type="h" val="NaN" fact="0.6" max="NaN"/>
+              <dgm:rule type="primFontSz" val="5" fact="NaN" max="NaN"/>
+            </dgm:ruleLst>
+          </dgm:layoutNode>
+        </dgm:layoutNode>
+      </dgm:forEach>
+    </dgm:forEach>
+  </dgm:layoutNode>
+</dgm:layoutDef>
+</file>
+
+<file path=ppt/diagrams/quickStyle1.xml><?xml version="1.0" encoding="utf-8"?>
+<dgm:styleDef xmlns:dgm="http://schemas.openxmlformats.org/drawingml/2006/diagram" xmlns:a="http://schemas.openxmlformats.org/drawingml/2006/main" uniqueId="urn:microsoft.com/office/officeart/2005/8/quickstyle/simple1">
+  <dgm:title val=""/>
+  <dgm:desc val=""/>
+  <dgm:catLst>
+    <dgm:cat type="simple" pri="10100"/>
+  </dgm:catLst>
+  <dgm:scene3d>
+    <a:camera prst="orthographicFront"/>
+    <a:lightRig rig="threePt" dir="t"/>
+  </dgm:scene3d>
+  <dgm:styleLbl name="node0">
+    <dgm:scene3d>
+      <a:camera prst="orthographicFront"/>
+      <a:lightRig rig="threePt" dir="t"/>
+    </dgm:scene3d>
+    <dgm:sp3d/>
+    <dgm:txPr/>
+    <dgm:style>
+      <a:lnRef idx="2">
+        <a:scrgbClr r="0" g="0" b="0"/>
+      </a:lnRef>
+      <a:fillRef idx="1">
+        <a:scrgbClr r="0" g="0" b="0"/>
+      </a:fillRef>
+      <a:effectRef idx="0">
+        <a:scrgbClr r="0" g="0" b="0"/>
+      </a:effectRef>
+      <a:fontRef idx="minor">
+        <a:schemeClr val="lt1"/>
+      </a:fontRef>
+    </dgm:style>
+  </dgm:styleLbl>
+  <dgm:styleLbl name="lnNode1">
+    <dgm:scene3d>
+      <a:camera prst="orthographicFront"/>
+      <a:lightRig rig="threePt" dir="t"/>
+    </dgm:scene3d>
+    <dgm:sp3d/>
+    <dgm:txPr/>
+    <dgm:style>
+      <a:lnRef idx="2">
+        <a:scrgbClr r="0" g="0" b="0"/>
+      </a:lnRef>
+      <a:fillRef idx="1">
+        <a:scrgbClr r="0" g="0" b="0"/>
+      </a:fillRef>
+      <a:effectRef idx="0">
+        <a:scrgbClr r="0" g="0" b="0"/>
+      </a:effectRef>
+      <a:fontRef idx="minor">
+        <a:schemeClr val="lt1"/>
+      </a:fontRef>
+    </dgm:style>
+  </dgm:styleLbl>
+  <dgm:styleLbl name="vennNode1">
+    <dgm:scene3d>
+      <a:camera prst="orthographicFront"/>
+      <a:lightRig rig="threePt" dir="t"/>
+    </dgm:scene3d>
+    <dgm:sp3d/>
+    <dgm:txPr/>
+    <dgm:style>
+      <a:lnRef idx="2">
+        <a:scrgbClr r="0" g="0" b="0"/>
+      </a:lnRef>
+      <a:fillRef idx="1">
+        <a:scrgbClr r="0" g="0" b="0"/>
+      </a:fillRef>
+      <a:effectRef idx="0">
+        <a:scrgbClr r="0" g="0" b="0"/>
+      </a:effectRef>
+      <a:fontRef idx="minor">
+        <a:schemeClr val="tx1"/>
+      </a:fontRef>
+    </dgm:style>
+  </dgm:styleLbl>
+  <dgm:styleLbl name="alignNode1">
+    <dgm:scene3d>
+      <a:camera prst="orthographicFront"/>
+      <a:lightRig rig="threePt" dir="t"/>
+    </dgm:scene3d>
+    <dgm:sp3d/>
+    <dgm:txPr/>
+    <dgm:style>
+      <a:lnRef idx="2">
+        <a:scrgbClr r="0" g="0" b="0"/>
+      </a:lnRef>
+      <a:fillRef idx="1">
+        <a:scrgbClr r="0" g="0" b="0"/>
+      </a:fillRef>
+      <a:effectRef idx="0">
+        <a:scrgbClr r="0" g="0" b="0"/>
+      </a:effectRef>
+      <a:fontRef idx="minor">
+        <a:schemeClr val="lt1"/>
+      </a:fontRef>
+    </dgm:style>
+  </dgm:styleLbl>
+  <dgm:styleLbl name="node1">
+    <dgm:scene3d>
+      <a:camera prst="orthographicFront"/>
+      <a:lightRig rig="threePt" dir="t"/>
+    </dgm:scene3d>
+    <dgm:sp3d/>
+    <dgm:txPr/>
+    <dgm:style>
+      <a:lnRef idx="2">
+        <a:scrgbClr r="0" g="0" b="0"/>
+      </a:lnRef>
+      <a:fillRef idx="1">
+        <a:scrgbClr r="0" g="0" b="0"/>
+      </a:fillRef>
+      <a:effectRef idx="0">
+        <a:scrgbClr r="0" g="0" b="0"/>
+      </a:effectRef>
+      <a:fontRef idx="minor">
+        <a:schemeClr val="lt1"/>
+      </a:fontRef>
+    </dgm:style>
+  </dgm:styleLbl>
+  <dgm:styleLbl name="node2">
+    <dgm:scene3d>
+      <a:camera prst="orthographicFront"/>
+      <a:lightRig rig="threePt" dir="t"/>
+    </dgm:scene3d>
+    <dgm:sp3d/>
+    <dgm:txPr/>
+    <dgm:style>
+      <a:lnRef idx="2">
+        <a:scrgbClr r="0" g="0" b="0"/>
+      </a:lnRef>
+      <a:fillRef idx="1">
+        <a:scrgbClr r="0" g="0" b="0"/>
+      </a:fillRef>
+      <a:effectRef idx="0">
+        <a:scrgbClr r="0" g="0" b="0"/>
+      </a:effectRef>
+      <a:fontRef idx="minor">
+        <a:schemeClr val="lt1"/>
+      </a:fontRef>
+    </dgm:style>
+  </dgm:styleLbl>
+  <dgm:styleLbl name="node3">
+    <dgm:scene3d>
+      <a:camera prst="orthographicFront"/>
+      <a:lightRig rig="threePt" dir="t"/>
+    </dgm:scene3d>
+    <dgm:sp3d/>
+    <dgm:txPr/>
+    <dgm:style>
+      <a:lnRef idx="2">
+        <a:scrgbClr r="0" g="0" b="0"/>
+      </a:lnRef>
+      <a:fillRef idx="1">
+        <a:scrgbClr r="0" g="0" b="0"/>
+      </a:fillRef>
+      <a:effectRef idx="0">
+        <a:scrgbClr r="0" g="0" b="0"/>
+      </a:effectRef>
+      <a:fontRef idx="minor">
+        <a:schemeClr val="lt1"/>
+      </a:fontRef>
+    </dgm:style>
+  </dgm:styleLbl>
+  <dgm:styleLbl name="node4">
+    <dgm:scene3d>
+      <a:camera prst="orthographicFront"/>
+      <a:lightRig rig="threePt" dir="t"/>
+    </dgm:scene3d>
+    <dgm:sp3d/>
+    <dgm:txPr/>
+    <dgm:style>
+      <a:lnRef idx="2">
+        <a:scrgbClr r="0" g="0" b="0"/>
+      </a:lnRef>
+      <a:fillRef idx="1">
+        <a:scrgbClr r="0" g="0" b="0"/>
+      </a:fillRef>
+      <a:effectRef idx="0">
+        <a:scrgbClr r="0" g="0" b="0"/>
+      </a:effectRef>
+      <a:fontRef idx="minor">
+        <a:schemeClr val="lt1"/>
+      </a:fontRef>
+    </dgm:style>
+  </dgm:styleLbl>
+  <dgm:styleLbl name="fgImgPlace1">
+    <dgm:scene3d>
+      <a:camera prst="orthographicFront"/>
+      <a:lightRig rig="threePt" dir="t"/>
+    </dgm:scene3d>
+    <dgm:sp3d/>
+    <dgm:txPr/>
+    <dgm:style>
+      <a:lnRef idx="2">
+        <a:scrgbClr r="0" g="0" b="0"/>
+      </a:lnRef>
+      <a:fillRef idx="1">
+        <a:scrgbClr r="0" g="0" b="0"/>
+      </a:fillRef>
+      <a:effectRef idx="0">
+        <a:scrgbClr r="0" g="0" b="0"/>
+      </a:effectRef>
+      <a:fontRef idx="minor"/>
+    </dgm:style>
+  </dgm:styleLbl>
+  <dgm:styleLbl name="alignImgPlace1">
+    <dgm:scene3d>
+      <a:camera prst="orthographicFront"/>
+      <a:lightRig rig="threePt" dir="t"/>
+    </dgm:scene3d>
+    <dgm:sp3d/>
+    <dgm:txPr/>
+    <dgm:style>
+      <a:lnRef idx="2">
+        <a:scrgbClr r="0" g="0" b="0"/>
+      </a:lnRef>
+      <a:fillRef idx="1">
+        <a:scrgbClr r="0" g="0" b="0"/>
+      </a:fillRef>
+      <a:effectRef idx="0">
+        <a:scrgbClr r="0" g="0" b="0"/>
+      </a:effectRef>
+      <a:fontRef idx="minor"/>
+    </dgm:style>
+  </dgm:styleLbl>
+  <dgm:styleLbl name="bgImgPlace1">
+    <dgm:scene3d>
+      <a:camera prst="orthographicFront"/>
+      <a:lightRig rig="threePt" dir="t"/>
+    </dgm:scene3d>
+    <dgm:sp3d/>
+    <dgm:txPr/>
+    <dgm:style>
+      <a:lnRef idx="2">
+        <a:scrgbClr r="0" g="0" b="0"/>
+      </a:lnRef>
+      <a:fillRef idx="1">
+        <a:scrgbClr r="0" g="0" b="0"/>
+      </a:fillRef>
+      <a:effectRef idx="0">
+        <a:scrgbClr r="0" g="0" b="0"/>
+      </a:effectRef>
+      <a:fontRef idx="minor"/>
+    </dgm:style>
+  </dgm:styleLbl>
+  <dgm:styleLbl name="sibTrans2D1">
+    <dgm:scene3d>
+      <a:camera prst="orthographicFront"/>
+      <a:lightRig rig="threePt" dir="t"/>
+    </dgm:scene3d>
+    <dgm:sp3d/>
+    <dgm:txPr/>
+    <dgm:style>
+      <a:lnRef idx="0">
+        <a:scrgbClr r="0" g="0" b="0"/>
+      </a:lnRef>
+      <a:fillRef idx="1">
+        <a:scrgbClr r="0" g="0" b="0"/>
+      </a:fillRef>
+      <a:effectRef idx="0">
+        <a:scrgbClr r="0" g="0" b="0"/>
+      </a:effectRef>
+      <a:fontRef idx="minor">
+        <a:schemeClr val="lt1"/>
+      </a:fontRef>
+    </dgm:style>
+  </dgm:styleLbl>
+  <dgm:styleLbl name="fgSibTrans2D1">
+    <dgm:scene3d>
+      <a:camera prst="orthographicFront"/>
+      <a:lightRig rig="threePt" dir="t"/>
+    </dgm:scene3d>
+    <dgm:sp3d/>
+    <dgm:txPr/>
+    <dgm:style>
+      <a:lnRef idx="0">
+        <a:scrgbClr r="0" g="0" b="0"/>
+      </a:lnRef>
+      <a:fillRef idx="1">
+        <a:scrgbClr r="0" g="0" b="0"/>
+      </a:fillRef>
+      <a:effectRef idx="0">
+        <a:scrgbClr r="0" g="0" b="0"/>
+      </a:effectRef>
+      <a:fontRef idx="minor">
+        <a:schemeClr val="lt1"/>
+      </a:fontRef>
+    </dgm:style>
+  </dgm:styleLbl>
+  <dgm:styleLbl name="bgSibTrans2D1">
+    <dgm:scene3d>
+      <a:camera prst="orthographicFront"/>
+      <a:lightRig rig="threePt" dir="t"/>
+    </dgm:scene3d>
+    <dgm:sp3d/>
+    <dgm:txPr/>
+    <dgm:style>
+      <a:lnRef idx="0">
+        <a:scrgbClr r="0" g="0" b="0"/>
+      </a:lnRef>
+      <a:fillRef idx="1">
+        <a:scrgbClr r="0" g="0" b="0"/>
+      </a:fillRef>
+      <a:effectRef idx="0">
+        <a:scrgbClr r="0" g="0" b="0"/>
+      </a:effectRef>
+      <a:fontRef idx="minor">
+        <a:schemeClr val="lt1"/>
+      </a:fontRef>
+    </dgm:style>
+  </dgm:styleLbl>
+  <dgm:styleLbl name="sibTrans1D1">
+    <dgm:scene3d>
+      <a:camera prst="orthographicFront"/>
+      <a:lightRig rig="threePt" dir="t"/>
+    </dgm:scene3d>
+    <dgm:sp3d/>
+    <dgm:txPr/>
+    <dgm:style>
+      <a:lnRef idx="1">
+        <a:scrgbClr r="0" g="0" b="0"/>
+      </a:lnRef>
+      <a:fillRef idx="0">
+        <a:scrgbClr r="0" g="0" b="0"/>
+      </a:fillRef>
+      <a:effectRef idx="0">
+        <a:scrgbClr r="0" g="0" b="0"/>
+      </a:effectRef>
+      <a:fontRef idx="minor"/>
+    </dgm:style>
+  </dgm:styleLbl>
+  <dgm:styleLbl name="callout">
+    <dgm:scene3d>
+      <a:camera prst="orthographicFront"/>
+      <a:lightRig rig="threePt" dir="t"/>
+    </dgm:scene3d>
+    <dgm:sp3d/>
+    <dgm:txPr/>
+    <dgm:style>
+      <a:lnRef idx="2">
+        <a:scrgbClr r="0" g="0" b="0"/>
+      </a:lnRef>
+      <a:fillRef idx="1">
+        <a:scrgbClr r="0" g="0" b="0"/>
+      </a:fillRef>
+      <a:effectRef idx="0">
+        <a:scrgbClr r="0" g="0" b="0"/>
+      </a:effectRef>
+      <a:fontRef idx="minor"/>
+    </dgm:style>
+  </dgm:styleLbl>
+  <dgm:styleLbl name="asst0">
+    <dgm:scene3d>
+      <a:camera prst="orthographicFront"/>
+      <a:lightRig rig="threePt" dir="t"/>
+    </dgm:scene3d>
+    <dgm:sp3d/>
+    <dgm:txPr/>
+    <dgm:style>
+      <a:lnRef idx="2">
+        <a:scrgbClr r="0" g="0" b="0"/>
+      </a:lnRef>
+      <a:fillRef idx="1">
+        <a:scrgbClr r="0" g="0" b="0"/>
+      </a:fillRef>
+      <a:effectRef idx="0">
+        <a:scrgbClr r="0" g="0" b="0"/>
+      </a:effectRef>
+      <a:fontRef idx="minor">
+        <a:schemeClr val="lt1"/>
+      </a:fontRef>
+    </dgm:style>
+  </dgm:styleLbl>
+  <dgm:styleLbl name="asst1">
+    <dgm:scene3d>
+      <a:camera prst="orthographicFront"/>
+      <a:lightRig rig="threePt" dir="t"/>
+    </dgm:scene3d>
+    <dgm:sp3d/>
+    <dgm:txPr/>
+    <dgm:style>
+      <a:lnRef idx="2">
+        <a:scrgbClr r="0" g="0" b="0"/>
+      </a:lnRef>
+      <a:fillRef idx="1">
+        <a:scrgbClr r="0" g="0" b="0"/>
+      </a:fillRef>
+      <a:effectRef idx="0">
+        <a:scrgbClr r="0" g="0" b="0"/>
+      </a:effectRef>
+      <a:fontRef idx="minor">
+        <a:schemeClr val="lt1"/>
+      </a:fontRef>
+    </dgm:style>
+  </dgm:styleLbl>
+  <dgm:styleLbl name="asst2">
+    <dgm:scene3d>
+      <a:camera prst="orthographicFront"/>
+      <a:lightRig rig="threePt" dir="t"/>
+    </dgm:scene3d>
+    <dgm:sp3d/>
+    <dgm:txPr/>
+    <dgm:style>
+      <a:lnRef idx="2">
+        <a:scrgbClr r="0" g="0" b="0"/>
+      </a:lnRef>
+      <a:fillRef idx="1">
+        <a:scrgbClr r="0" g="0" b="0"/>
+      </a:fillRef>
+      <a:effectRef idx="0">
+        <a:scrgbClr r="0" g="0" b="0"/>
+      </a:effectRef>
+      <a:fontRef idx="minor">
+        <a:schemeClr val="lt1"/>
+      </a:fontRef>
+    </dgm:style>
+  </dgm:styleLbl>
+  <dgm:styleLbl name="asst3">
+    <dgm:scene3d>
+      <a:camera prst="orthographicFront"/>
+      <a:lightRig rig="threePt" dir="t"/>
+    </dgm:scene3d>
+    <dgm:sp3d/>
+    <dgm:txPr/>
+    <dgm:style>
+      <a:lnRef idx="2">
+        <a:scrgbClr r="0" g="0" b="0"/>
+      </a:lnRef>
+      <a:fillRef idx="1">
+        <a:scrgbClr r="0" g="0" b="0"/>
+      </a:fillRef>
+      <a:effectRef idx="0">
+        <a:scrgbClr r="0" g="0" b="0"/>
+      </a:effectRef>
+      <a:fontRef idx="minor">
+        <a:schemeClr val="lt1"/>
+      </a:fontRef>
+    </dgm:style>
+  </dgm:styleLbl>
+  <dgm:styleLbl name="asst4">
+    <dgm:scene3d>
+      <a:camera prst="orthographicFront"/>
+      <a:lightRig rig="threePt" dir="t"/>
+    </dgm:scene3d>
+    <dgm:sp3d/>
+    <dgm:txPr/>
+    <dgm:style>
+      <a:lnRef idx="2">
+        <a:scrgbClr r="0" g="0" b="0"/>
+      </a:lnRef>
+      <a:fillRef idx="1">
+        <a:scrgbClr r="0" g="0" b="0"/>
+      </a:fillRef>
+      <a:effectRef idx="0">
+        <a:scrgbClr r="0" g="0" b="0"/>
+      </a:effectRef>
+      <a:fontRef idx="minor">
+        <a:schemeClr val="lt1"/>
+      </a:fontRef>
+    </dgm:style>
+  </dgm:styleLbl>
+  <dgm:styleLbl name="parChTrans2D1">
+    <dgm:scene3d>
+      <a:camera prst="orthographicFront"/>
+      <a:lightRig rig="threePt" dir="t"/>
+    </dgm:scene3d>
+    <dgm:sp3d/>
+    <dgm:txPr/>
+    <dgm:style>
+      <a:lnRef idx="2">
+        <a:scrgbClr r="0" g="0" b="0"/>
+      </a:lnRef>
+      <a:fillRef idx="1">
+        <a:scrgbClr r="0" g="0" b="0"/>
+      </a:fillRef>
+      <a:effectRef idx="0">
+        <a:scrgbClr r="0" g="0" b="0"/>
+      </a:effectRef>
+      <a:fontRef idx="minor">
+        <a:schemeClr val="lt1"/>
+      </a:fontRef>
+    </dgm:style>
+  </dgm:styleLbl>
+  <dgm:styleLbl name="parChTrans2D2">
+    <dgm:scene3d>
+      <a:camera prst="orthographicFront"/>
+      <a:lightRig rig="threePt" dir="t"/>
+    </dgm:scene3d>
+    <dgm:sp3d/>
+    <dgm:txPr/>
+    <dgm:style>
+      <a:lnRef idx="2">
+        <a:scrgbClr r="0" g="0" b="0"/>
+      </a:lnRef>
+      <a:fillRef idx="1">
+        <a:scrgbClr r="0" g="0" b="0"/>
+      </a:fillRef>
+      <a:effectRef idx="0">
+        <a:scrgbClr r="0" g="0" b="0"/>
+      </a:effectRef>
+      <a:fontRef idx="minor">
+        <a:schemeClr val="lt1"/>
+      </a:fontRef>
+    </dgm:style>
+  </dgm:styleLbl>
+  <dgm:styleLbl name="parChTrans2D3">
+    <dgm:scene3d>
+      <a:camera prst="orthographicFront"/>
+      <a:lightRig rig="threePt" dir="t"/>
+    </dgm:scene3d>
+    <dgm:sp3d/>
+    <dgm:txPr/>
+    <dgm:style>
+      <a:lnRef idx="2">
+        <a:scrgbClr r="0" g="0" b="0"/>
+      </a:lnRef>
+      <a:fillRef idx="1">
+        <a:scrgbClr r="0" g="0" b="0"/>
+      </a:fillRef>
+      <a:effectRef idx="0">
+        <a:scrgbClr r="0" g="0" b="0"/>
+      </a:effectRef>
+      <a:fontRef idx="minor">
+        <a:schemeClr val="lt1"/>
+      </a:fontRef>
+    </dgm:style>
+  </dgm:styleLbl>
+  <dgm:styleLbl name="parChTrans2D4">
+    <dgm:scene3d>
+      <a:camera prst="orthographicFront"/>
+      <a:lightRig rig="threePt" dir="t"/>
+    </dgm:scene3d>
+    <dgm:sp3d/>
+    <dgm:txPr/>
+    <dgm:style>
+      <a:lnRef idx="2">
+        <a:scrgbClr r="0" g="0" b="0"/>
+      </a:lnRef>
+      <a:fillRef idx="1">
+        <a:scrgbClr r="0" g="0" b="0"/>
+      </a:fillRef>
+      <a:effectRef idx="0">
+        <a:scrgbClr r="0" g="0" b="0"/>
+      </a:effectRef>
+      <a:fontRef idx="minor">
+        <a:schemeClr val="lt1"/>
+      </a:fontRef>
+    </dgm:style>
+  </dgm:styleLbl>
+  <dgm:styleLbl name="parChTrans1D1">
+    <dgm:scene3d>
+      <a:camera prst="orthographicFront"/>
+      <a:lightRig rig="threePt" dir="t"/>
+    </dgm:scene3d>
+    <dgm:sp3d/>
+    <dgm:txPr/>
+    <dgm:style>
+      <a:lnRef idx="2">
+        <a:scrgbClr r="0" g="0" b="0"/>
+      </a:lnRef>
+      <a:fillRef idx="0">
+        <a:scrgbClr r="0" g="0" b="0"/>
+      </a:fillRef>
+      <a:effectRef idx="0">
+        <a:scrgbClr r="0" g="0" b="0"/>
+      </a:effectRef>
+      <a:fontRef idx="minor"/>
+    </dgm:style>
+  </dgm:styleLbl>
+  <dgm:styleLbl name="parChTrans1D2">
+    <dgm:scene3d>
+      <a:camera prst="orthographicFront"/>
+      <a:lightRig rig="threePt" dir="t"/>
+    </dgm:scene3d>
+    <dgm:sp3d/>
+    <dgm:txPr/>
+    <dgm:style>
+      <a:lnRef idx="2">
+        <a:scrgbClr r="0" g="0" b="0"/>
+      </a:lnRef>
+      <a:fillRef idx="0">
+        <a:scrgbClr r="0" g="0" b="0"/>
+      </a:fillRef>
+      <a:effectRef idx="0">
+        <a:scrgbClr r="0" g="0" b="0"/>
+      </a:effectRef>
+      <a:fontRef idx="minor"/>
+    </dgm:style>
+  </dgm:styleLbl>
+  <dgm:styleLbl name="parChTrans1D3">
+    <dgm:scene3d>
+      <a:camera prst="orthographicFront"/>
+      <a:lightRig rig="threePt" dir="t"/>
+    </dgm:scene3d>
+    <dgm:sp3d/>
+    <dgm:txPr/>
+    <dgm:style>
+      <a:lnRef idx="2">
+        <a:scrgbClr r="0" g="0" b="0"/>
+      </a:lnRef>
+      <a:fillRef idx="0">
+        <a:scrgbClr r="0" g="0" b="0"/>
+      </a:fillRef>
+      <a:effectRef idx="0">
+        <a:scrgbClr r="0" g="0" b="0"/>
+      </a:effectRef>
+      <a:fontRef idx="minor"/>
+    </dgm:style>
+  </dgm:styleLbl>
+  <dgm:styleLbl name="parChTrans1D4">
+    <dgm:scene3d>
+      <a:camera prst="orthographicFront"/>
+      <a:lightRig rig="threePt" dir="t"/>
+    </dgm:scene3d>
+    <dgm:sp3d/>
+    <dgm:txPr/>
+    <dgm:style>
+      <a:lnRef idx="2">
+        <a:scrgbClr r="0" g="0" b="0"/>
+      </a:lnRef>
+      <a:fillRef idx="0">
+        <a:scrgbClr r="0" g="0" b="0"/>
+      </a:fillRef>
+      <a:effectRef idx="0">
+        <a:scrgbClr r="0" g="0" b="0"/>
+      </a:effectRef>
+      <a:fontRef idx="minor"/>
+    </dgm:style>
+  </dgm:styleLbl>
+  <dgm:styleLbl name="fgAcc1">
+    <dgm:scene3d>
+      <a:camera prst="orthographicFront"/>
+      <a:lightRig rig="threePt" dir="t"/>
+    </dgm:scene3d>
+    <dgm:sp3d/>
+    <dgm:txPr/>
+    <dgm:style>
+      <a:lnRef idx="2">
+        <a:scrgbClr r="0" g="0" b="0"/>
+      </a:lnRef>
+      <a:fillRef idx="1">
+        <a:scrgbClr r="0" g="0" b="0"/>
+      </a:fillRef>
+      <a:effectRef idx="0">
+        <a:scrgbClr r="0" g="0" b="0"/>
+      </a:effectRef>
+      <a:fontRef idx="minor"/>
+    </dgm:style>
+  </dgm:styleLbl>
+  <dgm:styleLbl name="conFgAcc1">
+    <dgm:scene3d>
+      <a:camera prst="orthographicFront"/>
+      <a:lightRig rig="threePt" dir="t"/>
+    </dgm:scene3d>
+    <dgm:sp3d/>
+    <dgm:txPr/>
+    <dgm:style>
+      <a:lnRef idx="2">
+        <a:scrgbClr r="0" g="0" b="0"/>
+      </a:lnRef>
+      <a:fillRef idx="1">
+        <a:scrgbClr r="0" g="0" b="0"/>
+      </a:fillRef>
+      <a:effectRef idx="0">
+        <a:scrgbClr r="0" g="0" b="0"/>
+      </a:effectRef>
+      <a:fontRef idx="minor"/>
+    </dgm:style>
+  </dgm:styleLbl>
+  <dgm:styleLbl name="alignAcc1">
+    <dgm:scene3d>
+      <a:camera prst="orthographicFront"/>
+      <a:lightRig rig="threePt" dir="t"/>
+    </dgm:scene3d>
+    <dgm:sp3d/>
+    <dgm:txPr/>
+    <dgm:style>
+      <a:lnRef idx="2">
+        <a:scrgbClr r="0" g="0" b="0"/>
+      </a:lnRef>
+      <a:fillRef idx="1">
+        <a:scrgbClr r="0" g="0" b="0"/>
+      </a:fillRef>
+      <a:effectRef idx="0">
+        <a:scrgbClr r="0" g="0" b="0"/>
+      </a:effectRef>
+      <a:fontRef idx="minor"/>
+    </dgm:style>
+  </dgm:styleLbl>
+  <dgm:styleLbl name="trAlignAcc1">
+    <dgm:scene3d>
+      <a:camera prst="orthographicFront"/>
+      <a:lightRig rig="threePt" dir="t"/>
+    </dgm:scene3d>
+    <dgm:sp3d/>
+    <dgm:txPr/>
+    <dgm:style>
+      <a:lnRef idx="1">
+        <a:scrgbClr r="0" g="0" b="0"/>
+      </a:lnRef>
+      <a:fillRef idx="1">
+        <a:scrgbClr r="0" g="0" b="0"/>
+      </a:fillRef>
+      <a:effectRef idx="0">
+        <a:scrgbClr r="0" g="0" b="0"/>
+      </a:effectRef>
+      <a:fontRef idx="minor"/>
+    </dgm:style>
+  </dgm:styleLbl>
+  <dgm:styleLbl name="bgAcc1">
+    <dgm:scene3d>
+      <a:camera prst="orthographicFront"/>
+      <a:lightRig rig="threePt" dir="t"/>
+    </dgm:scene3d>
+    <dgm:sp3d/>
+    <dgm:txPr/>
+    <dgm:style>
+      <a:lnRef idx="2">
+        <a:scrgbClr r="0" g="0" b="0"/>
+      </a:lnRef>
+      <a:fillRef idx="1">
+        <a:scrgbClr r="0" g="0" b="0"/>
+      </a:fillRef>
+      <a:effectRef idx="0">
+        <a:scrgbClr r="0" g="0" b="0"/>
+      </a:effectRef>
+      <a:fontRef idx="minor"/>
+    </dgm:style>
+  </dgm:styleLbl>
+  <dgm:styleLbl name="solidFgAcc1">
+    <dgm:scene3d>
+      <a:camera prst="orthographicFront"/>
+      <a:lightRig rig="threePt" dir="t"/>
+    </dgm:scene3d>
+    <dgm:sp3d/>
+    <dgm:txPr/>
+    <dgm:style>
+      <a:lnRef idx="2">
+        <a:scrgbClr r="0" g="0" b="0"/>
+      </a:lnRef>
+      <a:fillRef idx="1">
+        <a:scrgbClr r="0" g="0" b="0"/>
+      </a:fillRef>
+      <a:effectRef idx="0">
+        <a:scrgbClr r="0" g="0" b="0"/>
+      </a:effectRef>
+      <a:fontRef idx="minor"/>
+    </dgm:style>
+  </dgm:styleLbl>
+  <dgm:styleLbl name="solidAlignAcc1">
+    <dgm:scene3d>
+      <a:camera prst="orthographicFront"/>
+      <a:lightRig rig="threePt" dir="t"/>
+    </dgm:scene3d>
+    <dgm:sp3d/>
+    <dgm:txPr/>
+    <dgm:style>
+      <a:lnRef idx="2">
+        <a:scrgbClr r="0" g="0" b="0"/>
+      </a:lnRef>
+      <a:fillRef idx="1">
+        <a:scrgbClr r="0" g="0" b="0"/>
+      </a:fillRef>
+      <a:effectRef idx="0">
+        <a:scrgbClr r="0" g="0" b="0"/>
+      </a:effectRef>
+      <a:fontRef idx="minor"/>
+    </dgm:style>
+  </dgm:styleLbl>
+  <dgm:styleLbl name="solidBgAcc1">
+    <dgm:scene3d>
+      <a:camera prst="orthographicFront"/>
+      <a:lightRig rig="threePt" dir="t"/>
+    </dgm:scene3d>
+    <dgm:sp3d/>
+    <dgm:txPr/>
+    <dgm:style>
+      <a:lnRef idx="2">
+        <a:scrgbClr r="0" g="0" b="0"/>
+      </a:lnRef>
+      <a:fillRef idx="1">
+        <a:scrgbClr r="0" g="0" b="0"/>
+      </a:fillRef>
+      <a:effectRef idx="0">
+        <a:scrgbClr r="0" g="0" b="0"/>
+      </a:effectRef>
+      <a:fontRef idx="minor"/>
+    </dgm:style>
+  </dgm:styleLbl>
+  <dgm:styleLbl name="fgAccFollowNode1">
+    <dgm:scene3d>
+      <a:camera prst="orthographicFront"/>
+      <a:lightRig rig="threePt" dir="t"/>
+    </dgm:scene3d>
+    <dgm:sp3d/>
+    <dgm:txPr/>
+    <dgm:style>
+      <a:lnRef idx="2">
+        <a:scrgbClr r="0" g="0" b="0"/>
+      </a:lnRef>
+      <a:fillRef idx="1">
+        <a:scrgbClr r="0" g="0" b="0"/>
+      </a:fillRef>
+      <a:effectRef idx="0">
+        <a:scrgbClr r="0" g="0" b="0"/>
+      </a:effectRef>
+      <a:fontRef idx="minor"/>
+    </dgm:style>
+  </dgm:styleLbl>
+  <dgm:styleLbl name="alignAccFollowNode1">
+    <dgm:scene3d>
+      <a:camera prst="orthographicFront"/>
+      <a:lightRig rig="threePt" dir="t"/>
+    </dgm:scene3d>
+    <dgm:sp3d/>
+    <dgm:txPr/>
+    <dgm:style>
+      <a:lnRef idx="2">
+        <a:scrgbClr r="0" g="0" b="0"/>
+      </a:lnRef>
+      <a:fillRef idx="1">
+        <a:scrgbClr r="0" g="0" b="0"/>
+      </a:fillRef>
+      <a:effectRef idx="0">
+        <a:scrgbClr r="0" g="0" b="0"/>
+      </a:effectRef>
+      <a:fontRef idx="minor"/>
+    </dgm:style>
+  </dgm:styleLbl>
+  <dgm:styleLbl name="bgAccFollowNode1">
+    <dgm:scene3d>
+      <a:camera prst="orthographicFront"/>
+      <a:lightRig rig="threePt" dir="t"/>
+    </dgm:scene3d>
+    <dgm:sp3d/>
+    <dgm:txPr/>
+    <dgm:style>
+      <a:lnRef idx="2">
+        <a:scrgbClr r="0" g="0" b="0"/>
+      </a:lnRef>
+      <a:fillRef idx="1">
+        <a:scrgbClr r="0" g="0" b="0"/>
+      </a:fillRef>
+      <a:effectRef idx="0">
+        <a:scrgbClr r="0" g="0" b="0"/>
+      </a:effectRef>
+      <a:fontRef idx="minor"/>
+    </dgm:style>
+  </dgm:styleLbl>
+  <dgm:styleLbl name="fgAcc0">
+    <dgm:scene3d>
+      <a:camera prst="orthographicFront"/>
+      <a:lightRig rig="threePt" dir="t"/>
+    </dgm:scene3d>
+    <dgm:sp3d/>
+    <dgm:txPr/>
+    <dgm:style>
+      <a:lnRef idx="2">
+        <a:scrgbClr r="0" g="0" b="0"/>
+      </a:lnRef>
+      <a:fillRef idx="1">
+        <a:scrgbClr r="0" g="0" b="0"/>
+      </a:fillRef>
+      <a:effectRef idx="0">
+        <a:scrgbClr r="0" g="0" b="0"/>
+      </a:effectRef>
+      <a:fontRef idx="minor"/>
+    </dgm:style>
+  </dgm:styleLbl>
+  <dgm:styleLbl name="fgAcc2">
+    <dgm:scene3d>
+      <a:camera prst="orthographicFront"/>
+      <a:lightRig rig="threePt" dir="t"/>
+    </dgm:scene3d>
+    <dgm:sp3d/>
+    <dgm:txPr/>
+    <dgm:style>
+      <a:lnRef idx="2">
+        <a:scrgbClr r="0" g="0" b="0"/>
+      </a:lnRef>
+      <a:fillRef idx="1">
+        <a:scrgbClr r="0" g="0" b="0"/>
+      </a:fillRef>
+      <a:effectRef idx="0">
+        <a:scrgbClr r="0" g="0" b="0"/>
+      </a:effectRef>
+      <a:fontRef idx="minor"/>
+    </dgm:style>
+  </dgm:styleLbl>
+  <dgm:styleLbl name="fgAcc3">
+    <dgm:scene3d>
+      <a:camera prst="orthographicFront"/>
+      <a:lightRig rig="threePt" dir="t"/>
+    </dgm:scene3d>
+    <dgm:sp3d/>
+    <dgm:txPr/>
+    <dgm:style>
+      <a:lnRef idx="2">
+        <a:scrgbClr r="0" g="0" b="0"/>
+      </a:lnRef>
+      <a:fillRef idx="1">
+        <a:scrgbClr r="0" g="0" b="0"/>
+      </a:fillRef>
+      <a:effectRef idx="0">
+        <a:scrgbClr r="0" g="0" b="0"/>
+      </a:effectRef>
+      <a:fontRef idx="minor"/>
+    </dgm:style>
+  </dgm:styleLbl>
+  <dgm:styleLbl name="fgAcc4">
+    <dgm:scene3d>
+      <a:camera prst="orthographicFront"/>
+      <a:lightRig rig="threePt" dir="t"/>
+    </dgm:scene3d>
+    <dgm:sp3d/>
+    <dgm:txPr/>
+    <dgm:style>
+      <a:lnRef idx="2">
+        <a:scrgbClr r="0" g="0" b="0"/>
+      </a:lnRef>
+      <a:fillRef idx="1">
+        <a:scrgbClr r="0" g="0" b="0"/>
+      </a:fillRef>
+      <a:effectRef idx="0">
+        <a:scrgbClr r="0" g="0" b="0"/>
+      </a:effectRef>
+      <a:fontRef idx="minor"/>
+    </dgm:style>
+  </dgm:styleLbl>
+  <dgm:styleLbl name="bgShp">
+    <dgm:scene3d>
+      <a:camera prst="orthographicFront"/>
+      <a:lightRig rig="threePt" dir="t"/>
+    </dgm:scene3d>
+    <dgm:sp3d/>
+    <dgm:txPr/>
+    <dgm:style>
+      <a:lnRef idx="0">
+        <a:scrgbClr r="0" g="0" b="0"/>
+      </a:lnRef>
+      <a:fillRef idx="1">
+        <a:scrgbClr r="0" g="0" b="0"/>
+      </a:fillRef>
+      <a:effectRef idx="0">
+        <a:scrgbClr r="0" g="0" b="0"/>
+      </a:effectRef>
+      <a:fontRef idx="minor"/>
+    </dgm:style>
+  </dgm:styleLbl>
+  <dgm:styleLbl name="dkBgShp">
+    <dgm:scene3d>
+      <a:camera prst="orthographicFront"/>
+      <a:lightRig rig="threePt" dir="t"/>
+    </dgm:scene3d>
+    <dgm:sp3d/>
+    <dgm:txPr/>
+    <dgm:style>
+      <a:lnRef idx="0">
+        <a:scrgbClr r="0" g="0" b="0"/>
+      </a:lnRef>
+      <a:fillRef idx="1">
+        <a:scrgbClr r="0" g="0" b="0"/>
+      </a:fillRef>
+      <a:effectRef idx="0">
+        <a:scrgbClr r="0" g="0" b="0"/>
+      </a:effectRef>
+      <a:fontRef idx="minor"/>
+    </dgm:style>
+  </dgm:styleLbl>
+  <dgm:styleLbl name="trBgShp">
+    <dgm:scene3d>
+      <a:camera prst="orthographicFront"/>
+      <a:lightRig rig="threePt" dir="t"/>
+    </dgm:scene3d>
+    <dgm:sp3d/>
+    <dgm:txPr/>
+    <dgm:style>
+      <a:lnRef idx="0">
+        <a:scrgbClr r="0" g="0" b="0"/>
+      </a:lnRef>
+      <a:fillRef idx="1">
+        <a:scrgbClr r="0" g="0" b="0"/>
+      </a:fillRef>
+      <a:effectRef idx="0">
+        <a:scrgbClr r="0" g="0" b="0"/>
+      </a:effectRef>
+      <a:fontRef idx="minor"/>
+    </dgm:style>
+  </dgm:styleLbl>
+  <dgm:styleLbl name="fgShp">
+    <dgm:scene3d>
+      <a:camera prst="orthographicFront"/>
+      <a:lightRig rig="threePt" dir="t"/>
+    </dgm:scene3d>
+    <dgm:sp3d/>
+    <dgm:txPr/>
+    <dgm:style>
+      <a:lnRef idx="2">
+        <a:scrgbClr r="0" g="0" b="0"/>
+      </a:lnRef>
+      <a:fillRef idx="1">
+        <a:scrgbClr r="0" g="0" b="0"/>
+      </a:fillRef>
+      <a:effectRef idx="0">
+        <a:scrgbClr r="0" g="0" b="0"/>
+      </a:effectRef>
+      <a:fontRef idx="minor"/>
+    </dgm:style>
+  </dgm:styleLbl>
+  <dgm:styleLbl name="revTx">
+    <dgm:scene3d>
+      <a:camera prst="orthographicFront"/>
+      <a:lightRig rig="threePt" dir="t"/>
+    </dgm:scene3d>
+    <dgm:sp3d/>
+    <dgm:txPr/>
+    <dgm:style>
+      <a:lnRef idx="0">
+        <a:scrgbClr r="0" g="0" b="0"/>
+      </a:lnRef>
+      <a:fillRef idx="0">
+        <a:scrgbClr r="0" g="0" b="0"/>
+      </a:fillRef>
+      <a:effectRef idx="0">
+        <a:scrgbClr r="0" g="0" b="0"/>
+      </a:effectRef>
+      <a:fontRef idx="minor"/>
+    </dgm:style>
+  </dgm:styleLbl>
+</dgm:styleDef>
+</file>
+
+<file path=ppt/diagrams/quickStyle2.xml><?xml version="1.0" encoding="utf-8"?>
+<dgm:styleDef xmlns:dgm="http://schemas.openxmlformats.org/drawingml/2006/diagram" xmlns:a="http://schemas.openxmlformats.org/drawingml/2006/main" uniqueId="urn:microsoft.com/office/officeart/2005/8/quickstyle/simple1">
+  <dgm:title val=""/>
+  <dgm:desc val=""/>
+  <dgm:catLst>
+    <dgm:cat type="simple" pri="10100"/>
+  </dgm:catLst>
+  <dgm:scene3d>
+    <a:camera prst="orthographicFront"/>
+    <a:lightRig rig="threePt" dir="t"/>
+  </dgm:scene3d>
+  <dgm:styleLbl name="node0">
+    <dgm:scene3d>
+      <a:camera prst="orthographicFront"/>
+      <a:lightRig rig="threePt" dir="t"/>
+    </dgm:scene3d>
+    <dgm:sp3d/>
+    <dgm:txPr/>
+    <dgm:style>
+      <a:lnRef idx="2">
+        <a:scrgbClr r="0" g="0" b="0"/>
+      </a:lnRef>
+      <a:fillRef idx="1">
+        <a:scrgbClr r="0" g="0" b="0"/>
+      </a:fillRef>
+      <a:effectRef idx="0">
+        <a:scrgbClr r="0" g="0" b="0"/>
+      </a:effectRef>
+      <a:fontRef idx="minor">
+        <a:schemeClr val="lt1"/>
+      </a:fontRef>
+    </dgm:style>
+  </dgm:styleLbl>
+  <dgm:styleLbl name="lnNode1">
+    <dgm:scene3d>
+      <a:camera prst="orthographicFront"/>
+      <a:lightRig rig="threePt" dir="t"/>
+    </dgm:scene3d>
+    <dgm:sp3d/>
+    <dgm:txPr/>
+    <dgm:style>
+      <a:lnRef idx="2">
+        <a:scrgbClr r="0" g="0" b="0"/>
+      </a:lnRef>
+      <a:fillRef idx="1">
+        <a:scrgbClr r="0" g="0" b="0"/>
+      </a:fillRef>
+      <a:effectRef idx="0">
+        <a:scrgbClr r="0" g="0" b="0"/>
+      </a:effectRef>
+      <a:fontRef idx="minor">
+        <a:schemeClr val="lt1"/>
+      </a:fontRef>
+    </dgm:style>
+  </dgm:styleLbl>
+  <dgm:styleLbl name="vennNode1">
+    <dgm:scene3d>
+      <a:camera prst="orthographicFront"/>
+      <a:lightRig rig="threePt" dir="t"/>
+    </dgm:scene3d>
+    <dgm:sp3d/>
+    <dgm:txPr/>
+    <dgm:style>
+      <a:lnRef idx="2">
+        <a:scrgbClr r="0" g="0" b="0"/>
+      </a:lnRef>
+      <a:fillRef idx="1">
+        <a:scrgbClr r="0" g="0" b="0"/>
+      </a:fillRef>
+      <a:effectRef idx="0">
+        <a:scrgbClr r="0" g="0" b="0"/>
+      </a:effectRef>
+      <a:fontRef idx="minor">
+        <a:schemeClr val="tx1"/>
+      </a:fontRef>
+    </dgm:style>
+  </dgm:styleLbl>
+  <dgm:styleLbl name="alignNode1">
+    <dgm:scene3d>
+      <a:camera prst="orthographicFront"/>
+      <a:lightRig rig="threePt" dir="t"/>
+    </dgm:scene3d>
+    <dgm:sp3d/>
+    <dgm:txPr/>
+    <dgm:style>
+      <a:lnRef idx="2">
+        <a:scrgbClr r="0" g="0" b="0"/>
+      </a:lnRef>
+      <a:fillRef idx="1">
+        <a:scrgbClr r="0" g="0" b="0"/>
+      </a:fillRef>
+      <a:effectRef idx="0">
+        <a:scrgbClr r="0" g="0" b="0"/>
+      </a:effectRef>
+      <a:fontRef idx="minor">
+        <a:schemeClr val="lt1"/>
+      </a:fontRef>
+    </dgm:style>
+  </dgm:styleLbl>
+  <dgm:styleLbl name="node1">
+    <dgm:scene3d>
+      <a:camera prst="orthographicFront"/>
+      <a:lightRig rig="threePt" dir="t"/>
+    </dgm:scene3d>
+    <dgm:sp3d/>
+    <dgm:txPr/>
+    <dgm:style>
+      <a:lnRef idx="2">
+        <a:scrgbClr r="0" g="0" b="0"/>
+      </a:lnRef>
+      <a:fillRef idx="1">
+        <a:scrgbClr r="0" g="0" b="0"/>
+      </a:fillRef>
+      <a:effectRef idx="0">
+        <a:scrgbClr r="0" g="0" b="0"/>
+      </a:effectRef>
+      <a:fontRef idx="minor">
+        <a:schemeClr val="lt1"/>
+      </a:fontRef>
+    </dgm:style>
+  </dgm:styleLbl>
+  <dgm:styleLbl name="node2">
+    <dgm:scene3d>
+      <a:camera prst="orthographicFront"/>
+      <a:lightRig rig="threePt" dir="t"/>
+    </dgm:scene3d>
+    <dgm:sp3d/>
+    <dgm:txPr/>
+    <dgm:style>
+      <a:lnRef idx="2">
+        <a:scrgbClr r="0" g="0" b="0"/>
+      </a:lnRef>
+      <a:fillRef idx="1">
+        <a:scrgbClr r="0" g="0" b="0"/>
+      </a:fillRef>
+      <a:effectRef idx="0">
+        <a:scrgbClr r="0" g="0" b="0"/>
+      </a:effectRef>
+      <a:fontRef idx="minor">
+        <a:schemeClr val="lt1"/>
+      </a:fontRef>
+    </dgm:style>
+  </dgm:styleLbl>
+  <dgm:styleLbl name="node3">
+    <dgm:scene3d>
+      <a:camera prst="orthographicFront"/>
+      <a:lightRig rig="threePt" dir="t"/>
+    </dgm:scene3d>
+    <dgm:sp3d/>
+    <dgm:txPr/>
+    <dgm:style>
+      <a:lnRef idx="2">
+        <a:scrgbClr r="0" g="0" b="0"/>
+      </a:lnRef>
+      <a:fillRef idx="1">
+        <a:scrgbClr r="0" g="0" b="0"/>
+      </a:fillRef>
+      <a:effectRef idx="0">
+        <a:scrgbClr r="0" g="0" b="0"/>
+      </a:effectRef>
+      <a:fontRef idx="minor">
+        <a:schemeClr val="lt1"/>
+      </a:fontRef>
+    </dgm:style>
+  </dgm:styleLbl>
+  <dgm:styleLbl name="node4">
+    <dgm:scene3d>
+      <a:camera prst="orthographicFront"/>
+      <a:lightRig rig="threePt" dir="t"/>
+    </dgm:scene3d>
+    <dgm:sp3d/>
+    <dgm:txPr/>
+    <dgm:style>
+      <a:lnRef idx="2">
+        <a:scrgbClr r="0" g="0" b="0"/>
+      </a:lnRef>
+      <a:fillRef idx="1">
+        <a:scrgbClr r="0" g="0" b="0"/>
+      </a:fillRef>
+      <a:effectRef idx="0">
+        <a:scrgbClr r="0" g="0" b="0"/>
+      </a:effectRef>
+      <a:fontRef idx="minor">
+        <a:schemeClr val="lt1"/>
+      </a:fontRef>
+    </dgm:style>
+  </dgm:styleLbl>
+  <dgm:styleLbl name="fgImgPlace1">
+    <dgm:scene3d>
+      <a:camera prst="orthographicFront"/>
+      <a:lightRig rig="threePt" dir="t"/>
+    </dgm:scene3d>
+    <dgm:sp3d/>
+    <dgm:txPr/>
+    <dgm:style>
+      <a:lnRef idx="2">
+        <a:scrgbClr r="0" g="0" b="0"/>
+      </a:lnRef>
+      <a:fillRef idx="1">
+        <a:scrgbClr r="0" g="0" b="0"/>
+      </a:fillRef>
+      <a:effectRef idx="0">
+        <a:scrgbClr r="0" g="0" b="0"/>
+      </a:effectRef>
+      <a:fontRef idx="minor"/>
+    </dgm:style>
+  </dgm:styleLbl>
+  <dgm:styleLbl name="alignImgPlace1">
+    <dgm:scene3d>
+      <a:camera prst="orthographicFront"/>
+      <a:lightRig rig="threePt" dir="t"/>
+    </dgm:scene3d>
+    <dgm:sp3d/>
+    <dgm:txPr/>
+    <dgm:style>
+      <a:lnRef idx="2">
+        <a:scrgbClr r="0" g="0" b="0"/>
+      </a:lnRef>
+      <a:fillRef idx="1">
+        <a:scrgbClr r="0" g="0" b="0"/>
+      </a:fillRef>
+      <a:effectRef idx="0">
+        <a:scrgbClr r="0" g="0" b="0"/>
+      </a:effectRef>
+      <a:fontRef idx="minor"/>
+    </dgm:style>
+  </dgm:styleLbl>
+  <dgm:styleLbl name="bgImgPlace1">
+    <dgm:scene3d>
+      <a:camera prst="orthographicFront"/>
+      <a:lightRig rig="threePt" dir="t"/>
+    </dgm:scene3d>
+    <dgm:sp3d/>
+    <dgm:txPr/>
+    <dgm:style>
+      <a:lnRef idx="2">
+        <a:scrgbClr r="0" g="0" b="0"/>
+      </a:lnRef>
+      <a:fillRef idx="1">
+        <a:scrgbClr r="0" g="0" b="0"/>
+      </a:fillRef>
+      <a:effectRef idx="0">
+        <a:scrgbClr r="0" g="0" b="0"/>
+      </a:effectRef>
+      <a:fontRef idx="minor"/>
+    </dgm:style>
+  </dgm:styleLbl>
+  <dgm:styleLbl name="sibTrans2D1">
+    <dgm:scene3d>
+      <a:camera prst="orthographicFront"/>
+      <a:lightRig rig="threePt" dir="t"/>
+    </dgm:scene3d>
+    <dgm:sp3d/>
+    <dgm:txPr/>
+    <dgm:style>
+      <a:lnRef idx="0">
+        <a:scrgbClr r="0" g="0" b="0"/>
+      </a:lnRef>
+      <a:fillRef idx="1">
+        <a:scrgbClr r="0" g="0" b="0"/>
+      </a:fillRef>
+      <a:effectRef idx="0">
+        <a:scrgbClr r="0" g="0" b="0"/>
+      </a:effectRef>
+      <a:fontRef idx="minor">
+        <a:schemeClr val="lt1"/>
+      </a:fontRef>
+    </dgm:style>
+  </dgm:styleLbl>
+  <dgm:styleLbl name="fgSibTrans2D1">
+    <dgm:scene3d>
+      <a:camera prst="orthographicFront"/>
+      <a:lightRig rig="threePt" dir="t"/>
+    </dgm:scene3d>
+    <dgm:sp3d/>
+    <dgm:txPr/>
+    <dgm:style>
+      <a:lnRef idx="0">
+        <a:scrgbClr r="0" g="0" b="0"/>
+      </a:lnRef>
+      <a:fillRef idx="1">
+        <a:scrgbClr r="0" g="0" b="0"/>
+      </a:fillRef>
+      <a:effectRef idx="0">
+        <a:scrgbClr r="0" g="0" b="0"/>
+      </a:effectRef>
+      <a:fontRef idx="minor">
+        <a:schemeClr val="lt1"/>
+      </a:fontRef>
+    </dgm:style>
+  </dgm:styleLbl>
+  <dgm:styleLbl name="bgSibTrans2D1">
+    <dgm:scene3d>
+      <a:camera prst="orthographicFront"/>
+      <a:lightRig rig="threePt" dir="t"/>
+    </dgm:scene3d>
+    <dgm:sp3d/>
+    <dgm:txPr/>
+    <dgm:style>
+      <a:lnRef idx="0">
+        <a:scrgbClr r="0" g="0" b="0"/>
+      </a:lnRef>
+      <a:fillRef idx="1">
+        <a:scrgbClr r="0" g="0" b="0"/>
+      </a:fillRef>
+      <a:effectRef idx="0">
+        <a:scrgbClr r="0" g="0" b="0"/>
+      </a:effectRef>
+      <a:fontRef idx="minor">
+        <a:schemeClr val="lt1"/>
+      </a:fontRef>
+    </dgm:style>
+  </dgm:styleLbl>
+  <dgm:styleLbl name="sibTrans1D1">
+    <dgm:scene3d>
+      <a:camera prst="orthographicFront"/>
+      <a:lightRig rig="threePt" dir="t"/>
+    </dgm:scene3d>
+    <dgm:sp3d/>
+    <dgm:txPr/>
+    <dgm:style>
+      <a:lnRef idx="1">
+        <a:scrgbClr r="0" g="0" b="0"/>
+      </a:lnRef>
+      <a:fillRef idx="0">
+        <a:scrgbClr r="0" g="0" b="0"/>
+      </a:fillRef>
+      <a:effectRef idx="0">
+        <a:scrgbClr r="0" g="0" b="0"/>
+      </a:effectRef>
+      <a:fontRef idx="minor"/>
+    </dgm:style>
+  </dgm:styleLbl>
+  <dgm:styleLbl name="callout">
+    <dgm:scene3d>
+      <a:camera prst="orthographicFront"/>
+      <a:lightRig rig="threePt" dir="t"/>
+    </dgm:scene3d>
+    <dgm:sp3d/>
+    <dgm:txPr/>
+    <dgm:style>
+      <a:lnRef idx="2">
+        <a:scrgbClr r="0" g="0" b="0"/>
+      </a:lnRef>
+      <a:fillRef idx="1">
+        <a:scrgbClr r="0" g="0" b="0"/>
+      </a:fillRef>
+      <a:effectRef idx="0">
+        <a:scrgbClr r="0" g="0" b="0"/>
+      </a:effectRef>
+      <a:fontRef idx="minor"/>
+    </dgm:style>
+  </dgm:styleLbl>
+  <dgm:styleLbl name="asst0">
+    <dgm:scene3d>
+      <a:camera prst="orthographicFront"/>
+      <a:lightRig rig="threePt" dir="t"/>
+    </dgm:scene3d>
+    <dgm:sp3d/>
+    <dgm:txPr/>
+    <dgm:style>
+      <a:lnRef idx="2">
+        <a:scrgbClr r="0" g="0" b="0"/>
+      </a:lnRef>
+      <a:fillRef idx="1">
+        <a:scrgbClr r="0" g="0" b="0"/>
+      </a:fillRef>
+      <a:effectRef idx="0">
+        <a:scrgbClr r="0" g="0" b="0"/>
+      </a:effectRef>
+      <a:fontRef idx="minor">
+        <a:schemeClr val="lt1"/>
+      </a:fontRef>
+    </dgm:style>
+  </dgm:styleLbl>
+  <dgm:styleLbl name="asst1">
+    <dgm:scene3d>
+      <a:camera prst="orthographicFront"/>
+      <a:lightRig rig="threePt" dir="t"/>
+    </dgm:scene3d>
+    <dgm:sp3d/>
+    <dgm:txPr/>
+    <dgm:style>
+      <a:lnRef idx="2">
+        <a:scrgbClr r="0" g="0" b="0"/>
+      </a:lnRef>
+      <a:fillRef idx="1">
+        <a:scrgbClr r="0" g="0" b="0"/>
+      </a:fillRef>
+      <a:effectRef idx="0">
+        <a:scrgbClr r="0" g="0" b="0"/>
+      </a:effectRef>
+      <a:fontRef idx="minor">
+        <a:schemeClr val="lt1"/>
+      </a:fontRef>
+    </dgm:style>
+  </dgm:styleLbl>
+  <dgm:styleLbl name="asst2">
+    <dgm:scene3d>
+      <a:camera prst="orthographicFront"/>
+      <a:lightRig rig="threePt" dir="t"/>
+    </dgm:scene3d>
+    <dgm:sp3d/>
+    <dgm:txPr/>
+    <dgm:style>
+      <a:lnRef idx="2">
+        <a:scrgbClr r="0" g="0" b="0"/>
+      </a:lnRef>
+      <a:fillRef idx="1">
+        <a:scrgbClr r="0" g="0" b="0"/>
+      </a:fillRef>
+      <a:effectRef idx="0">
+        <a:scrgbClr r="0" g="0" b="0"/>
+      </a:effectRef>
+      <a:fontRef idx="minor">
+        <a:schemeClr val="lt1"/>
+      </a:fontRef>
+    </dgm:style>
+  </dgm:styleLbl>
+  <dgm:styleLbl name="asst3">
+    <dgm:scene3d>
+      <a:camera prst="orthographicFront"/>
+      <a:lightRig rig="threePt" dir="t"/>
+    </dgm:scene3d>
+    <dgm:sp3d/>
+    <dgm:txPr/>
+    <dgm:style>
+      <a:lnRef idx="2">
+        <a:scrgbClr r="0" g="0" b="0"/>
+      </a:lnRef>
+      <a:fillRef idx="1">
+        <a:scrgbClr r="0" g="0" b="0"/>
+      </a:fillRef>
+      <a:effectRef idx="0">
+        <a:scrgbClr r="0" g="0" b="0"/>
+      </a:effectRef>
+      <a:fontRef idx="minor">
+        <a:schemeClr val="lt1"/>
+      </a:fontRef>
+    </dgm:style>
+  </dgm:styleLbl>
+  <dgm:styleLbl name="asst4">
+    <dgm:scene3d>
+      <a:camera prst="orthographicFront"/>
+      <a:lightRig rig="threePt" dir="t"/>
+    </dgm:scene3d>
+    <dgm:sp3d/>
+    <dgm:txPr/>
+    <dgm:style>
+      <a:lnRef idx="2">
+        <a:scrgbClr r="0" g="0" b="0"/>
+      </a:lnRef>
+      <a:fillRef idx="1">
+        <a:scrgbClr r="0" g="0" b="0"/>
+      </a:fillRef>
+      <a:effectRef idx="0">
+        <a:scrgbClr r="0" g="0" b="0"/>
+      </a:effectRef>
+      <a:fontRef idx="minor">
+        <a:schemeClr val="lt1"/>
+      </a:fontRef>
+    </dgm:style>
+  </dgm:styleLbl>
+  <dgm:styleLbl name="parChTrans2D1">
+    <dgm:scene3d>
+      <a:camera prst="orthographicFront"/>
+      <a:lightRig rig="threePt" dir="t"/>
+    </dgm:scene3d>
+    <dgm:sp3d/>
+    <dgm:txPr/>
+    <dgm:style>
+      <a:lnRef idx="2">
+        <a:scrgbClr r="0" g="0" b="0"/>
+      </a:lnRef>
+      <a:fillRef idx="1">
+        <a:scrgbClr r="0" g="0" b="0"/>
+      </a:fillRef>
+      <a:effectRef idx="0">
+        <a:scrgbClr r="0" g="0" b="0"/>
+      </a:effectRef>
+      <a:fontRef idx="minor">
+        <a:schemeClr val="lt1"/>
+      </a:fontRef>
+    </dgm:style>
+  </dgm:styleLbl>
+  <dgm:styleLbl name="parChTrans2D2">
+    <dgm:scene3d>
+      <a:camera prst="orthographicFront"/>
+      <a:lightRig rig="threePt" dir="t"/>
+    </dgm:scene3d>
+    <dgm:sp3d/>
+    <dgm:txPr/>
+    <dgm:style>
+      <a:lnRef idx="2">
+        <a:scrgbClr r="0" g="0" b="0"/>
+      </a:lnRef>
+      <a:fillRef idx="1">
+        <a:scrgbClr r="0" g="0" b="0"/>
+      </a:fillRef>
+      <a:effectRef idx="0">
+        <a:scrgbClr r="0" g="0" b="0"/>
+      </a:effectRef>
+      <a:fontRef idx="minor">
+        <a:schemeClr val="lt1"/>
+      </a:fontRef>
+    </dgm:style>
+  </dgm:styleLbl>
+  <dgm:styleLbl name="parChTrans2D3">
+    <dgm:scene3d>
+      <a:camera prst="orthographicFront"/>
+      <a:lightRig rig="threePt" dir="t"/>
+    </dgm:scene3d>
+    <dgm:sp3d/>
+    <dgm:txPr/>
+    <dgm:style>
+      <a:lnRef idx="2">
+        <a:scrgbClr r="0" g="0" b="0"/>
+      </a:lnRef>
+      <a:fillRef idx="1">
+        <a:scrgbClr r="0" g="0" b="0"/>
+      </a:fillRef>
+      <a:effectRef idx="0">
+        <a:scrgbClr r="0" g="0" b="0"/>
+      </a:effectRef>
+      <a:fontRef idx="minor">
+        <a:schemeClr val="lt1"/>
+      </a:fontRef>
+    </dgm:style>
+  </dgm:styleLbl>
+  <dgm:styleLbl name="parChTrans2D4">
+    <dgm:scene3d>
+      <a:camera prst="orthographicFront"/>
+      <a:lightRig rig="threePt" dir="t"/>
+    </dgm:scene3d>
+    <dgm:sp3d/>
+    <dgm:txPr/>
+    <dgm:style>
+      <a:lnRef idx="2">
+        <a:scrgbClr r="0" g="0" b="0"/>
+      </a:lnRef>
+      <a:fillRef idx="1">
+        <a:scrgbClr r="0" g="0" b="0"/>
+      </a:fillRef>
+      <a:effectRef idx="0">
+        <a:scrgbClr r="0" g="0" b="0"/>
+      </a:effectRef>
+      <a:fontRef idx="minor">
+        <a:schemeClr val="lt1"/>
+      </a:fontRef>
+    </dgm:style>
+  </dgm:styleLbl>
+  <dgm:styleLbl name="parChTrans1D1">
+    <dgm:scene3d>
+      <a:camera prst="orthographicFront"/>
+      <a:lightRig rig="threePt" dir="t"/>
+    </dgm:scene3d>
+    <dgm:sp3d/>
+    <dgm:txPr/>
+    <dgm:style>
+      <a:lnRef idx="2">
+        <a:scrgbClr r="0" g="0" b="0"/>
+      </a:lnRef>
+      <a:fillRef idx="0">
+        <a:scrgbClr r="0" g="0" b="0"/>
+      </a:fillRef>
+      <a:effectRef idx="0">
+        <a:scrgbClr r="0" g="0" b="0"/>
+      </a:effectRef>
+      <a:fontRef idx="minor"/>
+    </dgm:style>
+  </dgm:styleLbl>
+  <dgm:styleLbl name="parChTrans1D2">
+    <dgm:scene3d>
+      <a:camera prst="orthographicFront"/>
+      <a:lightRig rig="threePt" dir="t"/>
+    </dgm:scene3d>
+    <dgm:sp3d/>
+    <dgm:txPr/>
+    <dgm:style>
+      <a:lnRef idx="2">
+        <a:scrgbClr r="0" g="0" b="0"/>
+      </a:lnRef>
+      <a:fillRef idx="0">
+        <a:scrgbClr r="0" g="0" b="0"/>
+      </a:fillRef>
+      <a:effectRef idx="0">
+        <a:scrgbClr r="0" g="0" b="0"/>
+      </a:effectRef>
+      <a:fontRef idx="minor"/>
+    </dgm:style>
+  </dgm:styleLbl>
+  <dgm:styleLbl name="parChTrans1D3">
+    <dgm:scene3d>
+      <a:camera prst="orthographicFront"/>
+      <a:lightRig rig="threePt" dir="t"/>
+    </dgm:scene3d>
+    <dgm:sp3d/>
+    <dgm:txPr/>
+    <dgm:style>
+      <a:lnRef idx="2">
+        <a:scrgbClr r="0" g="0" b="0"/>
+      </a:lnRef>
+      <a:fillRef idx="0">
+        <a:scrgbClr r="0" g="0" b="0"/>
+      </a:fillRef>
+      <a:effectRef idx="0">
+        <a:scrgbClr r="0" g="0" b="0"/>
+      </a:effectRef>
+      <a:fontRef idx="minor"/>
+    </dgm:style>
+  </dgm:styleLbl>
+  <dgm:styleLbl name="parChTrans1D4">
+    <dgm:scene3d>
+      <a:camera prst="orthographicFront"/>
+      <a:lightRig rig="threePt" dir="t"/>
+    </dgm:scene3d>
+    <dgm:sp3d/>
+    <dgm:txPr/>
+    <dgm:style>
+      <a:lnRef idx="2">
+        <a:scrgbClr r="0" g="0" b="0"/>
+      </a:lnRef>
+      <a:fillRef idx="0">
+        <a:scrgbClr r="0" g="0" b="0"/>
+      </a:fillRef>
+      <a:effectRef idx="0">
+        <a:scrgbClr r="0" g="0" b="0"/>
+      </a:effectRef>
+      <a:fontRef idx="minor"/>
+    </dgm:style>
+  </dgm:styleLbl>
+  <dgm:styleLbl name="fgAcc1">
+    <dgm:scene3d>
+      <a:camera prst="orthographicFront"/>
+      <a:lightRig rig="threePt" dir="t"/>
+    </dgm:scene3d>
+    <dgm:sp3d/>
+    <dgm:txPr/>
+    <dgm:style>
+      <a:lnRef idx="2">
+        <a:scrgbClr r="0" g="0" b="0"/>
+      </a:lnRef>
+      <a:fillRef idx="1">
+        <a:scrgbClr r="0" g="0" b="0"/>
+      </a:fillRef>
+      <a:effectRef idx="0">
+        <a:scrgbClr r="0" g="0" b="0"/>
+      </a:effectRef>
+      <a:fontRef idx="minor"/>
+    </dgm:style>
+  </dgm:styleLbl>
+  <dgm:styleLbl name="conFgAcc1">
+    <dgm:scene3d>
+      <a:camera prst="orthographicFront"/>
+      <a:lightRig rig="threePt" dir="t"/>
+    </dgm:scene3d>
+    <dgm:sp3d/>
+    <dgm:txPr/>
+    <dgm:style>
+      <a:lnRef idx="2">
+        <a:scrgbClr r="0" g="0" b="0"/>
+      </a:lnRef>
+      <a:fillRef idx="1">
+        <a:scrgbClr r="0" g="0" b="0"/>
+      </a:fillRef>
+      <a:effectRef idx="0">
+        <a:scrgbClr r="0" g="0" b="0"/>
+      </a:effectRef>
+      <a:fontRef idx="minor"/>
+    </dgm:style>
+  </dgm:styleLbl>
+  <dgm:styleLbl name="alignAcc1">
+    <dgm:scene3d>
+      <a:camera prst="orthographicFront"/>
+      <a:lightRig rig="threePt" dir="t"/>
+    </dgm:scene3d>
+    <dgm:sp3d/>
+    <dgm:txPr/>
+    <dgm:style>
+      <a:lnRef idx="2">
+        <a:scrgbClr r="0" g="0" b="0"/>
+      </a:lnRef>
+      <a:fillRef idx="1">
+        <a:scrgbClr r="0" g="0" b="0"/>
+      </a:fillRef>
+      <a:effectRef idx="0">
+        <a:scrgbClr r="0" g="0" b="0"/>
+      </a:effectRef>
+      <a:fontRef idx="minor"/>
+    </dgm:style>
+  </dgm:styleLbl>
+  <dgm:styleLbl name="trAlignAcc1">
+    <dgm:scene3d>
+      <a:camera prst="orthographicFront"/>
+      <a:lightRig rig="threePt" dir="t"/>
+    </dgm:scene3d>
+    <dgm:sp3d/>
+    <dgm:txPr/>
+    <dgm:style>
+      <a:lnRef idx="1">
+        <a:scrgbClr r="0" g="0" b="0"/>
+      </a:lnRef>
+      <a:fillRef idx="1">
+        <a:scrgbClr r="0" g="0" b="0"/>
+      </a:fillRef>
+      <a:effectRef idx="0">
+        <a:scrgbClr r="0" g="0" b="0"/>
+      </a:effectRef>
+      <a:fontRef idx="minor"/>
+    </dgm:style>
+  </dgm:styleLbl>
+  <dgm:styleLbl name="bgAcc1">
+    <dgm:scene3d>
+      <a:camera prst="orthographicFront"/>
+      <a:lightRig rig="threePt" dir="t"/>
+    </dgm:scene3d>
+    <dgm:sp3d/>
+    <dgm:txPr/>
+    <dgm:style>
+      <a:lnRef idx="2">
+        <a:scrgbClr r="0" g="0" b="0"/>
+      </a:lnRef>
+      <a:fillRef idx="1">
+        <a:scrgbClr r="0" g="0" b="0"/>
+      </a:fillRef>
+      <a:effectRef idx="0">
+        <a:scrgbClr r="0" g="0" b="0"/>
+      </a:effectRef>
+      <a:fontRef idx="minor"/>
+    </dgm:style>
+  </dgm:styleLbl>
+  <dgm:styleLbl name="solidFgAcc1">
+    <dgm:scene3d>
+      <a:camera prst="orthographicFront"/>
+      <a:lightRig rig="threePt" dir="t"/>
+    </dgm:scene3d>
+    <dgm:sp3d/>
+    <dgm:txPr/>
+    <dgm:style>
+      <a:lnRef idx="2">
+        <a:scrgbClr r="0" g="0" b="0"/>
+      </a:lnRef>
+      <a:fillRef idx="1">
+        <a:scrgbClr r="0" g="0" b="0"/>
+      </a:fillRef>
+      <a:effectRef idx="0">
+        <a:scrgbClr r="0" g="0" b="0"/>
+      </a:effectRef>
+      <a:fontRef idx="minor"/>
+    </dgm:style>
+  </dgm:styleLbl>
+  <dgm:styleLbl name="solidAlignAcc1">
+    <dgm:scene3d>
+      <a:camera prst="orthographicFront"/>
+      <a:lightRig rig="threePt" dir="t"/>
+    </dgm:scene3d>
+    <dgm:sp3d/>
+    <dgm:txPr/>
+    <dgm:style>
+      <a:lnRef idx="2">
+        <a:scrgbClr r="0" g="0" b="0"/>
+      </a:lnRef>
+      <a:fillRef idx="1">
+        <a:scrgbClr r="0" g="0" b="0"/>
+      </a:fillRef>
+      <a:effectRef idx="0">
+        <a:scrgbClr r="0" g="0" b="0"/>
+      </a:effectRef>
+      <a:fontRef idx="minor"/>
+    </dgm:style>
+  </dgm:styleLbl>
+  <dgm:styleLbl name="solidBgAcc1">
+    <dgm:scene3d>
+      <a:camera prst="orthographicFront"/>
+      <a:lightRig rig="threePt" dir="t"/>
+    </dgm:scene3d>
+    <dgm:sp3d/>
+    <dgm:txPr/>
+    <dgm:style>
+      <a:lnRef idx="2">
+        <a:scrgbClr r="0" g="0" b="0"/>
+      </a:lnRef>
+      <a:fillRef idx="1">
+        <a:scrgbClr r="0" g="0" b="0"/>
+      </a:fillRef>
+      <a:effectRef idx="0">
+        <a:scrgbClr r="0" g="0" b="0"/>
+      </a:effectRef>
+      <a:fontRef idx="minor"/>
+    </dgm:style>
+  </dgm:styleLbl>
+  <dgm:styleLbl name="fgAccFollowNode1">
+    <dgm:scene3d>
+      <a:camera prst="orthographicFront"/>
+      <a:lightRig rig="threePt" dir="t"/>
+    </dgm:scene3d>
+    <dgm:sp3d/>
+    <dgm:txPr/>
+    <dgm:style>
+      <a:lnRef idx="2">
+        <a:scrgbClr r="0" g="0" b="0"/>
+      </a:lnRef>
+      <a:fillRef idx="1">
+        <a:scrgbClr r="0" g="0" b="0"/>
+      </a:fillRef>
+      <a:effectRef idx="0">
+        <a:scrgbClr r="0" g="0" b="0"/>
+      </a:effectRef>
+      <a:fontRef idx="minor"/>
+    </dgm:style>
+  </dgm:styleLbl>
+  <dgm:styleLbl name="alignAccFollowNode1">
+    <dgm:scene3d>
+      <a:camera prst="orthographicFront"/>
+      <a:lightRig rig="threePt" dir="t"/>
+    </dgm:scene3d>
+    <dgm:sp3d/>
+    <dgm:txPr/>
+    <dgm:style>
+      <a:lnRef idx="2">
+        <a:scrgbClr r="0" g="0" b="0"/>
+      </a:lnRef>
+      <a:fillRef idx="1">
+        <a:scrgbClr r="0" g="0" b="0"/>
+      </a:fillRef>
+      <a:effectRef idx="0">
+        <a:scrgbClr r="0" g="0" b="0"/>
+      </a:effectRef>
+      <a:fontRef idx="minor"/>
+    </dgm:style>
+  </dgm:styleLbl>
+  <dgm:styleLbl name="bgAccFollowNode1">
+    <dgm:scene3d>
+      <a:camera prst="orthographicFront"/>
+      <a:lightRig rig="threePt" dir="t"/>
+    </dgm:scene3d>
+    <dgm:sp3d/>
+    <dgm:txPr/>
+    <dgm:style>
+      <a:lnRef idx="2">
+        <a:scrgbClr r="0" g="0" b="0"/>
+      </a:lnRef>
+      <a:fillRef idx="1">
+        <a:scrgbClr r="0" g="0" b="0"/>
+      </a:fillRef>
+      <a:effectRef idx="0">
+        <a:scrgbClr r="0" g="0" b="0"/>
+      </a:effectRef>
+      <a:fontRef idx="minor"/>
+    </dgm:style>
+  </dgm:styleLbl>
+  <dgm:styleLbl name="fgAcc0">
+    <dgm:scene3d>
+      <a:camera prst="orthographicFront"/>
+      <a:lightRig rig="threePt" dir="t"/>
+    </dgm:scene3d>
+    <dgm:sp3d/>
+    <dgm:txPr/>
+    <dgm:style>
+      <a:lnRef idx="2">
+        <a:scrgbClr r="0" g="0" b="0"/>
+      </a:lnRef>
+      <a:fillRef idx="1">
+        <a:scrgbClr r="0" g="0" b="0"/>
+      </a:fillRef>
+      <a:effectRef idx="0">
+        <a:scrgbClr r="0" g="0" b="0"/>
+      </a:effectRef>
+      <a:fontRef idx="minor"/>
+    </dgm:style>
+  </dgm:styleLbl>
+  <dgm:styleLbl name="fgAcc2">
+    <dgm:scene3d>
+      <a:camera prst="orthographicFront"/>
+      <a:lightRig rig="threePt" dir="t"/>
+    </dgm:scene3d>
+    <dgm:sp3d/>
+    <dgm:txPr/>
+    <dgm:style>
+      <a:lnRef idx="2">
+        <a:scrgbClr r="0" g="0" b="0"/>
+      </a:lnRef>
+      <a:fillRef idx="1">
+        <a:scrgbClr r="0" g="0" b="0"/>
+      </a:fillRef>
+      <a:effectRef idx="0">
+        <a:scrgbClr r="0" g="0" b="0"/>
+      </a:effectRef>
+      <a:fontRef idx="minor"/>
+    </dgm:style>
+  </dgm:styleLbl>
+  <dgm:styleLbl name="fgAcc3">
+    <dgm:scene3d>
+      <a:camera prst="orthographicFront"/>
+      <a:lightRig rig="threePt" dir="t"/>
+    </dgm:scene3d>
+    <dgm:sp3d/>
+    <dgm:txPr/>
+    <dgm:style>
+      <a:lnRef idx="2">
+        <a:scrgbClr r="0" g="0" b="0"/>
+      </a:lnRef>
+      <a:fillRef idx="1">
+        <a:scrgbClr r="0" g="0" b="0"/>
+      </a:fillRef>
+      <a:effectRef idx="0">
+        <a:scrgbClr r="0" g="0" b="0"/>
+      </a:effectRef>
+      <a:fontRef idx="minor"/>
+    </dgm:style>
+  </dgm:styleLbl>
+  <dgm:styleLbl name="fgAcc4">
+    <dgm:scene3d>
+      <a:camera prst="orthographicFront"/>
+      <a:lightRig rig="threePt" dir="t"/>
+    </dgm:scene3d>
+    <dgm:sp3d/>
+    <dgm:txPr/>
+    <dgm:style>
+      <a:lnRef idx="2">
+        <a:scrgbClr r="0" g="0" b="0"/>
+      </a:lnRef>
+      <a:fillRef idx="1">
+        <a:scrgbClr r="0" g="0" b="0"/>
+      </a:fillRef>
+      <a:effectRef idx="0">
+        <a:scrgbClr r="0" g="0" b="0"/>
+      </a:effectRef>
+      <a:fontRef idx="minor"/>
+    </dgm:style>
+  </dgm:styleLbl>
+  <dgm:styleLbl name="bgShp">
+    <dgm:scene3d>
+      <a:camera prst="orthographicFront"/>
+      <a:lightRig rig="threePt" dir="t"/>
+    </dgm:scene3d>
+    <dgm:sp3d/>
+    <dgm:txPr/>
+    <dgm:style>
+      <a:lnRef idx="0">
+        <a:scrgbClr r="0" g="0" b="0"/>
+      </a:lnRef>
+      <a:fillRef idx="1">
+        <a:scrgbClr r="0" g="0" b="0"/>
+      </a:fillRef>
+      <a:effectRef idx="0">
+        <a:scrgbClr r="0" g="0" b="0"/>
+      </a:effectRef>
+      <a:fontRef idx="minor"/>
+    </dgm:style>
+  </dgm:styleLbl>
+  <dgm:styleLbl name="dkBgShp">
+    <dgm:scene3d>
+      <a:camera prst="orthographicFront"/>
+      <a:lightRig rig="threePt" dir="t"/>
+    </dgm:scene3d>
+    <dgm:sp3d/>
+    <dgm:txPr/>
+    <dgm:style>
+      <a:lnRef idx="0">
+        <a:scrgbClr r="0" g="0" b="0"/>
+      </a:lnRef>
+      <a:fillRef idx="1">
+        <a:scrgbClr r="0" g="0" b="0"/>
+      </a:fillRef>
+      <a:effectRef idx="0">
+        <a:scrgbClr r="0" g="0" b="0"/>
+      </a:effectRef>
+      <a:fontRef idx="minor"/>
+    </dgm:style>
+  </dgm:styleLbl>
+  <dgm:styleLbl name="trBgShp">
+    <dgm:scene3d>
+      <a:camera prst="orthographicFront"/>
+      <a:lightRig rig="threePt" dir="t"/>
+    </dgm:scene3d>
+    <dgm:sp3d/>
+    <dgm:txPr/>
+    <dgm:style>
+      <a:lnRef idx="0">
+        <a:scrgbClr r="0" g="0" b="0"/>
+      </a:lnRef>
+      <a:fillRef idx="1">
+        <a:scrgbClr r="0" g="0" b="0"/>
+      </a:fillRef>
+      <a:effectRef idx="0">
+        <a:scrgbClr r="0" g="0" b="0"/>
+      </a:effectRef>
+      <a:fontRef idx="minor"/>
+    </dgm:style>
+  </dgm:styleLbl>
+  <dgm:styleLbl name="fgShp">
+    <dgm:scene3d>
+      <a:camera prst="orthographicFront"/>
+      <a:lightRig rig="threePt" dir="t"/>
+    </dgm:scene3d>
+    <dgm:sp3d/>
+    <dgm:txPr/>
+    <dgm:style>
+      <a:lnRef idx="2">
+        <a:scrgbClr r="0" g="0" b="0"/>
+      </a:lnRef>
+      <a:fillRef idx="1">
+        <a:scrgbClr r="0" g="0" b="0"/>
+      </a:fillRef>
+      <a:effectRef idx="0">
+        <a:scrgbClr r="0" g="0" b="0"/>
+      </a:effectRef>
+      <a:fontRef idx="minor"/>
+    </dgm:style>
+  </dgm:styleLbl>
+  <dgm:styleLbl name="revTx">
+    <dgm:scene3d>
+      <a:camera prst="orthographicFront"/>
+      <a:lightRig rig="threePt" dir="t"/>
+    </dgm:scene3d>
+    <dgm:sp3d/>
+    <dgm:txPr/>
+    <dgm:style>
+      <a:lnRef idx="0">
+        <a:scrgbClr r="0" g="0" b="0"/>
+      </a:lnRef>
+      <a:fillRef idx="0">
+        <a:scrgbClr r="0" g="0" b="0"/>
+      </a:fillRef>
+      <a:effectRef idx="0">
+        <a:scrgbClr r="0" g="0" b="0"/>
+      </a:effectRef>
+      <a:fontRef idx="minor"/>
+    </dgm:style>
+  </dgm:styleLbl>
+</dgm:styleDef>
 </file>
 
 <file path=ppt/notesMasters/notesMaster1.xml><?xml version="1.0" encoding="utf-8"?>
@@ -4599,6 +10450,1427 @@
       </p:grpSpPr>
       <p:sp>
         <p:nvSpPr>
+          <p:cNvPr id="2" name="Title 1">
+            <a:extLst>
+              <a:ext uri="{FF2B5EF4-FFF2-40B4-BE49-F238E27FC236}">
+                <a16:creationId xmlns:a16="http://schemas.microsoft.com/office/drawing/2014/main" id="{63A85C84-1C1C-C79F-2B8C-7BFC8B4A8ADE}"/>
+              </a:ext>
+            </a:extLst>
+          </p:cNvPr>
+          <p:cNvSpPr>
+            <a:spLocks noGrp="1"/>
+          </p:cNvSpPr>
+          <p:nvPr>
+            <p:ph type="title"/>
+          </p:nvPr>
+        </p:nvSpPr>
+        <p:spPr>
+          <a:xfrm>
+            <a:off x="609600" y="2266335"/>
+            <a:ext cx="8229600" cy="1143000"/>
+          </a:xfrm>
+        </p:spPr>
+        <p:txBody>
+          <a:bodyPr>
+            <a:normAutofit/>
+          </a:bodyPr>
+          <a:lstStyle/>
+          <a:p>
+            <a:r>
+              <a:rPr lang="en-IN" sz="4000" dirty="0">
+                <a:latin typeface="Times New Roman" panose="02020603050405020304" pitchFamily="18" charset="0"/>
+                <a:cs typeface="Times New Roman" panose="02020603050405020304" pitchFamily="18" charset="0"/>
+              </a:rPr>
+              <a:t>ARCHITECTURE  DIAGRAM</a:t>
+            </a:r>
+          </a:p>
+        </p:txBody>
+      </p:sp>
+      <p:sp>
+        <p:nvSpPr>
+          <p:cNvPr id="4" name="Rectangle 3">
+            <a:extLst>
+              <a:ext uri="{FF2B5EF4-FFF2-40B4-BE49-F238E27FC236}">
+                <a16:creationId xmlns:a16="http://schemas.microsoft.com/office/drawing/2014/main" id="{EF95656A-CD31-3B15-E7A2-E8BB489CA7B2}"/>
+              </a:ext>
+            </a:extLst>
+          </p:cNvPr>
+          <p:cNvSpPr/>
+          <p:nvPr/>
+        </p:nvSpPr>
+        <p:spPr>
+          <a:xfrm>
+            <a:off x="152400" y="152400"/>
+            <a:ext cx="8839200" cy="6553200"/>
+          </a:xfrm>
+          <a:prstGeom prst="rect">
+            <a:avLst/>
+          </a:prstGeom>
+          <a:noFill/>
+        </p:spPr>
+        <p:style>
+          <a:lnRef idx="2">
+            <a:schemeClr val="dk1"/>
+          </a:lnRef>
+          <a:fillRef idx="1">
+            <a:schemeClr val="lt1"/>
+          </a:fillRef>
+          <a:effectRef idx="0">
+            <a:schemeClr val="dk1"/>
+          </a:effectRef>
+          <a:fontRef idx="minor">
+            <a:schemeClr val="dk1"/>
+          </a:fontRef>
+        </p:style>
+        <p:txBody>
+          <a:bodyPr rtlCol="0" anchor="ctr"/>
+          <a:lstStyle/>
+          <a:p>
+            <a:pPr algn="ctr"/>
+            <a:endParaRPr lang="en-US" dirty="0"/>
+          </a:p>
+        </p:txBody>
+      </p:sp>
+    </p:spTree>
+    <p:extLst>
+      <p:ext uri="{BB962C8B-B14F-4D97-AF65-F5344CB8AC3E}">
+        <p14:creationId xmlns:p14="http://schemas.microsoft.com/office/powerpoint/2010/main" val="3599175772"/>
+      </p:ext>
+    </p:extLst>
+  </p:cSld>
+  <p:clrMapOvr>
+    <a:masterClrMapping/>
+  </p:clrMapOvr>
+</p:sld>
+</file>
+
+<file path=ppt/slides/slide15.xml><?xml version="1.0" encoding="utf-8"?>
+<p:sld xmlns:a="http://schemas.openxmlformats.org/drawingml/2006/main" xmlns:r="http://schemas.openxmlformats.org/officeDocument/2006/relationships" xmlns:p="http://schemas.openxmlformats.org/presentationml/2006/main">
+  <p:cSld>
+    <p:spTree>
+      <p:nvGrpSpPr>
+        <p:cNvPr id="1" name=""/>
+        <p:cNvGrpSpPr/>
+        <p:nvPr/>
+      </p:nvGrpSpPr>
+      <p:grpSpPr>
+        <a:xfrm>
+          <a:off x="0" y="0"/>
+          <a:ext cx="0" cy="0"/>
+          <a:chOff x="0" y="0"/>
+          <a:chExt cx="0" cy="0"/>
+        </a:xfrm>
+      </p:grpSpPr>
+      <p:graphicFrame>
+        <p:nvGraphicFramePr>
+          <p:cNvPr id="3" name="Diagram 2">
+            <a:extLst>
+              <a:ext uri="{FF2B5EF4-FFF2-40B4-BE49-F238E27FC236}">
+                <a16:creationId xmlns:a16="http://schemas.microsoft.com/office/drawing/2014/main" id="{D17357E0-C0D2-20E0-EF6F-EEBE0F7E90F5}"/>
+              </a:ext>
+            </a:extLst>
+          </p:cNvPr>
+          <p:cNvGraphicFramePr/>
+          <p:nvPr>
+            <p:extLst>
+              <p:ext uri="{D42A27DB-BD31-4B8C-83A1-F6EECF244321}">
+                <p14:modId xmlns:p14="http://schemas.microsoft.com/office/powerpoint/2010/main" val="3171443339"/>
+              </p:ext>
+            </p:extLst>
+          </p:nvPr>
+        </p:nvGraphicFramePr>
+        <p:xfrm>
+          <a:off x="1524000" y="1219200"/>
+          <a:ext cx="6096000" cy="5105400"/>
+        </p:xfrm>
+        <a:graphic>
+          <a:graphicData uri="http://schemas.openxmlformats.org/drawingml/2006/diagram">
+            <dgm:relIds xmlns:dgm="http://schemas.openxmlformats.org/drawingml/2006/diagram" xmlns:r="http://schemas.openxmlformats.org/officeDocument/2006/relationships" r:dm="rId2" r:lo="rId3" r:qs="rId4" r:cs="rId5"/>
+          </a:graphicData>
+        </a:graphic>
+      </p:graphicFrame>
+      <p:sp>
+        <p:nvSpPr>
+          <p:cNvPr id="5" name="TextBox 4">
+            <a:extLst>
+              <a:ext uri="{FF2B5EF4-FFF2-40B4-BE49-F238E27FC236}">
+                <a16:creationId xmlns:a16="http://schemas.microsoft.com/office/drawing/2014/main" id="{91AB4637-9A75-4DEA-5A66-FAEB9A4D23A7}"/>
+              </a:ext>
+            </a:extLst>
+          </p:cNvPr>
+          <p:cNvSpPr txBox="1"/>
+          <p:nvPr/>
+        </p:nvSpPr>
+        <p:spPr>
+          <a:xfrm>
+            <a:off x="2133600" y="516467"/>
+            <a:ext cx="5181600" cy="369332"/>
+          </a:xfrm>
+          <a:prstGeom prst="rect">
+            <a:avLst/>
+          </a:prstGeom>
+          <a:noFill/>
+        </p:spPr>
+        <p:txBody>
+          <a:bodyPr wrap="square">
+            <a:spAutoFit/>
+          </a:bodyPr>
+          <a:lstStyle/>
+          <a:p>
+            <a:pPr marL="0" indent="0" algn="ctr">
+              <a:buNone/>
+            </a:pPr>
+            <a:r>
+              <a:rPr lang="en-IN" b="1" dirty="0">
+                <a:latin typeface="Times New Roman" panose="02020603050405020304" pitchFamily="18" charset="0"/>
+                <a:cs typeface="Times New Roman" panose="02020603050405020304" pitchFamily="18" charset="0"/>
+              </a:rPr>
+              <a:t>DATA  FLOW  DIAGRAM  LEVEL 0</a:t>
+            </a:r>
+          </a:p>
+        </p:txBody>
+      </p:sp>
+    </p:spTree>
+    <p:extLst>
+      <p:ext uri="{BB962C8B-B14F-4D97-AF65-F5344CB8AC3E}">
+        <p14:creationId xmlns:p14="http://schemas.microsoft.com/office/powerpoint/2010/main" val="1228406664"/>
+      </p:ext>
+    </p:extLst>
+  </p:cSld>
+  <p:clrMapOvr>
+    <a:masterClrMapping/>
+  </p:clrMapOvr>
+</p:sld>
+</file>
+
+<file path=ppt/slides/slide16.xml><?xml version="1.0" encoding="utf-8"?>
+<p:sld xmlns:a="http://schemas.openxmlformats.org/drawingml/2006/main" xmlns:r="http://schemas.openxmlformats.org/officeDocument/2006/relationships" xmlns:p="http://schemas.openxmlformats.org/presentationml/2006/main">
+  <p:cSld>
+    <p:spTree>
+      <p:nvGrpSpPr>
+        <p:cNvPr id="1" name=""/>
+        <p:cNvGrpSpPr/>
+        <p:nvPr/>
+      </p:nvGrpSpPr>
+      <p:grpSpPr>
+        <a:xfrm>
+          <a:off x="0" y="0"/>
+          <a:ext cx="0" cy="0"/>
+          <a:chOff x="0" y="0"/>
+          <a:chExt cx="0" cy="0"/>
+        </a:xfrm>
+      </p:grpSpPr>
+      <p:graphicFrame>
+        <p:nvGraphicFramePr>
+          <p:cNvPr id="2" name="Diagram 1">
+            <a:extLst>
+              <a:ext uri="{FF2B5EF4-FFF2-40B4-BE49-F238E27FC236}">
+                <a16:creationId xmlns:a16="http://schemas.microsoft.com/office/drawing/2014/main" id="{0A0047CA-5CB2-DCFC-FACE-BFE325BA9DB3}"/>
+              </a:ext>
+            </a:extLst>
+          </p:cNvPr>
+          <p:cNvGraphicFramePr/>
+          <p:nvPr>
+            <p:extLst>
+              <p:ext uri="{D42A27DB-BD31-4B8C-83A1-F6EECF244321}">
+                <p14:modId xmlns:p14="http://schemas.microsoft.com/office/powerpoint/2010/main" val="3753700697"/>
+              </p:ext>
+            </p:extLst>
+          </p:nvPr>
+        </p:nvGraphicFramePr>
+        <p:xfrm>
+          <a:off x="1524000" y="1828800"/>
+          <a:ext cx="6096000" cy="4648200"/>
+        </p:xfrm>
+        <a:graphic>
+          <a:graphicData uri="http://schemas.openxmlformats.org/drawingml/2006/diagram">
+            <dgm:relIds xmlns:dgm="http://schemas.openxmlformats.org/drawingml/2006/diagram" xmlns:r="http://schemas.openxmlformats.org/officeDocument/2006/relationships" r:dm="rId2" r:lo="rId3" r:qs="rId4" r:cs="rId5"/>
+          </a:graphicData>
+        </a:graphic>
+      </p:graphicFrame>
+      <p:sp>
+        <p:nvSpPr>
+          <p:cNvPr id="5" name="TextBox 4">
+            <a:extLst>
+              <a:ext uri="{FF2B5EF4-FFF2-40B4-BE49-F238E27FC236}">
+                <a16:creationId xmlns:a16="http://schemas.microsoft.com/office/drawing/2014/main" id="{B489A7E5-AB2D-3AA5-BA54-970EB370BCBB}"/>
+              </a:ext>
+            </a:extLst>
+          </p:cNvPr>
+          <p:cNvSpPr txBox="1"/>
+          <p:nvPr/>
+        </p:nvSpPr>
+        <p:spPr>
+          <a:xfrm>
+            <a:off x="2362200" y="685800"/>
+            <a:ext cx="4572000" cy="369332"/>
+          </a:xfrm>
+          <a:prstGeom prst="rect">
+            <a:avLst/>
+          </a:prstGeom>
+          <a:noFill/>
+        </p:spPr>
+        <p:txBody>
+          <a:bodyPr wrap="square">
+            <a:spAutoFit/>
+          </a:bodyPr>
+          <a:lstStyle/>
+          <a:p>
+            <a:pPr marL="0" indent="0" algn="ctr">
+              <a:buNone/>
+            </a:pPr>
+            <a:r>
+              <a:rPr lang="en-IN" b="1" dirty="0">
+                <a:latin typeface="Times New Roman" panose="02020603050405020304" pitchFamily="18" charset="0"/>
+                <a:cs typeface="Times New Roman" panose="02020603050405020304" pitchFamily="18" charset="0"/>
+              </a:rPr>
+              <a:t>DATA  FLOW  DIAGRAM  LEVEL 1</a:t>
+            </a:r>
+          </a:p>
+        </p:txBody>
+      </p:sp>
+    </p:spTree>
+    <p:extLst>
+      <p:ext uri="{BB962C8B-B14F-4D97-AF65-F5344CB8AC3E}">
+        <p14:creationId xmlns:p14="http://schemas.microsoft.com/office/powerpoint/2010/main" val="2040594618"/>
+      </p:ext>
+    </p:extLst>
+  </p:cSld>
+  <p:clrMapOvr>
+    <a:masterClrMapping/>
+  </p:clrMapOvr>
+</p:sld>
+</file>
+
+<file path=ppt/slides/slide17.xml><?xml version="1.0" encoding="utf-8"?>
+<p:sld xmlns:a="http://schemas.openxmlformats.org/drawingml/2006/main" xmlns:r="http://schemas.openxmlformats.org/officeDocument/2006/relationships" xmlns:p="http://schemas.openxmlformats.org/presentationml/2006/main">
+  <p:cSld>
+    <p:spTree>
+      <p:nvGrpSpPr>
+        <p:cNvPr id="1" name=""/>
+        <p:cNvGrpSpPr/>
+        <p:nvPr/>
+      </p:nvGrpSpPr>
+      <p:grpSpPr>
+        <a:xfrm>
+          <a:off x="0" y="0"/>
+          <a:ext cx="0" cy="0"/>
+          <a:chOff x="0" y="0"/>
+          <a:chExt cx="0" cy="0"/>
+        </a:xfrm>
+      </p:grpSpPr>
+      <p:sp>
+        <p:nvSpPr>
+          <p:cNvPr id="2" name="Oval 1">
+            <a:extLst>
+              <a:ext uri="{FF2B5EF4-FFF2-40B4-BE49-F238E27FC236}">
+                <a16:creationId xmlns:a16="http://schemas.microsoft.com/office/drawing/2014/main" id="{8B1CFFE5-8FB4-ED26-93B7-DABE458351E2}"/>
+              </a:ext>
+            </a:extLst>
+          </p:cNvPr>
+          <p:cNvSpPr/>
+          <p:nvPr/>
+        </p:nvSpPr>
+        <p:spPr>
+          <a:xfrm>
+            <a:off x="838199" y="1524000"/>
+            <a:ext cx="1600200" cy="1371600"/>
+          </a:xfrm>
+          <a:prstGeom prst="ellipse">
+            <a:avLst/>
+          </a:prstGeom>
+        </p:spPr>
+        <p:style>
+          <a:lnRef idx="1">
+            <a:schemeClr val="dk1"/>
+          </a:lnRef>
+          <a:fillRef idx="2">
+            <a:schemeClr val="dk1"/>
+          </a:fillRef>
+          <a:effectRef idx="1">
+            <a:schemeClr val="dk1"/>
+          </a:effectRef>
+          <a:fontRef idx="minor">
+            <a:schemeClr val="dk1"/>
+          </a:fontRef>
+        </p:style>
+        <p:txBody>
+          <a:bodyPr rtlCol="0" anchor="ctr"/>
+          <a:lstStyle/>
+          <a:p>
+            <a:pPr algn="ctr">
+              <a:lnSpc>
+                <a:spcPct val="150000"/>
+              </a:lnSpc>
+            </a:pPr>
+            <a:r>
+              <a:rPr lang="en-IN" sz="1600" dirty="0">
+                <a:latin typeface="Times New Roman" panose="02020603050405020304" pitchFamily="18" charset="0"/>
+                <a:cs typeface="Times New Roman" panose="02020603050405020304" pitchFamily="18" charset="0"/>
+              </a:rPr>
+              <a:t>TEST DATA</a:t>
+            </a:r>
+          </a:p>
+        </p:txBody>
+      </p:sp>
+      <p:sp>
+        <p:nvSpPr>
+          <p:cNvPr id="3" name="Rectangle 2">
+            <a:extLst>
+              <a:ext uri="{FF2B5EF4-FFF2-40B4-BE49-F238E27FC236}">
+                <a16:creationId xmlns:a16="http://schemas.microsoft.com/office/drawing/2014/main" id="{16115673-C3C0-19D0-F00F-AF4E4F073474}"/>
+              </a:ext>
+            </a:extLst>
+          </p:cNvPr>
+          <p:cNvSpPr/>
+          <p:nvPr/>
+        </p:nvSpPr>
+        <p:spPr>
+          <a:xfrm>
+            <a:off x="3733800" y="1675173"/>
+            <a:ext cx="1828800" cy="1104898"/>
+          </a:xfrm>
+          <a:prstGeom prst="rect">
+            <a:avLst/>
+          </a:prstGeom>
+        </p:spPr>
+        <p:style>
+          <a:lnRef idx="1">
+            <a:schemeClr val="dk1"/>
+          </a:lnRef>
+          <a:fillRef idx="2">
+            <a:schemeClr val="dk1"/>
+          </a:fillRef>
+          <a:effectRef idx="1">
+            <a:schemeClr val="dk1"/>
+          </a:effectRef>
+          <a:fontRef idx="minor">
+            <a:schemeClr val="dk1"/>
+          </a:fontRef>
+        </p:style>
+        <p:txBody>
+          <a:bodyPr rtlCol="0" anchor="ctr"/>
+          <a:lstStyle/>
+          <a:p>
+            <a:pPr algn="ctr"/>
+            <a:r>
+              <a:rPr lang="en-IN" sz="1600" dirty="0">
+                <a:latin typeface="Times New Roman" panose="02020603050405020304" pitchFamily="18" charset="0"/>
+                <a:cs typeface="Times New Roman" panose="02020603050405020304" pitchFamily="18" charset="0"/>
+              </a:rPr>
+              <a:t>CREATE MODEL FILE</a:t>
+            </a:r>
+          </a:p>
+        </p:txBody>
+      </p:sp>
+      <p:sp>
+        <p:nvSpPr>
+          <p:cNvPr id="4" name="Rectangle 3">
+            <a:extLst>
+              <a:ext uri="{FF2B5EF4-FFF2-40B4-BE49-F238E27FC236}">
+                <a16:creationId xmlns:a16="http://schemas.microsoft.com/office/drawing/2014/main" id="{BF72B1ED-A734-635F-D5DA-C27C19F07E14}"/>
+              </a:ext>
+            </a:extLst>
+          </p:cNvPr>
+          <p:cNvSpPr/>
+          <p:nvPr/>
+        </p:nvSpPr>
+        <p:spPr>
+          <a:xfrm>
+            <a:off x="1140127" y="4853506"/>
+            <a:ext cx="1600200" cy="1238865"/>
+          </a:xfrm>
+          <a:prstGeom prst="rect">
+            <a:avLst/>
+          </a:prstGeom>
+        </p:spPr>
+        <p:style>
+          <a:lnRef idx="1">
+            <a:schemeClr val="dk1"/>
+          </a:lnRef>
+          <a:fillRef idx="2">
+            <a:schemeClr val="dk1"/>
+          </a:fillRef>
+          <a:effectRef idx="1">
+            <a:schemeClr val="dk1"/>
+          </a:effectRef>
+          <a:fontRef idx="minor">
+            <a:schemeClr val="dk1"/>
+          </a:fontRef>
+        </p:style>
+        <p:txBody>
+          <a:bodyPr rtlCol="0" anchor="ctr"/>
+          <a:lstStyle/>
+          <a:p>
+            <a:pPr algn="ctr"/>
+            <a:r>
+              <a:rPr lang="en-IN" sz="1600" dirty="0">
+                <a:latin typeface="Times New Roman" panose="02020603050405020304" pitchFamily="18" charset="0"/>
+                <a:cs typeface="Times New Roman" panose="02020603050405020304" pitchFamily="18" charset="0"/>
+              </a:rPr>
+              <a:t>FINAL OUTPUT</a:t>
+            </a:r>
+          </a:p>
+        </p:txBody>
+      </p:sp>
+      <p:sp>
+        <p:nvSpPr>
+          <p:cNvPr id="5" name="Rectangle 4">
+            <a:extLst>
+              <a:ext uri="{FF2B5EF4-FFF2-40B4-BE49-F238E27FC236}">
+                <a16:creationId xmlns:a16="http://schemas.microsoft.com/office/drawing/2014/main" id="{AB9454FF-FEE7-4884-10F8-68C7B0010790}"/>
+              </a:ext>
+            </a:extLst>
+          </p:cNvPr>
+          <p:cNvSpPr/>
+          <p:nvPr/>
+        </p:nvSpPr>
+        <p:spPr>
+          <a:xfrm>
+            <a:off x="3409950" y="3124200"/>
+            <a:ext cx="2457450" cy="1219200"/>
+          </a:xfrm>
+          <a:prstGeom prst="rect">
+            <a:avLst/>
+          </a:prstGeom>
+        </p:spPr>
+        <p:style>
+          <a:lnRef idx="1">
+            <a:schemeClr val="dk1"/>
+          </a:lnRef>
+          <a:fillRef idx="2">
+            <a:schemeClr val="dk1"/>
+          </a:fillRef>
+          <a:effectRef idx="1">
+            <a:schemeClr val="dk1"/>
+          </a:effectRef>
+          <a:fontRef idx="minor">
+            <a:schemeClr val="dk1"/>
+          </a:fontRef>
+        </p:style>
+        <p:txBody>
+          <a:bodyPr rtlCol="0" anchor="ctr"/>
+          <a:lstStyle/>
+          <a:p>
+            <a:pPr algn="ctr">
+              <a:lnSpc>
+                <a:spcPct val="150000"/>
+              </a:lnSpc>
+            </a:pPr>
+            <a:r>
+              <a:rPr lang="en-IN" sz="1600" dirty="0">
+                <a:latin typeface="Times New Roman" panose="02020603050405020304" pitchFamily="18" charset="0"/>
+                <a:cs typeface="Times New Roman" panose="02020603050405020304" pitchFamily="18" charset="0"/>
+              </a:rPr>
+              <a:t>VISUALIZATION</a:t>
+            </a:r>
+          </a:p>
+        </p:txBody>
+      </p:sp>
+      <p:sp>
+        <p:nvSpPr>
+          <p:cNvPr id="6" name="Rectangle 5">
+            <a:extLst>
+              <a:ext uri="{FF2B5EF4-FFF2-40B4-BE49-F238E27FC236}">
+                <a16:creationId xmlns:a16="http://schemas.microsoft.com/office/drawing/2014/main" id="{EACFDE9B-272B-E89B-26AE-F709E3F93DB4}"/>
+              </a:ext>
+            </a:extLst>
+          </p:cNvPr>
+          <p:cNvSpPr/>
+          <p:nvPr/>
+        </p:nvSpPr>
+        <p:spPr>
+          <a:xfrm>
+            <a:off x="6781800" y="1675173"/>
+            <a:ext cx="1447800" cy="1066800"/>
+          </a:xfrm>
+          <a:prstGeom prst="rect">
+            <a:avLst/>
+          </a:prstGeom>
+        </p:spPr>
+        <p:style>
+          <a:lnRef idx="1">
+            <a:schemeClr val="dk1"/>
+          </a:lnRef>
+          <a:fillRef idx="2">
+            <a:schemeClr val="dk1"/>
+          </a:fillRef>
+          <a:effectRef idx="1">
+            <a:schemeClr val="dk1"/>
+          </a:effectRef>
+          <a:fontRef idx="minor">
+            <a:schemeClr val="dk1"/>
+          </a:fontRef>
+        </p:style>
+        <p:txBody>
+          <a:bodyPr rtlCol="0" anchor="ctr"/>
+          <a:lstStyle/>
+          <a:p>
+            <a:pPr algn="ctr">
+              <a:lnSpc>
+                <a:spcPct val="150000"/>
+              </a:lnSpc>
+            </a:pPr>
+            <a:r>
+              <a:rPr lang="en-IN" sz="1600" dirty="0">
+                <a:latin typeface="Times New Roman" panose="02020603050405020304" pitchFamily="18" charset="0"/>
+                <a:cs typeface="Times New Roman" panose="02020603050405020304" pitchFamily="18" charset="0"/>
+              </a:rPr>
+              <a:t>BIAS DETECTION</a:t>
+            </a:r>
+          </a:p>
+        </p:txBody>
+      </p:sp>
+      <p:sp>
+        <p:nvSpPr>
+          <p:cNvPr id="7" name="Rectangle 6">
+            <a:extLst>
+              <a:ext uri="{FF2B5EF4-FFF2-40B4-BE49-F238E27FC236}">
+                <a16:creationId xmlns:a16="http://schemas.microsoft.com/office/drawing/2014/main" id="{FF9D2CD1-1870-E248-9B84-B13BA9A099C0}"/>
+              </a:ext>
+            </a:extLst>
+          </p:cNvPr>
+          <p:cNvSpPr/>
+          <p:nvPr/>
+        </p:nvSpPr>
+        <p:spPr>
+          <a:xfrm>
+            <a:off x="6781800" y="4572000"/>
+            <a:ext cx="1447800" cy="1248697"/>
+          </a:xfrm>
+          <a:prstGeom prst="rect">
+            <a:avLst/>
+          </a:prstGeom>
+        </p:spPr>
+        <p:style>
+          <a:lnRef idx="1">
+            <a:schemeClr val="dk1"/>
+          </a:lnRef>
+          <a:fillRef idx="2">
+            <a:schemeClr val="dk1"/>
+          </a:fillRef>
+          <a:effectRef idx="1">
+            <a:schemeClr val="dk1"/>
+          </a:effectRef>
+          <a:fontRef idx="minor">
+            <a:schemeClr val="dk1"/>
+          </a:fontRef>
+        </p:style>
+        <p:txBody>
+          <a:bodyPr rtlCol="0" anchor="ctr"/>
+          <a:lstStyle/>
+          <a:p>
+            <a:pPr algn="ctr">
+              <a:lnSpc>
+                <a:spcPct val="150000"/>
+              </a:lnSpc>
+            </a:pPr>
+            <a:r>
+              <a:rPr lang="en-IN" sz="1600" dirty="0">
+                <a:latin typeface="Times New Roman" panose="02020603050405020304" pitchFamily="18" charset="0"/>
+                <a:cs typeface="Times New Roman" panose="02020603050405020304" pitchFamily="18" charset="0"/>
+              </a:rPr>
+              <a:t>BIAS MITIGATION</a:t>
+            </a:r>
+          </a:p>
+        </p:txBody>
+      </p:sp>
+      <p:cxnSp>
+        <p:nvCxnSpPr>
+          <p:cNvPr id="8" name="Straight Arrow Connector 7">
+            <a:extLst>
+              <a:ext uri="{FF2B5EF4-FFF2-40B4-BE49-F238E27FC236}">
+                <a16:creationId xmlns:a16="http://schemas.microsoft.com/office/drawing/2014/main" id="{132DBE68-15CD-E253-C61F-7CB09930CFCA}"/>
+              </a:ext>
+            </a:extLst>
+          </p:cNvPr>
+          <p:cNvCxnSpPr>
+            <a:cxnSpLocks/>
+            <a:stCxn id="2" idx="6"/>
+            <a:endCxn id="3" idx="1"/>
+          </p:cNvCxnSpPr>
+          <p:nvPr/>
+        </p:nvCxnSpPr>
+        <p:spPr>
+          <a:xfrm>
+            <a:off x="2438399" y="2209800"/>
+            <a:ext cx="1295401" cy="17822"/>
+          </a:xfrm>
+          <a:prstGeom prst="straightConnector1">
+            <a:avLst/>
+          </a:prstGeom>
+          <a:ln>
+            <a:tailEnd type="triangle"/>
+          </a:ln>
+        </p:spPr>
+        <p:style>
+          <a:lnRef idx="3">
+            <a:schemeClr val="accent1"/>
+          </a:lnRef>
+          <a:fillRef idx="0">
+            <a:schemeClr val="accent1"/>
+          </a:fillRef>
+          <a:effectRef idx="2">
+            <a:schemeClr val="accent1"/>
+          </a:effectRef>
+          <a:fontRef idx="minor">
+            <a:schemeClr val="tx1"/>
+          </a:fontRef>
+        </p:style>
+      </p:cxnSp>
+      <p:cxnSp>
+        <p:nvCxnSpPr>
+          <p:cNvPr id="9" name="Straight Arrow Connector 8">
+            <a:extLst>
+              <a:ext uri="{FF2B5EF4-FFF2-40B4-BE49-F238E27FC236}">
+                <a16:creationId xmlns:a16="http://schemas.microsoft.com/office/drawing/2014/main" id="{9B2D0946-2C3F-4A53-B677-C0EFEB7EEF82}"/>
+              </a:ext>
+            </a:extLst>
+          </p:cNvPr>
+          <p:cNvCxnSpPr>
+            <a:cxnSpLocks/>
+            <a:stCxn id="6" idx="2"/>
+            <a:endCxn id="7" idx="0"/>
+          </p:cNvCxnSpPr>
+          <p:nvPr/>
+        </p:nvCxnSpPr>
+        <p:spPr>
+          <a:xfrm>
+            <a:off x="7505700" y="2741973"/>
+            <a:ext cx="0" cy="1830027"/>
+          </a:xfrm>
+          <a:prstGeom prst="straightConnector1">
+            <a:avLst/>
+          </a:prstGeom>
+          <a:ln>
+            <a:tailEnd type="triangle"/>
+          </a:ln>
+        </p:spPr>
+        <p:style>
+          <a:lnRef idx="3">
+            <a:schemeClr val="accent1"/>
+          </a:lnRef>
+          <a:fillRef idx="0">
+            <a:schemeClr val="accent1"/>
+          </a:fillRef>
+          <a:effectRef idx="2">
+            <a:schemeClr val="accent1"/>
+          </a:effectRef>
+          <a:fontRef idx="minor">
+            <a:schemeClr val="tx1"/>
+          </a:fontRef>
+        </p:style>
+      </p:cxnSp>
+      <p:cxnSp>
+        <p:nvCxnSpPr>
+          <p:cNvPr id="10" name="Straight Arrow Connector 9">
+            <a:extLst>
+              <a:ext uri="{FF2B5EF4-FFF2-40B4-BE49-F238E27FC236}">
+                <a16:creationId xmlns:a16="http://schemas.microsoft.com/office/drawing/2014/main" id="{F45C6872-6331-3258-D05D-FFC6ACC51C13}"/>
+              </a:ext>
+            </a:extLst>
+          </p:cNvPr>
+          <p:cNvCxnSpPr>
+            <a:cxnSpLocks/>
+            <a:stCxn id="3" idx="3"/>
+            <a:endCxn id="6" idx="1"/>
+          </p:cNvCxnSpPr>
+          <p:nvPr/>
+        </p:nvCxnSpPr>
+        <p:spPr>
+          <a:xfrm flipV="1">
+            <a:off x="5562600" y="2208573"/>
+            <a:ext cx="1219200" cy="19049"/>
+          </a:xfrm>
+          <a:prstGeom prst="straightConnector1">
+            <a:avLst/>
+          </a:prstGeom>
+          <a:ln>
+            <a:tailEnd type="triangle"/>
+          </a:ln>
+        </p:spPr>
+        <p:style>
+          <a:lnRef idx="3">
+            <a:schemeClr val="accent1"/>
+          </a:lnRef>
+          <a:fillRef idx="0">
+            <a:schemeClr val="accent1"/>
+          </a:fillRef>
+          <a:effectRef idx="2">
+            <a:schemeClr val="accent1"/>
+          </a:effectRef>
+          <a:fontRef idx="minor">
+            <a:schemeClr val="tx1"/>
+          </a:fontRef>
+        </p:style>
+      </p:cxnSp>
+      <p:cxnSp>
+        <p:nvCxnSpPr>
+          <p:cNvPr id="11" name="Straight Arrow Connector 10">
+            <a:extLst>
+              <a:ext uri="{FF2B5EF4-FFF2-40B4-BE49-F238E27FC236}">
+                <a16:creationId xmlns:a16="http://schemas.microsoft.com/office/drawing/2014/main" id="{280D3C3B-2FF6-1231-1E14-025E08B633FF}"/>
+              </a:ext>
+            </a:extLst>
+          </p:cNvPr>
+          <p:cNvCxnSpPr>
+            <a:cxnSpLocks/>
+            <a:stCxn id="7" idx="1"/>
+            <a:endCxn id="16" idx="3"/>
+          </p:cNvCxnSpPr>
+          <p:nvPr/>
+        </p:nvCxnSpPr>
+        <p:spPr>
+          <a:xfrm flipH="1">
+            <a:off x="5448300" y="5196349"/>
+            <a:ext cx="1333500" cy="286422"/>
+          </a:xfrm>
+          <a:prstGeom prst="straightConnector1">
+            <a:avLst/>
+          </a:prstGeom>
+          <a:ln>
+            <a:tailEnd type="triangle"/>
+          </a:ln>
+        </p:spPr>
+        <p:style>
+          <a:lnRef idx="3">
+            <a:schemeClr val="accent1"/>
+          </a:lnRef>
+          <a:fillRef idx="0">
+            <a:schemeClr val="accent1"/>
+          </a:fillRef>
+          <a:effectRef idx="2">
+            <a:schemeClr val="accent1"/>
+          </a:effectRef>
+          <a:fontRef idx="minor">
+            <a:schemeClr val="tx1"/>
+          </a:fontRef>
+        </p:style>
+      </p:cxnSp>
+      <p:cxnSp>
+        <p:nvCxnSpPr>
+          <p:cNvPr id="12" name="Straight Arrow Connector 11">
+            <a:extLst>
+              <a:ext uri="{FF2B5EF4-FFF2-40B4-BE49-F238E27FC236}">
+                <a16:creationId xmlns:a16="http://schemas.microsoft.com/office/drawing/2014/main" id="{A3DCE3BB-2CB5-F353-7DF8-50F3D15D2CFB}"/>
+              </a:ext>
+            </a:extLst>
+          </p:cNvPr>
+          <p:cNvCxnSpPr>
+            <a:cxnSpLocks/>
+            <a:stCxn id="5" idx="1"/>
+            <a:endCxn id="4" idx="0"/>
+          </p:cNvCxnSpPr>
+          <p:nvPr/>
+        </p:nvCxnSpPr>
+        <p:spPr>
+          <a:xfrm flipH="1">
+            <a:off x="1940227" y="3733800"/>
+            <a:ext cx="1469723" cy="1119706"/>
+          </a:xfrm>
+          <a:prstGeom prst="straightConnector1">
+            <a:avLst/>
+          </a:prstGeom>
+          <a:ln>
+            <a:tailEnd type="triangle"/>
+          </a:ln>
+        </p:spPr>
+        <p:style>
+          <a:lnRef idx="3">
+            <a:schemeClr val="accent1"/>
+          </a:lnRef>
+          <a:fillRef idx="0">
+            <a:schemeClr val="accent1"/>
+          </a:fillRef>
+          <a:effectRef idx="2">
+            <a:schemeClr val="accent1"/>
+          </a:effectRef>
+          <a:fontRef idx="minor">
+            <a:schemeClr val="tx1"/>
+          </a:fontRef>
+        </p:style>
+      </p:cxnSp>
+      <p:sp>
+        <p:nvSpPr>
+          <p:cNvPr id="16" name="Rectangle 15">
+            <a:extLst>
+              <a:ext uri="{FF2B5EF4-FFF2-40B4-BE49-F238E27FC236}">
+                <a16:creationId xmlns:a16="http://schemas.microsoft.com/office/drawing/2014/main" id="{74949AD4-F2BC-4390-38E5-3F67B72142EB}"/>
+              </a:ext>
+            </a:extLst>
+          </p:cNvPr>
+          <p:cNvSpPr/>
+          <p:nvPr/>
+        </p:nvSpPr>
+        <p:spPr>
+          <a:xfrm>
+            <a:off x="3848100" y="4873171"/>
+            <a:ext cx="1600200" cy="1219200"/>
+          </a:xfrm>
+          <a:prstGeom prst="rect">
+            <a:avLst/>
+          </a:prstGeom>
+        </p:spPr>
+        <p:style>
+          <a:lnRef idx="1">
+            <a:schemeClr val="dk1"/>
+          </a:lnRef>
+          <a:fillRef idx="2">
+            <a:schemeClr val="dk1"/>
+          </a:fillRef>
+          <a:effectRef idx="1">
+            <a:schemeClr val="dk1"/>
+          </a:effectRef>
+          <a:fontRef idx="minor">
+            <a:schemeClr val="dk1"/>
+          </a:fontRef>
+        </p:style>
+        <p:txBody>
+          <a:bodyPr rtlCol="0" anchor="ctr"/>
+          <a:lstStyle/>
+          <a:p>
+            <a:pPr algn="ctr">
+              <a:lnSpc>
+                <a:spcPct val="150000"/>
+              </a:lnSpc>
+            </a:pPr>
+            <a:r>
+              <a:rPr lang="en-IN" sz="1600" dirty="0">
+                <a:latin typeface="Times New Roman" panose="02020603050405020304" pitchFamily="18" charset="0"/>
+                <a:cs typeface="Times New Roman" panose="02020603050405020304" pitchFamily="18" charset="0"/>
+              </a:rPr>
+              <a:t>EVALUATION AND TESTING</a:t>
+            </a:r>
+          </a:p>
+        </p:txBody>
+      </p:sp>
+      <p:cxnSp>
+        <p:nvCxnSpPr>
+          <p:cNvPr id="18" name="Straight Arrow Connector 17">
+            <a:extLst>
+              <a:ext uri="{FF2B5EF4-FFF2-40B4-BE49-F238E27FC236}">
+                <a16:creationId xmlns:a16="http://schemas.microsoft.com/office/drawing/2014/main" id="{1E49ADAE-1D29-CB22-198F-6F28A2C58F31}"/>
+              </a:ext>
+            </a:extLst>
+          </p:cNvPr>
+          <p:cNvCxnSpPr>
+            <a:cxnSpLocks/>
+            <a:stCxn id="16" idx="0"/>
+            <a:endCxn id="5" idx="2"/>
+          </p:cNvCxnSpPr>
+          <p:nvPr/>
+        </p:nvCxnSpPr>
+        <p:spPr>
+          <a:xfrm flipH="1" flipV="1">
+            <a:off x="4638675" y="4343400"/>
+            <a:ext cx="9525" cy="529771"/>
+          </a:xfrm>
+          <a:prstGeom prst="straightConnector1">
+            <a:avLst/>
+          </a:prstGeom>
+          <a:ln>
+            <a:tailEnd type="triangle"/>
+          </a:ln>
+        </p:spPr>
+        <p:style>
+          <a:lnRef idx="3">
+            <a:schemeClr val="accent1"/>
+          </a:lnRef>
+          <a:fillRef idx="0">
+            <a:schemeClr val="accent1"/>
+          </a:fillRef>
+          <a:effectRef idx="2">
+            <a:schemeClr val="accent1"/>
+          </a:effectRef>
+          <a:fontRef idx="minor">
+            <a:schemeClr val="tx1"/>
+          </a:fontRef>
+        </p:style>
+      </p:cxnSp>
+      <p:sp>
+        <p:nvSpPr>
+          <p:cNvPr id="33" name="TextBox 32">
+            <a:extLst>
+              <a:ext uri="{FF2B5EF4-FFF2-40B4-BE49-F238E27FC236}">
+                <a16:creationId xmlns:a16="http://schemas.microsoft.com/office/drawing/2014/main" id="{4A7F7C6E-F4E5-FFEA-2F87-9AB35B1A84CD}"/>
+              </a:ext>
+            </a:extLst>
+          </p:cNvPr>
+          <p:cNvSpPr txBox="1"/>
+          <p:nvPr/>
+        </p:nvSpPr>
+        <p:spPr>
+          <a:xfrm>
+            <a:off x="2514600" y="552752"/>
+            <a:ext cx="4572000" cy="369332"/>
+          </a:xfrm>
+          <a:prstGeom prst="rect">
+            <a:avLst/>
+          </a:prstGeom>
+          <a:noFill/>
+        </p:spPr>
+        <p:txBody>
+          <a:bodyPr wrap="square">
+            <a:spAutoFit/>
+          </a:bodyPr>
+          <a:lstStyle/>
+          <a:p>
+            <a:pPr marL="0" indent="0" algn="ctr">
+              <a:buNone/>
+            </a:pPr>
+            <a:r>
+              <a:rPr lang="en-IN" b="1" dirty="0">
+                <a:latin typeface="Times New Roman" panose="02020603050405020304" pitchFamily="18" charset="0"/>
+                <a:cs typeface="Times New Roman" panose="02020603050405020304" pitchFamily="18" charset="0"/>
+              </a:rPr>
+              <a:t>DATA  FLOW  DIAGRAM  LEVEL2</a:t>
+            </a:r>
+          </a:p>
+        </p:txBody>
+      </p:sp>
+    </p:spTree>
+    <p:extLst>
+      <p:ext uri="{BB962C8B-B14F-4D97-AF65-F5344CB8AC3E}">
+        <p14:creationId xmlns:p14="http://schemas.microsoft.com/office/powerpoint/2010/main" val="1116596642"/>
+      </p:ext>
+    </p:extLst>
+  </p:cSld>
+  <p:clrMapOvr>
+    <a:masterClrMapping/>
+  </p:clrMapOvr>
+</p:sld>
+</file>
+
+<file path=ppt/slides/slide18.xml><?xml version="1.0" encoding="utf-8"?>
+<p:sld xmlns:a="http://schemas.openxmlformats.org/drawingml/2006/main" xmlns:r="http://schemas.openxmlformats.org/officeDocument/2006/relationships" xmlns:p="http://schemas.openxmlformats.org/presentationml/2006/main">
+  <p:cSld>
+    <p:spTree>
+      <p:nvGrpSpPr>
+        <p:cNvPr id="1" name=""/>
+        <p:cNvGrpSpPr/>
+        <p:nvPr/>
+      </p:nvGrpSpPr>
+      <p:grpSpPr>
+        <a:xfrm>
+          <a:off x="0" y="0"/>
+          <a:ext cx="0" cy="0"/>
+          <a:chOff x="0" y="0"/>
+          <a:chExt cx="0" cy="0"/>
+        </a:xfrm>
+      </p:grpSpPr>
+      <p:sp>
+        <p:nvSpPr>
+          <p:cNvPr id="5" name="Rectangle 4">
+            <a:extLst>
+              <a:ext uri="{FF2B5EF4-FFF2-40B4-BE49-F238E27FC236}">
+                <a16:creationId xmlns:a16="http://schemas.microsoft.com/office/drawing/2014/main" id="{CFF0F4A4-6414-7A36-8832-5B016F559D26}"/>
+              </a:ext>
+            </a:extLst>
+          </p:cNvPr>
+          <p:cNvSpPr/>
+          <p:nvPr/>
+        </p:nvSpPr>
+        <p:spPr>
+          <a:xfrm>
+            <a:off x="152400" y="152400"/>
+            <a:ext cx="8839200" cy="6553200"/>
+          </a:xfrm>
+          <a:prstGeom prst="rect">
+            <a:avLst/>
+          </a:prstGeom>
+          <a:noFill/>
+        </p:spPr>
+        <p:style>
+          <a:lnRef idx="2">
+            <a:schemeClr val="dk1"/>
+          </a:lnRef>
+          <a:fillRef idx="1">
+            <a:schemeClr val="lt1"/>
+          </a:fillRef>
+          <a:effectRef idx="0">
+            <a:schemeClr val="dk1"/>
+          </a:effectRef>
+          <a:fontRef idx="minor">
+            <a:schemeClr val="dk1"/>
+          </a:fontRef>
+        </p:style>
+        <p:txBody>
+          <a:bodyPr rtlCol="0" anchor="ctr"/>
+          <a:lstStyle/>
+          <a:p>
+            <a:pPr algn="ctr"/>
+            <a:endParaRPr lang="en-US" dirty="0"/>
+          </a:p>
+        </p:txBody>
+      </p:sp>
+      <p:sp>
+        <p:nvSpPr>
+          <p:cNvPr id="6" name="TextBox 5">
+            <a:extLst>
+              <a:ext uri="{FF2B5EF4-FFF2-40B4-BE49-F238E27FC236}">
+                <a16:creationId xmlns:a16="http://schemas.microsoft.com/office/drawing/2014/main" id="{D3620D0A-008D-9392-31CE-46FD4612BB67}"/>
+              </a:ext>
+            </a:extLst>
+          </p:cNvPr>
+          <p:cNvSpPr txBox="1"/>
+          <p:nvPr/>
+        </p:nvSpPr>
+        <p:spPr>
+          <a:xfrm>
+            <a:off x="1143000" y="2514600"/>
+            <a:ext cx="7086600" cy="1446550"/>
+          </a:xfrm>
+          <a:prstGeom prst="rect">
+            <a:avLst/>
+          </a:prstGeom>
+          <a:noFill/>
+        </p:spPr>
+        <p:txBody>
+          <a:bodyPr wrap="square" rtlCol="0">
+            <a:spAutoFit/>
+          </a:bodyPr>
+          <a:lstStyle/>
+          <a:p>
+            <a:pPr algn="ctr"/>
+            <a:r>
+              <a:rPr lang="en-IN" sz="4400" dirty="0">
+                <a:latin typeface="Times New Roman" panose="02020603050405020304" pitchFamily="18" charset="0"/>
+                <a:cs typeface="Times New Roman" panose="02020603050405020304" pitchFamily="18" charset="0"/>
+              </a:rPr>
+              <a:t>MODULES  AND  MODULE DESCRIPTION</a:t>
+            </a:r>
+          </a:p>
+        </p:txBody>
+      </p:sp>
+    </p:spTree>
+    <p:extLst>
+      <p:ext uri="{BB962C8B-B14F-4D97-AF65-F5344CB8AC3E}">
+        <p14:creationId xmlns:p14="http://schemas.microsoft.com/office/powerpoint/2010/main" val="2110716260"/>
+      </p:ext>
+    </p:extLst>
+  </p:cSld>
+  <p:clrMapOvr>
+    <a:masterClrMapping/>
+  </p:clrMapOvr>
+</p:sld>
+</file>
+
+<file path=ppt/slides/slide19.xml><?xml version="1.0" encoding="utf-8"?>
+<p:sld xmlns:a="http://schemas.openxmlformats.org/drawingml/2006/main" xmlns:r="http://schemas.openxmlformats.org/officeDocument/2006/relationships" xmlns:p="http://schemas.openxmlformats.org/presentationml/2006/main">
+  <p:cSld>
+    <p:spTree>
+      <p:nvGrpSpPr>
+        <p:cNvPr id="1" name=""/>
+        <p:cNvGrpSpPr/>
+        <p:nvPr/>
+      </p:nvGrpSpPr>
+      <p:grpSpPr>
+        <a:xfrm>
+          <a:off x="0" y="0"/>
+          <a:ext cx="0" cy="0"/>
+          <a:chOff x="0" y="0"/>
+          <a:chExt cx="0" cy="0"/>
+        </a:xfrm>
+      </p:grpSpPr>
+      <p:sp>
+        <p:nvSpPr>
+          <p:cNvPr id="2" name="Title 1">
+            <a:extLst>
+              <a:ext uri="{FF2B5EF4-FFF2-40B4-BE49-F238E27FC236}">
+                <a16:creationId xmlns:a16="http://schemas.microsoft.com/office/drawing/2014/main" id="{88B93383-49C3-E4A9-EF9A-D235682A2C58}"/>
+              </a:ext>
+            </a:extLst>
+          </p:cNvPr>
+          <p:cNvSpPr>
+            <a:spLocks noGrp="1"/>
+          </p:cNvSpPr>
+          <p:nvPr>
+            <p:ph type="title"/>
+          </p:nvPr>
+        </p:nvSpPr>
+        <p:spPr/>
+        <p:txBody>
+          <a:bodyPr/>
+          <a:lstStyle/>
+          <a:p>
+            <a:r>
+              <a:rPr lang="en-IN" dirty="0">
+                <a:latin typeface="Times New Roman" panose="02020603050405020304" pitchFamily="18" charset="0"/>
+                <a:cs typeface="Times New Roman" panose="02020603050405020304" pitchFamily="18" charset="0"/>
+              </a:rPr>
+              <a:t>MODULES</a:t>
+            </a:r>
+          </a:p>
+        </p:txBody>
+      </p:sp>
+      <p:sp>
+        <p:nvSpPr>
+          <p:cNvPr id="3" name="Content Placeholder 2">
+            <a:extLst>
+              <a:ext uri="{FF2B5EF4-FFF2-40B4-BE49-F238E27FC236}">
+                <a16:creationId xmlns:a16="http://schemas.microsoft.com/office/drawing/2014/main" id="{D5DCF445-B9C0-E26E-6003-0247E72F2054}"/>
+              </a:ext>
+            </a:extLst>
+          </p:cNvPr>
+          <p:cNvSpPr>
+            <a:spLocks noGrp="1"/>
+          </p:cNvSpPr>
+          <p:nvPr>
+            <p:ph idx="1"/>
+          </p:nvPr>
+        </p:nvSpPr>
+        <p:spPr>
+          <a:xfrm>
+            <a:off x="533400" y="2514600"/>
+            <a:ext cx="8229600" cy="3276600"/>
+          </a:xfrm>
+        </p:spPr>
+        <p:txBody>
+          <a:bodyPr>
+            <a:normAutofit/>
+          </a:bodyPr>
+          <a:lstStyle/>
+          <a:p>
+            <a:pPr algn="just">
+              <a:lnSpc>
+                <a:spcPct val="150000"/>
+              </a:lnSpc>
+              <a:buFont typeface="+mj-lt"/>
+              <a:buAutoNum type="arabicPeriod"/>
+            </a:pPr>
+            <a:r>
+              <a:rPr lang="en-US" sz="2800" b="0" i="0" dirty="0">
+                <a:effectLst/>
+                <a:latin typeface="Times New Roman" panose="02020603050405020304" pitchFamily="18" charset="0"/>
+                <a:cs typeface="Times New Roman" panose="02020603050405020304" pitchFamily="18" charset="0"/>
+              </a:rPr>
+              <a:t>Data Preparation Module</a:t>
+            </a:r>
+          </a:p>
+          <a:p>
+            <a:pPr algn="just">
+              <a:lnSpc>
+                <a:spcPct val="150000"/>
+              </a:lnSpc>
+              <a:buFont typeface="+mj-lt"/>
+              <a:buAutoNum type="arabicPeriod"/>
+            </a:pPr>
+            <a:r>
+              <a:rPr lang="en-US" sz="2800" b="0" i="0" dirty="0">
+                <a:effectLst/>
+                <a:latin typeface="Times New Roman" panose="02020603050405020304" pitchFamily="18" charset="0"/>
+                <a:cs typeface="Times New Roman" panose="02020603050405020304" pitchFamily="18" charset="0"/>
+              </a:rPr>
+              <a:t>Feature Engineering Module</a:t>
+            </a:r>
+          </a:p>
+          <a:p>
+            <a:pPr algn="just">
+              <a:lnSpc>
+                <a:spcPct val="150000"/>
+              </a:lnSpc>
+              <a:buFont typeface="+mj-lt"/>
+              <a:buAutoNum type="arabicPeriod"/>
+            </a:pPr>
+            <a:r>
+              <a:rPr lang="en-US" sz="2800" b="0" i="0" dirty="0">
+                <a:effectLst/>
+                <a:latin typeface="Times New Roman" panose="02020603050405020304" pitchFamily="18" charset="0"/>
+                <a:cs typeface="Times New Roman" panose="02020603050405020304" pitchFamily="18" charset="0"/>
+              </a:rPr>
+              <a:t>Model Development Module</a:t>
+            </a:r>
+          </a:p>
+          <a:p>
+            <a:pPr algn="just">
+              <a:lnSpc>
+                <a:spcPct val="150000"/>
+              </a:lnSpc>
+              <a:buFont typeface="+mj-lt"/>
+              <a:buAutoNum type="arabicPeriod"/>
+            </a:pPr>
+            <a:r>
+              <a:rPr lang="en-US" sz="2800" b="0" i="0" dirty="0">
+                <a:effectLst/>
+                <a:latin typeface="Times New Roman" panose="02020603050405020304" pitchFamily="18" charset="0"/>
+                <a:cs typeface="Times New Roman" panose="02020603050405020304" pitchFamily="18" charset="0"/>
+              </a:rPr>
+              <a:t>Bias Detection Module</a:t>
+            </a:r>
+          </a:p>
+        </p:txBody>
+      </p:sp>
+      <p:sp>
+        <p:nvSpPr>
+          <p:cNvPr id="4" name="Rectangle 3">
+            <a:extLst>
+              <a:ext uri="{FF2B5EF4-FFF2-40B4-BE49-F238E27FC236}">
+                <a16:creationId xmlns:a16="http://schemas.microsoft.com/office/drawing/2014/main" id="{B3921340-BF68-3D35-30A9-2EE3D4185772}"/>
+              </a:ext>
+            </a:extLst>
+          </p:cNvPr>
+          <p:cNvSpPr/>
+          <p:nvPr/>
+        </p:nvSpPr>
+        <p:spPr>
+          <a:xfrm>
+            <a:off x="152400" y="152400"/>
+            <a:ext cx="8839200" cy="6553200"/>
+          </a:xfrm>
+          <a:prstGeom prst="rect">
+            <a:avLst/>
+          </a:prstGeom>
+          <a:noFill/>
+        </p:spPr>
+        <p:style>
+          <a:lnRef idx="2">
+            <a:schemeClr val="dk1"/>
+          </a:lnRef>
+          <a:fillRef idx="1">
+            <a:schemeClr val="lt1"/>
+          </a:fillRef>
+          <a:effectRef idx="0">
+            <a:schemeClr val="dk1"/>
+          </a:effectRef>
+          <a:fontRef idx="minor">
+            <a:schemeClr val="dk1"/>
+          </a:fontRef>
+        </p:style>
+        <p:txBody>
+          <a:bodyPr rtlCol="0" anchor="ctr"/>
+          <a:lstStyle/>
+          <a:p>
+            <a:pPr algn="ctr"/>
+            <a:endParaRPr lang="en-US" dirty="0"/>
+          </a:p>
+        </p:txBody>
+      </p:sp>
+    </p:spTree>
+    <p:extLst>
+      <p:ext uri="{BB962C8B-B14F-4D97-AF65-F5344CB8AC3E}">
+        <p14:creationId xmlns:p14="http://schemas.microsoft.com/office/powerpoint/2010/main" val="2081723698"/>
+      </p:ext>
+    </p:extLst>
+  </p:cSld>
+  <p:clrMapOvr>
+    <a:masterClrMapping/>
+  </p:clrMapOvr>
+</p:sld>
+</file>
+
+<file path=ppt/slides/slide2.xml><?xml version="1.0" encoding="utf-8"?>
+<p:sld xmlns:a="http://schemas.openxmlformats.org/drawingml/2006/main" xmlns:r="http://schemas.openxmlformats.org/officeDocument/2006/relationships" xmlns:p="http://schemas.openxmlformats.org/presentationml/2006/main">
+  <p:cSld>
+    <p:spTree>
+      <p:nvGrpSpPr>
+        <p:cNvPr id="1" name=""/>
+        <p:cNvGrpSpPr/>
+        <p:nvPr/>
+      </p:nvGrpSpPr>
+      <p:grpSpPr>
+        <a:xfrm>
+          <a:off x="0" y="0"/>
+          <a:ext cx="0" cy="0"/>
+          <a:chOff x="0" y="0"/>
+          <a:chExt cx="0" cy="0"/>
+        </a:xfrm>
+      </p:grpSpPr>
+      <p:sp>
+        <p:nvSpPr>
+          <p:cNvPr id="2" name="Title 1"/>
+          <p:cNvSpPr>
+            <a:spLocks noGrp="1"/>
+          </p:cNvSpPr>
+          <p:nvPr>
+            <p:ph type="title"/>
+          </p:nvPr>
+        </p:nvSpPr>
+        <p:spPr/>
+        <p:txBody>
+          <a:bodyPr/>
+          <a:lstStyle/>
+          <a:p>
+            <a:r>
+              <a:rPr lang="en-US" dirty="0">
+                <a:latin typeface="Times New Roman" pitchFamily="18" charset="0"/>
+                <a:cs typeface="Times New Roman" pitchFamily="18" charset="0"/>
+              </a:rPr>
+              <a:t>ABSTRACT</a:t>
+            </a:r>
+            <a:endParaRPr lang="en-US" dirty="0"/>
+          </a:p>
+        </p:txBody>
+      </p:sp>
+      <p:sp>
+        <p:nvSpPr>
+          <p:cNvPr id="3" name="Content Placeholder 2"/>
+          <p:cNvSpPr>
+            <a:spLocks noGrp="1"/>
+          </p:cNvSpPr>
+          <p:nvPr>
+            <p:ph idx="1"/>
+          </p:nvPr>
+        </p:nvSpPr>
+        <p:spPr>
+          <a:xfrm>
+            <a:off x="457200" y="1447800"/>
+            <a:ext cx="8229600" cy="4525963"/>
+          </a:xfrm>
+        </p:spPr>
+        <p:txBody>
+          <a:bodyPr>
+            <a:normAutofit fontScale="92500" lnSpcReduction="10000"/>
+          </a:bodyPr>
+          <a:lstStyle/>
+          <a:p>
+            <a:r>
+              <a:rPr lang="en-US" dirty="0"/>
+              <a:t>As IoT devices become increasingly integrated into our daily lives and critical infrastructure, ensuring their security is paramount to safeguarding sensitive data, preserving privacy, and protecting against potential threats.</a:t>
+            </a:r>
+          </a:p>
+          <a:p>
+            <a:r>
+              <a:rPr lang="en-US" dirty="0"/>
+              <a:t>Unlike traditional IT systems, IoT devices often have limited computing resources and are deployed in diverse environments, making them susceptible to various security vulnerabilities and exploitation.</a:t>
+            </a:r>
+          </a:p>
+          <a:p>
+            <a:pPr algn="just">
+              <a:lnSpc>
+                <a:spcPct val="150000"/>
+              </a:lnSpc>
+            </a:pPr>
+            <a:endParaRPr lang="en-US" dirty="0"/>
+          </a:p>
+        </p:txBody>
+      </p:sp>
+    </p:spTree>
+  </p:cSld>
+  <p:clrMapOvr>
+    <a:masterClrMapping/>
+  </p:clrMapOvr>
+</p:sld>
+</file>
+
+<file path=ppt/slides/slide20.xml><?xml version="1.0" encoding="utf-8"?>
+<p:sld xmlns:a="http://schemas.openxmlformats.org/drawingml/2006/main" xmlns:r="http://schemas.openxmlformats.org/officeDocument/2006/relationships" xmlns:p="http://schemas.openxmlformats.org/presentationml/2006/main">
+  <p:cSld>
+    <p:spTree>
+      <p:nvGrpSpPr>
+        <p:cNvPr id="1" name=""/>
+        <p:cNvGrpSpPr/>
+        <p:nvPr/>
+      </p:nvGrpSpPr>
+      <p:grpSpPr>
+        <a:xfrm>
+          <a:off x="0" y="0"/>
+          <a:ext cx="0" cy="0"/>
+          <a:chOff x="0" y="0"/>
+          <a:chExt cx="0" cy="0"/>
+        </a:xfrm>
+      </p:grpSpPr>
+      <p:sp>
+        <p:nvSpPr>
           <p:cNvPr id="2" name="Title 1"/>
           <p:cNvSpPr>
             <a:spLocks noGrp="1"/>
@@ -4683,7 +11955,7 @@
 </p:sld>
 </file>
 
-<file path=ppt/slides/slide15.xml><?xml version="1.0" encoding="utf-8"?>
+<file path=ppt/slides/slide21.xml><?xml version="1.0" encoding="utf-8"?>
 <p:sld xmlns:a="http://schemas.openxmlformats.org/drawingml/2006/main" xmlns:r="http://schemas.openxmlformats.org/officeDocument/2006/relationships" xmlns:p="http://schemas.openxmlformats.org/presentationml/2006/main">
   <p:cSld>
     <p:spTree>
@@ -4739,100 +12011,6 @@
         <p14:creationId xmlns:p14="http://schemas.microsoft.com/office/powerpoint/2010/main" val="2366868819"/>
       </p:ext>
     </p:extLst>
-  </p:cSld>
-  <p:clrMapOvr>
-    <a:masterClrMapping/>
-  </p:clrMapOvr>
-</p:sld>
-</file>
-
-<file path=ppt/slides/slide2.xml><?xml version="1.0" encoding="utf-8"?>
-<p:sld xmlns:a="http://schemas.openxmlformats.org/drawingml/2006/main" xmlns:r="http://schemas.openxmlformats.org/officeDocument/2006/relationships" xmlns:p="http://schemas.openxmlformats.org/presentationml/2006/main">
-  <p:cSld>
-    <p:spTree>
-      <p:nvGrpSpPr>
-        <p:cNvPr id="1" name=""/>
-        <p:cNvGrpSpPr/>
-        <p:nvPr/>
-      </p:nvGrpSpPr>
-      <p:grpSpPr>
-        <a:xfrm>
-          <a:off x="0" y="0"/>
-          <a:ext cx="0" cy="0"/>
-          <a:chOff x="0" y="0"/>
-          <a:chExt cx="0" cy="0"/>
-        </a:xfrm>
-      </p:grpSpPr>
-      <p:sp>
-        <p:nvSpPr>
-          <p:cNvPr id="2" name="Title 1"/>
-          <p:cNvSpPr>
-            <a:spLocks noGrp="1"/>
-          </p:cNvSpPr>
-          <p:nvPr>
-            <p:ph type="title"/>
-          </p:nvPr>
-        </p:nvSpPr>
-        <p:spPr/>
-        <p:txBody>
-          <a:bodyPr/>
-          <a:lstStyle/>
-          <a:p>
-            <a:r>
-              <a:rPr lang="en-US" dirty="0">
-                <a:latin typeface="Times New Roman" pitchFamily="18" charset="0"/>
-                <a:cs typeface="Times New Roman" pitchFamily="18" charset="0"/>
-              </a:rPr>
-              <a:t>ABSTRACT</a:t>
-            </a:r>
-            <a:endParaRPr lang="en-US" dirty="0"/>
-          </a:p>
-        </p:txBody>
-      </p:sp>
-      <p:sp>
-        <p:nvSpPr>
-          <p:cNvPr id="3" name="Content Placeholder 2"/>
-          <p:cNvSpPr>
-            <a:spLocks noGrp="1"/>
-          </p:cNvSpPr>
-          <p:nvPr>
-            <p:ph idx="1"/>
-          </p:nvPr>
-        </p:nvSpPr>
-        <p:spPr>
-          <a:xfrm>
-            <a:off x="457200" y="1447800"/>
-            <a:ext cx="8229600" cy="4525963"/>
-          </a:xfrm>
-        </p:spPr>
-        <p:txBody>
-          <a:bodyPr>
-            <a:normAutofit fontScale="92500" lnSpcReduction="10000"/>
-          </a:bodyPr>
-          <a:lstStyle/>
-          <a:p>
-            <a:r>
-              <a:rPr lang="en-US" dirty="0"/>
-              <a:t>As IoT devices become increasingly integrated into our daily lives and critical infrastructure, ensuring their security is paramount to safeguarding sensitive data, preserving privacy, and protecting against potential threats.</a:t>
-            </a:r>
-          </a:p>
-          <a:p>
-            <a:r>
-              <a:rPr lang="en-US" dirty="0"/>
-              <a:t>Unlike traditional IT systems, IoT devices often have limited computing resources and are deployed in diverse environments, making them susceptible to various security vulnerabilities and exploitation.</a:t>
-            </a:r>
-          </a:p>
-          <a:p>
-            <a:pPr algn="just">
-              <a:lnSpc>
-                <a:spcPct val="150000"/>
-              </a:lnSpc>
-            </a:pPr>
-            <a:endParaRPr lang="en-US" dirty="0"/>
-          </a:p>
-        </p:txBody>
-      </p:sp>
-    </p:spTree>
   </p:cSld>
   <p:clrMapOvr>
     <a:masterClrMapping/>
@@ -5599,6 +12777,95 @@
           <a:chExt cx="0" cy="0"/>
         </a:xfrm>
       </p:grpSpPr>
+      <p:sp>
+        <p:nvSpPr>
+          <p:cNvPr id="3" name="TextBox 2">
+            <a:extLst>
+              <a:ext uri="{FF2B5EF4-FFF2-40B4-BE49-F238E27FC236}">
+                <a16:creationId xmlns:a16="http://schemas.microsoft.com/office/drawing/2014/main" id="{59B263D1-53F2-2F8B-2AD0-853A63AFFC63}"/>
+              </a:ext>
+            </a:extLst>
+          </p:cNvPr>
+          <p:cNvSpPr txBox="1"/>
+          <p:nvPr/>
+        </p:nvSpPr>
+        <p:spPr>
+          <a:xfrm>
+            <a:off x="228600" y="1371600"/>
+            <a:ext cx="8686800" cy="3754874"/>
+          </a:xfrm>
+          <a:prstGeom prst="rect">
+            <a:avLst/>
+          </a:prstGeom>
+          <a:noFill/>
+        </p:spPr>
+        <p:txBody>
+          <a:bodyPr wrap="square">
+            <a:spAutoFit/>
+          </a:bodyPr>
+          <a:lstStyle/>
+          <a:p>
+            <a:r>
+              <a:rPr lang="en-US" sz="1400" dirty="0"/>
+              <a:t>Advantages:</a:t>
+            </a:r>
+          </a:p>
+          <a:p>
+            <a:endParaRPr lang="en-US" sz="1400" dirty="0"/>
+          </a:p>
+          <a:p>
+            <a:r>
+              <a:rPr lang="en-US" sz="1400" dirty="0"/>
+              <a:t>Increased Efficiency: IoT-enabled sensors in automation systems can enhance efficiency by enabling real-time monitoring and control of industrial processes.</a:t>
+            </a:r>
+          </a:p>
+          <a:p>
+            <a:endParaRPr lang="en-US" sz="1400" dirty="0"/>
+          </a:p>
+          <a:p>
+            <a:r>
+              <a:rPr lang="en-US" sz="1400" dirty="0"/>
+              <a:t>Enhanced Productivity: Automation systems empowered by IoT sensors can streamline workflows.</a:t>
+            </a:r>
+          </a:p>
+          <a:p>
+            <a:endParaRPr lang="en-US" sz="1400" dirty="0"/>
+          </a:p>
+          <a:p>
+            <a:r>
+              <a:rPr lang="en-US" sz="1400" dirty="0"/>
+              <a:t>Disadvantages:</a:t>
+            </a:r>
+          </a:p>
+          <a:p>
+            <a:endParaRPr lang="en-US" sz="1400" dirty="0"/>
+          </a:p>
+          <a:p>
+            <a:r>
+              <a:rPr lang="en-US" sz="1400" dirty="0"/>
+              <a:t>Security Vulnerabilities: IoT-enabled sensors in automation systems are susceptible to cyberattacks, posing risks such as data breaches, system disruptions, and even physical harm if compromised</a:t>
+            </a:r>
+          </a:p>
+          <a:p>
+            <a:endParaRPr lang="en-US" sz="1400" dirty="0"/>
+          </a:p>
+          <a:p>
+            <a:r>
+              <a:rPr lang="en-US" sz="1400" dirty="0"/>
+              <a:t>Complexity: Integrating IoT sensors into automation systems can introduce complexity, requiring careful design and implementation to ensure interoperability, reliability.</a:t>
+            </a:r>
+          </a:p>
+          <a:p>
+            <a:endParaRPr lang="en-US" sz="1400" dirty="0"/>
+          </a:p>
+          <a:p>
+            <a:r>
+              <a:rPr lang="en-US" sz="1400" dirty="0"/>
+              <a:t>Privacy Concerns: Collecting and analyzing data from IoT sensors may raise privacy concerns, particularly regarding sensitive information about individuals or proprietary business processes.</a:t>
+            </a:r>
+          </a:p>
+        </p:txBody>
+      </p:sp>
     </p:spTree>
     <p:extLst>
       <p:ext uri="{BB962C8B-B14F-4D97-AF65-F5344CB8AC3E}">

--- a/IOTProjreview ppt.pptx
+++ b/IOTProjreview ppt.pptx
@@ -5,7 +5,7 @@
     <p:sldMasterId id="2147483648" r:id="rId1"/>
   </p:sldMasterIdLst>
   <p:notesMasterIdLst>
-    <p:notesMasterId r:id="rId23"/>
+    <p:notesMasterId r:id="rId25"/>
   </p:notesMasterIdLst>
   <p:sldIdLst>
     <p:sldId id="256" r:id="rId2"/>
@@ -27,8 +27,10 @@
     <p:sldId id="283" r:id="rId18"/>
     <p:sldId id="285" r:id="rId19"/>
     <p:sldId id="286" r:id="rId20"/>
-    <p:sldId id="266" r:id="rId21"/>
-    <p:sldId id="276" r:id="rId22"/>
+    <p:sldId id="287" r:id="rId21"/>
+    <p:sldId id="289" r:id="rId22"/>
+    <p:sldId id="266" r:id="rId23"/>
+    <p:sldId id="276" r:id="rId24"/>
   </p:sldIdLst>
   <p:sldSz cx="9144000" cy="6858000" type="screen4x3"/>
   <p:notesSz cx="6858000" cy="9144000"/>
@@ -11661,7 +11663,7 @@
                 <a:latin typeface="Times New Roman" panose="02020603050405020304" pitchFamily="18" charset="0"/>
                 <a:cs typeface="Times New Roman" panose="02020603050405020304" pitchFamily="18" charset="0"/>
               </a:rPr>
-              <a:t>Feature Engineering Module</a:t>
+              <a:t>Model Development Module</a:t>
             </a:r>
           </a:p>
           <a:p>
@@ -11678,7 +11680,7 @@
                 <a:latin typeface="Times New Roman" panose="02020603050405020304" pitchFamily="18" charset="0"/>
                 <a:cs typeface="Times New Roman" panose="02020603050405020304" pitchFamily="18" charset="0"/>
               </a:rPr>
-              <a:t>Model Development Module</a:t>
+              <a:t>Feature Engineering Module</a:t>
             </a:r>
           </a:p>
           <a:p>
@@ -11871,6 +11873,1264 @@
       </p:grpSpPr>
       <p:sp>
         <p:nvSpPr>
+          <p:cNvPr id="2" name="Title 1">
+            <a:extLst>
+              <a:ext uri="{FF2B5EF4-FFF2-40B4-BE49-F238E27FC236}">
+                <a16:creationId xmlns:a16="http://schemas.microsoft.com/office/drawing/2014/main" id="{DECAB174-2738-F824-6C1B-7429FCAFA339}"/>
+              </a:ext>
+            </a:extLst>
+          </p:cNvPr>
+          <p:cNvSpPr>
+            <a:spLocks noGrp="1"/>
+          </p:cNvSpPr>
+          <p:nvPr>
+            <p:ph type="title"/>
+          </p:nvPr>
+        </p:nvSpPr>
+        <p:spPr/>
+        <p:txBody>
+          <a:bodyPr>
+            <a:normAutofit/>
+          </a:bodyPr>
+          <a:lstStyle/>
+          <a:p>
+            <a:r>
+              <a:rPr lang="en-US" sz="4400" b="0" i="0" dirty="0">
+                <a:effectLst/>
+                <a:latin typeface="Times New Roman" panose="02020603050405020304" pitchFamily="18" charset="0"/>
+                <a:cs typeface="Times New Roman" panose="02020603050405020304" pitchFamily="18" charset="0"/>
+              </a:rPr>
+              <a:t>DATA PREPARATION MODULE</a:t>
+            </a:r>
+            <a:endParaRPr lang="en-IN" dirty="0"/>
+          </a:p>
+        </p:txBody>
+      </p:sp>
+      <p:sp>
+        <p:nvSpPr>
+          <p:cNvPr id="3" name="Content Placeholder 2">
+            <a:extLst>
+              <a:ext uri="{FF2B5EF4-FFF2-40B4-BE49-F238E27FC236}">
+                <a16:creationId xmlns:a16="http://schemas.microsoft.com/office/drawing/2014/main" id="{A33FC9B1-3924-C655-A473-DA7D252D786C}"/>
+              </a:ext>
+            </a:extLst>
+          </p:cNvPr>
+          <p:cNvSpPr>
+            <a:spLocks noGrp="1"/>
+          </p:cNvSpPr>
+          <p:nvPr>
+            <p:ph idx="1"/>
+          </p:nvPr>
+        </p:nvSpPr>
+        <p:spPr>
+          <a:xfrm>
+            <a:off x="457200" y="1639160"/>
+            <a:ext cx="8229600" cy="4525963"/>
+          </a:xfrm>
+        </p:spPr>
+        <p:txBody>
+          <a:bodyPr>
+            <a:normAutofit/>
+          </a:bodyPr>
+          <a:lstStyle/>
+          <a:p>
+            <a:pPr marL="0" indent="0" algn="just">
+              <a:lnSpc>
+                <a:spcPct val="150000"/>
+              </a:lnSpc>
+              <a:buNone/>
+            </a:pPr>
+            <a:r>
+              <a:rPr lang="en-IN" sz="1800" dirty="0">
+                <a:latin typeface="Times New Roman" panose="02020603050405020304" pitchFamily="18" charset="0"/>
+                <a:cs typeface="Times New Roman" panose="02020603050405020304" pitchFamily="18" charset="0"/>
+              </a:rPr>
+              <a:t>Here the CSV file is read and made into data frames for easy use</a:t>
+            </a:r>
+          </a:p>
+        </p:txBody>
+      </p:sp>
+      <p:sp>
+        <p:nvSpPr>
+          <p:cNvPr id="4" name="Rectangle 3">
+            <a:extLst>
+              <a:ext uri="{FF2B5EF4-FFF2-40B4-BE49-F238E27FC236}">
+                <a16:creationId xmlns:a16="http://schemas.microsoft.com/office/drawing/2014/main" id="{E0492452-76CB-9E88-39B1-944D1F6B1555}"/>
+              </a:ext>
+            </a:extLst>
+          </p:cNvPr>
+          <p:cNvSpPr/>
+          <p:nvPr/>
+        </p:nvSpPr>
+        <p:spPr>
+          <a:xfrm>
+            <a:off x="152400" y="152400"/>
+            <a:ext cx="8839200" cy="6553200"/>
+          </a:xfrm>
+          <a:prstGeom prst="rect">
+            <a:avLst/>
+          </a:prstGeom>
+          <a:noFill/>
+        </p:spPr>
+        <p:style>
+          <a:lnRef idx="2">
+            <a:schemeClr val="dk1"/>
+          </a:lnRef>
+          <a:fillRef idx="1">
+            <a:schemeClr val="lt1"/>
+          </a:fillRef>
+          <a:effectRef idx="0">
+            <a:schemeClr val="dk1"/>
+          </a:effectRef>
+          <a:fontRef idx="minor">
+            <a:schemeClr val="dk1"/>
+          </a:fontRef>
+        </p:style>
+        <p:txBody>
+          <a:bodyPr rtlCol="0" anchor="ctr"/>
+          <a:lstStyle/>
+          <a:p>
+            <a:pPr algn="ctr"/>
+            <a:endParaRPr lang="en-US" dirty="0"/>
+          </a:p>
+        </p:txBody>
+      </p:sp>
+      <p:grpSp>
+        <p:nvGrpSpPr>
+          <p:cNvPr id="19" name="Group 18">
+            <a:extLst>
+              <a:ext uri="{FF2B5EF4-FFF2-40B4-BE49-F238E27FC236}">
+                <a16:creationId xmlns:a16="http://schemas.microsoft.com/office/drawing/2014/main" id="{51B57F55-EB42-F6E2-9553-1E7D08E069BD}"/>
+              </a:ext>
+            </a:extLst>
+          </p:cNvPr>
+          <p:cNvGrpSpPr/>
+          <p:nvPr/>
+        </p:nvGrpSpPr>
+        <p:grpSpPr>
+          <a:xfrm>
+            <a:off x="1066800" y="3276600"/>
+            <a:ext cx="7010400" cy="2514600"/>
+            <a:chOff x="655690" y="2971800"/>
+            <a:chExt cx="7033136" cy="3188407"/>
+          </a:xfrm>
+        </p:grpSpPr>
+        <p:sp>
+          <p:nvSpPr>
+            <p:cNvPr id="5" name="Rectangle: Rounded Corners 4">
+              <a:extLst>
+                <a:ext uri="{FF2B5EF4-FFF2-40B4-BE49-F238E27FC236}">
+                  <a16:creationId xmlns:a16="http://schemas.microsoft.com/office/drawing/2014/main" id="{75BB6232-B3CC-E6C9-2605-8A7965537A7C}"/>
+                </a:ext>
+              </a:extLst>
+            </p:cNvPr>
+            <p:cNvSpPr/>
+            <p:nvPr/>
+          </p:nvSpPr>
+          <p:spPr>
+            <a:xfrm>
+              <a:off x="1190820" y="3008608"/>
+              <a:ext cx="2362201" cy="1295400"/>
+            </a:xfrm>
+            <a:prstGeom prst="roundRect">
+              <a:avLst/>
+            </a:prstGeom>
+          </p:spPr>
+          <p:style>
+            <a:lnRef idx="1">
+              <a:schemeClr val="dk1"/>
+            </a:lnRef>
+            <a:fillRef idx="2">
+              <a:schemeClr val="dk1"/>
+            </a:fillRef>
+            <a:effectRef idx="1">
+              <a:schemeClr val="dk1"/>
+            </a:effectRef>
+            <a:fontRef idx="minor">
+              <a:schemeClr val="dk1"/>
+            </a:fontRef>
+          </p:style>
+          <p:txBody>
+            <a:bodyPr rtlCol="0" anchor="ctr"/>
+            <a:lstStyle/>
+            <a:p>
+              <a:pPr algn="ctr"/>
+              <a:r>
+                <a:rPr lang="en-IN" dirty="0">
+                  <a:latin typeface="Times New Roman" panose="02020603050405020304" pitchFamily="18" charset="0"/>
+                  <a:cs typeface="Times New Roman" panose="02020603050405020304" pitchFamily="18" charset="0"/>
+                </a:rPr>
+                <a:t>SAMPLE CSV FILE</a:t>
+              </a:r>
+            </a:p>
+          </p:txBody>
+        </p:sp>
+        <p:sp>
+          <p:nvSpPr>
+            <p:cNvPr id="6" name="Rectangle: Rounded Corners 5">
+              <a:extLst>
+                <a:ext uri="{FF2B5EF4-FFF2-40B4-BE49-F238E27FC236}">
+                  <a16:creationId xmlns:a16="http://schemas.microsoft.com/office/drawing/2014/main" id="{08F83148-09DD-1137-1221-25C99BA37F41}"/>
+                </a:ext>
+              </a:extLst>
+            </p:cNvPr>
+            <p:cNvSpPr/>
+            <p:nvPr/>
+          </p:nvSpPr>
+          <p:spPr>
+            <a:xfrm>
+              <a:off x="5021826" y="4862646"/>
+              <a:ext cx="2667000" cy="1295400"/>
+            </a:xfrm>
+            <a:prstGeom prst="roundRect">
+              <a:avLst/>
+            </a:prstGeom>
+          </p:spPr>
+          <p:style>
+            <a:lnRef idx="1">
+              <a:schemeClr val="dk1"/>
+            </a:lnRef>
+            <a:fillRef idx="2">
+              <a:schemeClr val="dk1"/>
+            </a:fillRef>
+            <a:effectRef idx="1">
+              <a:schemeClr val="dk1"/>
+            </a:effectRef>
+            <a:fontRef idx="minor">
+              <a:schemeClr val="dk1"/>
+            </a:fontRef>
+          </p:style>
+          <p:txBody>
+            <a:bodyPr rtlCol="0" anchor="ctr"/>
+            <a:lstStyle/>
+            <a:p>
+              <a:pPr algn="ctr"/>
+              <a:r>
+                <a:rPr lang="en-IN" dirty="0">
+                  <a:latin typeface="Times New Roman" panose="02020603050405020304" pitchFamily="18" charset="0"/>
+                  <a:cs typeface="Times New Roman" panose="02020603050405020304" pitchFamily="18" charset="0"/>
+                </a:rPr>
+                <a:t>PREPROCESSED DATA</a:t>
+              </a:r>
+            </a:p>
+          </p:txBody>
+        </p:sp>
+        <p:sp>
+          <p:nvSpPr>
+            <p:cNvPr id="7" name="Rectangle 6">
+              <a:extLst>
+                <a:ext uri="{FF2B5EF4-FFF2-40B4-BE49-F238E27FC236}">
+                  <a16:creationId xmlns:a16="http://schemas.microsoft.com/office/drawing/2014/main" id="{BEAEB68B-84F5-3927-1B47-5291E4A579E5}"/>
+                </a:ext>
+              </a:extLst>
+            </p:cNvPr>
+            <p:cNvSpPr/>
+            <p:nvPr/>
+          </p:nvSpPr>
+          <p:spPr>
+            <a:xfrm>
+              <a:off x="5174226" y="2971800"/>
+              <a:ext cx="2362201" cy="1295400"/>
+            </a:xfrm>
+            <a:prstGeom prst="rect">
+              <a:avLst/>
+            </a:prstGeom>
+          </p:spPr>
+          <p:style>
+            <a:lnRef idx="1">
+              <a:schemeClr val="dk1"/>
+            </a:lnRef>
+            <a:fillRef idx="2">
+              <a:schemeClr val="dk1"/>
+            </a:fillRef>
+            <a:effectRef idx="1">
+              <a:schemeClr val="dk1"/>
+            </a:effectRef>
+            <a:fontRef idx="minor">
+              <a:schemeClr val="dk1"/>
+            </a:fontRef>
+          </p:style>
+          <p:txBody>
+            <a:bodyPr rtlCol="0" anchor="ctr"/>
+            <a:lstStyle/>
+            <a:p>
+              <a:pPr algn="ctr">
+                <a:lnSpc>
+                  <a:spcPct val="150000"/>
+                </a:lnSpc>
+              </a:pPr>
+              <a:r>
+                <a:rPr lang="en-IN" dirty="0">
+                  <a:latin typeface="Times New Roman" panose="02020603050405020304" pitchFamily="18" charset="0"/>
+                  <a:cs typeface="Times New Roman" panose="02020603050405020304" pitchFamily="18" charset="0"/>
+                </a:rPr>
+                <a:t>DATA</a:t>
+              </a:r>
+            </a:p>
+            <a:p>
+              <a:pPr algn="ctr">
+                <a:lnSpc>
+                  <a:spcPct val="150000"/>
+                </a:lnSpc>
+              </a:pPr>
+              <a:r>
+                <a:rPr lang="en-IN" dirty="0">
+                  <a:latin typeface="Times New Roman" panose="02020603050405020304" pitchFamily="18" charset="0"/>
+                  <a:cs typeface="Times New Roman" panose="02020603050405020304" pitchFamily="18" charset="0"/>
+                </a:rPr>
+                <a:t>PARSING</a:t>
+              </a:r>
+            </a:p>
+          </p:txBody>
+        </p:sp>
+        <p:sp>
+          <p:nvSpPr>
+            <p:cNvPr id="8" name="Rectangle 7">
+              <a:extLst>
+                <a:ext uri="{FF2B5EF4-FFF2-40B4-BE49-F238E27FC236}">
+                  <a16:creationId xmlns:a16="http://schemas.microsoft.com/office/drawing/2014/main" id="{D7ACD99F-8D3E-6D10-5BCE-59541507F9A1}"/>
+                </a:ext>
+              </a:extLst>
+            </p:cNvPr>
+            <p:cNvSpPr/>
+            <p:nvPr/>
+          </p:nvSpPr>
+          <p:spPr>
+            <a:xfrm>
+              <a:off x="655690" y="4864808"/>
+              <a:ext cx="3001911" cy="1295399"/>
+            </a:xfrm>
+            <a:prstGeom prst="rect">
+              <a:avLst/>
+            </a:prstGeom>
+          </p:spPr>
+          <p:style>
+            <a:lnRef idx="1">
+              <a:schemeClr val="dk1"/>
+            </a:lnRef>
+            <a:fillRef idx="2">
+              <a:schemeClr val="dk1"/>
+            </a:fillRef>
+            <a:effectRef idx="1">
+              <a:schemeClr val="dk1"/>
+            </a:effectRef>
+            <a:fontRef idx="minor">
+              <a:schemeClr val="dk1"/>
+            </a:fontRef>
+          </p:style>
+          <p:txBody>
+            <a:bodyPr rtlCol="0" anchor="ctr"/>
+            <a:lstStyle/>
+            <a:p>
+              <a:pPr algn="ctr">
+                <a:lnSpc>
+                  <a:spcPct val="150000"/>
+                </a:lnSpc>
+              </a:pPr>
+              <a:r>
+                <a:rPr lang="en-IN" dirty="0">
+                  <a:latin typeface="Times New Roman" panose="02020603050405020304" pitchFamily="18" charset="0"/>
+                  <a:cs typeface="Times New Roman" panose="02020603050405020304" pitchFamily="18" charset="0"/>
+                </a:rPr>
+                <a:t>DATA PREPROCESSING</a:t>
+              </a:r>
+            </a:p>
+          </p:txBody>
+        </p:sp>
+        <p:cxnSp>
+          <p:nvCxnSpPr>
+            <p:cNvPr id="10" name="Straight Arrow Connector 9">
+              <a:extLst>
+                <a:ext uri="{FF2B5EF4-FFF2-40B4-BE49-F238E27FC236}">
+                  <a16:creationId xmlns:a16="http://schemas.microsoft.com/office/drawing/2014/main" id="{5B2997F6-0C76-66D3-D241-AC5790C62A22}"/>
+                </a:ext>
+              </a:extLst>
+            </p:cNvPr>
+            <p:cNvCxnSpPr>
+              <a:cxnSpLocks/>
+              <a:stCxn id="5" idx="3"/>
+              <a:endCxn id="7" idx="1"/>
+            </p:cNvCxnSpPr>
+            <p:nvPr/>
+          </p:nvCxnSpPr>
+          <p:spPr>
+            <a:xfrm flipV="1">
+              <a:off x="3553021" y="3619501"/>
+              <a:ext cx="1621205" cy="36808"/>
+            </a:xfrm>
+            <a:prstGeom prst="straightConnector1">
+              <a:avLst/>
+            </a:prstGeom>
+            <a:ln>
+              <a:tailEnd type="triangle"/>
+            </a:ln>
+          </p:spPr>
+          <p:style>
+            <a:lnRef idx="1">
+              <a:schemeClr val="dk1"/>
+            </a:lnRef>
+            <a:fillRef idx="0">
+              <a:schemeClr val="dk1"/>
+            </a:fillRef>
+            <a:effectRef idx="0">
+              <a:schemeClr val="dk1"/>
+            </a:effectRef>
+            <a:fontRef idx="minor">
+              <a:schemeClr val="tx1"/>
+            </a:fontRef>
+          </p:style>
+        </p:cxnSp>
+        <p:cxnSp>
+          <p:nvCxnSpPr>
+            <p:cNvPr id="16" name="Straight Arrow Connector 15">
+              <a:extLst>
+                <a:ext uri="{FF2B5EF4-FFF2-40B4-BE49-F238E27FC236}">
+                  <a16:creationId xmlns:a16="http://schemas.microsoft.com/office/drawing/2014/main" id="{F4EC4DB5-9D13-7D5F-0676-E2D339A8B1D0}"/>
+                </a:ext>
+              </a:extLst>
+            </p:cNvPr>
+            <p:cNvCxnSpPr>
+              <a:cxnSpLocks/>
+              <a:stCxn id="8" idx="3"/>
+              <a:endCxn id="6" idx="1"/>
+            </p:cNvCxnSpPr>
+            <p:nvPr/>
+          </p:nvCxnSpPr>
+          <p:spPr>
+            <a:xfrm flipV="1">
+              <a:off x="3657601" y="5510346"/>
+              <a:ext cx="1364225" cy="2161"/>
+            </a:xfrm>
+            <a:prstGeom prst="straightConnector1">
+              <a:avLst/>
+            </a:prstGeom>
+            <a:ln>
+              <a:tailEnd type="triangle"/>
+            </a:ln>
+          </p:spPr>
+          <p:style>
+            <a:lnRef idx="1">
+              <a:schemeClr val="dk1"/>
+            </a:lnRef>
+            <a:fillRef idx="0">
+              <a:schemeClr val="dk1"/>
+            </a:fillRef>
+            <a:effectRef idx="0">
+              <a:schemeClr val="dk1"/>
+            </a:effectRef>
+            <a:fontRef idx="minor">
+              <a:schemeClr val="tx1"/>
+            </a:fontRef>
+          </p:style>
+        </p:cxnSp>
+        <p:cxnSp>
+          <p:nvCxnSpPr>
+            <p:cNvPr id="18" name="Connector: Elbow 17">
+              <a:extLst>
+                <a:ext uri="{FF2B5EF4-FFF2-40B4-BE49-F238E27FC236}">
+                  <a16:creationId xmlns:a16="http://schemas.microsoft.com/office/drawing/2014/main" id="{3D5337D4-5232-4C8E-67F4-CF412CB44E52}"/>
+                </a:ext>
+              </a:extLst>
+            </p:cNvPr>
+            <p:cNvCxnSpPr>
+              <a:cxnSpLocks/>
+              <a:stCxn id="7" idx="2"/>
+              <a:endCxn id="8" idx="0"/>
+            </p:cNvCxnSpPr>
+            <p:nvPr/>
+          </p:nvCxnSpPr>
+          <p:spPr>
+            <a:xfrm rot="5400000">
+              <a:off x="3957183" y="2466664"/>
+              <a:ext cx="597608" cy="4198680"/>
+            </a:xfrm>
+            <a:prstGeom prst="bentConnector3">
+              <a:avLst/>
+            </a:prstGeom>
+            <a:ln>
+              <a:tailEnd type="triangle"/>
+            </a:ln>
+          </p:spPr>
+          <p:style>
+            <a:lnRef idx="1">
+              <a:schemeClr val="dk1"/>
+            </a:lnRef>
+            <a:fillRef idx="0">
+              <a:schemeClr val="dk1"/>
+            </a:fillRef>
+            <a:effectRef idx="0">
+              <a:schemeClr val="dk1"/>
+            </a:effectRef>
+            <a:fontRef idx="minor">
+              <a:schemeClr val="tx1"/>
+            </a:fontRef>
+          </p:style>
+        </p:cxnSp>
+      </p:grpSp>
+    </p:spTree>
+    <p:extLst>
+      <p:ext uri="{BB962C8B-B14F-4D97-AF65-F5344CB8AC3E}">
+        <p14:creationId xmlns:p14="http://schemas.microsoft.com/office/powerpoint/2010/main" val="1096037174"/>
+      </p:ext>
+    </p:extLst>
+  </p:cSld>
+  <p:clrMapOvr>
+    <a:masterClrMapping/>
+  </p:clrMapOvr>
+</p:sld>
+</file>
+
+<file path=ppt/slides/slide21.xml><?xml version="1.0" encoding="utf-8"?>
+<p:sld xmlns:a="http://schemas.openxmlformats.org/drawingml/2006/main" xmlns:r="http://schemas.openxmlformats.org/officeDocument/2006/relationships" xmlns:p="http://schemas.openxmlformats.org/presentationml/2006/main">
+  <p:cSld>
+    <p:spTree>
+      <p:nvGrpSpPr>
+        <p:cNvPr id="1" name=""/>
+        <p:cNvGrpSpPr/>
+        <p:nvPr/>
+      </p:nvGrpSpPr>
+      <p:grpSpPr>
+        <a:xfrm>
+          <a:off x="0" y="0"/>
+          <a:ext cx="0" cy="0"/>
+          <a:chOff x="0" y="0"/>
+          <a:chExt cx="0" cy="0"/>
+        </a:xfrm>
+      </p:grpSpPr>
+      <p:sp>
+        <p:nvSpPr>
+          <p:cNvPr id="2" name="Title 1">
+            <a:extLst>
+              <a:ext uri="{FF2B5EF4-FFF2-40B4-BE49-F238E27FC236}">
+                <a16:creationId xmlns:a16="http://schemas.microsoft.com/office/drawing/2014/main" id="{4198B996-4F96-212A-A182-73E6FE3E5BD9}"/>
+              </a:ext>
+            </a:extLst>
+          </p:cNvPr>
+          <p:cNvSpPr>
+            <a:spLocks noGrp="1"/>
+          </p:cNvSpPr>
+          <p:nvPr>
+            <p:ph type="title"/>
+          </p:nvPr>
+        </p:nvSpPr>
+        <p:spPr>
+          <a:xfrm>
+            <a:off x="457200" y="53340"/>
+            <a:ext cx="8229600" cy="1143000"/>
+          </a:xfrm>
+        </p:spPr>
+        <p:txBody>
+          <a:bodyPr>
+            <a:normAutofit fontScale="90000"/>
+          </a:bodyPr>
+          <a:lstStyle/>
+          <a:p>
+            <a:r>
+              <a:rPr lang="en-US" dirty="0">
+                <a:latin typeface="Times New Roman" panose="02020603050405020304" pitchFamily="18" charset="0"/>
+                <a:cs typeface="Times New Roman" panose="02020603050405020304" pitchFamily="18" charset="0"/>
+              </a:rPr>
+              <a:t>MODEL DEVELOPMENT</a:t>
+            </a:r>
+            <a:r>
+              <a:rPr lang="en-US" sz="4400" b="0" i="0" dirty="0">
+                <a:effectLst/>
+                <a:latin typeface="Times New Roman" panose="02020603050405020304" pitchFamily="18" charset="0"/>
+                <a:cs typeface="Times New Roman" panose="02020603050405020304" pitchFamily="18" charset="0"/>
+              </a:rPr>
+              <a:t> MODULE</a:t>
+            </a:r>
+            <a:endParaRPr lang="en-IN" dirty="0"/>
+          </a:p>
+        </p:txBody>
+      </p:sp>
+      <p:sp>
+        <p:nvSpPr>
+          <p:cNvPr id="3" name="Content Placeholder 2">
+            <a:extLst>
+              <a:ext uri="{FF2B5EF4-FFF2-40B4-BE49-F238E27FC236}">
+                <a16:creationId xmlns:a16="http://schemas.microsoft.com/office/drawing/2014/main" id="{06EB47BB-031F-84F7-B4CA-33FCBC862A5C}"/>
+              </a:ext>
+            </a:extLst>
+          </p:cNvPr>
+          <p:cNvSpPr>
+            <a:spLocks noGrp="1"/>
+          </p:cNvSpPr>
+          <p:nvPr>
+            <p:ph idx="1"/>
+          </p:nvPr>
+        </p:nvSpPr>
+        <p:spPr>
+          <a:xfrm>
+            <a:off x="195503" y="986247"/>
+            <a:ext cx="8229600" cy="2010297"/>
+          </a:xfrm>
+        </p:spPr>
+        <p:txBody>
+          <a:bodyPr>
+            <a:normAutofit/>
+          </a:bodyPr>
+          <a:lstStyle/>
+          <a:p>
+            <a:pPr marL="457200" lvl="1" indent="0" algn="just">
+              <a:lnSpc>
+                <a:spcPct val="150000"/>
+              </a:lnSpc>
+              <a:buNone/>
+            </a:pPr>
+            <a:r>
+              <a:rPr lang="en-US" sz="1800" b="0" i="0" dirty="0">
+                <a:effectLst/>
+                <a:latin typeface="Times New Roman" panose="02020603050405020304" pitchFamily="18" charset="0"/>
+                <a:cs typeface="Times New Roman" panose="02020603050405020304" pitchFamily="18" charset="0"/>
+              </a:rPr>
+              <a:t>Here a Model in this case a Anomaly detection model is created, and the model is saved as a </a:t>
+            </a:r>
+            <a:r>
+              <a:rPr lang="en-US" sz="1800" b="0" i="0" dirty="0" err="1">
+                <a:effectLst/>
+                <a:latin typeface="Times New Roman" panose="02020603050405020304" pitchFamily="18" charset="0"/>
+                <a:cs typeface="Times New Roman" panose="02020603050405020304" pitchFamily="18" charset="0"/>
+              </a:rPr>
+              <a:t>keras</a:t>
+            </a:r>
+            <a:r>
+              <a:rPr lang="en-US" sz="1800" b="0" i="0" dirty="0">
+                <a:effectLst/>
+                <a:latin typeface="Times New Roman" panose="02020603050405020304" pitchFamily="18" charset="0"/>
+                <a:cs typeface="Times New Roman" panose="02020603050405020304" pitchFamily="18" charset="0"/>
+              </a:rPr>
+              <a:t> file </a:t>
+            </a:r>
+            <a:r>
+              <a:rPr lang="en-US" sz="1800" dirty="0">
+                <a:latin typeface="Times New Roman" panose="02020603050405020304" pitchFamily="18" charset="0"/>
+                <a:cs typeface="Times New Roman" panose="02020603050405020304" pitchFamily="18" charset="0"/>
+              </a:rPr>
+              <a:t>in a temp area for use later</a:t>
+            </a:r>
+            <a:endParaRPr lang="en-US" sz="1800" b="0" i="0" dirty="0">
+              <a:effectLst/>
+              <a:latin typeface="Times New Roman" panose="02020603050405020304" pitchFamily="18" charset="0"/>
+              <a:cs typeface="Times New Roman" panose="02020603050405020304" pitchFamily="18" charset="0"/>
+            </a:endParaRPr>
+          </a:p>
+          <a:p>
+            <a:pPr marL="0" indent="0">
+              <a:buNone/>
+            </a:pPr>
+            <a:br>
+              <a:rPr lang="en-US" dirty="0"/>
+            </a:br>
+            <a:endParaRPr lang="en-IN" dirty="0"/>
+          </a:p>
+        </p:txBody>
+      </p:sp>
+      <p:sp>
+        <p:nvSpPr>
+          <p:cNvPr id="4" name="Rectangle 3">
+            <a:extLst>
+              <a:ext uri="{FF2B5EF4-FFF2-40B4-BE49-F238E27FC236}">
+                <a16:creationId xmlns:a16="http://schemas.microsoft.com/office/drawing/2014/main" id="{803E6D41-8F30-B3E2-38D2-A040AD2E1B41}"/>
+              </a:ext>
+            </a:extLst>
+          </p:cNvPr>
+          <p:cNvSpPr/>
+          <p:nvPr/>
+        </p:nvSpPr>
+        <p:spPr>
+          <a:xfrm>
+            <a:off x="152400" y="152400"/>
+            <a:ext cx="8839200" cy="6553200"/>
+          </a:xfrm>
+          <a:prstGeom prst="rect">
+            <a:avLst/>
+          </a:prstGeom>
+          <a:noFill/>
+        </p:spPr>
+        <p:style>
+          <a:lnRef idx="2">
+            <a:schemeClr val="dk1"/>
+          </a:lnRef>
+          <a:fillRef idx="1">
+            <a:schemeClr val="lt1"/>
+          </a:fillRef>
+          <a:effectRef idx="0">
+            <a:schemeClr val="dk1"/>
+          </a:effectRef>
+          <a:fontRef idx="minor">
+            <a:schemeClr val="dk1"/>
+          </a:fontRef>
+        </p:style>
+        <p:txBody>
+          <a:bodyPr rtlCol="0" anchor="ctr"/>
+          <a:lstStyle/>
+          <a:p>
+            <a:pPr algn="ctr"/>
+            <a:endParaRPr lang="en-US" dirty="0"/>
+          </a:p>
+        </p:txBody>
+      </p:sp>
+      <p:sp>
+        <p:nvSpPr>
+          <p:cNvPr id="15" name="Rectangle 14">
+            <a:extLst>
+              <a:ext uri="{FF2B5EF4-FFF2-40B4-BE49-F238E27FC236}">
+                <a16:creationId xmlns:a16="http://schemas.microsoft.com/office/drawing/2014/main" id="{110C65DF-777D-775D-43B4-D2FE701B61D7}"/>
+              </a:ext>
+            </a:extLst>
+          </p:cNvPr>
+          <p:cNvSpPr/>
+          <p:nvPr/>
+        </p:nvSpPr>
+        <p:spPr>
+          <a:xfrm>
+            <a:off x="381523" y="2152942"/>
+            <a:ext cx="2537456" cy="638608"/>
+          </a:xfrm>
+          <a:prstGeom prst="rect">
+            <a:avLst/>
+          </a:prstGeom>
+        </p:spPr>
+        <p:style>
+          <a:lnRef idx="1">
+            <a:schemeClr val="dk1"/>
+          </a:lnRef>
+          <a:fillRef idx="2">
+            <a:schemeClr val="dk1"/>
+          </a:fillRef>
+          <a:effectRef idx="1">
+            <a:schemeClr val="dk1"/>
+          </a:effectRef>
+          <a:fontRef idx="minor">
+            <a:schemeClr val="dk1"/>
+          </a:fontRef>
+        </p:style>
+        <p:txBody>
+          <a:bodyPr rtlCol="0" anchor="ctr"/>
+          <a:lstStyle/>
+          <a:p>
+            <a:pPr algn="ctr"/>
+            <a:r>
+              <a:rPr lang="en-IN" dirty="0">
+                <a:latin typeface="Times New Roman" panose="02020603050405020304" pitchFamily="18" charset="0"/>
+                <a:cs typeface="Times New Roman" panose="02020603050405020304" pitchFamily="18" charset="0"/>
+              </a:rPr>
+              <a:t>MODEL TRAINING</a:t>
+            </a:r>
+          </a:p>
+        </p:txBody>
+      </p:sp>
+      <p:sp>
+        <p:nvSpPr>
+          <p:cNvPr id="16" name="Rectangle 15">
+            <a:extLst>
+              <a:ext uri="{FF2B5EF4-FFF2-40B4-BE49-F238E27FC236}">
+                <a16:creationId xmlns:a16="http://schemas.microsoft.com/office/drawing/2014/main" id="{BCDE79D2-5470-D1B4-E9C6-5519F6B4CD32}"/>
+              </a:ext>
+            </a:extLst>
+          </p:cNvPr>
+          <p:cNvSpPr/>
+          <p:nvPr/>
+        </p:nvSpPr>
+        <p:spPr>
+          <a:xfrm>
+            <a:off x="3626768" y="1895407"/>
+            <a:ext cx="3543300" cy="3108408"/>
+          </a:xfrm>
+          <a:prstGeom prst="rect">
+            <a:avLst/>
+          </a:prstGeom>
+        </p:spPr>
+        <p:style>
+          <a:lnRef idx="1">
+            <a:schemeClr val="dk1"/>
+          </a:lnRef>
+          <a:fillRef idx="2">
+            <a:schemeClr val="dk1"/>
+          </a:fillRef>
+          <a:effectRef idx="1">
+            <a:schemeClr val="dk1"/>
+          </a:effectRef>
+          <a:fontRef idx="minor">
+            <a:schemeClr val="dk1"/>
+          </a:fontRef>
+        </p:style>
+        <p:txBody>
+          <a:bodyPr rtlCol="0" anchor="ctr"/>
+          <a:lstStyle/>
+          <a:p>
+            <a:pPr algn="ctr"/>
+            <a:endParaRPr lang="en-IN" dirty="0"/>
+          </a:p>
+        </p:txBody>
+      </p:sp>
+      <p:sp>
+        <p:nvSpPr>
+          <p:cNvPr id="17" name="Rectangle 16">
+            <a:extLst>
+              <a:ext uri="{FF2B5EF4-FFF2-40B4-BE49-F238E27FC236}">
+                <a16:creationId xmlns:a16="http://schemas.microsoft.com/office/drawing/2014/main" id="{E88BA99B-360E-B857-C713-371BBE85C57F}"/>
+              </a:ext>
+            </a:extLst>
+          </p:cNvPr>
+          <p:cNvSpPr/>
+          <p:nvPr/>
+        </p:nvSpPr>
+        <p:spPr>
+          <a:xfrm>
+            <a:off x="4089366" y="5333878"/>
+            <a:ext cx="2618103" cy="638608"/>
+          </a:xfrm>
+          <a:prstGeom prst="rect">
+            <a:avLst/>
+          </a:prstGeom>
+        </p:spPr>
+        <p:style>
+          <a:lnRef idx="1">
+            <a:schemeClr val="dk1"/>
+          </a:lnRef>
+          <a:fillRef idx="2">
+            <a:schemeClr val="dk1"/>
+          </a:fillRef>
+          <a:effectRef idx="1">
+            <a:schemeClr val="dk1"/>
+          </a:effectRef>
+          <a:fontRef idx="minor">
+            <a:schemeClr val="dk1"/>
+          </a:fontRef>
+        </p:style>
+        <p:txBody>
+          <a:bodyPr rtlCol="0" anchor="ctr"/>
+          <a:lstStyle/>
+          <a:p>
+            <a:pPr algn="ctr"/>
+            <a:r>
+              <a:rPr lang="en-IN" dirty="0">
+                <a:latin typeface="Times New Roman" panose="02020603050405020304" pitchFamily="18" charset="0"/>
+                <a:cs typeface="Times New Roman" panose="02020603050405020304" pitchFamily="18" charset="0"/>
+              </a:rPr>
+              <a:t>MODEL SAVE</a:t>
+            </a:r>
+          </a:p>
+        </p:txBody>
+      </p:sp>
+      <p:grpSp>
+        <p:nvGrpSpPr>
+          <p:cNvPr id="39" name="Group 38">
+            <a:extLst>
+              <a:ext uri="{FF2B5EF4-FFF2-40B4-BE49-F238E27FC236}">
+                <a16:creationId xmlns:a16="http://schemas.microsoft.com/office/drawing/2014/main" id="{CFA4960B-78FD-4A34-5B01-F9E56912114B}"/>
+              </a:ext>
+            </a:extLst>
+          </p:cNvPr>
+          <p:cNvGrpSpPr/>
+          <p:nvPr/>
+        </p:nvGrpSpPr>
+        <p:grpSpPr>
+          <a:xfrm>
+            <a:off x="2918980" y="2152942"/>
+            <a:ext cx="3961102" cy="3180936"/>
+            <a:chOff x="2898658" y="2550180"/>
+            <a:chExt cx="3838041" cy="3180936"/>
+          </a:xfrm>
+        </p:grpSpPr>
+        <p:sp>
+          <p:nvSpPr>
+            <p:cNvPr id="18" name="Rectangle 17">
+              <a:extLst>
+                <a:ext uri="{FF2B5EF4-FFF2-40B4-BE49-F238E27FC236}">
+                  <a16:creationId xmlns:a16="http://schemas.microsoft.com/office/drawing/2014/main" id="{1312C07F-AC34-674A-0E39-F47346796C95}"/>
+                </a:ext>
+              </a:extLst>
+            </p:cNvPr>
+            <p:cNvSpPr/>
+            <p:nvPr/>
+          </p:nvSpPr>
+          <p:spPr>
+            <a:xfrm>
+              <a:off x="3992326" y="2550180"/>
+              <a:ext cx="2743200" cy="533400"/>
+            </a:xfrm>
+            <a:prstGeom prst="rect">
+              <a:avLst/>
+            </a:prstGeom>
+          </p:spPr>
+          <p:style>
+            <a:lnRef idx="1">
+              <a:schemeClr val="dk1"/>
+            </a:lnRef>
+            <a:fillRef idx="2">
+              <a:schemeClr val="dk1"/>
+            </a:fillRef>
+            <a:effectRef idx="1">
+              <a:schemeClr val="dk1"/>
+            </a:effectRef>
+            <a:fontRef idx="minor">
+              <a:schemeClr val="dk1"/>
+            </a:fontRef>
+          </p:style>
+          <p:txBody>
+            <a:bodyPr rtlCol="0" anchor="ctr"/>
+            <a:lstStyle/>
+            <a:p>
+              <a:pPr algn="ctr"/>
+              <a:r>
+                <a:rPr lang="en-IN" dirty="0">
+                  <a:latin typeface="Times New Roman" panose="02020603050405020304" pitchFamily="18" charset="0"/>
+                  <a:cs typeface="Times New Roman" panose="02020603050405020304" pitchFamily="18" charset="0"/>
+                </a:rPr>
+                <a:t>MODEL</a:t>
+              </a:r>
+              <a:endParaRPr lang="en-IN" dirty="0"/>
+            </a:p>
+          </p:txBody>
+        </p:sp>
+        <p:sp>
+          <p:nvSpPr>
+            <p:cNvPr id="19" name="Rectangle 18">
+              <a:extLst>
+                <a:ext uri="{FF2B5EF4-FFF2-40B4-BE49-F238E27FC236}">
+                  <a16:creationId xmlns:a16="http://schemas.microsoft.com/office/drawing/2014/main" id="{589E410D-16AD-1F61-B994-049B05C62191}"/>
+                </a:ext>
+              </a:extLst>
+            </p:cNvPr>
+            <p:cNvSpPr/>
+            <p:nvPr/>
+          </p:nvSpPr>
+          <p:spPr>
+            <a:xfrm>
+              <a:off x="3993499" y="3723846"/>
+              <a:ext cx="2743200" cy="533400"/>
+            </a:xfrm>
+            <a:prstGeom prst="rect">
+              <a:avLst/>
+            </a:prstGeom>
+          </p:spPr>
+          <p:style>
+            <a:lnRef idx="1">
+              <a:schemeClr val="dk1"/>
+            </a:lnRef>
+            <a:fillRef idx="2">
+              <a:schemeClr val="dk1"/>
+            </a:fillRef>
+            <a:effectRef idx="1">
+              <a:schemeClr val="dk1"/>
+            </a:effectRef>
+            <a:fontRef idx="minor">
+              <a:schemeClr val="dk1"/>
+            </a:fontRef>
+          </p:style>
+          <p:txBody>
+            <a:bodyPr rtlCol="0" anchor="ctr"/>
+            <a:lstStyle/>
+            <a:p>
+              <a:pPr algn="ctr"/>
+              <a:r>
+                <a:rPr lang="en-IN" dirty="0">
+                  <a:latin typeface="Times New Roman" panose="02020603050405020304" pitchFamily="18" charset="0"/>
+                  <a:cs typeface="Times New Roman" panose="02020603050405020304" pitchFamily="18" charset="0"/>
+                </a:rPr>
+                <a:t>BIAS DETECTION</a:t>
+              </a:r>
+              <a:endParaRPr lang="en-IN" dirty="0"/>
+            </a:p>
+          </p:txBody>
+        </p:sp>
+        <p:sp>
+          <p:nvSpPr>
+            <p:cNvPr id="23" name="TextBox 22">
+              <a:extLst>
+                <a:ext uri="{FF2B5EF4-FFF2-40B4-BE49-F238E27FC236}">
+                  <a16:creationId xmlns:a16="http://schemas.microsoft.com/office/drawing/2014/main" id="{B5066DC5-A58F-9CE4-4900-A31464B7201D}"/>
+                </a:ext>
+              </a:extLst>
+            </p:cNvPr>
+            <p:cNvSpPr txBox="1"/>
+            <p:nvPr/>
+          </p:nvSpPr>
+          <p:spPr>
+            <a:xfrm>
+              <a:off x="4882712" y="4906613"/>
+              <a:ext cx="1494320" cy="261610"/>
+            </a:xfrm>
+            <a:prstGeom prst="rect">
+              <a:avLst/>
+            </a:prstGeom>
+            <a:noFill/>
+          </p:spPr>
+          <p:txBody>
+            <a:bodyPr wrap="none" rtlCol="0">
+              <a:spAutoFit/>
+            </a:bodyPr>
+            <a:lstStyle/>
+            <a:p>
+              <a:r>
+                <a:rPr lang="en-IN" sz="1100" dirty="0">
+                  <a:latin typeface="Times New Roman" panose="02020603050405020304" pitchFamily="18" charset="0"/>
+                  <a:cs typeface="Times New Roman" panose="02020603050405020304" pitchFamily="18" charset="0"/>
+                </a:rPr>
+                <a:t>MODEL SELECTION</a:t>
+              </a:r>
+            </a:p>
+          </p:txBody>
+        </p:sp>
+        <p:cxnSp>
+          <p:nvCxnSpPr>
+            <p:cNvPr id="25" name="Straight Arrow Connector 24">
+              <a:extLst>
+                <a:ext uri="{FF2B5EF4-FFF2-40B4-BE49-F238E27FC236}">
+                  <a16:creationId xmlns:a16="http://schemas.microsoft.com/office/drawing/2014/main" id="{0EF0F1FF-110D-FC41-12EC-5BFAC8B27AB5}"/>
+                </a:ext>
+              </a:extLst>
+            </p:cNvPr>
+            <p:cNvCxnSpPr>
+              <a:cxnSpLocks/>
+              <a:stCxn id="15" idx="3"/>
+              <a:endCxn id="16" idx="1"/>
+            </p:cNvCxnSpPr>
+            <p:nvPr/>
+          </p:nvCxnSpPr>
+          <p:spPr>
+            <a:xfrm>
+              <a:off x="2898658" y="2869484"/>
+              <a:ext cx="685800" cy="977365"/>
+            </a:xfrm>
+            <a:prstGeom prst="straightConnector1">
+              <a:avLst/>
+            </a:prstGeom>
+            <a:ln>
+              <a:tailEnd type="triangle"/>
+            </a:ln>
+          </p:spPr>
+          <p:style>
+            <a:lnRef idx="1">
+              <a:schemeClr val="dk1"/>
+            </a:lnRef>
+            <a:fillRef idx="0">
+              <a:schemeClr val="dk1"/>
+            </a:fillRef>
+            <a:effectRef idx="0">
+              <a:schemeClr val="dk1"/>
+            </a:effectRef>
+            <a:fontRef idx="minor">
+              <a:schemeClr val="tx1"/>
+            </a:fontRef>
+          </p:style>
+        </p:cxnSp>
+        <p:cxnSp>
+          <p:nvCxnSpPr>
+            <p:cNvPr id="27" name="Straight Arrow Connector 26">
+              <a:extLst>
+                <a:ext uri="{FF2B5EF4-FFF2-40B4-BE49-F238E27FC236}">
+                  <a16:creationId xmlns:a16="http://schemas.microsoft.com/office/drawing/2014/main" id="{826CAF60-B768-1343-E8C7-87F68CB3C225}"/>
+                </a:ext>
+              </a:extLst>
+            </p:cNvPr>
+            <p:cNvCxnSpPr>
+              <a:cxnSpLocks/>
+              <a:stCxn id="16" idx="2"/>
+              <a:endCxn id="17" idx="0"/>
+            </p:cNvCxnSpPr>
+            <p:nvPr/>
+          </p:nvCxnSpPr>
+          <p:spPr>
+            <a:xfrm>
+              <a:off x="5301066" y="5401053"/>
+              <a:ext cx="0" cy="330063"/>
+            </a:xfrm>
+            <a:prstGeom prst="straightConnector1">
+              <a:avLst/>
+            </a:prstGeom>
+            <a:ln>
+              <a:tailEnd type="triangle"/>
+            </a:ln>
+          </p:spPr>
+          <p:style>
+            <a:lnRef idx="1">
+              <a:schemeClr val="dk1"/>
+            </a:lnRef>
+            <a:fillRef idx="0">
+              <a:schemeClr val="dk1"/>
+            </a:fillRef>
+            <a:effectRef idx="0">
+              <a:schemeClr val="dk1"/>
+            </a:effectRef>
+            <a:fontRef idx="minor">
+              <a:schemeClr val="tx1"/>
+            </a:fontRef>
+          </p:style>
+        </p:cxnSp>
+        <p:cxnSp>
+          <p:nvCxnSpPr>
+            <p:cNvPr id="36" name="Straight Arrow Connector 35">
+              <a:extLst>
+                <a:ext uri="{FF2B5EF4-FFF2-40B4-BE49-F238E27FC236}">
+                  <a16:creationId xmlns:a16="http://schemas.microsoft.com/office/drawing/2014/main" id="{98AF61E6-B6E3-4E53-7310-414E0E93ACC2}"/>
+                </a:ext>
+              </a:extLst>
+            </p:cNvPr>
+            <p:cNvCxnSpPr>
+              <a:cxnSpLocks/>
+              <a:stCxn id="18" idx="2"/>
+              <a:endCxn id="19" idx="0"/>
+            </p:cNvCxnSpPr>
+            <p:nvPr/>
+          </p:nvCxnSpPr>
+          <p:spPr>
+            <a:xfrm>
+              <a:off x="5363926" y="3083580"/>
+              <a:ext cx="1173" cy="640266"/>
+            </a:xfrm>
+            <a:prstGeom prst="straightConnector1">
+              <a:avLst/>
+            </a:prstGeom>
+            <a:ln>
+              <a:tailEnd type="triangle"/>
+            </a:ln>
+          </p:spPr>
+          <p:style>
+            <a:lnRef idx="2">
+              <a:schemeClr val="dk1"/>
+            </a:lnRef>
+            <a:fillRef idx="0">
+              <a:schemeClr val="dk1"/>
+            </a:fillRef>
+            <a:effectRef idx="1">
+              <a:schemeClr val="dk1"/>
+            </a:effectRef>
+            <a:fontRef idx="minor">
+              <a:schemeClr val="tx1"/>
+            </a:fontRef>
+          </p:style>
+        </p:cxnSp>
+      </p:grpSp>
+      <p:cxnSp>
+        <p:nvCxnSpPr>
+          <p:cNvPr id="31" name="Straight Arrow Connector 30">
+            <a:extLst>
+              <a:ext uri="{FF2B5EF4-FFF2-40B4-BE49-F238E27FC236}">
+                <a16:creationId xmlns:a16="http://schemas.microsoft.com/office/drawing/2014/main" id="{CB84493D-4532-83CB-2329-D49E15707F26}"/>
+              </a:ext>
+            </a:extLst>
+          </p:cNvPr>
+          <p:cNvCxnSpPr>
+            <a:cxnSpLocks/>
+            <a:stCxn id="17" idx="1"/>
+            <a:endCxn id="35" idx="3"/>
+          </p:cNvCxnSpPr>
+          <p:nvPr/>
+        </p:nvCxnSpPr>
+        <p:spPr>
+          <a:xfrm flipH="1">
+            <a:off x="3364557" y="5653182"/>
+            <a:ext cx="724809" cy="0"/>
+          </a:xfrm>
+          <a:prstGeom prst="straightConnector1">
+            <a:avLst/>
+          </a:prstGeom>
+          <a:ln>
+            <a:tailEnd type="triangle"/>
+          </a:ln>
+        </p:spPr>
+        <p:style>
+          <a:lnRef idx="1">
+            <a:schemeClr val="dk1"/>
+          </a:lnRef>
+          <a:fillRef idx="0">
+            <a:schemeClr val="dk1"/>
+          </a:fillRef>
+          <a:effectRef idx="0">
+            <a:schemeClr val="dk1"/>
+          </a:effectRef>
+          <a:fontRef idx="minor">
+            <a:schemeClr val="tx1"/>
+          </a:fontRef>
+        </p:style>
+      </p:cxnSp>
+      <p:sp>
+        <p:nvSpPr>
+          <p:cNvPr id="35" name="Rectangle 34">
+            <a:extLst>
+              <a:ext uri="{FF2B5EF4-FFF2-40B4-BE49-F238E27FC236}">
+                <a16:creationId xmlns:a16="http://schemas.microsoft.com/office/drawing/2014/main" id="{E0DC097E-E27E-9BFB-D107-FE812D81B3F1}"/>
+              </a:ext>
+            </a:extLst>
+          </p:cNvPr>
+          <p:cNvSpPr/>
+          <p:nvPr/>
+        </p:nvSpPr>
+        <p:spPr>
+          <a:xfrm>
+            <a:off x="533400" y="5386482"/>
+            <a:ext cx="2831157" cy="533400"/>
+          </a:xfrm>
+          <a:prstGeom prst="rect">
+            <a:avLst/>
+          </a:prstGeom>
+        </p:spPr>
+        <p:style>
+          <a:lnRef idx="1">
+            <a:schemeClr val="dk1"/>
+          </a:lnRef>
+          <a:fillRef idx="2">
+            <a:schemeClr val="dk1"/>
+          </a:fillRef>
+          <a:effectRef idx="1">
+            <a:schemeClr val="dk1"/>
+          </a:effectRef>
+          <a:fontRef idx="minor">
+            <a:schemeClr val="dk1"/>
+          </a:fontRef>
+        </p:style>
+        <p:txBody>
+          <a:bodyPr rtlCol="0" anchor="ctr"/>
+          <a:lstStyle/>
+          <a:p>
+            <a:pPr algn="ctr"/>
+            <a:r>
+              <a:rPr lang="en-IN" dirty="0">
+                <a:latin typeface="Times New Roman" panose="02020603050405020304" pitchFamily="18" charset="0"/>
+                <a:cs typeface="Times New Roman" panose="02020603050405020304" pitchFamily="18" charset="0"/>
+              </a:rPr>
+              <a:t>TEMP STORAGE</a:t>
+            </a:r>
+            <a:endParaRPr lang="en-IN" dirty="0"/>
+          </a:p>
+        </p:txBody>
+      </p:sp>
+    </p:spTree>
+    <p:extLst>
+      <p:ext uri="{BB962C8B-B14F-4D97-AF65-F5344CB8AC3E}">
+        <p14:creationId xmlns:p14="http://schemas.microsoft.com/office/powerpoint/2010/main" val="1824122278"/>
+      </p:ext>
+    </p:extLst>
+  </p:cSld>
+  <p:clrMapOvr>
+    <a:masterClrMapping/>
+  </p:clrMapOvr>
+</p:sld>
+</file>
+
+<file path=ppt/slides/slide22.xml><?xml version="1.0" encoding="utf-8"?>
+<p:sld xmlns:a="http://schemas.openxmlformats.org/drawingml/2006/main" xmlns:r="http://schemas.openxmlformats.org/officeDocument/2006/relationships" xmlns:p="http://schemas.openxmlformats.org/presentationml/2006/main">
+  <p:cSld>
+    <p:spTree>
+      <p:nvGrpSpPr>
+        <p:cNvPr id="1" name=""/>
+        <p:cNvGrpSpPr/>
+        <p:nvPr/>
+      </p:nvGrpSpPr>
+      <p:grpSpPr>
+        <a:xfrm>
+          <a:off x="0" y="0"/>
+          <a:ext cx="0" cy="0"/>
+          <a:chOff x="0" y="0"/>
+          <a:chExt cx="0" cy="0"/>
+        </a:xfrm>
+      </p:grpSpPr>
+      <p:sp>
+        <p:nvSpPr>
           <p:cNvPr id="2" name="Title 1"/>
           <p:cNvSpPr>
             <a:spLocks noGrp="1"/>
@@ -11955,7 +13215,7 @@
 </p:sld>
 </file>
 
-<file path=ppt/slides/slide21.xml><?xml version="1.0" encoding="utf-8"?>
+<file path=ppt/slides/slide23.xml><?xml version="1.0" encoding="utf-8"?>
 <p:sld xmlns:a="http://schemas.openxmlformats.org/drawingml/2006/main" xmlns:r="http://schemas.openxmlformats.org/officeDocument/2006/relationships" xmlns:p="http://schemas.openxmlformats.org/presentationml/2006/main">
   <p:cSld>
     <p:spTree>

--- a/IOTProjreview ppt.pptx
+++ b/IOTProjreview ppt.pptx
@@ -5,7 +5,7 @@
     <p:sldMasterId id="2147483648" r:id="rId1"/>
   </p:sldMasterIdLst>
   <p:notesMasterIdLst>
-    <p:notesMasterId r:id="rId25"/>
+    <p:notesMasterId r:id="rId30"/>
   </p:notesMasterIdLst>
   <p:sldIdLst>
     <p:sldId id="256" r:id="rId2"/>
@@ -29,8 +29,13 @@
     <p:sldId id="286" r:id="rId20"/>
     <p:sldId id="287" r:id="rId21"/>
     <p:sldId id="289" r:id="rId22"/>
-    <p:sldId id="266" r:id="rId23"/>
-    <p:sldId id="276" r:id="rId24"/>
+    <p:sldId id="288" r:id="rId23"/>
+    <p:sldId id="290" r:id="rId24"/>
+    <p:sldId id="294" r:id="rId25"/>
+    <p:sldId id="295" r:id="rId26"/>
+    <p:sldId id="296" r:id="rId27"/>
+    <p:sldId id="266" r:id="rId28"/>
+    <p:sldId id="276" r:id="rId29"/>
   </p:sldIdLst>
   <p:sldSz cx="9144000" cy="6858000" type="screen4x3"/>
   <p:notesSz cx="6858000" cy="9144000"/>
@@ -6341,6 +6346,176 @@
 </p:notesMaster>
 </file>
 
+<file path=ppt/notesSlides/notesSlide1.xml><?xml version="1.0" encoding="utf-8"?>
+<p:notes xmlns:a="http://schemas.openxmlformats.org/drawingml/2006/main" xmlns:r="http://schemas.openxmlformats.org/officeDocument/2006/relationships" xmlns:p="http://schemas.openxmlformats.org/presentationml/2006/main">
+  <p:cSld>
+    <p:spTree>
+      <p:nvGrpSpPr>
+        <p:cNvPr id="1" name=""/>
+        <p:cNvGrpSpPr/>
+        <p:nvPr/>
+      </p:nvGrpSpPr>
+      <p:grpSpPr>
+        <a:xfrm>
+          <a:off x="0" y="0"/>
+          <a:ext cx="0" cy="0"/>
+          <a:chOff x="0" y="0"/>
+          <a:chExt cx="0" cy="0"/>
+        </a:xfrm>
+      </p:grpSpPr>
+      <p:sp>
+        <p:nvSpPr>
+          <p:cNvPr id="2" name="Slide Image Placeholder 1"/>
+          <p:cNvSpPr>
+            <a:spLocks noGrp="1" noRot="1" noChangeAspect="1"/>
+          </p:cNvSpPr>
+          <p:nvPr>
+            <p:ph type="sldImg"/>
+          </p:nvPr>
+        </p:nvSpPr>
+        <p:spPr/>
+      </p:sp>
+      <p:sp>
+        <p:nvSpPr>
+          <p:cNvPr id="3" name="Notes Placeholder 2"/>
+          <p:cNvSpPr>
+            <a:spLocks noGrp="1"/>
+          </p:cNvSpPr>
+          <p:nvPr>
+            <p:ph type="body" idx="1"/>
+          </p:nvPr>
+        </p:nvSpPr>
+        <p:spPr/>
+        <p:txBody>
+          <a:bodyPr/>
+          <a:lstStyle/>
+          <a:p>
+            <a:endParaRPr lang="en-IN" dirty="0"/>
+          </a:p>
+        </p:txBody>
+      </p:sp>
+      <p:sp>
+        <p:nvSpPr>
+          <p:cNvPr id="4" name="Slide Number Placeholder 3"/>
+          <p:cNvSpPr>
+            <a:spLocks noGrp="1"/>
+          </p:cNvSpPr>
+          <p:nvPr>
+            <p:ph type="sldNum" sz="quarter" idx="5"/>
+          </p:nvPr>
+        </p:nvSpPr>
+        <p:spPr/>
+        <p:txBody>
+          <a:bodyPr/>
+          <a:lstStyle/>
+          <a:p>
+            <a:fld id="{E9819D78-6902-461C-97CB-29D788CA904F}" type="slidenum">
+              <a:rPr lang="en-US" smtClean="0"/>
+              <a:pPr/>
+              <a:t>22</a:t>
+            </a:fld>
+            <a:endParaRPr lang="en-US" dirty="0"/>
+          </a:p>
+        </p:txBody>
+      </p:sp>
+    </p:spTree>
+    <p:extLst>
+      <p:ext uri="{BB962C8B-B14F-4D97-AF65-F5344CB8AC3E}">
+        <p14:creationId xmlns:p14="http://schemas.microsoft.com/office/powerpoint/2010/main" val="2247412783"/>
+      </p:ext>
+    </p:extLst>
+  </p:cSld>
+  <p:clrMapOvr>
+    <a:masterClrMapping/>
+  </p:clrMapOvr>
+</p:notes>
+</file>
+
+<file path=ppt/notesSlides/notesSlide2.xml><?xml version="1.0" encoding="utf-8"?>
+<p:notes xmlns:a="http://schemas.openxmlformats.org/drawingml/2006/main" xmlns:r="http://schemas.openxmlformats.org/officeDocument/2006/relationships" xmlns:p="http://schemas.openxmlformats.org/presentationml/2006/main">
+  <p:cSld>
+    <p:spTree>
+      <p:nvGrpSpPr>
+        <p:cNvPr id="1" name=""/>
+        <p:cNvGrpSpPr/>
+        <p:nvPr/>
+      </p:nvGrpSpPr>
+      <p:grpSpPr>
+        <a:xfrm>
+          <a:off x="0" y="0"/>
+          <a:ext cx="0" cy="0"/>
+          <a:chOff x="0" y="0"/>
+          <a:chExt cx="0" cy="0"/>
+        </a:xfrm>
+      </p:grpSpPr>
+      <p:sp>
+        <p:nvSpPr>
+          <p:cNvPr id="2" name="Slide Image Placeholder 1"/>
+          <p:cNvSpPr>
+            <a:spLocks noGrp="1" noRot="1" noChangeAspect="1"/>
+          </p:cNvSpPr>
+          <p:nvPr>
+            <p:ph type="sldImg"/>
+          </p:nvPr>
+        </p:nvSpPr>
+        <p:spPr/>
+      </p:sp>
+      <p:sp>
+        <p:nvSpPr>
+          <p:cNvPr id="3" name="Notes Placeholder 2"/>
+          <p:cNvSpPr>
+            <a:spLocks noGrp="1"/>
+          </p:cNvSpPr>
+          <p:nvPr>
+            <p:ph type="body" idx="1"/>
+          </p:nvPr>
+        </p:nvSpPr>
+        <p:spPr/>
+        <p:txBody>
+          <a:bodyPr/>
+          <a:lstStyle/>
+          <a:p>
+            <a:endParaRPr lang="en-IN" dirty="0"/>
+          </a:p>
+        </p:txBody>
+      </p:sp>
+      <p:sp>
+        <p:nvSpPr>
+          <p:cNvPr id="4" name="Slide Number Placeholder 3"/>
+          <p:cNvSpPr>
+            <a:spLocks noGrp="1"/>
+          </p:cNvSpPr>
+          <p:nvPr>
+            <p:ph type="sldNum" sz="quarter" idx="5"/>
+          </p:nvPr>
+        </p:nvSpPr>
+        <p:spPr/>
+        <p:txBody>
+          <a:bodyPr/>
+          <a:lstStyle/>
+          <a:p>
+            <a:fld id="{E9819D78-6902-461C-97CB-29D788CA904F}" type="slidenum">
+              <a:rPr lang="en-US" smtClean="0"/>
+              <a:pPr/>
+              <a:t>23</a:t>
+            </a:fld>
+            <a:endParaRPr lang="en-US" dirty="0"/>
+          </a:p>
+        </p:txBody>
+      </p:sp>
+    </p:spTree>
+    <p:extLst>
+      <p:ext uri="{BB962C8B-B14F-4D97-AF65-F5344CB8AC3E}">
+        <p14:creationId xmlns:p14="http://schemas.microsoft.com/office/powerpoint/2010/main" val="2247412783"/>
+      </p:ext>
+    </p:extLst>
+  </p:cSld>
+  <p:clrMapOvr>
+    <a:masterClrMapping/>
+  </p:clrMapOvr>
+</p:notes>
+</file>
+
 <file path=ppt/slideLayouts/slideLayout1.xml><?xml version="1.0" encoding="utf-8"?>
 <p:sldLayout xmlns:a="http://schemas.openxmlformats.org/drawingml/2006/main" xmlns:r="http://schemas.openxmlformats.org/officeDocument/2006/relationships" xmlns:p="http://schemas.openxmlformats.org/presentationml/2006/main" type="title" preserve="1">
   <p:cSld name="Title Slide">
@@ -13131,6 +13306,1976 @@
       </p:grpSpPr>
       <p:sp>
         <p:nvSpPr>
+          <p:cNvPr id="2" name="Title 1">
+            <a:extLst>
+              <a:ext uri="{FF2B5EF4-FFF2-40B4-BE49-F238E27FC236}">
+                <a16:creationId xmlns:a16="http://schemas.microsoft.com/office/drawing/2014/main" id="{FFE1C2C3-136F-86B4-1514-D473926A9B1B}"/>
+              </a:ext>
+            </a:extLst>
+          </p:cNvPr>
+          <p:cNvSpPr>
+            <a:spLocks noGrp="1"/>
+          </p:cNvSpPr>
+          <p:nvPr>
+            <p:ph type="title"/>
+          </p:nvPr>
+        </p:nvSpPr>
+        <p:spPr>
+          <a:xfrm>
+            <a:off x="457200" y="181897"/>
+            <a:ext cx="8382000" cy="1143000"/>
+          </a:xfrm>
+        </p:spPr>
+        <p:txBody>
+          <a:bodyPr>
+            <a:normAutofit fontScale="90000"/>
+          </a:bodyPr>
+          <a:lstStyle/>
+          <a:p>
+            <a:r>
+              <a:rPr lang="en-US" dirty="0">
+                <a:latin typeface="Times New Roman" panose="02020603050405020304" pitchFamily="18" charset="0"/>
+                <a:cs typeface="Times New Roman" panose="02020603050405020304" pitchFamily="18" charset="0"/>
+              </a:rPr>
+              <a:t>FEATURE ENGINEERING</a:t>
+            </a:r>
+            <a:r>
+              <a:rPr lang="en-US" b="0" i="0" dirty="0">
+                <a:effectLst/>
+                <a:latin typeface="Times New Roman" panose="02020603050405020304" pitchFamily="18" charset="0"/>
+                <a:cs typeface="Times New Roman" panose="02020603050405020304" pitchFamily="18" charset="0"/>
+              </a:rPr>
+              <a:t> MODULE</a:t>
+            </a:r>
+            <a:endParaRPr lang="en-IN" dirty="0"/>
+          </a:p>
+        </p:txBody>
+      </p:sp>
+      <p:sp>
+        <p:nvSpPr>
+          <p:cNvPr id="3" name="Content Placeholder 2">
+            <a:extLst>
+              <a:ext uri="{FF2B5EF4-FFF2-40B4-BE49-F238E27FC236}">
+                <a16:creationId xmlns:a16="http://schemas.microsoft.com/office/drawing/2014/main" id="{FAD340FC-0AA1-0AD0-19A1-31A1FC5B49F6}"/>
+              </a:ext>
+            </a:extLst>
+          </p:cNvPr>
+          <p:cNvSpPr>
+            <a:spLocks noGrp="1"/>
+          </p:cNvSpPr>
+          <p:nvPr>
+            <p:ph idx="1"/>
+          </p:nvPr>
+        </p:nvSpPr>
+        <p:spPr>
+          <a:xfrm>
+            <a:off x="457200" y="1447801"/>
+            <a:ext cx="8382000" cy="1207884"/>
+          </a:xfrm>
+        </p:spPr>
+        <p:txBody>
+          <a:bodyPr>
+            <a:normAutofit fontScale="92500" lnSpcReduction="10000"/>
+          </a:bodyPr>
+          <a:lstStyle/>
+          <a:p>
+            <a:pPr marL="0" indent="0" algn="just">
+              <a:lnSpc>
+                <a:spcPct val="150000"/>
+              </a:lnSpc>
+              <a:buNone/>
+            </a:pPr>
+            <a:r>
+              <a:rPr lang="en-US" sz="1800" b="0" i="0" dirty="0">
+                <a:effectLst/>
+                <a:latin typeface="Times New Roman" panose="02020603050405020304" pitchFamily="18" charset="0"/>
+                <a:cs typeface="Times New Roman" panose="02020603050405020304" pitchFamily="18" charset="0"/>
+              </a:rPr>
+              <a:t>The Feature Selection Module involves identifying and retaining the most relevant features from the dataset while discarding redundant or less informative ones and now adding these to the saved model</a:t>
+            </a:r>
+            <a:endParaRPr lang="en-IN" sz="1400" dirty="0">
+              <a:latin typeface="Times New Roman" panose="02020603050405020304" pitchFamily="18" charset="0"/>
+              <a:cs typeface="Times New Roman" panose="02020603050405020304" pitchFamily="18" charset="0"/>
+            </a:endParaRPr>
+          </a:p>
+          <a:p>
+            <a:pPr marL="0" indent="0" algn="just">
+              <a:lnSpc>
+                <a:spcPct val="150000"/>
+              </a:lnSpc>
+              <a:buNone/>
+            </a:pPr>
+            <a:endParaRPr lang="en-IN" sz="1800" dirty="0">
+              <a:latin typeface="Times New Roman" panose="02020603050405020304" pitchFamily="18" charset="0"/>
+              <a:cs typeface="Times New Roman" panose="02020603050405020304" pitchFamily="18" charset="0"/>
+            </a:endParaRPr>
+          </a:p>
+        </p:txBody>
+      </p:sp>
+      <p:sp>
+        <p:nvSpPr>
+          <p:cNvPr id="4" name="Rectangle 3">
+            <a:extLst>
+              <a:ext uri="{FF2B5EF4-FFF2-40B4-BE49-F238E27FC236}">
+                <a16:creationId xmlns:a16="http://schemas.microsoft.com/office/drawing/2014/main" id="{1D24378F-0AB7-7D1E-999D-D3B935A036D6}"/>
+              </a:ext>
+            </a:extLst>
+          </p:cNvPr>
+          <p:cNvSpPr/>
+          <p:nvPr/>
+        </p:nvSpPr>
+        <p:spPr>
+          <a:xfrm>
+            <a:off x="152400" y="152400"/>
+            <a:ext cx="8839200" cy="6553200"/>
+          </a:xfrm>
+          <a:prstGeom prst="rect">
+            <a:avLst/>
+          </a:prstGeom>
+          <a:noFill/>
+        </p:spPr>
+        <p:style>
+          <a:lnRef idx="2">
+            <a:schemeClr val="dk1"/>
+          </a:lnRef>
+          <a:fillRef idx="1">
+            <a:schemeClr val="lt1"/>
+          </a:fillRef>
+          <a:effectRef idx="0">
+            <a:schemeClr val="dk1"/>
+          </a:effectRef>
+          <a:fontRef idx="minor">
+            <a:schemeClr val="dk1"/>
+          </a:fontRef>
+        </p:style>
+        <p:txBody>
+          <a:bodyPr rtlCol="0" anchor="ctr"/>
+          <a:lstStyle/>
+          <a:p>
+            <a:pPr algn="ctr"/>
+            <a:endParaRPr lang="en-US" dirty="0"/>
+          </a:p>
+        </p:txBody>
+      </p:sp>
+      <p:sp>
+        <p:nvSpPr>
+          <p:cNvPr id="12" name="Rectangle 11">
+            <a:extLst>
+              <a:ext uri="{FF2B5EF4-FFF2-40B4-BE49-F238E27FC236}">
+                <a16:creationId xmlns:a16="http://schemas.microsoft.com/office/drawing/2014/main" id="{EBA183F9-F798-5D5C-0641-91EE3488DC4D}"/>
+              </a:ext>
+            </a:extLst>
+          </p:cNvPr>
+          <p:cNvSpPr/>
+          <p:nvPr/>
+        </p:nvSpPr>
+        <p:spPr>
+          <a:xfrm>
+            <a:off x="692150" y="3529958"/>
+            <a:ext cx="2057400" cy="814866"/>
+          </a:xfrm>
+          <a:prstGeom prst="rect">
+            <a:avLst/>
+          </a:prstGeom>
+        </p:spPr>
+        <p:style>
+          <a:lnRef idx="1">
+            <a:schemeClr val="dk1"/>
+          </a:lnRef>
+          <a:fillRef idx="2">
+            <a:schemeClr val="dk1"/>
+          </a:fillRef>
+          <a:effectRef idx="1">
+            <a:schemeClr val="dk1"/>
+          </a:effectRef>
+          <a:fontRef idx="minor">
+            <a:schemeClr val="dk1"/>
+          </a:fontRef>
+        </p:style>
+        <p:txBody>
+          <a:bodyPr rtlCol="0" anchor="ctr"/>
+          <a:lstStyle/>
+          <a:p>
+            <a:pPr algn="ctr"/>
+            <a:r>
+              <a:rPr lang="en-IN" dirty="0">
+                <a:latin typeface="Times New Roman" panose="02020603050405020304" pitchFamily="18" charset="0"/>
+                <a:cs typeface="Times New Roman" panose="02020603050405020304" pitchFamily="18" charset="0"/>
+              </a:rPr>
+              <a:t>PREPROCESSING</a:t>
+            </a:r>
+          </a:p>
+        </p:txBody>
+      </p:sp>
+      <p:grpSp>
+        <p:nvGrpSpPr>
+          <p:cNvPr id="29" name="Group 28">
+            <a:extLst>
+              <a:ext uri="{FF2B5EF4-FFF2-40B4-BE49-F238E27FC236}">
+                <a16:creationId xmlns:a16="http://schemas.microsoft.com/office/drawing/2014/main" id="{06177027-FD64-0FF5-042F-71BD4376E3D3}"/>
+              </a:ext>
+            </a:extLst>
+          </p:cNvPr>
+          <p:cNvGrpSpPr/>
+          <p:nvPr/>
+        </p:nvGrpSpPr>
+        <p:grpSpPr>
+          <a:xfrm>
+            <a:off x="2749550" y="2768558"/>
+            <a:ext cx="4454525" cy="2818388"/>
+            <a:chOff x="2749550" y="2768558"/>
+            <a:chExt cx="4454525" cy="2818388"/>
+          </a:xfrm>
+        </p:grpSpPr>
+        <p:sp>
+          <p:nvSpPr>
+            <p:cNvPr id="13" name="Rectangle 12">
+              <a:extLst>
+                <a:ext uri="{FF2B5EF4-FFF2-40B4-BE49-F238E27FC236}">
+                  <a16:creationId xmlns:a16="http://schemas.microsoft.com/office/drawing/2014/main" id="{1611A669-93DC-3BFE-9544-DA360BA00BE6}"/>
+                </a:ext>
+              </a:extLst>
+            </p:cNvPr>
+            <p:cNvSpPr/>
+            <p:nvPr/>
+          </p:nvSpPr>
+          <p:spPr>
+            <a:xfrm>
+              <a:off x="3660775" y="2768558"/>
+              <a:ext cx="3543300" cy="2450590"/>
+            </a:xfrm>
+            <a:prstGeom prst="rect">
+              <a:avLst/>
+            </a:prstGeom>
+          </p:spPr>
+          <p:style>
+            <a:lnRef idx="1">
+              <a:schemeClr val="dk1"/>
+            </a:lnRef>
+            <a:fillRef idx="2">
+              <a:schemeClr val="dk1"/>
+            </a:fillRef>
+            <a:effectRef idx="1">
+              <a:schemeClr val="dk1"/>
+            </a:effectRef>
+            <a:fontRef idx="minor">
+              <a:schemeClr val="dk1"/>
+            </a:fontRef>
+          </p:style>
+          <p:txBody>
+            <a:bodyPr rtlCol="0" anchor="ctr"/>
+            <a:lstStyle/>
+            <a:p>
+              <a:pPr algn="ctr"/>
+              <a:endParaRPr lang="en-IN" dirty="0"/>
+            </a:p>
+          </p:txBody>
+        </p:sp>
+        <p:sp>
+          <p:nvSpPr>
+            <p:cNvPr id="15" name="Rectangle 14">
+              <a:extLst>
+                <a:ext uri="{FF2B5EF4-FFF2-40B4-BE49-F238E27FC236}">
+                  <a16:creationId xmlns:a16="http://schemas.microsoft.com/office/drawing/2014/main" id="{6F02AB48-3AFC-DC88-EC62-FFF5034CEE55}"/>
+                </a:ext>
+              </a:extLst>
+            </p:cNvPr>
+            <p:cNvSpPr/>
+            <p:nvPr/>
+          </p:nvSpPr>
+          <p:spPr>
+            <a:xfrm>
+              <a:off x="4030983" y="2833329"/>
+              <a:ext cx="2743200" cy="533400"/>
+            </a:xfrm>
+            <a:prstGeom prst="rect">
+              <a:avLst/>
+            </a:prstGeom>
+          </p:spPr>
+          <p:style>
+            <a:lnRef idx="1">
+              <a:schemeClr val="dk1"/>
+            </a:lnRef>
+            <a:fillRef idx="2">
+              <a:schemeClr val="dk1"/>
+            </a:fillRef>
+            <a:effectRef idx="1">
+              <a:schemeClr val="dk1"/>
+            </a:effectRef>
+            <a:fontRef idx="minor">
+              <a:schemeClr val="dk1"/>
+            </a:fontRef>
+          </p:style>
+          <p:txBody>
+            <a:bodyPr rtlCol="0" anchor="ctr"/>
+            <a:lstStyle/>
+            <a:p>
+              <a:pPr algn="ctr"/>
+              <a:r>
+                <a:rPr lang="en-IN" dirty="0">
+                  <a:latin typeface="Times New Roman" panose="02020603050405020304" pitchFamily="18" charset="0"/>
+                  <a:cs typeface="Times New Roman" panose="02020603050405020304" pitchFamily="18" charset="0"/>
+                </a:rPr>
+                <a:t>FEATURE</a:t>
+              </a:r>
+              <a:r>
+                <a:rPr lang="en-IN" dirty="0"/>
+                <a:t> </a:t>
+              </a:r>
+              <a:r>
+                <a:rPr lang="en-IN" dirty="0">
+                  <a:latin typeface="Times New Roman" panose="02020603050405020304" pitchFamily="18" charset="0"/>
+                  <a:cs typeface="Times New Roman" panose="02020603050405020304" pitchFamily="18" charset="0"/>
+                </a:rPr>
+                <a:t>EXTRACTION</a:t>
+              </a:r>
+            </a:p>
+          </p:txBody>
+        </p:sp>
+        <p:sp>
+          <p:nvSpPr>
+            <p:cNvPr id="17" name="Rectangle 16">
+              <a:extLst>
+                <a:ext uri="{FF2B5EF4-FFF2-40B4-BE49-F238E27FC236}">
+                  <a16:creationId xmlns:a16="http://schemas.microsoft.com/office/drawing/2014/main" id="{DA276CA9-C862-CBB0-8284-271526E6DF10}"/>
+                </a:ext>
+              </a:extLst>
+            </p:cNvPr>
+            <p:cNvSpPr/>
+            <p:nvPr/>
+          </p:nvSpPr>
+          <p:spPr>
+            <a:xfrm>
+              <a:off x="3977640" y="3570085"/>
+              <a:ext cx="2743200" cy="533400"/>
+            </a:xfrm>
+            <a:prstGeom prst="rect">
+              <a:avLst/>
+            </a:prstGeom>
+          </p:spPr>
+          <p:style>
+            <a:lnRef idx="1">
+              <a:schemeClr val="dk1"/>
+            </a:lnRef>
+            <a:fillRef idx="2">
+              <a:schemeClr val="dk1"/>
+            </a:fillRef>
+            <a:effectRef idx="1">
+              <a:schemeClr val="dk1"/>
+            </a:effectRef>
+            <a:fontRef idx="minor">
+              <a:schemeClr val="dk1"/>
+            </a:fontRef>
+          </p:style>
+          <p:txBody>
+            <a:bodyPr rtlCol="0" anchor="ctr"/>
+            <a:lstStyle/>
+            <a:p>
+              <a:pPr algn="ctr"/>
+              <a:r>
+                <a:rPr lang="en-IN" dirty="0">
+                  <a:latin typeface="Times New Roman" panose="02020603050405020304" pitchFamily="18" charset="0"/>
+                  <a:cs typeface="Times New Roman" panose="02020603050405020304" pitchFamily="18" charset="0"/>
+                </a:rPr>
+                <a:t>FEATURE</a:t>
+              </a:r>
+              <a:r>
+                <a:rPr lang="en-IN" dirty="0"/>
+                <a:t> SELECTION</a:t>
+              </a:r>
+            </a:p>
+          </p:txBody>
+        </p:sp>
+        <p:sp>
+          <p:nvSpPr>
+            <p:cNvPr id="18" name="Rectangle 17">
+              <a:extLst>
+                <a:ext uri="{FF2B5EF4-FFF2-40B4-BE49-F238E27FC236}">
+                  <a16:creationId xmlns:a16="http://schemas.microsoft.com/office/drawing/2014/main" id="{E2B92B9C-606E-122A-2D83-CFB7D32D7ED7}"/>
+                </a:ext>
+              </a:extLst>
+            </p:cNvPr>
+            <p:cNvSpPr/>
+            <p:nvPr/>
+          </p:nvSpPr>
+          <p:spPr>
+            <a:xfrm>
+              <a:off x="3988118" y="4373135"/>
+              <a:ext cx="2743200" cy="533400"/>
+            </a:xfrm>
+            <a:prstGeom prst="rect">
+              <a:avLst/>
+            </a:prstGeom>
+          </p:spPr>
+          <p:style>
+            <a:lnRef idx="1">
+              <a:schemeClr val="dk1"/>
+            </a:lnRef>
+            <a:fillRef idx="2">
+              <a:schemeClr val="dk1"/>
+            </a:fillRef>
+            <a:effectRef idx="1">
+              <a:schemeClr val="dk1"/>
+            </a:effectRef>
+            <a:fontRef idx="minor">
+              <a:schemeClr val="dk1"/>
+            </a:fontRef>
+          </p:style>
+          <p:txBody>
+            <a:bodyPr rtlCol="0" anchor="ctr"/>
+            <a:lstStyle/>
+            <a:p>
+              <a:pPr algn="ctr"/>
+              <a:r>
+                <a:rPr lang="en-IN" dirty="0">
+                  <a:latin typeface="Times New Roman" panose="02020603050405020304" pitchFamily="18" charset="0"/>
+                  <a:cs typeface="Times New Roman" panose="02020603050405020304" pitchFamily="18" charset="0"/>
+                </a:rPr>
+                <a:t>FEATURE SCALING</a:t>
+              </a:r>
+            </a:p>
+          </p:txBody>
+        </p:sp>
+        <p:cxnSp>
+          <p:nvCxnSpPr>
+            <p:cNvPr id="20" name="Straight Arrow Connector 19">
+              <a:extLst>
+                <a:ext uri="{FF2B5EF4-FFF2-40B4-BE49-F238E27FC236}">
+                  <a16:creationId xmlns:a16="http://schemas.microsoft.com/office/drawing/2014/main" id="{4E184DC3-8C03-FC87-E645-EA6DF40482AD}"/>
+                </a:ext>
+              </a:extLst>
+            </p:cNvPr>
+            <p:cNvCxnSpPr>
+              <a:cxnSpLocks/>
+            </p:cNvCxnSpPr>
+            <p:nvPr/>
+          </p:nvCxnSpPr>
+          <p:spPr>
+            <a:xfrm>
+              <a:off x="5349239" y="3359994"/>
+              <a:ext cx="0" cy="210091"/>
+            </a:xfrm>
+            <a:prstGeom prst="straightConnector1">
+              <a:avLst/>
+            </a:prstGeom>
+            <a:ln>
+              <a:tailEnd type="triangle"/>
+            </a:ln>
+          </p:spPr>
+          <p:style>
+            <a:lnRef idx="2">
+              <a:schemeClr val="dk1"/>
+            </a:lnRef>
+            <a:fillRef idx="0">
+              <a:schemeClr val="dk1"/>
+            </a:fillRef>
+            <a:effectRef idx="1">
+              <a:schemeClr val="dk1"/>
+            </a:effectRef>
+            <a:fontRef idx="minor">
+              <a:schemeClr val="tx1"/>
+            </a:fontRef>
+          </p:style>
+        </p:cxnSp>
+        <p:cxnSp>
+          <p:nvCxnSpPr>
+            <p:cNvPr id="21" name="Straight Arrow Connector 20">
+              <a:extLst>
+                <a:ext uri="{FF2B5EF4-FFF2-40B4-BE49-F238E27FC236}">
+                  <a16:creationId xmlns:a16="http://schemas.microsoft.com/office/drawing/2014/main" id="{3CA0E0AC-D837-F09B-F218-FE766EFDF574}"/>
+                </a:ext>
+              </a:extLst>
+            </p:cNvPr>
+            <p:cNvCxnSpPr/>
+            <p:nvPr/>
+          </p:nvCxnSpPr>
+          <p:spPr>
+            <a:xfrm>
+              <a:off x="5349239" y="4134733"/>
+              <a:ext cx="0" cy="210091"/>
+            </a:xfrm>
+            <a:prstGeom prst="straightConnector1">
+              <a:avLst/>
+            </a:prstGeom>
+            <a:ln>
+              <a:tailEnd type="triangle"/>
+            </a:ln>
+          </p:spPr>
+          <p:style>
+            <a:lnRef idx="2">
+              <a:schemeClr val="dk1"/>
+            </a:lnRef>
+            <a:fillRef idx="0">
+              <a:schemeClr val="dk1"/>
+            </a:fillRef>
+            <a:effectRef idx="1">
+              <a:schemeClr val="dk1"/>
+            </a:effectRef>
+            <a:fontRef idx="minor">
+              <a:schemeClr val="tx1"/>
+            </a:fontRef>
+          </p:style>
+        </p:cxnSp>
+        <p:sp>
+          <p:nvSpPr>
+            <p:cNvPr id="22" name="TextBox 21">
+              <a:extLst>
+                <a:ext uri="{FF2B5EF4-FFF2-40B4-BE49-F238E27FC236}">
+                  <a16:creationId xmlns:a16="http://schemas.microsoft.com/office/drawing/2014/main" id="{5DE2A7D0-F045-FBBA-2DA5-142E09541902}"/>
+                </a:ext>
+              </a:extLst>
+            </p:cNvPr>
+            <p:cNvSpPr txBox="1"/>
+            <p:nvPr/>
+          </p:nvSpPr>
+          <p:spPr>
+            <a:xfrm>
+              <a:off x="4834130" y="4937783"/>
+              <a:ext cx="1818126" cy="261610"/>
+            </a:xfrm>
+            <a:prstGeom prst="rect">
+              <a:avLst/>
+            </a:prstGeom>
+            <a:noFill/>
+          </p:spPr>
+          <p:txBody>
+            <a:bodyPr wrap="none" rtlCol="0">
+              <a:spAutoFit/>
+            </a:bodyPr>
+            <a:lstStyle/>
+            <a:p>
+              <a:r>
+                <a:rPr lang="en-IN" sz="1100" dirty="0">
+                  <a:latin typeface="Times New Roman" panose="02020603050405020304" pitchFamily="18" charset="0"/>
+                  <a:cs typeface="Times New Roman" panose="02020603050405020304" pitchFamily="18" charset="0"/>
+                </a:rPr>
+                <a:t>FEATURE ENGINEERING</a:t>
+              </a:r>
+            </a:p>
+          </p:txBody>
+        </p:sp>
+        <p:cxnSp>
+          <p:nvCxnSpPr>
+            <p:cNvPr id="24" name="Straight Arrow Connector 23">
+              <a:extLst>
+                <a:ext uri="{FF2B5EF4-FFF2-40B4-BE49-F238E27FC236}">
+                  <a16:creationId xmlns:a16="http://schemas.microsoft.com/office/drawing/2014/main" id="{41B7D7CE-534C-E8BC-9E1C-74E9A006C7F5}"/>
+                </a:ext>
+              </a:extLst>
+            </p:cNvPr>
+            <p:cNvCxnSpPr>
+              <a:stCxn id="12" idx="3"/>
+            </p:cNvCxnSpPr>
+            <p:nvPr/>
+          </p:nvCxnSpPr>
+          <p:spPr>
+            <a:xfrm>
+              <a:off x="2749550" y="3937391"/>
+              <a:ext cx="876300" cy="0"/>
+            </a:xfrm>
+            <a:prstGeom prst="straightConnector1">
+              <a:avLst/>
+            </a:prstGeom>
+            <a:ln>
+              <a:tailEnd type="triangle"/>
+            </a:ln>
+          </p:spPr>
+          <p:style>
+            <a:lnRef idx="1">
+              <a:schemeClr val="dk1"/>
+            </a:lnRef>
+            <a:fillRef idx="0">
+              <a:schemeClr val="dk1"/>
+            </a:fillRef>
+            <a:effectRef idx="0">
+              <a:schemeClr val="dk1"/>
+            </a:effectRef>
+            <a:fontRef idx="minor">
+              <a:schemeClr val="tx1"/>
+            </a:fontRef>
+          </p:style>
+        </p:cxnSp>
+        <p:cxnSp>
+          <p:nvCxnSpPr>
+            <p:cNvPr id="26" name="Straight Arrow Connector 25">
+              <a:extLst>
+                <a:ext uri="{FF2B5EF4-FFF2-40B4-BE49-F238E27FC236}">
+                  <a16:creationId xmlns:a16="http://schemas.microsoft.com/office/drawing/2014/main" id="{BF58A640-733E-A4CB-1E20-2C19A9F0D62E}"/>
+                </a:ext>
+              </a:extLst>
+            </p:cNvPr>
+            <p:cNvCxnSpPr>
+              <a:cxnSpLocks/>
+            </p:cNvCxnSpPr>
+            <p:nvPr/>
+          </p:nvCxnSpPr>
+          <p:spPr>
+            <a:xfrm>
+              <a:off x="5314950" y="5219148"/>
+              <a:ext cx="0" cy="367798"/>
+            </a:xfrm>
+            <a:prstGeom prst="straightConnector1">
+              <a:avLst/>
+            </a:prstGeom>
+            <a:ln>
+              <a:tailEnd type="triangle"/>
+            </a:ln>
+          </p:spPr>
+          <p:style>
+            <a:lnRef idx="1">
+              <a:schemeClr val="dk1"/>
+            </a:lnRef>
+            <a:fillRef idx="0">
+              <a:schemeClr val="dk1"/>
+            </a:fillRef>
+            <a:effectRef idx="0">
+              <a:schemeClr val="dk1"/>
+            </a:effectRef>
+            <a:fontRef idx="minor">
+              <a:schemeClr val="tx1"/>
+            </a:fontRef>
+          </p:style>
+        </p:cxnSp>
+      </p:grpSp>
+      <p:sp>
+        <p:nvSpPr>
+          <p:cNvPr id="27" name="Rectangle 26">
+            <a:extLst>
+              <a:ext uri="{FF2B5EF4-FFF2-40B4-BE49-F238E27FC236}">
+                <a16:creationId xmlns:a16="http://schemas.microsoft.com/office/drawing/2014/main" id="{45985DCF-B5E9-6FAB-06EB-2E9954380EB1}"/>
+              </a:ext>
+            </a:extLst>
+          </p:cNvPr>
+          <p:cNvSpPr/>
+          <p:nvPr/>
+        </p:nvSpPr>
+        <p:spPr>
+          <a:xfrm>
+            <a:off x="4015744" y="5586946"/>
+            <a:ext cx="2537456" cy="638608"/>
+          </a:xfrm>
+          <a:prstGeom prst="rect">
+            <a:avLst/>
+          </a:prstGeom>
+        </p:spPr>
+        <p:style>
+          <a:lnRef idx="1">
+            <a:schemeClr val="dk1"/>
+          </a:lnRef>
+          <a:fillRef idx="2">
+            <a:schemeClr val="dk1"/>
+          </a:fillRef>
+          <a:effectRef idx="1">
+            <a:schemeClr val="dk1"/>
+          </a:effectRef>
+          <a:fontRef idx="minor">
+            <a:schemeClr val="dk1"/>
+          </a:fontRef>
+        </p:style>
+        <p:txBody>
+          <a:bodyPr rtlCol="0" anchor="ctr"/>
+          <a:lstStyle/>
+          <a:p>
+            <a:pPr algn="ctr"/>
+            <a:r>
+              <a:rPr lang="en-IN" dirty="0">
+                <a:latin typeface="Times New Roman" panose="02020603050405020304" pitchFamily="18" charset="0"/>
+                <a:cs typeface="Times New Roman" panose="02020603050405020304" pitchFamily="18" charset="0"/>
+              </a:rPr>
+              <a:t>MODEL TRAINING</a:t>
+            </a:r>
+          </a:p>
+        </p:txBody>
+      </p:sp>
+    </p:spTree>
+    <p:extLst>
+      <p:ext uri="{BB962C8B-B14F-4D97-AF65-F5344CB8AC3E}">
+        <p14:creationId xmlns:p14="http://schemas.microsoft.com/office/powerpoint/2010/main" val="2652046516"/>
+      </p:ext>
+    </p:extLst>
+  </p:cSld>
+  <p:clrMapOvr>
+    <a:masterClrMapping/>
+  </p:clrMapOvr>
+</p:sld>
+</file>
+
+<file path=ppt/slides/slide23.xml><?xml version="1.0" encoding="utf-8"?>
+<p:sld xmlns:a="http://schemas.openxmlformats.org/drawingml/2006/main" xmlns:r="http://schemas.openxmlformats.org/officeDocument/2006/relationships" xmlns:p="http://schemas.openxmlformats.org/presentationml/2006/main">
+  <p:cSld>
+    <p:spTree>
+      <p:nvGrpSpPr>
+        <p:cNvPr id="1" name=""/>
+        <p:cNvGrpSpPr/>
+        <p:nvPr/>
+      </p:nvGrpSpPr>
+      <p:grpSpPr>
+        <a:xfrm>
+          <a:off x="0" y="0"/>
+          <a:ext cx="0" cy="0"/>
+          <a:chOff x="0" y="0"/>
+          <a:chExt cx="0" cy="0"/>
+        </a:xfrm>
+      </p:grpSpPr>
+      <p:sp>
+        <p:nvSpPr>
+          <p:cNvPr id="2" name="Title 1">
+            <a:extLst>
+              <a:ext uri="{FF2B5EF4-FFF2-40B4-BE49-F238E27FC236}">
+                <a16:creationId xmlns:a16="http://schemas.microsoft.com/office/drawing/2014/main" id="{FFE1C2C3-136F-86B4-1514-D473926A9B1B}"/>
+              </a:ext>
+            </a:extLst>
+          </p:cNvPr>
+          <p:cNvSpPr>
+            <a:spLocks noGrp="1"/>
+          </p:cNvSpPr>
+          <p:nvPr>
+            <p:ph type="title"/>
+          </p:nvPr>
+        </p:nvSpPr>
+        <p:spPr>
+          <a:xfrm>
+            <a:off x="457200" y="181897"/>
+            <a:ext cx="8382000" cy="1143000"/>
+          </a:xfrm>
+        </p:spPr>
+        <p:txBody>
+          <a:bodyPr>
+            <a:normAutofit/>
+          </a:bodyPr>
+          <a:lstStyle/>
+          <a:p>
+            <a:r>
+              <a:rPr lang="en-US" b="0" i="0" dirty="0">
+                <a:effectLst/>
+                <a:latin typeface="Times New Roman" panose="02020603050405020304" pitchFamily="18" charset="0"/>
+                <a:cs typeface="Times New Roman" panose="02020603050405020304" pitchFamily="18" charset="0"/>
+              </a:rPr>
+              <a:t>BIAS DETECTION MODULE</a:t>
+            </a:r>
+            <a:endParaRPr lang="en-IN" dirty="0"/>
+          </a:p>
+        </p:txBody>
+      </p:sp>
+      <p:sp>
+        <p:nvSpPr>
+          <p:cNvPr id="3" name="Content Placeholder 2">
+            <a:extLst>
+              <a:ext uri="{FF2B5EF4-FFF2-40B4-BE49-F238E27FC236}">
+                <a16:creationId xmlns:a16="http://schemas.microsoft.com/office/drawing/2014/main" id="{FAD340FC-0AA1-0AD0-19A1-31A1FC5B49F6}"/>
+              </a:ext>
+            </a:extLst>
+          </p:cNvPr>
+          <p:cNvSpPr>
+            <a:spLocks noGrp="1"/>
+          </p:cNvSpPr>
+          <p:nvPr>
+            <p:ph idx="1"/>
+          </p:nvPr>
+        </p:nvSpPr>
+        <p:spPr>
+          <a:xfrm>
+            <a:off x="457200" y="1447801"/>
+            <a:ext cx="8382000" cy="1207884"/>
+          </a:xfrm>
+        </p:spPr>
+        <p:txBody>
+          <a:bodyPr>
+            <a:normAutofit fontScale="92500" lnSpcReduction="10000"/>
+          </a:bodyPr>
+          <a:lstStyle/>
+          <a:p>
+            <a:pPr marL="0" indent="0" algn="just">
+              <a:lnSpc>
+                <a:spcPct val="150000"/>
+              </a:lnSpc>
+              <a:buNone/>
+            </a:pPr>
+            <a:r>
+              <a:rPr lang="en-US" sz="1800" b="0" i="0" dirty="0">
+                <a:effectLst/>
+                <a:latin typeface="Times New Roman" panose="02020603050405020304" pitchFamily="18" charset="0"/>
+                <a:cs typeface="Times New Roman" panose="02020603050405020304" pitchFamily="18" charset="0"/>
+              </a:rPr>
+              <a:t>This module uses the given data and sample and calculates the various readings of it like mean median the weight of the features and Accuracy etc.. and finally Visualize it in the form of a some charts</a:t>
+            </a:r>
+            <a:endParaRPr lang="en-IN" sz="1400" dirty="0">
+              <a:latin typeface="Times New Roman" panose="02020603050405020304" pitchFamily="18" charset="0"/>
+              <a:cs typeface="Times New Roman" panose="02020603050405020304" pitchFamily="18" charset="0"/>
+            </a:endParaRPr>
+          </a:p>
+          <a:p>
+            <a:pPr marL="0" indent="0" algn="just">
+              <a:lnSpc>
+                <a:spcPct val="150000"/>
+              </a:lnSpc>
+              <a:buNone/>
+            </a:pPr>
+            <a:endParaRPr lang="en-IN" sz="1800" dirty="0">
+              <a:latin typeface="Times New Roman" panose="02020603050405020304" pitchFamily="18" charset="0"/>
+              <a:cs typeface="Times New Roman" panose="02020603050405020304" pitchFamily="18" charset="0"/>
+            </a:endParaRPr>
+          </a:p>
+        </p:txBody>
+      </p:sp>
+      <p:sp>
+        <p:nvSpPr>
+          <p:cNvPr id="4" name="Rectangle 3">
+            <a:extLst>
+              <a:ext uri="{FF2B5EF4-FFF2-40B4-BE49-F238E27FC236}">
+                <a16:creationId xmlns:a16="http://schemas.microsoft.com/office/drawing/2014/main" id="{1D24378F-0AB7-7D1E-999D-D3B935A036D6}"/>
+              </a:ext>
+            </a:extLst>
+          </p:cNvPr>
+          <p:cNvSpPr/>
+          <p:nvPr/>
+        </p:nvSpPr>
+        <p:spPr>
+          <a:xfrm>
+            <a:off x="152400" y="152400"/>
+            <a:ext cx="8839200" cy="6553200"/>
+          </a:xfrm>
+          <a:prstGeom prst="rect">
+            <a:avLst/>
+          </a:prstGeom>
+          <a:noFill/>
+        </p:spPr>
+        <p:style>
+          <a:lnRef idx="2">
+            <a:schemeClr val="dk1"/>
+          </a:lnRef>
+          <a:fillRef idx="1">
+            <a:schemeClr val="lt1"/>
+          </a:fillRef>
+          <a:effectRef idx="0">
+            <a:schemeClr val="dk1"/>
+          </a:effectRef>
+          <a:fontRef idx="minor">
+            <a:schemeClr val="dk1"/>
+          </a:fontRef>
+        </p:style>
+        <p:txBody>
+          <a:bodyPr rtlCol="0" anchor="ctr"/>
+          <a:lstStyle/>
+          <a:p>
+            <a:pPr algn="ctr"/>
+            <a:endParaRPr lang="en-US" dirty="0"/>
+          </a:p>
+        </p:txBody>
+      </p:sp>
+      <p:sp>
+        <p:nvSpPr>
+          <p:cNvPr id="12" name="Rectangle 11">
+            <a:extLst>
+              <a:ext uri="{FF2B5EF4-FFF2-40B4-BE49-F238E27FC236}">
+                <a16:creationId xmlns:a16="http://schemas.microsoft.com/office/drawing/2014/main" id="{EBA183F9-F798-5D5C-0641-91EE3488DC4D}"/>
+              </a:ext>
+            </a:extLst>
+          </p:cNvPr>
+          <p:cNvSpPr/>
+          <p:nvPr/>
+        </p:nvSpPr>
+        <p:spPr>
+          <a:xfrm>
+            <a:off x="692150" y="3529958"/>
+            <a:ext cx="2057400" cy="814866"/>
+          </a:xfrm>
+          <a:prstGeom prst="rect">
+            <a:avLst/>
+          </a:prstGeom>
+        </p:spPr>
+        <p:style>
+          <a:lnRef idx="1">
+            <a:schemeClr val="dk1"/>
+          </a:lnRef>
+          <a:fillRef idx="2">
+            <a:schemeClr val="dk1"/>
+          </a:fillRef>
+          <a:effectRef idx="1">
+            <a:schemeClr val="dk1"/>
+          </a:effectRef>
+          <a:fontRef idx="minor">
+            <a:schemeClr val="dk1"/>
+          </a:fontRef>
+        </p:style>
+        <p:txBody>
+          <a:bodyPr rtlCol="0" anchor="ctr"/>
+          <a:lstStyle/>
+          <a:p>
+            <a:pPr algn="ctr"/>
+            <a:r>
+              <a:rPr lang="en-IN" dirty="0">
+                <a:latin typeface="Times New Roman" panose="02020603050405020304" pitchFamily="18" charset="0"/>
+                <a:cs typeface="Times New Roman" panose="02020603050405020304" pitchFamily="18" charset="0"/>
+              </a:rPr>
+              <a:t>OUTPUT</a:t>
+            </a:r>
+          </a:p>
+        </p:txBody>
+      </p:sp>
+      <p:grpSp>
+        <p:nvGrpSpPr>
+          <p:cNvPr id="29" name="Group 28">
+            <a:extLst>
+              <a:ext uri="{FF2B5EF4-FFF2-40B4-BE49-F238E27FC236}">
+                <a16:creationId xmlns:a16="http://schemas.microsoft.com/office/drawing/2014/main" id="{06177027-FD64-0FF5-042F-71BD4376E3D3}"/>
+              </a:ext>
+            </a:extLst>
+          </p:cNvPr>
+          <p:cNvGrpSpPr/>
+          <p:nvPr/>
+        </p:nvGrpSpPr>
+        <p:grpSpPr>
+          <a:xfrm>
+            <a:off x="2716893" y="2863992"/>
+            <a:ext cx="4419600" cy="2698607"/>
+            <a:chOff x="2749550" y="2852184"/>
+            <a:chExt cx="4419600" cy="3184339"/>
+          </a:xfrm>
+        </p:grpSpPr>
+        <p:sp>
+          <p:nvSpPr>
+            <p:cNvPr id="13" name="Rectangle 12">
+              <a:extLst>
+                <a:ext uri="{FF2B5EF4-FFF2-40B4-BE49-F238E27FC236}">
+                  <a16:creationId xmlns:a16="http://schemas.microsoft.com/office/drawing/2014/main" id="{1611A669-93DC-3BFE-9544-DA360BA00BE6}"/>
+                </a:ext>
+              </a:extLst>
+            </p:cNvPr>
+            <p:cNvSpPr/>
+            <p:nvPr/>
+          </p:nvSpPr>
+          <p:spPr>
+            <a:xfrm>
+              <a:off x="3625850" y="2852184"/>
+              <a:ext cx="3543300" cy="2450590"/>
+            </a:xfrm>
+            <a:prstGeom prst="rect">
+              <a:avLst/>
+            </a:prstGeom>
+          </p:spPr>
+          <p:style>
+            <a:lnRef idx="1">
+              <a:schemeClr val="dk1"/>
+            </a:lnRef>
+            <a:fillRef idx="2">
+              <a:schemeClr val="dk1"/>
+            </a:fillRef>
+            <a:effectRef idx="1">
+              <a:schemeClr val="dk1"/>
+            </a:effectRef>
+            <a:fontRef idx="minor">
+              <a:schemeClr val="dk1"/>
+            </a:fontRef>
+          </p:style>
+          <p:txBody>
+            <a:bodyPr rtlCol="0" anchor="ctr"/>
+            <a:lstStyle/>
+            <a:p>
+              <a:pPr algn="ctr"/>
+              <a:endParaRPr lang="en-IN" dirty="0"/>
+            </a:p>
+          </p:txBody>
+        </p:sp>
+        <p:sp>
+          <p:nvSpPr>
+            <p:cNvPr id="15" name="Rectangle 14">
+              <a:extLst>
+                <a:ext uri="{FF2B5EF4-FFF2-40B4-BE49-F238E27FC236}">
+                  <a16:creationId xmlns:a16="http://schemas.microsoft.com/office/drawing/2014/main" id="{6F02AB48-3AFC-DC88-EC62-FFF5034CEE55}"/>
+                </a:ext>
+              </a:extLst>
+            </p:cNvPr>
+            <p:cNvSpPr/>
+            <p:nvPr/>
+          </p:nvSpPr>
+          <p:spPr>
+            <a:xfrm>
+              <a:off x="3977639" y="3103467"/>
+              <a:ext cx="2743200" cy="533399"/>
+            </a:xfrm>
+            <a:prstGeom prst="rect">
+              <a:avLst/>
+            </a:prstGeom>
+          </p:spPr>
+          <p:style>
+            <a:lnRef idx="1">
+              <a:schemeClr val="dk1"/>
+            </a:lnRef>
+            <a:fillRef idx="2">
+              <a:schemeClr val="dk1"/>
+            </a:fillRef>
+            <a:effectRef idx="1">
+              <a:schemeClr val="dk1"/>
+            </a:effectRef>
+            <a:fontRef idx="minor">
+              <a:schemeClr val="dk1"/>
+            </a:fontRef>
+          </p:style>
+          <p:txBody>
+            <a:bodyPr rtlCol="0" anchor="ctr"/>
+            <a:lstStyle/>
+            <a:p>
+              <a:pPr algn="ctr"/>
+              <a:r>
+                <a:rPr lang="en-IN" dirty="0">
+                  <a:latin typeface="Times New Roman" panose="02020603050405020304" pitchFamily="18" charset="0"/>
+                  <a:cs typeface="Times New Roman" panose="02020603050405020304" pitchFamily="18" charset="0"/>
+                </a:rPr>
+                <a:t>DATA SORTING</a:t>
+              </a:r>
+            </a:p>
+          </p:txBody>
+        </p:sp>
+        <p:sp>
+          <p:nvSpPr>
+            <p:cNvPr id="17" name="Rectangle 16">
+              <a:extLst>
+                <a:ext uri="{FF2B5EF4-FFF2-40B4-BE49-F238E27FC236}">
+                  <a16:creationId xmlns:a16="http://schemas.microsoft.com/office/drawing/2014/main" id="{DA276CA9-C862-CBB0-8284-271526E6DF10}"/>
+                </a:ext>
+              </a:extLst>
+            </p:cNvPr>
+            <p:cNvSpPr/>
+            <p:nvPr/>
+          </p:nvSpPr>
+          <p:spPr>
+            <a:xfrm>
+              <a:off x="3977639" y="4144120"/>
+              <a:ext cx="2743200" cy="533399"/>
+            </a:xfrm>
+            <a:prstGeom prst="rect">
+              <a:avLst/>
+            </a:prstGeom>
+          </p:spPr>
+          <p:style>
+            <a:lnRef idx="1">
+              <a:schemeClr val="dk1"/>
+            </a:lnRef>
+            <a:fillRef idx="2">
+              <a:schemeClr val="dk1"/>
+            </a:fillRef>
+            <a:effectRef idx="1">
+              <a:schemeClr val="dk1"/>
+            </a:effectRef>
+            <a:fontRef idx="minor">
+              <a:schemeClr val="dk1"/>
+            </a:fontRef>
+          </p:style>
+          <p:txBody>
+            <a:bodyPr rtlCol="0" anchor="ctr"/>
+            <a:lstStyle/>
+            <a:p>
+              <a:pPr algn="ctr"/>
+              <a:r>
+                <a:rPr lang="en-IN" dirty="0"/>
+                <a:t>DATA OPERATIONS</a:t>
+              </a:r>
+            </a:p>
+          </p:txBody>
+        </p:sp>
+        <p:cxnSp>
+          <p:nvCxnSpPr>
+            <p:cNvPr id="20" name="Straight Arrow Connector 19">
+              <a:extLst>
+                <a:ext uri="{FF2B5EF4-FFF2-40B4-BE49-F238E27FC236}">
+                  <a16:creationId xmlns:a16="http://schemas.microsoft.com/office/drawing/2014/main" id="{4E184DC3-8C03-FC87-E645-EA6DF40482AD}"/>
+                </a:ext>
+              </a:extLst>
+            </p:cNvPr>
+            <p:cNvCxnSpPr>
+              <a:cxnSpLocks/>
+              <a:stCxn id="15" idx="2"/>
+              <a:endCxn id="17" idx="0"/>
+            </p:cNvCxnSpPr>
+            <p:nvPr/>
+          </p:nvCxnSpPr>
+          <p:spPr>
+            <a:xfrm>
+              <a:off x="5349239" y="3636867"/>
+              <a:ext cx="0" cy="507253"/>
+            </a:xfrm>
+            <a:prstGeom prst="straightConnector1">
+              <a:avLst/>
+            </a:prstGeom>
+            <a:ln>
+              <a:tailEnd type="triangle"/>
+            </a:ln>
+          </p:spPr>
+          <p:style>
+            <a:lnRef idx="2">
+              <a:schemeClr val="dk1"/>
+            </a:lnRef>
+            <a:fillRef idx="0">
+              <a:schemeClr val="dk1"/>
+            </a:fillRef>
+            <a:effectRef idx="1">
+              <a:schemeClr val="dk1"/>
+            </a:effectRef>
+            <a:fontRef idx="minor">
+              <a:schemeClr val="tx1"/>
+            </a:fontRef>
+          </p:style>
+        </p:cxnSp>
+        <p:sp>
+          <p:nvSpPr>
+            <p:cNvPr id="22" name="TextBox 21">
+              <a:extLst>
+                <a:ext uri="{FF2B5EF4-FFF2-40B4-BE49-F238E27FC236}">
+                  <a16:creationId xmlns:a16="http://schemas.microsoft.com/office/drawing/2014/main" id="{5DE2A7D0-F045-FBBA-2DA5-142E09541902}"/>
+                </a:ext>
+              </a:extLst>
+            </p:cNvPr>
+            <p:cNvSpPr txBox="1"/>
+            <p:nvPr/>
+          </p:nvSpPr>
+          <p:spPr>
+            <a:xfrm>
+              <a:off x="4834130" y="4937783"/>
+              <a:ext cx="1818126" cy="261610"/>
+            </a:xfrm>
+            <a:prstGeom prst="rect">
+              <a:avLst/>
+            </a:prstGeom>
+            <a:noFill/>
+          </p:spPr>
+          <p:txBody>
+            <a:bodyPr wrap="none" rtlCol="0">
+              <a:spAutoFit/>
+            </a:bodyPr>
+            <a:lstStyle/>
+            <a:p>
+              <a:r>
+                <a:rPr lang="en-IN" sz="1100" dirty="0">
+                  <a:latin typeface="Times New Roman" panose="02020603050405020304" pitchFamily="18" charset="0"/>
+                  <a:cs typeface="Times New Roman" panose="02020603050405020304" pitchFamily="18" charset="0"/>
+                </a:rPr>
+                <a:t>FEATURE ENGINEERING</a:t>
+              </a:r>
+            </a:p>
+          </p:txBody>
+        </p:sp>
+        <p:cxnSp>
+          <p:nvCxnSpPr>
+            <p:cNvPr id="24" name="Straight Arrow Connector 23">
+              <a:extLst>
+                <a:ext uri="{FF2B5EF4-FFF2-40B4-BE49-F238E27FC236}">
+                  <a16:creationId xmlns:a16="http://schemas.microsoft.com/office/drawing/2014/main" id="{41B7D7CE-534C-E8BC-9E1C-74E9A006C7F5}"/>
+                </a:ext>
+              </a:extLst>
+            </p:cNvPr>
+            <p:cNvCxnSpPr>
+              <a:stCxn id="12" idx="3"/>
+            </p:cNvCxnSpPr>
+            <p:nvPr/>
+          </p:nvCxnSpPr>
+          <p:spPr>
+            <a:xfrm>
+              <a:off x="2749550" y="3937391"/>
+              <a:ext cx="876300" cy="0"/>
+            </a:xfrm>
+            <a:prstGeom prst="straightConnector1">
+              <a:avLst/>
+            </a:prstGeom>
+            <a:ln>
+              <a:tailEnd type="triangle"/>
+            </a:ln>
+          </p:spPr>
+          <p:style>
+            <a:lnRef idx="1">
+              <a:schemeClr val="dk1"/>
+            </a:lnRef>
+            <a:fillRef idx="0">
+              <a:schemeClr val="dk1"/>
+            </a:fillRef>
+            <a:effectRef idx="0">
+              <a:schemeClr val="dk1"/>
+            </a:effectRef>
+            <a:fontRef idx="minor">
+              <a:schemeClr val="tx1"/>
+            </a:fontRef>
+          </p:style>
+        </p:cxnSp>
+        <p:cxnSp>
+          <p:nvCxnSpPr>
+            <p:cNvPr id="26" name="Straight Arrow Connector 25">
+              <a:extLst>
+                <a:ext uri="{FF2B5EF4-FFF2-40B4-BE49-F238E27FC236}">
+                  <a16:creationId xmlns:a16="http://schemas.microsoft.com/office/drawing/2014/main" id="{BF58A640-733E-A4CB-1E20-2C19A9F0D62E}"/>
+                </a:ext>
+              </a:extLst>
+            </p:cNvPr>
+            <p:cNvCxnSpPr>
+              <a:cxnSpLocks/>
+              <a:stCxn id="13" idx="2"/>
+              <a:endCxn id="27" idx="0"/>
+            </p:cNvCxnSpPr>
+            <p:nvPr/>
+          </p:nvCxnSpPr>
+          <p:spPr>
+            <a:xfrm>
+              <a:off x="5397500" y="5302774"/>
+              <a:ext cx="0" cy="733749"/>
+            </a:xfrm>
+            <a:prstGeom prst="straightConnector1">
+              <a:avLst/>
+            </a:prstGeom>
+            <a:ln>
+              <a:tailEnd type="triangle"/>
+            </a:ln>
+          </p:spPr>
+          <p:style>
+            <a:lnRef idx="1">
+              <a:schemeClr val="dk1"/>
+            </a:lnRef>
+            <a:fillRef idx="0">
+              <a:schemeClr val="dk1"/>
+            </a:fillRef>
+            <a:effectRef idx="0">
+              <a:schemeClr val="dk1"/>
+            </a:effectRef>
+            <a:fontRef idx="minor">
+              <a:schemeClr val="tx1"/>
+            </a:fontRef>
+          </p:style>
+        </p:cxnSp>
+      </p:grpSp>
+      <p:sp>
+        <p:nvSpPr>
+          <p:cNvPr id="27" name="Rectangle 26">
+            <a:extLst>
+              <a:ext uri="{FF2B5EF4-FFF2-40B4-BE49-F238E27FC236}">
+                <a16:creationId xmlns:a16="http://schemas.microsoft.com/office/drawing/2014/main" id="{45985DCF-B5E9-6FAB-06EB-2E9954380EB1}"/>
+              </a:ext>
+            </a:extLst>
+          </p:cNvPr>
+          <p:cNvSpPr/>
+          <p:nvPr/>
+        </p:nvSpPr>
+        <p:spPr>
+          <a:xfrm>
+            <a:off x="3945800" y="5562600"/>
+            <a:ext cx="2838085" cy="638608"/>
+          </a:xfrm>
+          <a:prstGeom prst="rect">
+            <a:avLst/>
+          </a:prstGeom>
+        </p:spPr>
+        <p:style>
+          <a:lnRef idx="1">
+            <a:schemeClr val="dk1"/>
+          </a:lnRef>
+          <a:fillRef idx="2">
+            <a:schemeClr val="dk1"/>
+          </a:fillRef>
+          <a:effectRef idx="1">
+            <a:schemeClr val="dk1"/>
+          </a:effectRef>
+          <a:fontRef idx="minor">
+            <a:schemeClr val="dk1"/>
+          </a:fontRef>
+        </p:style>
+        <p:txBody>
+          <a:bodyPr rtlCol="0" anchor="ctr"/>
+          <a:lstStyle/>
+          <a:p>
+            <a:pPr algn="ctr"/>
+            <a:r>
+              <a:rPr lang="en-IN" dirty="0">
+                <a:latin typeface="Times New Roman" panose="02020603050405020304" pitchFamily="18" charset="0"/>
+                <a:cs typeface="Times New Roman" panose="02020603050405020304" pitchFamily="18" charset="0"/>
+              </a:rPr>
+              <a:t>DATA VISUALIZATION</a:t>
+            </a:r>
+          </a:p>
+        </p:txBody>
+      </p:sp>
+    </p:spTree>
+    <p:extLst>
+      <p:ext uri="{BB962C8B-B14F-4D97-AF65-F5344CB8AC3E}">
+        <p14:creationId xmlns:p14="http://schemas.microsoft.com/office/powerpoint/2010/main" val="2691834324"/>
+      </p:ext>
+    </p:extLst>
+  </p:cSld>
+  <p:clrMapOvr>
+    <a:masterClrMapping/>
+  </p:clrMapOvr>
+</p:sld>
+</file>
+
+<file path=ppt/slides/slide24.xml><?xml version="1.0" encoding="utf-8"?>
+<p:sld xmlns:a="http://schemas.openxmlformats.org/drawingml/2006/main" xmlns:r="http://schemas.openxmlformats.org/officeDocument/2006/relationships" xmlns:p="http://schemas.openxmlformats.org/presentationml/2006/main">
+  <p:cSld>
+    <p:spTree>
+      <p:nvGrpSpPr>
+        <p:cNvPr id="1" name=""/>
+        <p:cNvGrpSpPr/>
+        <p:nvPr/>
+      </p:nvGrpSpPr>
+      <p:grpSpPr>
+        <a:xfrm>
+          <a:off x="0" y="0"/>
+          <a:ext cx="0" cy="0"/>
+          <a:chOff x="0" y="0"/>
+          <a:chExt cx="0" cy="0"/>
+        </a:xfrm>
+      </p:grpSpPr>
+      <p:sp>
+        <p:nvSpPr>
+          <p:cNvPr id="2" name="Title 1">
+            <a:extLst>
+              <a:ext uri="{FF2B5EF4-FFF2-40B4-BE49-F238E27FC236}">
+                <a16:creationId xmlns:a16="http://schemas.microsoft.com/office/drawing/2014/main" id="{24884737-0468-5C9C-AD04-55AB9E62EE30}"/>
+              </a:ext>
+            </a:extLst>
+          </p:cNvPr>
+          <p:cNvSpPr>
+            <a:spLocks noGrp="1"/>
+          </p:cNvSpPr>
+          <p:nvPr>
+            <p:ph type="title"/>
+          </p:nvPr>
+        </p:nvSpPr>
+        <p:spPr>
+          <a:xfrm>
+            <a:off x="457200" y="0"/>
+            <a:ext cx="8229600" cy="1143000"/>
+          </a:xfrm>
+        </p:spPr>
+        <p:txBody>
+          <a:bodyPr/>
+          <a:lstStyle/>
+          <a:p>
+            <a:r>
+              <a:rPr lang="en-IN" dirty="0">
+                <a:latin typeface="Times New Roman" panose="02020603050405020304" pitchFamily="18" charset="0"/>
+                <a:cs typeface="Times New Roman" panose="02020603050405020304" pitchFamily="18" charset="0"/>
+              </a:rPr>
+              <a:t>IMPLEMENTATION</a:t>
+            </a:r>
+          </a:p>
+        </p:txBody>
+      </p:sp>
+      <p:sp>
+        <p:nvSpPr>
+          <p:cNvPr id="3" name="Content Placeholder 2">
+            <a:extLst>
+              <a:ext uri="{FF2B5EF4-FFF2-40B4-BE49-F238E27FC236}">
+                <a16:creationId xmlns:a16="http://schemas.microsoft.com/office/drawing/2014/main" id="{CCAE039B-8666-DD18-3304-CB903AC2416B}"/>
+              </a:ext>
+            </a:extLst>
+          </p:cNvPr>
+          <p:cNvSpPr>
+            <a:spLocks noGrp="1"/>
+          </p:cNvSpPr>
+          <p:nvPr>
+            <p:ph idx="1"/>
+          </p:nvPr>
+        </p:nvSpPr>
+        <p:spPr>
+          <a:xfrm>
+            <a:off x="457200" y="1143000"/>
+            <a:ext cx="8229600" cy="5334000"/>
+          </a:xfrm>
+        </p:spPr>
+        <p:txBody>
+          <a:bodyPr>
+            <a:normAutofit/>
+          </a:bodyPr>
+          <a:lstStyle/>
+          <a:p>
+            <a:endParaRPr lang="en-US" sz="800" dirty="0"/>
+          </a:p>
+          <a:p>
+            <a:pPr algn="just">
+              <a:lnSpc>
+                <a:spcPct val="150000"/>
+              </a:lnSpc>
+            </a:pPr>
+            <a:r>
+              <a:rPr lang="en-US" b="1" dirty="0">
+                <a:latin typeface="Times New Roman" panose="02020603050405020304" pitchFamily="18" charset="0"/>
+                <a:cs typeface="Times New Roman" panose="02020603050405020304" pitchFamily="18" charset="0"/>
+              </a:rPr>
+              <a:t>Neural Network</a:t>
+            </a:r>
+          </a:p>
+          <a:p>
+            <a:pPr marL="0" indent="0" algn="just">
+              <a:lnSpc>
+                <a:spcPct val="150000"/>
+              </a:lnSpc>
+              <a:buNone/>
+            </a:pPr>
+            <a:r>
+              <a:rPr lang="en-US" sz="1900" dirty="0">
+                <a:latin typeface="Times New Roman" panose="02020603050405020304" pitchFamily="18" charset="0"/>
+                <a:cs typeface="Times New Roman" panose="02020603050405020304" pitchFamily="18" charset="0"/>
+              </a:rPr>
+              <a:t>1. </a:t>
+            </a:r>
+            <a:r>
+              <a:rPr lang="en-US" sz="2600" dirty="0">
+                <a:latin typeface="Times New Roman" panose="02020603050405020304" pitchFamily="18" charset="0"/>
+                <a:cs typeface="Times New Roman" panose="02020603050405020304" pitchFamily="18" charset="0"/>
+              </a:rPr>
+              <a:t>Initialization:</a:t>
+            </a:r>
+          </a:p>
+          <a:p>
+            <a:pPr algn="just">
+              <a:lnSpc>
+                <a:spcPct val="150000"/>
+              </a:lnSpc>
+            </a:pPr>
+            <a:r>
+              <a:rPr lang="en-US" sz="2600" dirty="0">
+                <a:latin typeface="Times New Roman" panose="02020603050405020304" pitchFamily="18" charset="0"/>
+                <a:cs typeface="Times New Roman" panose="02020603050405020304" pitchFamily="18" charset="0"/>
+              </a:rPr>
+              <a:t> Create the neural network model: usually involves creating layers and sections for the data to pass through. This serves as the filtering and selection of data.</a:t>
+            </a:r>
+          </a:p>
+          <a:p>
+            <a:pPr algn="just">
+              <a:lnSpc>
+                <a:spcPct val="150000"/>
+              </a:lnSpc>
+            </a:pPr>
+            <a:r>
+              <a:rPr lang="en-US" sz="2600" dirty="0">
+                <a:latin typeface="Times New Roman" panose="02020603050405020304" pitchFamily="18" charset="0"/>
+                <a:cs typeface="Times New Roman" panose="02020603050405020304" pitchFamily="18" charset="0"/>
+              </a:rPr>
+              <a:t> Initialize a dataset with weights: typically assigning some weight to each sample.</a:t>
+            </a:r>
+          </a:p>
+          <a:p>
+            <a:endParaRPr lang="en-US" sz="2600" dirty="0">
+              <a:latin typeface="Times New Roman" panose="02020603050405020304" pitchFamily="18" charset="0"/>
+              <a:cs typeface="Times New Roman" panose="02020603050405020304" pitchFamily="18" charset="0"/>
+            </a:endParaRPr>
+          </a:p>
+          <a:p>
+            <a:endParaRPr lang="en-US" sz="2600" dirty="0"/>
+          </a:p>
+        </p:txBody>
+      </p:sp>
+      <p:sp>
+        <p:nvSpPr>
+          <p:cNvPr id="4" name="Rectangle 3">
+            <a:extLst>
+              <a:ext uri="{FF2B5EF4-FFF2-40B4-BE49-F238E27FC236}">
+                <a16:creationId xmlns:a16="http://schemas.microsoft.com/office/drawing/2014/main" id="{43CDA365-2BA8-754F-EB50-902179D9032C}"/>
+              </a:ext>
+            </a:extLst>
+          </p:cNvPr>
+          <p:cNvSpPr/>
+          <p:nvPr/>
+        </p:nvSpPr>
+        <p:spPr>
+          <a:xfrm>
+            <a:off x="152400" y="152400"/>
+            <a:ext cx="8839200" cy="6553200"/>
+          </a:xfrm>
+          <a:prstGeom prst="rect">
+            <a:avLst/>
+          </a:prstGeom>
+          <a:noFill/>
+        </p:spPr>
+        <p:style>
+          <a:lnRef idx="2">
+            <a:schemeClr val="dk1"/>
+          </a:lnRef>
+          <a:fillRef idx="1">
+            <a:schemeClr val="lt1"/>
+          </a:fillRef>
+          <a:effectRef idx="0">
+            <a:schemeClr val="dk1"/>
+          </a:effectRef>
+          <a:fontRef idx="minor">
+            <a:schemeClr val="dk1"/>
+          </a:fontRef>
+        </p:style>
+        <p:txBody>
+          <a:bodyPr rtlCol="0" anchor="ctr"/>
+          <a:lstStyle/>
+          <a:p>
+            <a:pPr algn="ctr"/>
+            <a:endParaRPr lang="en-US" dirty="0"/>
+          </a:p>
+          <a:p>
+            <a:pPr algn="ctr"/>
+            <a:endParaRPr lang="en-US" dirty="0"/>
+          </a:p>
+        </p:txBody>
+      </p:sp>
+    </p:spTree>
+    <p:extLst>
+      <p:ext uri="{BB962C8B-B14F-4D97-AF65-F5344CB8AC3E}">
+        <p14:creationId xmlns:p14="http://schemas.microsoft.com/office/powerpoint/2010/main" val="1294449224"/>
+      </p:ext>
+    </p:extLst>
+  </p:cSld>
+  <p:clrMapOvr>
+    <a:masterClrMapping/>
+  </p:clrMapOvr>
+</p:sld>
+</file>
+
+<file path=ppt/slides/slide25.xml><?xml version="1.0" encoding="utf-8"?>
+<p:sld xmlns:a="http://schemas.openxmlformats.org/drawingml/2006/main" xmlns:r="http://schemas.openxmlformats.org/officeDocument/2006/relationships" xmlns:p="http://schemas.openxmlformats.org/presentationml/2006/main">
+  <p:cSld>
+    <p:spTree>
+      <p:nvGrpSpPr>
+        <p:cNvPr id="1" name=""/>
+        <p:cNvGrpSpPr/>
+        <p:nvPr/>
+      </p:nvGrpSpPr>
+      <p:grpSpPr>
+        <a:xfrm>
+          <a:off x="0" y="0"/>
+          <a:ext cx="0" cy="0"/>
+          <a:chOff x="0" y="0"/>
+          <a:chExt cx="0" cy="0"/>
+        </a:xfrm>
+      </p:grpSpPr>
+      <p:sp>
+        <p:nvSpPr>
+          <p:cNvPr id="3" name="Content Placeholder 2">
+            <a:extLst>
+              <a:ext uri="{FF2B5EF4-FFF2-40B4-BE49-F238E27FC236}">
+                <a16:creationId xmlns:a16="http://schemas.microsoft.com/office/drawing/2014/main" id="{CCAE039B-8666-DD18-3304-CB903AC2416B}"/>
+              </a:ext>
+            </a:extLst>
+          </p:cNvPr>
+          <p:cNvSpPr>
+            <a:spLocks noGrp="1"/>
+          </p:cNvSpPr>
+          <p:nvPr>
+            <p:ph idx="1"/>
+          </p:nvPr>
+        </p:nvSpPr>
+        <p:spPr>
+          <a:xfrm>
+            <a:off x="381000" y="838200"/>
+            <a:ext cx="8229600" cy="5334000"/>
+          </a:xfrm>
+        </p:spPr>
+        <p:txBody>
+          <a:bodyPr>
+            <a:normAutofit fontScale="85000" lnSpcReduction="10000"/>
+          </a:bodyPr>
+          <a:lstStyle/>
+          <a:p>
+            <a:pPr marL="0" indent="0" algn="just">
+              <a:lnSpc>
+                <a:spcPct val="150000"/>
+              </a:lnSpc>
+              <a:buNone/>
+            </a:pPr>
+            <a:endParaRPr lang="en-US" sz="2600" dirty="0">
+              <a:latin typeface="Times New Roman" panose="02020603050405020304" pitchFamily="18" charset="0"/>
+              <a:cs typeface="Times New Roman" panose="02020603050405020304" pitchFamily="18" charset="0"/>
+            </a:endParaRPr>
+          </a:p>
+          <a:p>
+            <a:pPr algn="just">
+              <a:lnSpc>
+                <a:spcPct val="150000"/>
+              </a:lnSpc>
+            </a:pPr>
+            <a:r>
+              <a:rPr lang="en-US" sz="2600" dirty="0">
+                <a:latin typeface="Times New Roman" panose="02020603050405020304" pitchFamily="18" charset="0"/>
+                <a:cs typeface="Times New Roman" panose="02020603050405020304" pitchFamily="18" charset="0"/>
+              </a:rPr>
+              <a:t> Compile the Model: Compile the model by specifying the optimizer, loss function, and evaluation metrics. The optimizer determines how the model's weights are updated during training, </a:t>
+            </a:r>
+          </a:p>
+          <a:p>
+            <a:pPr algn="just">
+              <a:lnSpc>
+                <a:spcPct val="150000"/>
+              </a:lnSpc>
+            </a:pPr>
+            <a:r>
+              <a:rPr lang="en-US" sz="2600" dirty="0">
+                <a:latin typeface="Times New Roman" panose="02020603050405020304" pitchFamily="18" charset="0"/>
+                <a:cs typeface="Times New Roman" panose="02020603050405020304" pitchFamily="18" charset="0"/>
+              </a:rPr>
+              <a:t>Train the Model: Train the model on a dataset by feeding it input data and corresponding target labels.</a:t>
+            </a:r>
+          </a:p>
+          <a:p>
+            <a:pPr algn="just">
+              <a:lnSpc>
+                <a:spcPct val="150000"/>
+              </a:lnSpc>
+            </a:pPr>
+            <a:r>
+              <a:rPr lang="en-US" sz="2600" dirty="0">
+                <a:latin typeface="Times New Roman" panose="02020603050405020304" pitchFamily="18" charset="0"/>
+                <a:cs typeface="Times New Roman" panose="02020603050405020304" pitchFamily="18" charset="0"/>
+              </a:rPr>
+              <a:t>Evaluate the Model: Evaluate the trained model on a separate dataset to assess its performance.</a:t>
+            </a:r>
+          </a:p>
+          <a:p>
+            <a:pPr algn="just">
+              <a:lnSpc>
+                <a:spcPct val="150000"/>
+              </a:lnSpc>
+            </a:pPr>
+            <a:r>
+              <a:rPr lang="en-US" sz="2600" dirty="0">
+                <a:latin typeface="Times New Roman" panose="02020603050405020304" pitchFamily="18" charset="0"/>
+                <a:cs typeface="Times New Roman" panose="02020603050405020304" pitchFamily="18" charset="0"/>
+              </a:rPr>
+              <a:t>Create data Visualization: Usually some plot maps or heat maps</a:t>
+            </a:r>
+          </a:p>
+          <a:p>
+            <a:endParaRPr lang="en-US" sz="2600" dirty="0"/>
+          </a:p>
+        </p:txBody>
+      </p:sp>
+      <p:sp>
+        <p:nvSpPr>
+          <p:cNvPr id="4" name="Rectangle 3">
+            <a:extLst>
+              <a:ext uri="{FF2B5EF4-FFF2-40B4-BE49-F238E27FC236}">
+                <a16:creationId xmlns:a16="http://schemas.microsoft.com/office/drawing/2014/main" id="{43CDA365-2BA8-754F-EB50-902179D9032C}"/>
+              </a:ext>
+            </a:extLst>
+          </p:cNvPr>
+          <p:cNvSpPr/>
+          <p:nvPr/>
+        </p:nvSpPr>
+        <p:spPr>
+          <a:xfrm>
+            <a:off x="152400" y="152400"/>
+            <a:ext cx="8839200" cy="6553200"/>
+          </a:xfrm>
+          <a:prstGeom prst="rect">
+            <a:avLst/>
+          </a:prstGeom>
+          <a:noFill/>
+        </p:spPr>
+        <p:style>
+          <a:lnRef idx="2">
+            <a:schemeClr val="dk1"/>
+          </a:lnRef>
+          <a:fillRef idx="1">
+            <a:schemeClr val="lt1"/>
+          </a:fillRef>
+          <a:effectRef idx="0">
+            <a:schemeClr val="dk1"/>
+          </a:effectRef>
+          <a:fontRef idx="minor">
+            <a:schemeClr val="dk1"/>
+          </a:fontRef>
+        </p:style>
+        <p:txBody>
+          <a:bodyPr rtlCol="0" anchor="ctr"/>
+          <a:lstStyle/>
+          <a:p>
+            <a:pPr algn="ctr"/>
+            <a:endParaRPr lang="en-US" dirty="0"/>
+          </a:p>
+          <a:p>
+            <a:pPr algn="ctr"/>
+            <a:endParaRPr lang="en-US" dirty="0"/>
+          </a:p>
+        </p:txBody>
+      </p:sp>
+    </p:spTree>
+    <p:extLst>
+      <p:ext uri="{BB962C8B-B14F-4D97-AF65-F5344CB8AC3E}">
+        <p14:creationId xmlns:p14="http://schemas.microsoft.com/office/powerpoint/2010/main" val="1674536883"/>
+      </p:ext>
+    </p:extLst>
+  </p:cSld>
+  <p:clrMapOvr>
+    <a:masterClrMapping/>
+  </p:clrMapOvr>
+</p:sld>
+</file>
+
+<file path=ppt/slides/slide26.xml><?xml version="1.0" encoding="utf-8"?>
+<p:sld xmlns:a="http://schemas.openxmlformats.org/drawingml/2006/main" xmlns:r="http://schemas.openxmlformats.org/officeDocument/2006/relationships" xmlns:p="http://schemas.openxmlformats.org/presentationml/2006/main">
+  <p:cSld>
+    <p:spTree>
+      <p:nvGrpSpPr>
+        <p:cNvPr id="1" name=""/>
+        <p:cNvGrpSpPr/>
+        <p:nvPr/>
+      </p:nvGrpSpPr>
+      <p:grpSpPr>
+        <a:xfrm>
+          <a:off x="0" y="0"/>
+          <a:ext cx="0" cy="0"/>
+          <a:chOff x="0" y="0"/>
+          <a:chExt cx="0" cy="0"/>
+        </a:xfrm>
+      </p:grpSpPr>
+      <p:sp>
+        <p:nvSpPr>
+          <p:cNvPr id="3" name="Content Placeholder 2">
+            <a:extLst>
+              <a:ext uri="{FF2B5EF4-FFF2-40B4-BE49-F238E27FC236}">
+                <a16:creationId xmlns:a16="http://schemas.microsoft.com/office/drawing/2014/main" id="{CCAE039B-8666-DD18-3304-CB903AC2416B}"/>
+              </a:ext>
+            </a:extLst>
+          </p:cNvPr>
+          <p:cNvSpPr>
+            <a:spLocks noGrp="1"/>
+          </p:cNvSpPr>
+          <p:nvPr>
+            <p:ph idx="1"/>
+          </p:nvPr>
+        </p:nvSpPr>
+        <p:spPr>
+          <a:xfrm>
+            <a:off x="457200" y="457200"/>
+            <a:ext cx="8229600" cy="6019800"/>
+          </a:xfrm>
+        </p:spPr>
+        <p:txBody>
+          <a:bodyPr>
+            <a:normAutofit fontScale="47500" lnSpcReduction="20000"/>
+          </a:bodyPr>
+          <a:lstStyle/>
+          <a:p>
+            <a:endParaRPr lang="en-US" sz="800" dirty="0"/>
+          </a:p>
+          <a:p>
+            <a:pPr algn="just">
+              <a:lnSpc>
+                <a:spcPct val="150000"/>
+              </a:lnSpc>
+            </a:pPr>
+            <a:r>
+              <a:rPr lang="en-US" b="1" dirty="0">
+                <a:latin typeface="Times New Roman" panose="02020603050405020304" pitchFamily="18" charset="0"/>
+                <a:cs typeface="Times New Roman" panose="02020603050405020304" pitchFamily="18" charset="0"/>
+              </a:rPr>
+              <a:t>Autoencoding</a:t>
+            </a:r>
+          </a:p>
+          <a:p>
+            <a:pPr marL="0" indent="0" algn="just">
+              <a:lnSpc>
+                <a:spcPct val="150000"/>
+              </a:lnSpc>
+              <a:buNone/>
+            </a:pPr>
+            <a:r>
+              <a:rPr lang="en-US" sz="2300" dirty="0">
+                <a:latin typeface="Times New Roman" panose="02020603050405020304" pitchFamily="18" charset="0"/>
+                <a:cs typeface="Times New Roman" panose="02020603050405020304" pitchFamily="18" charset="0"/>
+              </a:rPr>
+              <a:t>1. </a:t>
+            </a:r>
+            <a:r>
+              <a:rPr lang="en-US" sz="3400" dirty="0">
+                <a:latin typeface="Times New Roman" panose="02020603050405020304" pitchFamily="18" charset="0"/>
+                <a:cs typeface="Times New Roman" panose="02020603050405020304" pitchFamily="18" charset="0"/>
+              </a:rPr>
+              <a:t>Autoencoders: An autoencoder is a type of neural network trained to learn a compressed representation of input data. It consists of two main components: an encoder and a decoder.</a:t>
+            </a:r>
+          </a:p>
+          <a:p>
+            <a:pPr marL="0" indent="0" algn="just">
+              <a:lnSpc>
+                <a:spcPct val="150000"/>
+              </a:lnSpc>
+              <a:buNone/>
+            </a:pPr>
+            <a:endParaRPr lang="en-US" sz="3400" dirty="0">
+              <a:latin typeface="Times New Roman" panose="02020603050405020304" pitchFamily="18" charset="0"/>
+              <a:cs typeface="Times New Roman" panose="02020603050405020304" pitchFamily="18" charset="0"/>
+            </a:endParaRPr>
+          </a:p>
+          <a:p>
+            <a:pPr marL="0" indent="0" algn="just">
+              <a:lnSpc>
+                <a:spcPct val="150000"/>
+              </a:lnSpc>
+              <a:buNone/>
+            </a:pPr>
+            <a:r>
+              <a:rPr lang="en-US" sz="3400" dirty="0">
+                <a:latin typeface="Times New Roman" panose="02020603050405020304" pitchFamily="18" charset="0"/>
+                <a:cs typeface="Times New Roman" panose="02020603050405020304" pitchFamily="18" charset="0"/>
+              </a:rPr>
+              <a:t>Encoder: The encoder compresses the input data into a lower-dimensional representation (encoding). It typically consists of multiple layers, such as convolutional layers or fully connected layers</a:t>
+            </a:r>
+          </a:p>
+          <a:p>
+            <a:pPr marL="0" indent="0" algn="just">
+              <a:lnSpc>
+                <a:spcPct val="150000"/>
+              </a:lnSpc>
+              <a:buNone/>
+            </a:pPr>
+            <a:endParaRPr lang="en-US" sz="3400" dirty="0">
+              <a:latin typeface="Times New Roman" panose="02020603050405020304" pitchFamily="18" charset="0"/>
+              <a:cs typeface="Times New Roman" panose="02020603050405020304" pitchFamily="18" charset="0"/>
+            </a:endParaRPr>
+          </a:p>
+          <a:p>
+            <a:pPr marL="0" indent="0" algn="just">
+              <a:lnSpc>
+                <a:spcPct val="150000"/>
+              </a:lnSpc>
+              <a:buNone/>
+            </a:pPr>
+            <a:r>
+              <a:rPr lang="en-US" sz="3400" dirty="0">
+                <a:latin typeface="Times New Roman" panose="02020603050405020304" pitchFamily="18" charset="0"/>
+                <a:cs typeface="Times New Roman" panose="02020603050405020304" pitchFamily="18" charset="0"/>
+              </a:rPr>
+              <a:t>Decoder: The decoder reconstructs the original input data from the compressed representation produced by the encoder. It mirrors the structure of the encoder but in reverse, gradually expanding the representation back to the original dimensionality.</a:t>
+            </a:r>
+          </a:p>
+          <a:p>
+            <a:pPr marL="0" indent="0" algn="just">
+              <a:lnSpc>
+                <a:spcPct val="150000"/>
+              </a:lnSpc>
+              <a:buNone/>
+            </a:pPr>
+            <a:endParaRPr lang="en-US" sz="3400" dirty="0">
+              <a:latin typeface="Times New Roman" panose="02020603050405020304" pitchFamily="18" charset="0"/>
+              <a:cs typeface="Times New Roman" panose="02020603050405020304" pitchFamily="18" charset="0"/>
+            </a:endParaRPr>
+          </a:p>
+          <a:p>
+            <a:pPr marL="0" indent="0" algn="just">
+              <a:lnSpc>
+                <a:spcPct val="150000"/>
+              </a:lnSpc>
+              <a:buNone/>
+            </a:pPr>
+            <a:r>
+              <a:rPr lang="en-US" sz="3400" dirty="0">
+                <a:latin typeface="Times New Roman" panose="02020603050405020304" pitchFamily="18" charset="0"/>
+                <a:cs typeface="Times New Roman" panose="02020603050405020304" pitchFamily="18" charset="0"/>
+              </a:rPr>
+              <a:t>Training: Autoencoders are trained using unsupervised learning techniques, where the objective is to minimize the reconstruction error between the input data and the output of the decoder.</a:t>
+            </a:r>
+          </a:p>
+          <a:p>
+            <a:pPr marL="0" indent="0" algn="just">
+              <a:lnSpc>
+                <a:spcPct val="150000"/>
+              </a:lnSpc>
+              <a:buNone/>
+            </a:pPr>
+            <a:endParaRPr lang="en-US" sz="3400" dirty="0">
+              <a:latin typeface="Times New Roman" panose="02020603050405020304" pitchFamily="18" charset="0"/>
+              <a:cs typeface="Times New Roman" panose="02020603050405020304" pitchFamily="18" charset="0"/>
+            </a:endParaRPr>
+          </a:p>
+          <a:p>
+            <a:pPr marL="0" indent="0" algn="just">
+              <a:lnSpc>
+                <a:spcPct val="150000"/>
+              </a:lnSpc>
+              <a:buNone/>
+            </a:pPr>
+            <a:r>
+              <a:rPr lang="en-US" sz="3400" dirty="0">
+                <a:latin typeface="Times New Roman" panose="02020603050405020304" pitchFamily="18" charset="0"/>
+                <a:cs typeface="Times New Roman" panose="02020603050405020304" pitchFamily="18" charset="0"/>
+              </a:rPr>
+              <a:t>Applications: Autoencoders have various applications, including dimensionality reduction, feature learning, anomaly detection, denoising, and data generation.</a:t>
+            </a:r>
+          </a:p>
+        </p:txBody>
+      </p:sp>
+      <p:sp>
+        <p:nvSpPr>
+          <p:cNvPr id="4" name="Rectangle 3">
+            <a:extLst>
+              <a:ext uri="{FF2B5EF4-FFF2-40B4-BE49-F238E27FC236}">
+                <a16:creationId xmlns:a16="http://schemas.microsoft.com/office/drawing/2014/main" id="{43CDA365-2BA8-754F-EB50-902179D9032C}"/>
+              </a:ext>
+            </a:extLst>
+          </p:cNvPr>
+          <p:cNvSpPr/>
+          <p:nvPr/>
+        </p:nvSpPr>
+        <p:spPr>
+          <a:xfrm>
+            <a:off x="152400" y="152400"/>
+            <a:ext cx="8839200" cy="6553200"/>
+          </a:xfrm>
+          <a:prstGeom prst="rect">
+            <a:avLst/>
+          </a:prstGeom>
+          <a:noFill/>
+        </p:spPr>
+        <p:style>
+          <a:lnRef idx="2">
+            <a:schemeClr val="dk1"/>
+          </a:lnRef>
+          <a:fillRef idx="1">
+            <a:schemeClr val="lt1"/>
+          </a:fillRef>
+          <a:effectRef idx="0">
+            <a:schemeClr val="dk1"/>
+          </a:effectRef>
+          <a:fontRef idx="minor">
+            <a:schemeClr val="dk1"/>
+          </a:fontRef>
+        </p:style>
+        <p:txBody>
+          <a:bodyPr rtlCol="0" anchor="ctr"/>
+          <a:lstStyle/>
+          <a:p>
+            <a:pPr algn="ctr"/>
+            <a:endParaRPr lang="en-US" dirty="0"/>
+          </a:p>
+          <a:p>
+            <a:pPr algn="ctr"/>
+            <a:endParaRPr lang="en-US" dirty="0"/>
+          </a:p>
+        </p:txBody>
+      </p:sp>
+    </p:spTree>
+    <p:extLst>
+      <p:ext uri="{BB962C8B-B14F-4D97-AF65-F5344CB8AC3E}">
+        <p14:creationId xmlns:p14="http://schemas.microsoft.com/office/powerpoint/2010/main" val="1031176354"/>
+      </p:ext>
+    </p:extLst>
+  </p:cSld>
+  <p:clrMapOvr>
+    <a:masterClrMapping/>
+  </p:clrMapOvr>
+</p:sld>
+</file>
+
+<file path=ppt/slides/slide27.xml><?xml version="1.0" encoding="utf-8"?>
+<p:sld xmlns:a="http://schemas.openxmlformats.org/drawingml/2006/main" xmlns:r="http://schemas.openxmlformats.org/officeDocument/2006/relationships" xmlns:p="http://schemas.openxmlformats.org/presentationml/2006/main">
+  <p:cSld>
+    <p:spTree>
+      <p:nvGrpSpPr>
+        <p:cNvPr id="1" name=""/>
+        <p:cNvGrpSpPr/>
+        <p:nvPr/>
+      </p:nvGrpSpPr>
+      <p:grpSpPr>
+        <a:xfrm>
+          <a:off x="0" y="0"/>
+          <a:ext cx="0" cy="0"/>
+          <a:chOff x="0" y="0"/>
+          <a:chExt cx="0" cy="0"/>
+        </a:xfrm>
+      </p:grpSpPr>
+      <p:sp>
+        <p:nvSpPr>
           <p:cNvPr id="2" name="Title 1"/>
           <p:cNvSpPr>
             <a:spLocks noGrp="1"/>
@@ -13215,7 +15360,7 @@
 </p:sld>
 </file>
 
-<file path=ppt/slides/slide23.xml><?xml version="1.0" encoding="utf-8"?>
+<file path=ppt/slides/slide28.xml><?xml version="1.0" encoding="utf-8"?>
 <p:sld xmlns:a="http://schemas.openxmlformats.org/drawingml/2006/main" xmlns:r="http://schemas.openxmlformats.org/officeDocument/2006/relationships" xmlns:p="http://schemas.openxmlformats.org/presentationml/2006/main">
   <p:cSld>
     <p:spTree>

--- a/IOTProjreview ppt.pptx
+++ b/IOTProjreview ppt.pptx
@@ -5,7 +5,7 @@
     <p:sldMasterId id="2147483648" r:id="rId1"/>
   </p:sldMasterIdLst>
   <p:notesMasterIdLst>
-    <p:notesMasterId r:id="rId30"/>
+    <p:notesMasterId r:id="rId36"/>
   </p:notesMasterIdLst>
   <p:sldIdLst>
     <p:sldId id="256" r:id="rId2"/>
@@ -34,8 +34,14 @@
     <p:sldId id="294" r:id="rId25"/>
     <p:sldId id="295" r:id="rId26"/>
     <p:sldId id="296" r:id="rId27"/>
-    <p:sldId id="266" r:id="rId28"/>
-    <p:sldId id="276" r:id="rId29"/>
+    <p:sldId id="297" r:id="rId28"/>
+    <p:sldId id="298" r:id="rId29"/>
+    <p:sldId id="299" r:id="rId30"/>
+    <p:sldId id="300" r:id="rId31"/>
+    <p:sldId id="301" r:id="rId32"/>
+    <p:sldId id="266" r:id="rId33"/>
+    <p:sldId id="291" r:id="rId34"/>
+    <p:sldId id="276" r:id="rId35"/>
   </p:sldIdLst>
   <p:sldSz cx="9144000" cy="6858000" type="screen4x3"/>
   <p:notesSz cx="6858000" cy="9144000"/>
@@ -10121,6 +10127,55 @@
           </a:p>
         </p:txBody>
       </p:sp>
+      <p:sp>
+        <p:nvSpPr>
+          <p:cNvPr id="4" name="Rectangle 3">
+            <a:extLst>
+              <a:ext uri="{FF2B5EF4-FFF2-40B4-BE49-F238E27FC236}">
+                <a16:creationId xmlns:a16="http://schemas.microsoft.com/office/drawing/2014/main" id="{6508B9B3-CCDD-99EC-2831-67FD2314B678}"/>
+              </a:ext>
+            </a:extLst>
+          </p:cNvPr>
+          <p:cNvSpPr/>
+          <p:nvPr/>
+        </p:nvSpPr>
+        <p:spPr>
+          <a:xfrm>
+            <a:off x="152400" y="152400"/>
+            <a:ext cx="8839200" cy="6553200"/>
+          </a:xfrm>
+          <a:prstGeom prst="rect">
+            <a:avLst/>
+          </a:prstGeom>
+          <a:noFill/>
+        </p:spPr>
+        <p:style>
+          <a:lnRef idx="2">
+            <a:schemeClr val="dk1"/>
+          </a:lnRef>
+          <a:fillRef idx="1">
+            <a:schemeClr val="lt1"/>
+          </a:fillRef>
+          <a:effectRef idx="0">
+            <a:schemeClr val="dk1"/>
+          </a:effectRef>
+          <a:fontRef idx="minor">
+            <a:schemeClr val="dk1"/>
+          </a:fontRef>
+        </p:style>
+        <p:txBody>
+          <a:bodyPr rtlCol="0" anchor="ctr"/>
+          <a:lstStyle/>
+          <a:p>
+            <a:pPr algn="ctr"/>
+            <a:endParaRPr lang="en-US" dirty="0"/>
+          </a:p>
+          <a:p>
+            <a:pPr algn="ctr"/>
+            <a:endParaRPr lang="en-US" dirty="0"/>
+          </a:p>
+        </p:txBody>
+      </p:sp>
     </p:spTree>
   </p:cSld>
   <p:clrMapOvr>
@@ -10244,6 +10299,55 @@
               <a:rPr lang="en-US" sz="1600" dirty="0"/>
               <a:t>Overhead: Security and privacy protocols impose additional overhead on network bandwidth and device resources</a:t>
             </a:r>
+          </a:p>
+        </p:txBody>
+      </p:sp>
+      <p:sp>
+        <p:nvSpPr>
+          <p:cNvPr id="2" name="Rectangle 1">
+            <a:extLst>
+              <a:ext uri="{FF2B5EF4-FFF2-40B4-BE49-F238E27FC236}">
+                <a16:creationId xmlns:a16="http://schemas.microsoft.com/office/drawing/2014/main" id="{514B2C80-99F3-B866-78F4-3BCDAE3B5763}"/>
+              </a:ext>
+            </a:extLst>
+          </p:cNvPr>
+          <p:cNvSpPr/>
+          <p:nvPr/>
+        </p:nvSpPr>
+        <p:spPr>
+          <a:xfrm>
+            <a:off x="152400" y="152400"/>
+            <a:ext cx="8839200" cy="6553200"/>
+          </a:xfrm>
+          <a:prstGeom prst="rect">
+            <a:avLst/>
+          </a:prstGeom>
+          <a:noFill/>
+        </p:spPr>
+        <p:style>
+          <a:lnRef idx="2">
+            <a:schemeClr val="dk1"/>
+          </a:lnRef>
+          <a:fillRef idx="1">
+            <a:schemeClr val="lt1"/>
+          </a:fillRef>
+          <a:effectRef idx="0">
+            <a:schemeClr val="dk1"/>
+          </a:effectRef>
+          <a:fontRef idx="minor">
+            <a:schemeClr val="dk1"/>
+          </a:fontRef>
+        </p:style>
+        <p:txBody>
+          <a:bodyPr rtlCol="0" anchor="ctr"/>
+          <a:lstStyle/>
+          <a:p>
+            <a:pPr algn="ctr"/>
+            <a:endParaRPr lang="en-US" dirty="0"/>
+          </a:p>
+          <a:p>
+            <a:pPr algn="ctr"/>
+            <a:endParaRPr lang="en-US" dirty="0"/>
           </a:p>
         </p:txBody>
       </p:sp>
@@ -10592,6 +10696,55 @@
               <a:buNone/>
             </a:pPr>
             <a:endParaRPr lang="en-US" sz="1400" dirty="0"/>
+          </a:p>
+        </p:txBody>
+      </p:sp>
+      <p:sp>
+        <p:nvSpPr>
+          <p:cNvPr id="4" name="Rectangle 3">
+            <a:extLst>
+              <a:ext uri="{FF2B5EF4-FFF2-40B4-BE49-F238E27FC236}">
+                <a16:creationId xmlns:a16="http://schemas.microsoft.com/office/drawing/2014/main" id="{EEA29E44-D3BA-CE6D-E97C-C097F5DAF069}"/>
+              </a:ext>
+            </a:extLst>
+          </p:cNvPr>
+          <p:cNvSpPr/>
+          <p:nvPr/>
+        </p:nvSpPr>
+        <p:spPr>
+          <a:xfrm>
+            <a:off x="152400" y="152400"/>
+            <a:ext cx="8839200" cy="6553200"/>
+          </a:xfrm>
+          <a:prstGeom prst="rect">
+            <a:avLst/>
+          </a:prstGeom>
+          <a:noFill/>
+        </p:spPr>
+        <p:style>
+          <a:lnRef idx="2">
+            <a:schemeClr val="dk1"/>
+          </a:lnRef>
+          <a:fillRef idx="1">
+            <a:schemeClr val="lt1"/>
+          </a:fillRef>
+          <a:effectRef idx="0">
+            <a:schemeClr val="dk1"/>
+          </a:effectRef>
+          <a:fontRef idx="minor">
+            <a:schemeClr val="dk1"/>
+          </a:fontRef>
+        </p:style>
+        <p:txBody>
+          <a:bodyPr rtlCol="0" anchor="ctr"/>
+          <a:lstStyle/>
+          <a:p>
+            <a:pPr algn="ctr"/>
+            <a:endParaRPr lang="en-US" dirty="0"/>
+          </a:p>
+          <a:p>
+            <a:pPr algn="ctr"/>
+            <a:endParaRPr lang="en-US" dirty="0"/>
           </a:p>
         </p:txBody>
       </p:sp>
@@ -10807,6 +10960,55 @@
           </a:p>
         </p:txBody>
       </p:sp>
+      <p:sp>
+        <p:nvSpPr>
+          <p:cNvPr id="2" name="Rectangle 1">
+            <a:extLst>
+              <a:ext uri="{FF2B5EF4-FFF2-40B4-BE49-F238E27FC236}">
+                <a16:creationId xmlns:a16="http://schemas.microsoft.com/office/drawing/2014/main" id="{52DF6434-139C-DCBA-F22F-0D2991354320}"/>
+              </a:ext>
+            </a:extLst>
+          </p:cNvPr>
+          <p:cNvSpPr/>
+          <p:nvPr/>
+        </p:nvSpPr>
+        <p:spPr>
+          <a:xfrm>
+            <a:off x="152400" y="152400"/>
+            <a:ext cx="8839200" cy="6553200"/>
+          </a:xfrm>
+          <a:prstGeom prst="rect">
+            <a:avLst/>
+          </a:prstGeom>
+          <a:noFill/>
+        </p:spPr>
+        <p:style>
+          <a:lnRef idx="2">
+            <a:schemeClr val="dk1"/>
+          </a:lnRef>
+          <a:fillRef idx="1">
+            <a:schemeClr val="lt1"/>
+          </a:fillRef>
+          <a:effectRef idx="0">
+            <a:schemeClr val="dk1"/>
+          </a:effectRef>
+          <a:fontRef idx="minor">
+            <a:schemeClr val="dk1"/>
+          </a:fontRef>
+        </p:style>
+        <p:txBody>
+          <a:bodyPr rtlCol="0" anchor="ctr"/>
+          <a:lstStyle/>
+          <a:p>
+            <a:pPr algn="ctr"/>
+            <a:endParaRPr lang="en-US" dirty="0"/>
+          </a:p>
+          <a:p>
+            <a:pPr algn="ctr"/>
+            <a:endParaRPr lang="en-US" dirty="0"/>
+          </a:p>
+        </p:txBody>
+      </p:sp>
     </p:spTree>
     <p:extLst>
       <p:ext uri="{BB962C8B-B14F-4D97-AF65-F5344CB8AC3E}">
@@ -10903,6 +11105,55 @@
               </a:rPr>
               <a:t>DATA  FLOW  DIAGRAM  LEVEL 1</a:t>
             </a:r>
+          </a:p>
+        </p:txBody>
+      </p:sp>
+      <p:sp>
+        <p:nvSpPr>
+          <p:cNvPr id="3" name="Rectangle 2">
+            <a:extLst>
+              <a:ext uri="{FF2B5EF4-FFF2-40B4-BE49-F238E27FC236}">
+                <a16:creationId xmlns:a16="http://schemas.microsoft.com/office/drawing/2014/main" id="{F4DFF58B-08D4-2ADF-D379-E99A55097B44}"/>
+              </a:ext>
+            </a:extLst>
+          </p:cNvPr>
+          <p:cNvSpPr/>
+          <p:nvPr/>
+        </p:nvSpPr>
+        <p:spPr>
+          <a:xfrm>
+            <a:off x="152400" y="152400"/>
+            <a:ext cx="8839200" cy="6553200"/>
+          </a:xfrm>
+          <a:prstGeom prst="rect">
+            <a:avLst/>
+          </a:prstGeom>
+          <a:noFill/>
+        </p:spPr>
+        <p:style>
+          <a:lnRef idx="2">
+            <a:schemeClr val="dk1"/>
+          </a:lnRef>
+          <a:fillRef idx="1">
+            <a:schemeClr val="lt1"/>
+          </a:fillRef>
+          <a:effectRef idx="0">
+            <a:schemeClr val="dk1"/>
+          </a:effectRef>
+          <a:fontRef idx="minor">
+            <a:schemeClr val="dk1"/>
+          </a:fontRef>
+        </p:style>
+        <p:txBody>
+          <a:bodyPr rtlCol="0" anchor="ctr"/>
+          <a:lstStyle/>
+          <a:p>
+            <a:pPr algn="ctr"/>
+            <a:endParaRPr lang="en-US" dirty="0"/>
+          </a:p>
+          <a:p>
+            <a:pPr algn="ctr"/>
+            <a:endParaRPr lang="en-US" dirty="0"/>
           </a:p>
         </p:txBody>
       </p:sp>
@@ -11602,6 +11853,55 @@
               </a:rPr>
               <a:t>DATA  FLOW  DIAGRAM  LEVEL2</a:t>
             </a:r>
+          </a:p>
+        </p:txBody>
+      </p:sp>
+      <p:sp>
+        <p:nvSpPr>
+          <p:cNvPr id="13" name="Rectangle 12">
+            <a:extLst>
+              <a:ext uri="{FF2B5EF4-FFF2-40B4-BE49-F238E27FC236}">
+                <a16:creationId xmlns:a16="http://schemas.microsoft.com/office/drawing/2014/main" id="{7961AFD7-881A-61B4-D287-8C22DD63311B}"/>
+              </a:ext>
+            </a:extLst>
+          </p:cNvPr>
+          <p:cNvSpPr/>
+          <p:nvPr/>
+        </p:nvSpPr>
+        <p:spPr>
+          <a:xfrm>
+            <a:off x="152400" y="152400"/>
+            <a:ext cx="8839200" cy="6553200"/>
+          </a:xfrm>
+          <a:prstGeom prst="rect">
+            <a:avLst/>
+          </a:prstGeom>
+          <a:noFill/>
+        </p:spPr>
+        <p:style>
+          <a:lnRef idx="2">
+            <a:schemeClr val="dk1"/>
+          </a:lnRef>
+          <a:fillRef idx="1">
+            <a:schemeClr val="lt1"/>
+          </a:fillRef>
+          <a:effectRef idx="0">
+            <a:schemeClr val="dk1"/>
+          </a:effectRef>
+          <a:fontRef idx="minor">
+            <a:schemeClr val="dk1"/>
+          </a:fontRef>
+        </p:style>
+        <p:txBody>
+          <a:bodyPr rtlCol="0" anchor="ctr"/>
+          <a:lstStyle/>
+          <a:p>
+            <a:pPr algn="ctr"/>
+            <a:endParaRPr lang="en-US" dirty="0"/>
+          </a:p>
+          <a:p>
+            <a:pPr algn="ctr"/>
+            <a:endParaRPr lang="en-US" dirty="0"/>
           </a:p>
         </p:txBody>
       </p:sp>
@@ -15037,13 +15337,13 @@
         </p:nvSpPr>
         <p:spPr>
           <a:xfrm>
-            <a:off x="457200" y="457200"/>
-            <a:ext cx="8229600" cy="6019800"/>
+            <a:off x="457200" y="228600"/>
+            <a:ext cx="8229600" cy="6324600"/>
           </a:xfrm>
         </p:spPr>
         <p:txBody>
           <a:bodyPr>
-            <a:normAutofit fontScale="47500" lnSpcReduction="20000"/>
+            <a:normAutofit fontScale="40000" lnSpcReduction="20000"/>
           </a:bodyPr>
           <a:lstStyle/>
           <a:p>
@@ -15056,7 +15356,7 @@
               </a:lnSpc>
             </a:pPr>
             <a:r>
-              <a:rPr lang="en-US" b="1" dirty="0">
+              <a:rPr lang="en-US" sz="7200" b="1" dirty="0">
                 <a:latin typeface="Times New Roman" panose="02020603050405020304" pitchFamily="18" charset="0"/>
                 <a:cs typeface="Times New Roman" panose="02020603050405020304" pitchFamily="18" charset="0"/>
               </a:rPr>
@@ -15071,14 +15371,7 @@
               <a:buNone/>
             </a:pPr>
             <a:r>
-              <a:rPr lang="en-US" sz="2300" dirty="0">
-                <a:latin typeface="Times New Roman" panose="02020603050405020304" pitchFamily="18" charset="0"/>
-                <a:cs typeface="Times New Roman" panose="02020603050405020304" pitchFamily="18" charset="0"/>
-              </a:rPr>
-              <a:t>1. </a:t>
-            </a:r>
-            <a:r>
-              <a:rPr lang="en-US" sz="3400" dirty="0">
+              <a:rPr lang="en-US" sz="7200" dirty="0">
                 <a:latin typeface="Times New Roman" panose="02020603050405020304" pitchFamily="18" charset="0"/>
                 <a:cs typeface="Times New Roman" panose="02020603050405020304" pitchFamily="18" charset="0"/>
               </a:rPr>
@@ -15092,7 +15385,7 @@
               </a:lnSpc>
               <a:buNone/>
             </a:pPr>
-            <a:endParaRPr lang="en-US" sz="3400" dirty="0">
+            <a:endParaRPr lang="en-US" sz="7200" dirty="0">
               <a:latin typeface="Times New Roman" panose="02020603050405020304" pitchFamily="18" charset="0"/>
               <a:cs typeface="Times New Roman" panose="02020603050405020304" pitchFamily="18" charset="0"/>
             </a:endParaRPr>
@@ -15105,7 +15398,7 @@
               <a:buNone/>
             </a:pPr>
             <a:r>
-              <a:rPr lang="en-US" sz="3400" dirty="0">
+              <a:rPr lang="en-US" sz="7200" dirty="0">
                 <a:latin typeface="Times New Roman" panose="02020603050405020304" pitchFamily="18" charset="0"/>
                 <a:cs typeface="Times New Roman" panose="02020603050405020304" pitchFamily="18" charset="0"/>
               </a:rPr>
@@ -15119,79 +15412,10 @@
               </a:lnSpc>
               <a:buNone/>
             </a:pPr>
-            <a:endParaRPr lang="en-US" sz="3400" dirty="0">
+            <a:endParaRPr lang="en-US" sz="7200" dirty="0">
               <a:latin typeface="Times New Roman" panose="02020603050405020304" pitchFamily="18" charset="0"/>
               <a:cs typeface="Times New Roman" panose="02020603050405020304" pitchFamily="18" charset="0"/>
             </a:endParaRPr>
-          </a:p>
-          <a:p>
-            <a:pPr marL="0" indent="0" algn="just">
-              <a:lnSpc>
-                <a:spcPct val="150000"/>
-              </a:lnSpc>
-              <a:buNone/>
-            </a:pPr>
-            <a:r>
-              <a:rPr lang="en-US" sz="3400" dirty="0">
-                <a:latin typeface="Times New Roman" panose="02020603050405020304" pitchFamily="18" charset="0"/>
-                <a:cs typeface="Times New Roman" panose="02020603050405020304" pitchFamily="18" charset="0"/>
-              </a:rPr>
-              <a:t>Decoder: The decoder reconstructs the original input data from the compressed representation produced by the encoder. It mirrors the structure of the encoder but in reverse, gradually expanding the representation back to the original dimensionality.</a:t>
-            </a:r>
-          </a:p>
-          <a:p>
-            <a:pPr marL="0" indent="0" algn="just">
-              <a:lnSpc>
-                <a:spcPct val="150000"/>
-              </a:lnSpc>
-              <a:buNone/>
-            </a:pPr>
-            <a:endParaRPr lang="en-US" sz="3400" dirty="0">
-              <a:latin typeface="Times New Roman" panose="02020603050405020304" pitchFamily="18" charset="0"/>
-              <a:cs typeface="Times New Roman" panose="02020603050405020304" pitchFamily="18" charset="0"/>
-            </a:endParaRPr>
-          </a:p>
-          <a:p>
-            <a:pPr marL="0" indent="0" algn="just">
-              <a:lnSpc>
-                <a:spcPct val="150000"/>
-              </a:lnSpc>
-              <a:buNone/>
-            </a:pPr>
-            <a:r>
-              <a:rPr lang="en-US" sz="3400" dirty="0">
-                <a:latin typeface="Times New Roman" panose="02020603050405020304" pitchFamily="18" charset="0"/>
-                <a:cs typeface="Times New Roman" panose="02020603050405020304" pitchFamily="18" charset="0"/>
-              </a:rPr>
-              <a:t>Training: Autoencoders are trained using unsupervised learning techniques, where the objective is to minimize the reconstruction error between the input data and the output of the decoder.</a:t>
-            </a:r>
-          </a:p>
-          <a:p>
-            <a:pPr marL="0" indent="0" algn="just">
-              <a:lnSpc>
-                <a:spcPct val="150000"/>
-              </a:lnSpc>
-              <a:buNone/>
-            </a:pPr>
-            <a:endParaRPr lang="en-US" sz="3400" dirty="0">
-              <a:latin typeface="Times New Roman" panose="02020603050405020304" pitchFamily="18" charset="0"/>
-              <a:cs typeface="Times New Roman" panose="02020603050405020304" pitchFamily="18" charset="0"/>
-            </a:endParaRPr>
-          </a:p>
-          <a:p>
-            <a:pPr marL="0" indent="0" algn="just">
-              <a:lnSpc>
-                <a:spcPct val="150000"/>
-              </a:lnSpc>
-              <a:buNone/>
-            </a:pPr>
-            <a:r>
-              <a:rPr lang="en-US" sz="3400" dirty="0">
-                <a:latin typeface="Times New Roman" panose="02020603050405020304" pitchFamily="18" charset="0"/>
-                <a:cs typeface="Times New Roman" panose="02020603050405020304" pitchFamily="18" charset="0"/>
-              </a:rPr>
-              <a:t>Applications: Autoencoders have various applications, including dimensionality reduction, feature learning, anomaly detection, denoising, and data generation.</a:t>
-            </a:r>
           </a:p>
         </p:txBody>
       </p:sp>
@@ -15276,83 +15500,130 @@
       </p:grpSpPr>
       <p:sp>
         <p:nvSpPr>
-          <p:cNvPr id="2" name="Title 1"/>
-          <p:cNvSpPr>
-            <a:spLocks noGrp="1"/>
-          </p:cNvSpPr>
-          <p:nvPr>
-            <p:ph type="title"/>
-          </p:nvPr>
+          <p:cNvPr id="3" name="TextBox 2">
+            <a:extLst>
+              <a:ext uri="{FF2B5EF4-FFF2-40B4-BE49-F238E27FC236}">
+                <a16:creationId xmlns:a16="http://schemas.microsoft.com/office/drawing/2014/main" id="{88334D53-98BE-5F4C-39EF-17E30E8215B0}"/>
+              </a:ext>
+            </a:extLst>
+          </p:cNvPr>
+          <p:cNvSpPr txBox="1"/>
+          <p:nvPr/>
         </p:nvSpPr>
-        <p:spPr/>
+        <p:spPr>
+          <a:xfrm>
+            <a:off x="457200" y="228600"/>
+            <a:ext cx="8153400" cy="6478184"/>
+          </a:xfrm>
+          <a:prstGeom prst="rect">
+            <a:avLst/>
+          </a:prstGeom>
+          <a:noFill/>
+        </p:spPr>
         <p:txBody>
-          <a:bodyPr>
-            <a:normAutofit/>
+          <a:bodyPr wrap="square">
+            <a:spAutoFit/>
           </a:bodyPr>
           <a:lstStyle/>
           <a:p>
-            <a:r>
-              <a:rPr lang="en-US" sz="4000" dirty="0">
-                <a:latin typeface="Times New Roman" pitchFamily="18" charset="0"/>
-                <a:cs typeface="Times New Roman" pitchFamily="18" charset="0"/>
+            <a:pPr marL="0" indent="0" algn="just">
+              <a:lnSpc>
+                <a:spcPct val="150000"/>
+              </a:lnSpc>
+              <a:buNone/>
+            </a:pPr>
+            <a:r>
+              <a:rPr lang="en-US" sz="2800" dirty="0">
+                <a:latin typeface="Times New Roman" panose="02020603050405020304" pitchFamily="18" charset="0"/>
+                <a:cs typeface="Times New Roman" panose="02020603050405020304" pitchFamily="18" charset="0"/>
               </a:rPr>
-              <a:t>Conclusion</a:t>
+              <a:t>Decoder: The decoder reconstructs the original input data from the compressed representation produced by the encoder. It mirrors the structure of the encoder but in reverse, gradually expanding the representation back to the original dimensionality.</a:t>
+            </a:r>
+          </a:p>
+          <a:p>
+            <a:pPr marL="0" indent="0" algn="just">
+              <a:lnSpc>
+                <a:spcPct val="150000"/>
+              </a:lnSpc>
+              <a:buNone/>
+            </a:pPr>
+            <a:endParaRPr lang="en-US" sz="2800" dirty="0">
+              <a:latin typeface="Times New Roman" panose="02020603050405020304" pitchFamily="18" charset="0"/>
+              <a:cs typeface="Times New Roman" panose="02020603050405020304" pitchFamily="18" charset="0"/>
+            </a:endParaRPr>
+          </a:p>
+          <a:p>
+            <a:pPr marL="0" indent="0" algn="just">
+              <a:lnSpc>
+                <a:spcPct val="150000"/>
+              </a:lnSpc>
+              <a:buNone/>
+            </a:pPr>
+            <a:r>
+              <a:rPr lang="en-US" sz="2800" dirty="0">
+                <a:latin typeface="Times New Roman" panose="02020603050405020304" pitchFamily="18" charset="0"/>
+                <a:cs typeface="Times New Roman" panose="02020603050405020304" pitchFamily="18" charset="0"/>
+              </a:rPr>
+              <a:t>Training: Autoencoders are trained using unsupervised learning techniques, where the objective is to minimize the reconstruction error between the input data and the output of the decoder.</a:t>
             </a:r>
           </a:p>
         </p:txBody>
       </p:sp>
       <p:sp>
         <p:nvSpPr>
-          <p:cNvPr id="3" name="Content Placeholder 2"/>
-          <p:cNvSpPr>
-            <a:spLocks noGrp="1"/>
-          </p:cNvSpPr>
-          <p:nvPr>
-            <p:ph idx="1"/>
-          </p:nvPr>
+          <p:cNvPr id="4" name="Rectangle 3">
+            <a:extLst>
+              <a:ext uri="{FF2B5EF4-FFF2-40B4-BE49-F238E27FC236}">
+                <a16:creationId xmlns:a16="http://schemas.microsoft.com/office/drawing/2014/main" id="{A34A3C50-49E8-D0BD-A632-586DD7438EC9}"/>
+              </a:ext>
+            </a:extLst>
+          </p:cNvPr>
+          <p:cNvSpPr/>
+          <p:nvPr/>
         </p:nvSpPr>
         <p:spPr>
           <a:xfrm>
-            <a:off x="457200" y="2057400"/>
-            <a:ext cx="8229600" cy="3352800"/>
+            <a:off x="152400" y="152400"/>
+            <a:ext cx="8839200" cy="6553200"/>
           </a:xfrm>
+          <a:prstGeom prst="rect">
+            <a:avLst/>
+          </a:prstGeom>
+          <a:noFill/>
         </p:spPr>
+        <p:style>
+          <a:lnRef idx="2">
+            <a:schemeClr val="dk1"/>
+          </a:lnRef>
+          <a:fillRef idx="1">
+            <a:schemeClr val="lt1"/>
+          </a:fillRef>
+          <a:effectRef idx="0">
+            <a:schemeClr val="dk1"/>
+          </a:effectRef>
+          <a:fontRef idx="minor">
+            <a:schemeClr val="dk1"/>
+          </a:fontRef>
+        </p:style>
         <p:txBody>
-          <a:bodyPr>
-            <a:normAutofit/>
-          </a:bodyPr>
+          <a:bodyPr rtlCol="0" anchor="ctr"/>
           <a:lstStyle/>
           <a:p>
-            <a:pPr>
-              <a:lnSpc>
-                <a:spcPct val="150000"/>
-              </a:lnSpc>
-            </a:pPr>
-            <a:r>
-              <a:rPr lang="en-US" sz="2800" dirty="0">
-                <a:latin typeface="Times New Roman" pitchFamily="18" charset="0"/>
-                <a:cs typeface="Times New Roman" pitchFamily="18" charset="0"/>
-              </a:rPr>
-              <a:t>Thus the proposed system can detect anomalies proactively and predict the type of anomalies that can appear in the different IOT systems</a:t>
-            </a:r>
-          </a:p>
-          <a:p>
-            <a:pPr>
-              <a:lnSpc>
-                <a:spcPct val="150000"/>
-              </a:lnSpc>
-            </a:pPr>
-            <a:r>
-              <a:rPr lang="en-US" sz="2800" dirty="0">
-                <a:latin typeface="Times New Roman" pitchFamily="18" charset="0"/>
-                <a:cs typeface="Times New Roman" pitchFamily="18" charset="0"/>
-              </a:rPr>
-              <a:t>This can save clients a lot of investments by avoiding a attack or vulnerability altogether</a:t>
-            </a:r>
+            <a:pPr algn="ctr"/>
+            <a:endParaRPr lang="en-US" dirty="0"/>
+          </a:p>
+          <a:p>
+            <a:pPr algn="ctr"/>
+            <a:endParaRPr lang="en-US" dirty="0"/>
           </a:p>
         </p:txBody>
       </p:sp>
     </p:spTree>
+    <p:extLst>
+      <p:ext uri="{BB962C8B-B14F-4D97-AF65-F5344CB8AC3E}">
+        <p14:creationId xmlns:p14="http://schemas.microsoft.com/office/powerpoint/2010/main" val="965869688"/>
+      </p:ext>
+    </p:extLst>
   </p:cSld>
   <p:clrMapOvr>
     <a:masterClrMapping/>
@@ -15382,7 +15653,7 @@
           <p:cNvPr id="2" name="Title 1">
             <a:extLst>
               <a:ext uri="{FF2B5EF4-FFF2-40B4-BE49-F238E27FC236}">
-                <a16:creationId xmlns:a16="http://schemas.microsoft.com/office/drawing/2014/main" id="{A76634AC-3B85-1363-E6DE-E2243A171ED0}"/>
+                <a16:creationId xmlns:a16="http://schemas.microsoft.com/office/drawing/2014/main" id="{8270BB93-C555-0271-C180-0405404028FB}"/>
               </a:ext>
             </a:extLst>
           </p:cNvPr>
@@ -15393,27 +15664,296 @@
             <p:ph type="title"/>
           </p:nvPr>
         </p:nvSpPr>
-        <p:spPr>
-          <a:xfrm>
-            <a:off x="381000" y="1066800"/>
-            <a:ext cx="8229600" cy="4525962"/>
-          </a:xfrm>
-        </p:spPr>
+        <p:spPr/>
         <p:txBody>
           <a:bodyPr/>
           <a:lstStyle/>
           <a:p>
             <a:r>
-              <a:rPr lang="en-US" dirty="0"/>
-              <a:t>Thank you for your time, we know it is precious to you!</a:t>
+              <a:rPr lang="en-IN" dirty="0">
+                <a:latin typeface="Times New Roman" panose="02020603050405020304" pitchFamily="18" charset="0"/>
+                <a:cs typeface="Times New Roman" panose="02020603050405020304" pitchFamily="18" charset="0"/>
+              </a:rPr>
+              <a:t>OUTPUT</a:t>
             </a:r>
           </a:p>
         </p:txBody>
       </p:sp>
+      <p:sp>
+        <p:nvSpPr>
+          <p:cNvPr id="4" name="Rectangle 3">
+            <a:extLst>
+              <a:ext uri="{FF2B5EF4-FFF2-40B4-BE49-F238E27FC236}">
+                <a16:creationId xmlns:a16="http://schemas.microsoft.com/office/drawing/2014/main" id="{3F80AADE-D1FF-2F6C-C6C5-653CF47E3B64}"/>
+              </a:ext>
+            </a:extLst>
+          </p:cNvPr>
+          <p:cNvSpPr/>
+          <p:nvPr/>
+        </p:nvSpPr>
+        <p:spPr>
+          <a:xfrm>
+            <a:off x="152400" y="152400"/>
+            <a:ext cx="8839200" cy="6553200"/>
+          </a:xfrm>
+          <a:prstGeom prst="rect">
+            <a:avLst/>
+          </a:prstGeom>
+          <a:noFill/>
+        </p:spPr>
+        <p:style>
+          <a:lnRef idx="2">
+            <a:schemeClr val="dk1"/>
+          </a:lnRef>
+          <a:fillRef idx="1">
+            <a:schemeClr val="lt1"/>
+          </a:fillRef>
+          <a:effectRef idx="0">
+            <a:schemeClr val="dk1"/>
+          </a:effectRef>
+          <a:fontRef idx="minor">
+            <a:schemeClr val="dk1"/>
+          </a:fontRef>
+        </p:style>
+        <p:txBody>
+          <a:bodyPr rtlCol="0" anchor="ctr"/>
+          <a:lstStyle/>
+          <a:p>
+            <a:pPr algn="ctr"/>
+            <a:endParaRPr lang="en-US" dirty="0"/>
+          </a:p>
+        </p:txBody>
+      </p:sp>
+      <p:pic>
+        <p:nvPicPr>
+          <p:cNvPr id="5" name="Picture 4">
+            <a:extLst>
+              <a:ext uri="{FF2B5EF4-FFF2-40B4-BE49-F238E27FC236}">
+                <a16:creationId xmlns:a16="http://schemas.microsoft.com/office/drawing/2014/main" id="{C51D9CD9-FFFB-E654-BEB1-406C9B44D6CE}"/>
+              </a:ext>
+            </a:extLst>
+          </p:cNvPr>
+          <p:cNvPicPr>
+            <a:picLocks noChangeAspect="1"/>
+          </p:cNvPicPr>
+          <p:nvPr/>
+        </p:nvPicPr>
+        <p:blipFill>
+          <a:blip r:embed="rId2"/>
+          <a:stretch>
+            <a:fillRect/>
+          </a:stretch>
+        </p:blipFill>
+        <p:spPr>
+          <a:xfrm>
+            <a:off x="457200" y="1382562"/>
+            <a:ext cx="6477000" cy="2004782"/>
+          </a:xfrm>
+          <a:prstGeom prst="rect">
+            <a:avLst/>
+          </a:prstGeom>
+        </p:spPr>
+      </p:pic>
+      <p:pic>
+        <p:nvPicPr>
+          <p:cNvPr id="10" name="Picture 9">
+            <a:extLst>
+              <a:ext uri="{FF2B5EF4-FFF2-40B4-BE49-F238E27FC236}">
+                <a16:creationId xmlns:a16="http://schemas.microsoft.com/office/drawing/2014/main" id="{1B70927F-8733-9D8A-122A-CE3744E4D0A6}"/>
+              </a:ext>
+            </a:extLst>
+          </p:cNvPr>
+          <p:cNvPicPr>
+            <a:picLocks noChangeAspect="1"/>
+          </p:cNvPicPr>
+          <p:nvPr/>
+        </p:nvPicPr>
+        <p:blipFill>
+          <a:blip r:embed="rId3"/>
+          <a:stretch>
+            <a:fillRect/>
+          </a:stretch>
+        </p:blipFill>
+        <p:spPr>
+          <a:xfrm>
+            <a:off x="381000" y="3795675"/>
+            <a:ext cx="8305800" cy="2542717"/>
+          </a:xfrm>
+          <a:prstGeom prst="rect">
+            <a:avLst/>
+          </a:prstGeom>
+        </p:spPr>
+      </p:pic>
     </p:spTree>
     <p:extLst>
       <p:ext uri="{BB962C8B-B14F-4D97-AF65-F5344CB8AC3E}">
-        <p14:creationId xmlns:p14="http://schemas.microsoft.com/office/powerpoint/2010/main" val="2366868819"/>
+        <p14:creationId xmlns:p14="http://schemas.microsoft.com/office/powerpoint/2010/main" val="2763005782"/>
+      </p:ext>
+    </p:extLst>
+  </p:cSld>
+  <p:clrMapOvr>
+    <a:masterClrMapping/>
+  </p:clrMapOvr>
+</p:sld>
+</file>
+
+<file path=ppt/slides/slide29.xml><?xml version="1.0" encoding="utf-8"?>
+<p:sld xmlns:a="http://schemas.openxmlformats.org/drawingml/2006/main" xmlns:r="http://schemas.openxmlformats.org/officeDocument/2006/relationships" xmlns:p="http://schemas.openxmlformats.org/presentationml/2006/main">
+  <p:cSld>
+    <p:spTree>
+      <p:nvGrpSpPr>
+        <p:cNvPr id="1" name=""/>
+        <p:cNvGrpSpPr/>
+        <p:nvPr/>
+      </p:nvGrpSpPr>
+      <p:grpSpPr>
+        <a:xfrm>
+          <a:off x="0" y="0"/>
+          <a:ext cx="0" cy="0"/>
+          <a:chOff x="0" y="0"/>
+          <a:chExt cx="0" cy="0"/>
+        </a:xfrm>
+      </p:grpSpPr>
+      <p:sp>
+        <p:nvSpPr>
+          <p:cNvPr id="2" name="Title 1">
+            <a:extLst>
+              <a:ext uri="{FF2B5EF4-FFF2-40B4-BE49-F238E27FC236}">
+                <a16:creationId xmlns:a16="http://schemas.microsoft.com/office/drawing/2014/main" id="{8270BB93-C555-0271-C180-0405404028FB}"/>
+              </a:ext>
+            </a:extLst>
+          </p:cNvPr>
+          <p:cNvSpPr>
+            <a:spLocks noGrp="1"/>
+          </p:cNvSpPr>
+          <p:nvPr>
+            <p:ph type="title"/>
+          </p:nvPr>
+        </p:nvSpPr>
+        <p:spPr/>
+        <p:txBody>
+          <a:bodyPr/>
+          <a:lstStyle/>
+          <a:p>
+            <a:r>
+              <a:rPr lang="en-IN" dirty="0">
+                <a:latin typeface="Times New Roman" panose="02020603050405020304" pitchFamily="18" charset="0"/>
+                <a:cs typeface="Times New Roman" panose="02020603050405020304" pitchFamily="18" charset="0"/>
+              </a:rPr>
+              <a:t>OUTPUT</a:t>
+            </a:r>
+          </a:p>
+        </p:txBody>
+      </p:sp>
+      <p:sp>
+        <p:nvSpPr>
+          <p:cNvPr id="4" name="Rectangle 3">
+            <a:extLst>
+              <a:ext uri="{FF2B5EF4-FFF2-40B4-BE49-F238E27FC236}">
+                <a16:creationId xmlns:a16="http://schemas.microsoft.com/office/drawing/2014/main" id="{3F80AADE-D1FF-2F6C-C6C5-653CF47E3B64}"/>
+              </a:ext>
+            </a:extLst>
+          </p:cNvPr>
+          <p:cNvSpPr/>
+          <p:nvPr/>
+        </p:nvSpPr>
+        <p:spPr>
+          <a:xfrm>
+            <a:off x="152400" y="152400"/>
+            <a:ext cx="8839200" cy="6553200"/>
+          </a:xfrm>
+          <a:prstGeom prst="rect">
+            <a:avLst/>
+          </a:prstGeom>
+          <a:noFill/>
+        </p:spPr>
+        <p:style>
+          <a:lnRef idx="2">
+            <a:schemeClr val="dk1"/>
+          </a:lnRef>
+          <a:fillRef idx="1">
+            <a:schemeClr val="lt1"/>
+          </a:fillRef>
+          <a:effectRef idx="0">
+            <a:schemeClr val="dk1"/>
+          </a:effectRef>
+          <a:fontRef idx="minor">
+            <a:schemeClr val="dk1"/>
+          </a:fontRef>
+        </p:style>
+        <p:txBody>
+          <a:bodyPr rtlCol="0" anchor="ctr"/>
+          <a:lstStyle/>
+          <a:p>
+            <a:pPr algn="ctr"/>
+            <a:endParaRPr lang="en-US" dirty="0"/>
+          </a:p>
+        </p:txBody>
+      </p:sp>
+      <p:pic>
+        <p:nvPicPr>
+          <p:cNvPr id="6" name="Picture 5">
+            <a:extLst>
+              <a:ext uri="{FF2B5EF4-FFF2-40B4-BE49-F238E27FC236}">
+                <a16:creationId xmlns:a16="http://schemas.microsoft.com/office/drawing/2014/main" id="{DFB3F461-27CF-E143-22FD-1CF317B2DB1F}"/>
+              </a:ext>
+            </a:extLst>
+          </p:cNvPr>
+          <p:cNvPicPr>
+            <a:picLocks noChangeAspect="1"/>
+          </p:cNvPicPr>
+          <p:nvPr/>
+        </p:nvPicPr>
+        <p:blipFill>
+          <a:blip r:embed="rId2"/>
+          <a:stretch>
+            <a:fillRect/>
+          </a:stretch>
+        </p:blipFill>
+        <p:spPr>
+          <a:xfrm>
+            <a:off x="304800" y="1485131"/>
+            <a:ext cx="8001000" cy="2576487"/>
+          </a:xfrm>
+          <a:prstGeom prst="rect">
+            <a:avLst/>
+          </a:prstGeom>
+        </p:spPr>
+      </p:pic>
+      <p:pic>
+        <p:nvPicPr>
+          <p:cNvPr id="8" name="Picture 7">
+            <a:extLst>
+              <a:ext uri="{FF2B5EF4-FFF2-40B4-BE49-F238E27FC236}">
+                <a16:creationId xmlns:a16="http://schemas.microsoft.com/office/drawing/2014/main" id="{37840F26-04CE-E29E-8F30-652588AB30DA}"/>
+              </a:ext>
+            </a:extLst>
+          </p:cNvPr>
+          <p:cNvPicPr>
+            <a:picLocks noChangeAspect="1"/>
+          </p:cNvPicPr>
+          <p:nvPr/>
+        </p:nvPicPr>
+        <p:blipFill>
+          <a:blip r:embed="rId3"/>
+          <a:stretch>
+            <a:fillRect/>
+          </a:stretch>
+        </p:blipFill>
+        <p:spPr>
+          <a:xfrm>
+            <a:off x="838200" y="4876800"/>
+            <a:ext cx="6553768" cy="845893"/>
+          </a:xfrm>
+          <a:prstGeom prst="rect">
+            <a:avLst/>
+          </a:prstGeom>
+        </p:spPr>
+      </p:pic>
+    </p:spTree>
+    <p:extLst>
+      <p:ext uri="{BB962C8B-B14F-4D97-AF65-F5344CB8AC3E}">
+        <p14:creationId xmlns:p14="http://schemas.microsoft.com/office/powerpoint/2010/main" val="4234388654"/>
       </p:ext>
     </p:extLst>
   </p:cSld>
@@ -15543,6 +16083,731 @@
     <p:extLst>
       <p:ext uri="{BB962C8B-B14F-4D97-AF65-F5344CB8AC3E}">
         <p14:creationId xmlns:p14="http://schemas.microsoft.com/office/powerpoint/2010/main" val="3918960819"/>
+      </p:ext>
+    </p:extLst>
+  </p:cSld>
+  <p:clrMapOvr>
+    <a:masterClrMapping/>
+  </p:clrMapOvr>
+</p:sld>
+</file>
+
+<file path=ppt/slides/slide30.xml><?xml version="1.0" encoding="utf-8"?>
+<p:sld xmlns:a="http://schemas.openxmlformats.org/drawingml/2006/main" xmlns:r="http://schemas.openxmlformats.org/officeDocument/2006/relationships" xmlns:p="http://schemas.openxmlformats.org/presentationml/2006/main">
+  <p:cSld>
+    <p:spTree>
+      <p:nvGrpSpPr>
+        <p:cNvPr id="1" name=""/>
+        <p:cNvGrpSpPr/>
+        <p:nvPr/>
+      </p:nvGrpSpPr>
+      <p:grpSpPr>
+        <a:xfrm>
+          <a:off x="0" y="0"/>
+          <a:ext cx="0" cy="0"/>
+          <a:chOff x="0" y="0"/>
+          <a:chExt cx="0" cy="0"/>
+        </a:xfrm>
+      </p:grpSpPr>
+      <p:sp>
+        <p:nvSpPr>
+          <p:cNvPr id="2" name="Title 1">
+            <a:extLst>
+              <a:ext uri="{FF2B5EF4-FFF2-40B4-BE49-F238E27FC236}">
+                <a16:creationId xmlns:a16="http://schemas.microsoft.com/office/drawing/2014/main" id="{8270BB93-C555-0271-C180-0405404028FB}"/>
+              </a:ext>
+            </a:extLst>
+          </p:cNvPr>
+          <p:cNvSpPr>
+            <a:spLocks noGrp="1"/>
+          </p:cNvSpPr>
+          <p:nvPr>
+            <p:ph type="title"/>
+          </p:nvPr>
+        </p:nvSpPr>
+        <p:spPr/>
+        <p:txBody>
+          <a:bodyPr/>
+          <a:lstStyle/>
+          <a:p>
+            <a:r>
+              <a:rPr lang="en-IN" dirty="0">
+                <a:latin typeface="Times New Roman" panose="02020603050405020304" pitchFamily="18" charset="0"/>
+                <a:cs typeface="Times New Roman" panose="02020603050405020304" pitchFamily="18" charset="0"/>
+              </a:rPr>
+              <a:t>OUTPUT</a:t>
+            </a:r>
+          </a:p>
+        </p:txBody>
+      </p:sp>
+      <p:sp>
+        <p:nvSpPr>
+          <p:cNvPr id="4" name="Rectangle 3">
+            <a:extLst>
+              <a:ext uri="{FF2B5EF4-FFF2-40B4-BE49-F238E27FC236}">
+                <a16:creationId xmlns:a16="http://schemas.microsoft.com/office/drawing/2014/main" id="{3F80AADE-D1FF-2F6C-C6C5-653CF47E3B64}"/>
+              </a:ext>
+            </a:extLst>
+          </p:cNvPr>
+          <p:cNvSpPr/>
+          <p:nvPr/>
+        </p:nvSpPr>
+        <p:spPr>
+          <a:xfrm>
+            <a:off x="152400" y="152400"/>
+            <a:ext cx="8839200" cy="6553200"/>
+          </a:xfrm>
+          <a:prstGeom prst="rect">
+            <a:avLst/>
+          </a:prstGeom>
+          <a:noFill/>
+        </p:spPr>
+        <p:style>
+          <a:lnRef idx="2">
+            <a:schemeClr val="dk1"/>
+          </a:lnRef>
+          <a:fillRef idx="1">
+            <a:schemeClr val="lt1"/>
+          </a:fillRef>
+          <a:effectRef idx="0">
+            <a:schemeClr val="dk1"/>
+          </a:effectRef>
+          <a:fontRef idx="minor">
+            <a:schemeClr val="dk1"/>
+          </a:fontRef>
+        </p:style>
+        <p:txBody>
+          <a:bodyPr rtlCol="0" anchor="ctr"/>
+          <a:lstStyle/>
+          <a:p>
+            <a:pPr algn="ctr"/>
+            <a:endParaRPr lang="en-US" dirty="0"/>
+          </a:p>
+        </p:txBody>
+      </p:sp>
+      <p:pic>
+        <p:nvPicPr>
+          <p:cNvPr id="6" name="Picture 5">
+            <a:extLst>
+              <a:ext uri="{FF2B5EF4-FFF2-40B4-BE49-F238E27FC236}">
+                <a16:creationId xmlns:a16="http://schemas.microsoft.com/office/drawing/2014/main" id="{ED0E4E62-A895-5EC1-D6D7-68B6F97BBFC6}"/>
+              </a:ext>
+            </a:extLst>
+          </p:cNvPr>
+          <p:cNvPicPr>
+            <a:picLocks noChangeAspect="1"/>
+          </p:cNvPicPr>
+          <p:nvPr/>
+        </p:nvPicPr>
+        <p:blipFill>
+          <a:blip r:embed="rId2"/>
+          <a:stretch>
+            <a:fillRect/>
+          </a:stretch>
+        </p:blipFill>
+        <p:spPr>
+          <a:xfrm>
+            <a:off x="685800" y="1306312"/>
+            <a:ext cx="5334000" cy="2148088"/>
+          </a:xfrm>
+          <a:prstGeom prst="rect">
+            <a:avLst/>
+          </a:prstGeom>
+        </p:spPr>
+      </p:pic>
+      <p:pic>
+        <p:nvPicPr>
+          <p:cNvPr id="8" name="Picture 7">
+            <a:extLst>
+              <a:ext uri="{FF2B5EF4-FFF2-40B4-BE49-F238E27FC236}">
+                <a16:creationId xmlns:a16="http://schemas.microsoft.com/office/drawing/2014/main" id="{30EB479E-0518-5FC1-E06A-7700E0860137}"/>
+              </a:ext>
+            </a:extLst>
+          </p:cNvPr>
+          <p:cNvPicPr>
+            <a:picLocks noChangeAspect="1"/>
+          </p:cNvPicPr>
+          <p:nvPr/>
+        </p:nvPicPr>
+        <p:blipFill>
+          <a:blip r:embed="rId3"/>
+          <a:stretch>
+            <a:fillRect/>
+          </a:stretch>
+        </p:blipFill>
+        <p:spPr>
+          <a:xfrm>
+            <a:off x="1295400" y="3657600"/>
+            <a:ext cx="6400800" cy="2549286"/>
+          </a:xfrm>
+          <a:prstGeom prst="rect">
+            <a:avLst/>
+          </a:prstGeom>
+        </p:spPr>
+      </p:pic>
+    </p:spTree>
+    <p:extLst>
+      <p:ext uri="{BB962C8B-B14F-4D97-AF65-F5344CB8AC3E}">
+        <p14:creationId xmlns:p14="http://schemas.microsoft.com/office/powerpoint/2010/main" val="4124497470"/>
+      </p:ext>
+    </p:extLst>
+  </p:cSld>
+  <p:clrMapOvr>
+    <a:masterClrMapping/>
+  </p:clrMapOvr>
+</p:sld>
+</file>
+
+<file path=ppt/slides/slide31.xml><?xml version="1.0" encoding="utf-8"?>
+<p:sld xmlns:a="http://schemas.openxmlformats.org/drawingml/2006/main" xmlns:r="http://schemas.openxmlformats.org/officeDocument/2006/relationships" xmlns:p="http://schemas.openxmlformats.org/presentationml/2006/main">
+  <p:cSld>
+    <p:spTree>
+      <p:nvGrpSpPr>
+        <p:cNvPr id="1" name=""/>
+        <p:cNvGrpSpPr/>
+        <p:nvPr/>
+      </p:nvGrpSpPr>
+      <p:grpSpPr>
+        <a:xfrm>
+          <a:off x="0" y="0"/>
+          <a:ext cx="0" cy="0"/>
+          <a:chOff x="0" y="0"/>
+          <a:chExt cx="0" cy="0"/>
+        </a:xfrm>
+      </p:grpSpPr>
+      <p:sp>
+        <p:nvSpPr>
+          <p:cNvPr id="2" name="Title 1">
+            <a:extLst>
+              <a:ext uri="{FF2B5EF4-FFF2-40B4-BE49-F238E27FC236}">
+                <a16:creationId xmlns:a16="http://schemas.microsoft.com/office/drawing/2014/main" id="{8270BB93-C555-0271-C180-0405404028FB}"/>
+              </a:ext>
+            </a:extLst>
+          </p:cNvPr>
+          <p:cNvSpPr>
+            <a:spLocks noGrp="1"/>
+          </p:cNvSpPr>
+          <p:nvPr>
+            <p:ph type="title"/>
+          </p:nvPr>
+        </p:nvSpPr>
+        <p:spPr/>
+        <p:txBody>
+          <a:bodyPr/>
+          <a:lstStyle/>
+          <a:p>
+            <a:r>
+              <a:rPr lang="en-IN" dirty="0">
+                <a:latin typeface="Times New Roman" panose="02020603050405020304" pitchFamily="18" charset="0"/>
+                <a:cs typeface="Times New Roman" panose="02020603050405020304" pitchFamily="18" charset="0"/>
+              </a:rPr>
+              <a:t>OUTPUT</a:t>
+            </a:r>
+          </a:p>
+        </p:txBody>
+      </p:sp>
+      <p:sp>
+        <p:nvSpPr>
+          <p:cNvPr id="4" name="Rectangle 3">
+            <a:extLst>
+              <a:ext uri="{FF2B5EF4-FFF2-40B4-BE49-F238E27FC236}">
+                <a16:creationId xmlns:a16="http://schemas.microsoft.com/office/drawing/2014/main" id="{3F80AADE-D1FF-2F6C-C6C5-653CF47E3B64}"/>
+              </a:ext>
+            </a:extLst>
+          </p:cNvPr>
+          <p:cNvSpPr/>
+          <p:nvPr/>
+        </p:nvSpPr>
+        <p:spPr>
+          <a:xfrm>
+            <a:off x="152400" y="152400"/>
+            <a:ext cx="8839200" cy="6553200"/>
+          </a:xfrm>
+          <a:prstGeom prst="rect">
+            <a:avLst/>
+          </a:prstGeom>
+          <a:noFill/>
+        </p:spPr>
+        <p:style>
+          <a:lnRef idx="2">
+            <a:schemeClr val="dk1"/>
+          </a:lnRef>
+          <a:fillRef idx="1">
+            <a:schemeClr val="lt1"/>
+          </a:fillRef>
+          <a:effectRef idx="0">
+            <a:schemeClr val="dk1"/>
+          </a:effectRef>
+          <a:fontRef idx="minor">
+            <a:schemeClr val="dk1"/>
+          </a:fontRef>
+        </p:style>
+        <p:txBody>
+          <a:bodyPr rtlCol="0" anchor="ctr"/>
+          <a:lstStyle/>
+          <a:p>
+            <a:pPr algn="ctr"/>
+            <a:endParaRPr lang="en-US" dirty="0"/>
+          </a:p>
+        </p:txBody>
+      </p:sp>
+      <p:pic>
+        <p:nvPicPr>
+          <p:cNvPr id="6" name="Picture 5">
+            <a:extLst>
+              <a:ext uri="{FF2B5EF4-FFF2-40B4-BE49-F238E27FC236}">
+                <a16:creationId xmlns:a16="http://schemas.microsoft.com/office/drawing/2014/main" id="{72643216-5E03-9A16-575A-F10E9F7D5150}"/>
+              </a:ext>
+            </a:extLst>
+          </p:cNvPr>
+          <p:cNvPicPr>
+            <a:picLocks noChangeAspect="1"/>
+          </p:cNvPicPr>
+          <p:nvPr/>
+        </p:nvPicPr>
+        <p:blipFill>
+          <a:blip r:embed="rId2"/>
+          <a:stretch>
+            <a:fillRect/>
+          </a:stretch>
+        </p:blipFill>
+        <p:spPr>
+          <a:xfrm>
+            <a:off x="608900" y="1447800"/>
+            <a:ext cx="7773100" cy="4877249"/>
+          </a:xfrm>
+          <a:prstGeom prst="rect">
+            <a:avLst/>
+          </a:prstGeom>
+        </p:spPr>
+      </p:pic>
+    </p:spTree>
+    <p:extLst>
+      <p:ext uri="{BB962C8B-B14F-4D97-AF65-F5344CB8AC3E}">
+        <p14:creationId xmlns:p14="http://schemas.microsoft.com/office/powerpoint/2010/main" val="2948319862"/>
+      </p:ext>
+    </p:extLst>
+  </p:cSld>
+  <p:clrMapOvr>
+    <a:masterClrMapping/>
+  </p:clrMapOvr>
+</p:sld>
+</file>
+
+<file path=ppt/slides/slide32.xml><?xml version="1.0" encoding="utf-8"?>
+<p:sld xmlns:a="http://schemas.openxmlformats.org/drawingml/2006/main" xmlns:r="http://schemas.openxmlformats.org/officeDocument/2006/relationships" xmlns:p="http://schemas.openxmlformats.org/presentationml/2006/main">
+  <p:cSld>
+    <p:spTree>
+      <p:nvGrpSpPr>
+        <p:cNvPr id="1" name=""/>
+        <p:cNvGrpSpPr/>
+        <p:nvPr/>
+      </p:nvGrpSpPr>
+      <p:grpSpPr>
+        <a:xfrm>
+          <a:off x="0" y="0"/>
+          <a:ext cx="0" cy="0"/>
+          <a:chOff x="0" y="0"/>
+          <a:chExt cx="0" cy="0"/>
+        </a:xfrm>
+      </p:grpSpPr>
+      <p:sp>
+        <p:nvSpPr>
+          <p:cNvPr id="2" name="Title 1"/>
+          <p:cNvSpPr>
+            <a:spLocks noGrp="1"/>
+          </p:cNvSpPr>
+          <p:nvPr>
+            <p:ph type="title"/>
+          </p:nvPr>
+        </p:nvSpPr>
+        <p:spPr/>
+        <p:txBody>
+          <a:bodyPr>
+            <a:normAutofit/>
+          </a:bodyPr>
+          <a:lstStyle/>
+          <a:p>
+            <a:r>
+              <a:rPr lang="en-US" sz="4000" dirty="0">
+                <a:latin typeface="Times New Roman" pitchFamily="18" charset="0"/>
+                <a:cs typeface="Times New Roman" pitchFamily="18" charset="0"/>
+              </a:rPr>
+              <a:t>Conclusion</a:t>
+            </a:r>
+          </a:p>
+        </p:txBody>
+      </p:sp>
+      <p:sp>
+        <p:nvSpPr>
+          <p:cNvPr id="3" name="Content Placeholder 2"/>
+          <p:cNvSpPr>
+            <a:spLocks noGrp="1"/>
+          </p:cNvSpPr>
+          <p:nvPr>
+            <p:ph idx="1"/>
+          </p:nvPr>
+        </p:nvSpPr>
+        <p:spPr>
+          <a:xfrm>
+            <a:off x="457200" y="2057400"/>
+            <a:ext cx="8229600" cy="3352800"/>
+          </a:xfrm>
+        </p:spPr>
+        <p:txBody>
+          <a:bodyPr>
+            <a:normAutofit/>
+          </a:bodyPr>
+          <a:lstStyle/>
+          <a:p>
+            <a:pPr>
+              <a:lnSpc>
+                <a:spcPct val="150000"/>
+              </a:lnSpc>
+            </a:pPr>
+            <a:r>
+              <a:rPr lang="en-US" sz="2800" dirty="0">
+                <a:latin typeface="Times New Roman" pitchFamily="18" charset="0"/>
+                <a:cs typeface="Times New Roman" pitchFamily="18" charset="0"/>
+              </a:rPr>
+              <a:t>Thus the proposed system can detect anomalies proactively and predict the type of anomalies that can appear in the different IOT systems</a:t>
+            </a:r>
+          </a:p>
+          <a:p>
+            <a:pPr>
+              <a:lnSpc>
+                <a:spcPct val="150000"/>
+              </a:lnSpc>
+            </a:pPr>
+            <a:r>
+              <a:rPr lang="en-US" sz="2800" dirty="0">
+                <a:latin typeface="Times New Roman" pitchFamily="18" charset="0"/>
+                <a:cs typeface="Times New Roman" pitchFamily="18" charset="0"/>
+              </a:rPr>
+              <a:t>This can save clients a lot of investments by avoiding a attack or vulnerability altogether</a:t>
+            </a:r>
+          </a:p>
+        </p:txBody>
+      </p:sp>
+    </p:spTree>
+  </p:cSld>
+  <p:clrMapOvr>
+    <a:masterClrMapping/>
+  </p:clrMapOvr>
+</p:sld>
+</file>
+
+<file path=ppt/slides/slide33.xml><?xml version="1.0" encoding="utf-8"?>
+<p:sld xmlns:a="http://schemas.openxmlformats.org/drawingml/2006/main" xmlns:r="http://schemas.openxmlformats.org/officeDocument/2006/relationships" xmlns:p="http://schemas.openxmlformats.org/presentationml/2006/main">
+  <p:cSld>
+    <p:spTree>
+      <p:nvGrpSpPr>
+        <p:cNvPr id="1" name=""/>
+        <p:cNvGrpSpPr/>
+        <p:nvPr/>
+      </p:nvGrpSpPr>
+      <p:grpSpPr>
+        <a:xfrm>
+          <a:off x="0" y="0"/>
+          <a:ext cx="0" cy="0"/>
+          <a:chOff x="0" y="0"/>
+          <a:chExt cx="0" cy="0"/>
+        </a:xfrm>
+      </p:grpSpPr>
+      <p:sp>
+        <p:nvSpPr>
+          <p:cNvPr id="2" name="Title 1">
+            <a:extLst>
+              <a:ext uri="{FF2B5EF4-FFF2-40B4-BE49-F238E27FC236}">
+                <a16:creationId xmlns:a16="http://schemas.microsoft.com/office/drawing/2014/main" id="{4174D416-BD00-4F13-CFA7-1141329FC7AB}"/>
+              </a:ext>
+            </a:extLst>
+          </p:cNvPr>
+          <p:cNvSpPr>
+            <a:spLocks noGrp="1"/>
+          </p:cNvSpPr>
+          <p:nvPr>
+            <p:ph type="title"/>
+          </p:nvPr>
+        </p:nvSpPr>
+        <p:spPr>
+          <a:xfrm>
+            <a:off x="430161" y="-27039"/>
+            <a:ext cx="8229600" cy="1143000"/>
+          </a:xfrm>
+        </p:spPr>
+        <p:txBody>
+          <a:bodyPr/>
+          <a:lstStyle/>
+          <a:p>
+            <a:r>
+              <a:rPr lang="en-IN" dirty="0">
+                <a:latin typeface="Times New Roman" panose="02020603050405020304" pitchFamily="18" charset="0"/>
+                <a:cs typeface="Times New Roman" panose="02020603050405020304" pitchFamily="18" charset="0"/>
+              </a:rPr>
+              <a:t>FUTURE  ENHANCEMENTS</a:t>
+            </a:r>
+          </a:p>
+        </p:txBody>
+      </p:sp>
+      <p:sp>
+        <p:nvSpPr>
+          <p:cNvPr id="3" name="Content Placeholder 2">
+            <a:extLst>
+              <a:ext uri="{FF2B5EF4-FFF2-40B4-BE49-F238E27FC236}">
+                <a16:creationId xmlns:a16="http://schemas.microsoft.com/office/drawing/2014/main" id="{463F687B-51BA-6857-63AC-E00F1BB8CE5A}"/>
+              </a:ext>
+            </a:extLst>
+          </p:cNvPr>
+          <p:cNvSpPr>
+            <a:spLocks noGrp="1"/>
+          </p:cNvSpPr>
+          <p:nvPr>
+            <p:ph idx="1"/>
+          </p:nvPr>
+        </p:nvSpPr>
+        <p:spPr>
+          <a:xfrm>
+            <a:off x="381000" y="1828800"/>
+            <a:ext cx="8229600" cy="3837039"/>
+          </a:xfrm>
+        </p:spPr>
+        <p:txBody>
+          <a:bodyPr>
+            <a:normAutofit/>
+          </a:bodyPr>
+          <a:lstStyle/>
+          <a:p>
+            <a:pPr algn="l">
+              <a:lnSpc>
+                <a:spcPct val="170000"/>
+              </a:lnSpc>
+              <a:buFont typeface="+mj-lt"/>
+              <a:buAutoNum type="arabicPeriod"/>
+            </a:pPr>
+            <a:r>
+              <a:rPr lang="en-US" sz="1800" b="1" i="0" dirty="0">
+                <a:effectLst/>
+                <a:latin typeface="Times New Roman" panose="02020603050405020304" pitchFamily="18" charset="0"/>
+                <a:cs typeface="Times New Roman" panose="02020603050405020304" pitchFamily="18" charset="0"/>
+              </a:rPr>
+              <a:t>Enhanced Bias Detection Algorithms</a:t>
+            </a:r>
+            <a:r>
+              <a:rPr lang="en-US" sz="1800" b="0" i="0" dirty="0">
+                <a:effectLst/>
+                <a:latin typeface="Times New Roman" panose="02020603050405020304" pitchFamily="18" charset="0"/>
+                <a:cs typeface="Times New Roman" panose="02020603050405020304" pitchFamily="18" charset="0"/>
+              </a:rPr>
+              <a:t>: Incorporate advanced machine learning algorithms and techniques for more accurate and comprehensive bias detection.</a:t>
+            </a:r>
+          </a:p>
+          <a:p>
+            <a:pPr algn="l">
+              <a:lnSpc>
+                <a:spcPct val="170000"/>
+              </a:lnSpc>
+              <a:buFont typeface="+mj-lt"/>
+              <a:buAutoNum type="arabicPeriod"/>
+            </a:pPr>
+            <a:r>
+              <a:rPr lang="en-US" sz="1800" b="1" i="0" dirty="0">
+                <a:effectLst/>
+                <a:latin typeface="Times New Roman" panose="02020603050405020304" pitchFamily="18" charset="0"/>
+                <a:cs typeface="Times New Roman" panose="02020603050405020304" pitchFamily="18" charset="0"/>
+              </a:rPr>
+              <a:t>Predictive Analytics</a:t>
+            </a:r>
+            <a:r>
+              <a:rPr lang="en-US" sz="1800" b="0" i="0" dirty="0">
+                <a:effectLst/>
+                <a:latin typeface="Times New Roman" panose="02020603050405020304" pitchFamily="18" charset="0"/>
+                <a:cs typeface="Times New Roman" panose="02020603050405020304" pitchFamily="18" charset="0"/>
+              </a:rPr>
+              <a:t>: Extend the framework to include predictive analytics capabilities, allowing for the anticipation of potential biases and proactive mitigation strategies.</a:t>
+            </a:r>
+          </a:p>
+          <a:p>
+            <a:pPr algn="l">
+              <a:lnSpc>
+                <a:spcPct val="170000"/>
+              </a:lnSpc>
+              <a:buFont typeface="+mj-lt"/>
+              <a:buAutoNum type="arabicPeriod"/>
+            </a:pPr>
+            <a:r>
+              <a:rPr lang="en-US" sz="1800" b="1" dirty="0">
+                <a:latin typeface="Times New Roman" panose="02020603050405020304" pitchFamily="18" charset="0"/>
+                <a:cs typeface="Times New Roman" panose="02020603050405020304" pitchFamily="18" charset="0"/>
+              </a:rPr>
+              <a:t>Interactive Design : </a:t>
+            </a:r>
+            <a:r>
+              <a:rPr kumimoji="0" lang="en-US" sz="1800" b="0" i="0" u="none" strike="noStrike" kern="1200" cap="none" spc="0" normalizeH="0" baseline="0" noProof="0" dirty="0">
+                <a:ln>
+                  <a:noFill/>
+                </a:ln>
+                <a:solidFill>
+                  <a:prstClr val="black"/>
+                </a:solidFill>
+                <a:effectLst/>
+                <a:uLnTx/>
+                <a:uFillTx/>
+                <a:latin typeface="Times New Roman" panose="02020603050405020304" pitchFamily="18" charset="0"/>
+                <a:ea typeface="+mn-ea"/>
+                <a:cs typeface="Times New Roman" panose="02020603050405020304" pitchFamily="18" charset="0"/>
+              </a:rPr>
+              <a:t>Create a interactive platform in which users can make </a:t>
+            </a:r>
+            <a:r>
+              <a:rPr kumimoji="0" lang="en-US" sz="1800" b="0" i="0" u="none" strike="noStrike" kern="1200" cap="none" spc="0" normalizeH="0" baseline="0" noProof="0" dirty="0" err="1">
+                <a:ln>
+                  <a:noFill/>
+                </a:ln>
+                <a:solidFill>
+                  <a:prstClr val="black"/>
+                </a:solidFill>
+                <a:effectLst/>
+                <a:uLnTx/>
+                <a:uFillTx/>
+                <a:latin typeface="Times New Roman" panose="02020603050405020304" pitchFamily="18" charset="0"/>
+                <a:ea typeface="+mn-ea"/>
+                <a:cs typeface="Times New Roman" panose="02020603050405020304" pitchFamily="18" charset="0"/>
+              </a:rPr>
+              <a:t>intiuitive</a:t>
+            </a:r>
+            <a:r>
+              <a:rPr kumimoji="0" lang="en-US" sz="1800" b="0" i="0" u="none" strike="noStrike" kern="1200" cap="none" spc="0" normalizeH="0" baseline="0" noProof="0" dirty="0">
+                <a:ln>
+                  <a:noFill/>
+                </a:ln>
+                <a:solidFill>
+                  <a:prstClr val="black"/>
+                </a:solidFill>
+                <a:effectLst/>
+                <a:uLnTx/>
+                <a:uFillTx/>
+                <a:latin typeface="Times New Roman" panose="02020603050405020304" pitchFamily="18" charset="0"/>
+                <a:ea typeface="+mn-ea"/>
+                <a:cs typeface="Times New Roman" panose="02020603050405020304" pitchFamily="18" charset="0"/>
+              </a:rPr>
+              <a:t> changes and perform experiment</a:t>
+            </a:r>
+          </a:p>
+        </p:txBody>
+      </p:sp>
+      <p:sp>
+        <p:nvSpPr>
+          <p:cNvPr id="4" name="Rectangle 3">
+            <a:extLst>
+              <a:ext uri="{FF2B5EF4-FFF2-40B4-BE49-F238E27FC236}">
+                <a16:creationId xmlns:a16="http://schemas.microsoft.com/office/drawing/2014/main" id="{A24E0F1E-A288-9313-E670-93416F985D43}"/>
+              </a:ext>
+            </a:extLst>
+          </p:cNvPr>
+          <p:cNvSpPr/>
+          <p:nvPr/>
+        </p:nvSpPr>
+        <p:spPr>
+          <a:xfrm>
+            <a:off x="152400" y="152400"/>
+            <a:ext cx="8839200" cy="6553200"/>
+          </a:xfrm>
+          <a:prstGeom prst="rect">
+            <a:avLst/>
+          </a:prstGeom>
+          <a:noFill/>
+        </p:spPr>
+        <p:style>
+          <a:lnRef idx="2">
+            <a:schemeClr val="dk1"/>
+          </a:lnRef>
+          <a:fillRef idx="1">
+            <a:schemeClr val="lt1"/>
+          </a:fillRef>
+          <a:effectRef idx="0">
+            <a:schemeClr val="dk1"/>
+          </a:effectRef>
+          <a:fontRef idx="minor">
+            <a:schemeClr val="dk1"/>
+          </a:fontRef>
+        </p:style>
+        <p:txBody>
+          <a:bodyPr rtlCol="0" anchor="ctr"/>
+          <a:lstStyle/>
+          <a:p>
+            <a:pPr algn="ctr"/>
+            <a:endParaRPr lang="en-US" dirty="0"/>
+          </a:p>
+        </p:txBody>
+      </p:sp>
+    </p:spTree>
+    <p:extLst>
+      <p:ext uri="{BB962C8B-B14F-4D97-AF65-F5344CB8AC3E}">
+        <p14:creationId xmlns:p14="http://schemas.microsoft.com/office/powerpoint/2010/main" val="759100138"/>
+      </p:ext>
+    </p:extLst>
+  </p:cSld>
+  <p:clrMapOvr>
+    <a:masterClrMapping/>
+  </p:clrMapOvr>
+</p:sld>
+</file>
+
+<file path=ppt/slides/slide34.xml><?xml version="1.0" encoding="utf-8"?>
+<p:sld xmlns:a="http://schemas.openxmlformats.org/drawingml/2006/main" xmlns:r="http://schemas.openxmlformats.org/officeDocument/2006/relationships" xmlns:p="http://schemas.openxmlformats.org/presentationml/2006/main">
+  <p:cSld>
+    <p:spTree>
+      <p:nvGrpSpPr>
+        <p:cNvPr id="1" name=""/>
+        <p:cNvGrpSpPr/>
+        <p:nvPr/>
+      </p:nvGrpSpPr>
+      <p:grpSpPr>
+        <a:xfrm>
+          <a:off x="0" y="0"/>
+          <a:ext cx="0" cy="0"/>
+          <a:chOff x="0" y="0"/>
+          <a:chExt cx="0" cy="0"/>
+        </a:xfrm>
+      </p:grpSpPr>
+      <p:sp>
+        <p:nvSpPr>
+          <p:cNvPr id="2" name="Title 1">
+            <a:extLst>
+              <a:ext uri="{FF2B5EF4-FFF2-40B4-BE49-F238E27FC236}">
+                <a16:creationId xmlns:a16="http://schemas.microsoft.com/office/drawing/2014/main" id="{A76634AC-3B85-1363-E6DE-E2243A171ED0}"/>
+              </a:ext>
+            </a:extLst>
+          </p:cNvPr>
+          <p:cNvSpPr>
+            <a:spLocks noGrp="1"/>
+          </p:cNvSpPr>
+          <p:nvPr>
+            <p:ph type="title"/>
+          </p:nvPr>
+        </p:nvSpPr>
+        <p:spPr>
+          <a:xfrm>
+            <a:off x="381000" y="1066800"/>
+            <a:ext cx="8229600" cy="4525962"/>
+          </a:xfrm>
+        </p:spPr>
+        <p:txBody>
+          <a:bodyPr/>
+          <a:lstStyle/>
+          <a:p>
+            <a:r>
+              <a:rPr lang="en-US" dirty="0"/>
+              <a:t>Thank you for your time, we know it is precious to you!</a:t>
+            </a:r>
+          </a:p>
+        </p:txBody>
+      </p:sp>
+    </p:spTree>
+    <p:extLst>
+      <p:ext uri="{BB962C8B-B14F-4D97-AF65-F5344CB8AC3E}">
+        <p14:creationId xmlns:p14="http://schemas.microsoft.com/office/powerpoint/2010/main" val="2366868819"/>
       </p:ext>
     </p:extLst>
   </p:cSld>
@@ -16157,6 +17422,55 @@
           </a:p>
         </p:txBody>
       </p:sp>
+      <p:sp>
+        <p:nvSpPr>
+          <p:cNvPr id="4" name="Rectangle 3">
+            <a:extLst>
+              <a:ext uri="{FF2B5EF4-FFF2-40B4-BE49-F238E27FC236}">
+                <a16:creationId xmlns:a16="http://schemas.microsoft.com/office/drawing/2014/main" id="{E7B46A34-BDCB-9C9E-E690-58CB79BC16F9}"/>
+              </a:ext>
+            </a:extLst>
+          </p:cNvPr>
+          <p:cNvSpPr/>
+          <p:nvPr/>
+        </p:nvSpPr>
+        <p:spPr>
+          <a:xfrm>
+            <a:off x="152400" y="152400"/>
+            <a:ext cx="8839200" cy="6553200"/>
+          </a:xfrm>
+          <a:prstGeom prst="rect">
+            <a:avLst/>
+          </a:prstGeom>
+          <a:noFill/>
+        </p:spPr>
+        <p:style>
+          <a:lnRef idx="2">
+            <a:schemeClr val="dk1"/>
+          </a:lnRef>
+          <a:fillRef idx="1">
+            <a:schemeClr val="lt1"/>
+          </a:fillRef>
+          <a:effectRef idx="0">
+            <a:schemeClr val="dk1"/>
+          </a:effectRef>
+          <a:fontRef idx="minor">
+            <a:schemeClr val="dk1"/>
+          </a:fontRef>
+        </p:style>
+        <p:txBody>
+          <a:bodyPr rtlCol="0" anchor="ctr"/>
+          <a:lstStyle/>
+          <a:p>
+            <a:pPr algn="ctr"/>
+            <a:endParaRPr lang="en-US" dirty="0"/>
+          </a:p>
+          <a:p>
+            <a:pPr algn="ctr"/>
+            <a:endParaRPr lang="en-US" dirty="0"/>
+          </a:p>
+        </p:txBody>
+      </p:sp>
     </p:spTree>
   </p:cSld>
   <p:clrMapOvr>
@@ -16268,6 +17582,55 @@
               <a:rPr lang="en-US" sz="1400" dirty="0"/>
               <a:t>Privacy Concerns: Collecting and analyzing data from IoT sensors may raise privacy concerns, particularly regarding sensitive information about individuals or proprietary business processes.</a:t>
             </a:r>
+          </a:p>
+        </p:txBody>
+      </p:sp>
+      <p:sp>
+        <p:nvSpPr>
+          <p:cNvPr id="2" name="Rectangle 1">
+            <a:extLst>
+              <a:ext uri="{FF2B5EF4-FFF2-40B4-BE49-F238E27FC236}">
+                <a16:creationId xmlns:a16="http://schemas.microsoft.com/office/drawing/2014/main" id="{1B3203A5-FFB7-1E9F-10F4-DCA1A1B3A093}"/>
+              </a:ext>
+            </a:extLst>
+          </p:cNvPr>
+          <p:cNvSpPr/>
+          <p:nvPr/>
+        </p:nvSpPr>
+        <p:spPr>
+          <a:xfrm>
+            <a:off x="152400" y="152400"/>
+            <a:ext cx="8839200" cy="6553200"/>
+          </a:xfrm>
+          <a:prstGeom prst="rect">
+            <a:avLst/>
+          </a:prstGeom>
+          <a:noFill/>
+        </p:spPr>
+        <p:style>
+          <a:lnRef idx="2">
+            <a:schemeClr val="dk1"/>
+          </a:lnRef>
+          <a:fillRef idx="1">
+            <a:schemeClr val="lt1"/>
+          </a:fillRef>
+          <a:effectRef idx="0">
+            <a:schemeClr val="dk1"/>
+          </a:effectRef>
+          <a:fontRef idx="minor">
+            <a:schemeClr val="dk1"/>
+          </a:fontRef>
+        </p:style>
+        <p:txBody>
+          <a:bodyPr rtlCol="0" anchor="ctr"/>
+          <a:lstStyle/>
+          <a:p>
+            <a:pPr algn="ctr"/>
+            <a:endParaRPr lang="en-US" dirty="0"/>
+          </a:p>
+          <a:p>
+            <a:pPr algn="ctr"/>
+            <a:endParaRPr lang="en-US" dirty="0"/>
           </a:p>
         </p:txBody>
       </p:sp>
